--- a/slides/persian/Suffix Tree.pptx
+++ b/slides/persian/Suffix Tree.pptx
@@ -5,15 +5,22 @@
     <p:sldMasterId id="2147483690" r:id="rId1"/>
   </p:sldMasterIdLst>
   <p:sldIdLst>
-    <p:sldId id="256" r:id="rId2"/>
-    <p:sldId id="259" r:id="rId3"/>
-    <p:sldId id="260" r:id="rId4"/>
-    <p:sldId id="261" r:id="rId5"/>
-    <p:sldId id="263" r:id="rId6"/>
-    <p:sldId id="264" r:id="rId7"/>
-    <p:sldId id="265" r:id="rId8"/>
-    <p:sldId id="266" r:id="rId9"/>
-    <p:sldId id="267" r:id="rId10"/>
+    <p:sldId id="277" r:id="rId2"/>
+    <p:sldId id="256" r:id="rId3"/>
+    <p:sldId id="269" r:id="rId4"/>
+    <p:sldId id="259" r:id="rId5"/>
+    <p:sldId id="260" r:id="rId6"/>
+    <p:sldId id="261" r:id="rId7"/>
+    <p:sldId id="263" r:id="rId8"/>
+    <p:sldId id="264" r:id="rId9"/>
+    <p:sldId id="265" r:id="rId10"/>
+    <p:sldId id="266" r:id="rId11"/>
+    <p:sldId id="267" r:id="rId12"/>
+    <p:sldId id="278" r:id="rId13"/>
+    <p:sldId id="270" r:id="rId14"/>
+    <p:sldId id="274" r:id="rId15"/>
+    <p:sldId id="272" r:id="rId16"/>
+    <p:sldId id="276" r:id="rId17"/>
   </p:sldIdLst>
   <p:sldSz cx="12192000" cy="6858000"/>
   <p:notesSz cx="6858000" cy="9144000"/>
@@ -113,6 +120,34 @@
     </a:lvl9pPr>
   </p:defaultTextStyle>
   <p:extLst>
+    <p:ext uri="{521415D9-36F7-43E2-AB2F-B90AF26B5E84}">
+      <p14:sectionLst xmlns:p14="http://schemas.microsoft.com/office/powerpoint/2010/main">
+        <p14:section name="Default Section" id="{A6EAA712-9358-459D-A774-7D9394261D0F}">
+          <p14:sldIdLst>
+            <p14:sldId id="277"/>
+            <p14:sldId id="256"/>
+            <p14:sldId id="269"/>
+          </p14:sldIdLst>
+        </p14:section>
+        <p14:section name="Untitled Section" id="{B169133F-5CD2-42A8-B284-42527B03DDE6}">
+          <p14:sldIdLst>
+            <p14:sldId id="259"/>
+            <p14:sldId id="260"/>
+            <p14:sldId id="261"/>
+            <p14:sldId id="263"/>
+            <p14:sldId id="264"/>
+            <p14:sldId id="265"/>
+            <p14:sldId id="266"/>
+            <p14:sldId id="267"/>
+            <p14:sldId id="278"/>
+            <p14:sldId id="270"/>
+            <p14:sldId id="274"/>
+            <p14:sldId id="272"/>
+            <p14:sldId id="276"/>
+          </p14:sldIdLst>
+        </p14:section>
+      </p14:sectionLst>
+    </p:ext>
     <p:ext uri="{EFAFB233-063F-42B5-8137-9DF3F51BA10A}">
       <p15:sldGuideLst xmlns:p15="http://schemas.microsoft.com/office/powerpoint/2012/main"/>
     </p:ext>
@@ -760,7 +795,7 @@
           <a:p>
             <a:fld id="{EA636227-4E37-4851-ADCE-8B8AC33C39BB}" type="datetimeFigureOut">
               <a:rPr lang="en-US" smtClean="0"/>
-              <a:t>12/14/2021</a:t>
+              <a:t>12/17/2021</a:t>
             </a:fld>
             <a:endParaRPr lang="en-US"/>
           </a:p>
@@ -968,7 +1003,7 @@
           <a:p>
             <a:fld id="{EA636227-4E37-4851-ADCE-8B8AC33C39BB}" type="datetimeFigureOut">
               <a:rPr lang="en-US" smtClean="0"/>
-              <a:t>12/14/2021</a:t>
+              <a:t>12/17/2021</a:t>
             </a:fld>
             <a:endParaRPr lang="en-US"/>
           </a:p>
@@ -1224,7 +1259,7 @@
           <a:p>
             <a:fld id="{EA636227-4E37-4851-ADCE-8B8AC33C39BB}" type="datetimeFigureOut">
               <a:rPr lang="en-US" smtClean="0"/>
-              <a:t>12/14/2021</a:t>
+              <a:t>12/17/2021</a:t>
             </a:fld>
             <a:endParaRPr lang="en-US"/>
           </a:p>
@@ -1394,7 +1429,7 @@
           <a:p>
             <a:fld id="{EA636227-4E37-4851-ADCE-8B8AC33C39BB}" type="datetimeFigureOut">
               <a:rPr lang="en-US" smtClean="0"/>
-              <a:t>12/14/2021</a:t>
+              <a:t>12/17/2021</a:t>
             </a:fld>
             <a:endParaRPr lang="en-US"/>
           </a:p>
@@ -1737,7 +1772,7 @@
           <a:p>
             <a:fld id="{EA636227-4E37-4851-ADCE-8B8AC33C39BB}" type="datetimeFigureOut">
               <a:rPr lang="en-US" smtClean="0"/>
-              <a:t>12/14/2021</a:t>
+              <a:t>12/17/2021</a:t>
             </a:fld>
             <a:endParaRPr lang="en-US"/>
           </a:p>
@@ -2012,7 +2047,7 @@
           <a:p>
             <a:fld id="{EA636227-4E37-4851-ADCE-8B8AC33C39BB}" type="datetimeFigureOut">
               <a:rPr lang="en-US" smtClean="0"/>
-              <a:t>12/14/2021</a:t>
+              <a:t>12/17/2021</a:t>
             </a:fld>
             <a:endParaRPr lang="en-US"/>
           </a:p>
@@ -2391,7 +2426,7 @@
           <a:p>
             <a:fld id="{EA636227-4E37-4851-ADCE-8B8AC33C39BB}" type="datetimeFigureOut">
               <a:rPr lang="en-US" smtClean="0"/>
-              <a:t>12/14/2021</a:t>
+              <a:t>12/17/2021</a:t>
             </a:fld>
             <a:endParaRPr lang="en-US"/>
           </a:p>
@@ -2509,7 +2544,7 @@
           <a:p>
             <a:fld id="{EA636227-4E37-4851-ADCE-8B8AC33C39BB}" type="datetimeFigureOut">
               <a:rPr lang="en-US" smtClean="0"/>
-              <a:t>12/14/2021</a:t>
+              <a:t>12/17/2021</a:t>
             </a:fld>
             <a:endParaRPr lang="en-US"/>
           </a:p>
@@ -2680,7 +2715,7 @@
           <a:p>
             <a:fld id="{EA636227-4E37-4851-ADCE-8B8AC33C39BB}" type="datetimeFigureOut">
               <a:rPr lang="en-US" smtClean="0"/>
-              <a:t>12/14/2021</a:t>
+              <a:t>12/17/2021</a:t>
             </a:fld>
             <a:endParaRPr lang="en-US"/>
           </a:p>
@@ -3034,7 +3069,7 @@
           <a:p>
             <a:fld id="{EA636227-4E37-4851-ADCE-8B8AC33C39BB}" type="datetimeFigureOut">
               <a:rPr lang="en-US" smtClean="0"/>
-              <a:t>12/14/2021</a:t>
+              <a:t>12/17/2021</a:t>
             </a:fld>
             <a:endParaRPr lang="en-US"/>
           </a:p>
@@ -3411,7 +3446,7 @@
           <a:p>
             <a:fld id="{EA636227-4E37-4851-ADCE-8B8AC33C39BB}" type="datetimeFigureOut">
               <a:rPr lang="en-US" smtClean="0"/>
-              <a:t>12/14/2021</a:t>
+              <a:t>12/17/2021</a:t>
             </a:fld>
             <a:endParaRPr lang="en-US"/>
           </a:p>
@@ -3698,7 +3733,7 @@
           <a:p>
             <a:fld id="{EA636227-4E37-4851-ADCE-8B8AC33C39BB}" type="datetimeFigureOut">
               <a:rPr lang="en-US" smtClean="0"/>
-              <a:t>12/14/2021</a:t>
+              <a:t>12/17/2021</a:t>
             </a:fld>
             <a:endParaRPr lang="en-US"/>
           </a:p>
@@ -4224,10 +4259,160 @@
       </p:grpSpPr>
       <p:sp>
         <p:nvSpPr>
+          <p:cNvPr id="2" name="Title 1"/>
+          <p:cNvSpPr>
+            <a:spLocks noGrp="1"/>
+          </p:cNvSpPr>
+          <p:nvPr>
+            <p:ph type="title"/>
+          </p:nvPr>
+        </p:nvSpPr>
+        <p:spPr>
+          <a:xfrm>
+            <a:off x="209006" y="2873828"/>
+            <a:ext cx="11625943" cy="1390323"/>
+          </a:xfrm>
+        </p:spPr>
+        <p:txBody>
+          <a:bodyPr>
+            <a:normAutofit/>
+          </a:bodyPr>
+          <a:lstStyle/>
+          <a:p>
+            <a:pPr algn="ctr"/>
+            <a:r>
+              <a:rPr lang="fa-IR" sz="6000" dirty="0"/>
+              <a:t>پروژه ساختمان داده ها و الگوریتم</a:t>
+            </a:r>
+            <a:endParaRPr lang="en-US" sz="6000" dirty="0"/>
+          </a:p>
+        </p:txBody>
+      </p:sp>
+      <p:sp>
+        <p:nvSpPr>
+          <p:cNvPr id="3" name="Text Placeholder 2"/>
+          <p:cNvSpPr>
+            <a:spLocks noGrp="1"/>
+          </p:cNvSpPr>
+          <p:nvPr>
+            <p:ph type="body" idx="1"/>
+          </p:nvPr>
+        </p:nvSpPr>
+        <p:spPr/>
+        <p:txBody>
+          <a:bodyPr/>
+          <a:lstStyle/>
+          <a:p>
+            <a:r>
+              <a:rPr lang="fa-IR" dirty="0"/>
+              <a:t>ترم پاییزه 1400-1401</a:t>
+            </a:r>
+            <a:endParaRPr lang="en-US" dirty="0"/>
+          </a:p>
+        </p:txBody>
+      </p:sp>
+      <p:pic>
+        <p:nvPicPr>
+          <p:cNvPr id="7170" name="Picture 2" descr="Sbu-logo"/>
+          <p:cNvPicPr>
+            <a:picLocks noChangeAspect="1" noChangeArrowheads="1"/>
+          </p:cNvPicPr>
+          <p:nvPr/>
+        </p:nvPicPr>
+        <p:blipFill>
+          <a:blip r:embed="rId2" cstate="hqprint">
+            <a:extLst>
+              <a:ext uri="{28A0092B-C50C-407E-A947-70E740481C1C}">
+                <a14:useLocalDpi xmlns:a14="http://schemas.microsoft.com/office/drawing/2010/main" val="0"/>
+              </a:ext>
+            </a:extLst>
+          </a:blip>
+          <a:srcRect/>
+          <a:stretch>
+            <a:fillRect/>
+          </a:stretch>
+        </p:blipFill>
+        <p:spPr bwMode="auto">
+          <a:xfrm>
+            <a:off x="4768351" y="434943"/>
+            <a:ext cx="1858872" cy="1858872"/>
+          </a:xfrm>
+          <a:prstGeom prst="rect">
+            <a:avLst/>
+          </a:prstGeom>
+          <a:noFill/>
+          <a:ln>
+            <a:noFill/>
+          </a:ln>
+          <a:extLst>
+            <a:ext uri="{909E8E84-426E-40DD-AFC4-6F175D3DCCD1}">
+              <a14:hiddenFill xmlns:a14="http://schemas.microsoft.com/office/drawing/2010/main">
+                <a:solidFill>
+                  <a:srgbClr val="FFFFFF"/>
+                </a:solidFill>
+              </a14:hiddenFill>
+            </a:ext>
+            <a:ext uri="{91240B29-F687-4F45-9708-019B960494DF}">
+              <a14:hiddenLine xmlns:a14="http://schemas.microsoft.com/office/drawing/2010/main" w="9525">
+                <a:solidFill>
+                  <a:srgbClr val="000000"/>
+                </a:solidFill>
+                <a:miter lim="800000"/>
+                <a:headEnd/>
+                <a:tailEnd/>
+              </a14:hiddenLine>
+            </a:ext>
+          </a:extLst>
+        </p:spPr>
+      </p:pic>
+    </p:spTree>
+    <p:extLst>
+      <p:ext uri="{BB962C8B-B14F-4D97-AF65-F5344CB8AC3E}">
+        <p14:creationId xmlns:p14="http://schemas.microsoft.com/office/powerpoint/2010/main" val="1369891465"/>
+      </p:ext>
+    </p:extLst>
+  </p:cSld>
+  <p:clrMapOvr>
+    <a:masterClrMapping/>
+  </p:clrMapOvr>
+  <mc:AlternateContent xmlns:mc="http://schemas.openxmlformats.org/markup-compatibility/2006" xmlns:p14="http://schemas.microsoft.com/office/powerpoint/2010/main">
+    <mc:Choice Requires="p14">
+      <p:transition spd="med" p14:dur="700">
+        <p:fade/>
+      </p:transition>
+    </mc:Choice>
+    <mc:Fallback xmlns="">
+      <p:transition spd="med">
+        <p:fade/>
+      </p:transition>
+    </mc:Fallback>
+  </mc:AlternateContent>
+</p:sld>
+</file>
+
+<file path=ppt/slides/slide10.xml><?xml version="1.0" encoding="utf-8"?>
+<p:sld xmlns:a="http://schemas.openxmlformats.org/drawingml/2006/main" xmlns:r="http://schemas.openxmlformats.org/officeDocument/2006/relationships" xmlns:p="http://schemas.openxmlformats.org/presentationml/2006/main">
+  <p:cSld>
+    <p:spTree>
+      <p:nvGrpSpPr>
+        <p:cNvPr id="1" name=""/>
+        <p:cNvGrpSpPr/>
+        <p:nvPr/>
+      </p:nvGrpSpPr>
+      <p:grpSpPr>
+        <a:xfrm>
+          <a:off x="0" y="0"/>
+          <a:ext cx="0" cy="0"/>
+          <a:chOff x="0" y="0"/>
+          <a:chExt cx="0" cy="0"/>
+        </a:xfrm>
+      </p:grpSpPr>
+      <p:sp>
+        <p:nvSpPr>
           <p:cNvPr id="2" name="Title 1">
             <a:extLst>
               <a:ext uri="{FF2B5EF4-FFF2-40B4-BE49-F238E27FC236}">
-                <a16:creationId xmlns:a16="http://schemas.microsoft.com/office/drawing/2014/main" id="{43A8F307-38C2-4027-9ED7-FE1E343B402A}"/>
+                <a16:creationId xmlns:a16="http://schemas.microsoft.com/office/drawing/2014/main" id="{90A2169E-0947-4318-AA51-5B31AB137C13}"/>
               </a:ext>
             </a:extLst>
           </p:cNvPr>
@@ -4235,31 +4420,47 @@
             <a:spLocks noGrp="1"/>
           </p:cNvSpPr>
           <p:nvPr>
-            <p:ph type="ctrTitle"/>
+            <p:ph type="title"/>
           </p:nvPr>
         </p:nvSpPr>
         <p:spPr/>
         <p:txBody>
-          <a:bodyPr/>
-          <a:lstStyle/>
-          <a:p>
-            <a:pPr algn="l"/>
-            <a:r>
-              <a:rPr lang="en-US" dirty="0">
-                <a:latin typeface="Arial" panose="020B0604020202020204" pitchFamily="34" charset="0"/>
-                <a:cs typeface="Arial" panose="020B0604020202020204" pitchFamily="34" charset="0"/>
+          <a:bodyPr>
+            <a:normAutofit/>
+          </a:bodyPr>
+          <a:lstStyle/>
+          <a:p>
+            <a:pPr algn="r" rtl="1"/>
+            <a:r>
+              <a:rPr lang="fa-IR" sz="3600" dirty="0">
+                <a:cs typeface="B Nazanin" panose="00000400000000000000" pitchFamily="2" charset="-78"/>
               </a:rPr>
-              <a:t>Suffix Tree</a:t>
-            </a:r>
-          </a:p>
-        </p:txBody>
-      </p:sp>
-      <p:sp>
-        <p:nvSpPr>
-          <p:cNvPr id="3" name="Subtitle 2">
+              <a:t>ساخت </a:t>
+            </a:r>
+            <a:r>
+              <a:rPr lang="en-US" sz="3600" dirty="0">
+                <a:cs typeface="B Nazanin" panose="00000400000000000000" pitchFamily="2" charset="-78"/>
+              </a:rPr>
+              <a:t>suffix tree </a:t>
+            </a:r>
+            <a:r>
+              <a:rPr lang="fa-IR" sz="3600" dirty="0">
+                <a:cs typeface="B Nazanin" panose="00000400000000000000" pitchFamily="2" charset="-78"/>
+              </a:rPr>
+              <a:t> در مرتبه زمانی خطی</a:t>
+            </a:r>
+            <a:endParaRPr lang="en-US" sz="3600" dirty="0">
+              <a:cs typeface="B Nazanin" panose="00000400000000000000" pitchFamily="2" charset="-78"/>
+            </a:endParaRPr>
+          </a:p>
+        </p:txBody>
+      </p:sp>
+      <p:sp>
+        <p:nvSpPr>
+          <p:cNvPr id="3" name="Content Placeholder 2">
             <a:extLst>
               <a:ext uri="{FF2B5EF4-FFF2-40B4-BE49-F238E27FC236}">
-                <a16:creationId xmlns:a16="http://schemas.microsoft.com/office/drawing/2014/main" id="{87898F0F-088E-4588-AF90-F78DD7485732}"/>
+                <a16:creationId xmlns:a16="http://schemas.microsoft.com/office/drawing/2014/main" id="{CB08A0B9-E8F7-4720-AF3D-2138BA28E6AF}"/>
               </a:ext>
             </a:extLst>
           </p:cNvPr>
@@ -4267,7 +4468,7 @@
             <a:spLocks noGrp="1"/>
           </p:cNvSpPr>
           <p:nvPr>
-            <p:ph type="subTitle" idx="1"/>
+            <p:ph idx="1"/>
           </p:nvPr>
         </p:nvSpPr>
         <p:spPr/>
@@ -4277,20 +4478,4105 @@
           </a:bodyPr>
           <a:lstStyle/>
           <a:p>
-            <a:pPr algn="r"/>
-            <a:r>
-              <a:rPr lang="fa-IR" sz="2800" dirty="0">
+            <a:pPr algn="r" rtl="1"/>
+            <a:r>
+              <a:rPr lang="fa-IR" dirty="0">
                 <a:cs typeface="B Nazanin" panose="00000400000000000000" pitchFamily="2" charset="-78"/>
               </a:rPr>
-              <a:t>داده ساختار درخت پسوندی</a:t>
-            </a:r>
-          </a:p>
-        </p:txBody>
-      </p:sp>
+              <a:t>از </a:t>
+            </a:r>
+            <a:r>
+              <a:rPr lang="en-US" dirty="0" err="1">
+                <a:cs typeface="B Nazanin" panose="00000400000000000000" pitchFamily="2" charset="-78"/>
+              </a:rPr>
+              <a:t>Ukkonen’s</a:t>
+            </a:r>
+            <a:r>
+              <a:rPr lang="en-US" dirty="0">
+                <a:cs typeface="B Nazanin" panose="00000400000000000000" pitchFamily="2" charset="-78"/>
+              </a:rPr>
+              <a:t> algorithm </a:t>
+            </a:r>
+            <a:r>
+              <a:rPr lang="fa-IR" dirty="0">
+                <a:cs typeface="B Nazanin" panose="00000400000000000000" pitchFamily="2" charset="-78"/>
+              </a:rPr>
+              <a:t> برای ساخت یک </a:t>
+            </a:r>
+            <a:r>
+              <a:rPr lang="en-US" dirty="0">
+                <a:cs typeface="B Nazanin" panose="00000400000000000000" pitchFamily="2" charset="-78"/>
+              </a:rPr>
+              <a:t>suffix tree </a:t>
+            </a:r>
+            <a:r>
+              <a:rPr lang="fa-IR" dirty="0">
+                <a:cs typeface="B Nazanin" panose="00000400000000000000" pitchFamily="2" charset="-78"/>
+              </a:rPr>
+              <a:t> استفاده میکنیم.</a:t>
+            </a:r>
+          </a:p>
+          <a:p>
+            <a:pPr algn="r" rtl="1"/>
+            <a:endParaRPr lang="fa-IR" dirty="0">
+              <a:cs typeface="B Nazanin" panose="00000400000000000000" pitchFamily="2" charset="-78"/>
+            </a:endParaRPr>
+          </a:p>
+          <a:p>
+            <a:pPr algn="r" rtl="1"/>
+            <a:r>
+              <a:rPr lang="fa-IR" dirty="0">
+                <a:cs typeface="B Nazanin" panose="00000400000000000000" pitchFamily="2" charset="-78"/>
+              </a:rPr>
+              <a:t>مفهوم </a:t>
+            </a:r>
+            <a:r>
+              <a:rPr lang="en-US" dirty="0">
+                <a:cs typeface="B Nazanin" panose="00000400000000000000" pitchFamily="2" charset="-78"/>
+              </a:rPr>
+              <a:t>implicit suffix tree</a:t>
+            </a:r>
+            <a:r>
+              <a:rPr lang="fa-IR" dirty="0">
+                <a:cs typeface="B Nazanin" panose="00000400000000000000" pitchFamily="2" charset="-78"/>
+              </a:rPr>
+              <a:t> ( درخت پسوندی مجازی )</a:t>
+            </a:r>
+          </a:p>
+          <a:p>
+            <a:pPr marL="0" indent="0" algn="r" rtl="1">
+              <a:buNone/>
+            </a:pPr>
+            <a:endParaRPr lang="fa-IR" dirty="0">
+              <a:cs typeface="B Nazanin" panose="00000400000000000000" pitchFamily="2" charset="-78"/>
+            </a:endParaRPr>
+          </a:p>
+          <a:p>
+            <a:pPr algn="r" rtl="1"/>
+            <a:r>
+              <a:rPr lang="fa-IR" dirty="0">
+                <a:cs typeface="B Nazanin" panose="00000400000000000000" pitchFamily="2" charset="-78"/>
+              </a:rPr>
+              <a:t>* هیچ یالی با کاراکتر نال وجود ندارد</a:t>
+            </a:r>
+          </a:p>
+          <a:p>
+            <a:pPr algn="r" rtl="1"/>
+            <a:r>
+              <a:rPr lang="fa-IR" dirty="0">
+                <a:cs typeface="B Nazanin" panose="00000400000000000000" pitchFamily="2" charset="-78"/>
+              </a:rPr>
+              <a:t>* هیچ گره داخلی با یک یال متصل وجود ندارد</a:t>
+            </a:r>
+          </a:p>
+          <a:p>
+            <a:pPr algn="r" rtl="1"/>
+            <a:endParaRPr lang="fa-IR" dirty="0">
+              <a:cs typeface="B Nazanin" panose="00000400000000000000" pitchFamily="2" charset="-78"/>
+            </a:endParaRPr>
+          </a:p>
+          <a:p>
+            <a:pPr algn="r" rtl="1"/>
+            <a:endParaRPr lang="fa-IR" dirty="0">
+              <a:cs typeface="B Nazanin" panose="00000400000000000000" pitchFamily="2" charset="-78"/>
+            </a:endParaRPr>
+          </a:p>
+        </p:txBody>
+      </p:sp>
+      <p:pic>
+        <p:nvPicPr>
+          <p:cNvPr id="5" name="Picture 4">
+            <a:extLst>
+              <a:ext uri="{FF2B5EF4-FFF2-40B4-BE49-F238E27FC236}">
+                <a16:creationId xmlns:a16="http://schemas.microsoft.com/office/drawing/2014/main" id="{025AE84C-FE92-425D-8BBD-A004B238020F}"/>
+              </a:ext>
+            </a:extLst>
+          </p:cNvPr>
+          <p:cNvPicPr>
+            <a:picLocks noChangeAspect="1"/>
+          </p:cNvPicPr>
+          <p:nvPr/>
+        </p:nvPicPr>
+        <p:blipFill>
+          <a:blip r:embed="rId3">
+            <a:extLst>
+              <a:ext uri="{28A0092B-C50C-407E-A947-70E740481C1C}">
+                <a14:useLocalDpi xmlns:a14="http://schemas.microsoft.com/office/drawing/2010/main" val="0"/>
+              </a:ext>
+            </a:extLst>
+          </a:blip>
+          <a:stretch>
+            <a:fillRect/>
+          </a:stretch>
+        </p:blipFill>
+        <p:spPr>
+          <a:xfrm>
+            <a:off x="573232" y="1845734"/>
+            <a:ext cx="4055918" cy="4374486"/>
+          </a:xfrm>
+          <a:prstGeom prst="rect">
+            <a:avLst/>
+          </a:prstGeom>
+        </p:spPr>
+      </p:pic>
+      <p:graphicFrame>
+        <p:nvGraphicFramePr>
+          <p:cNvPr id="6" name="Object 5">
+            <a:extLst>
+              <a:ext uri="{FF2B5EF4-FFF2-40B4-BE49-F238E27FC236}">
+                <a16:creationId xmlns:a16="http://schemas.microsoft.com/office/drawing/2014/main" id="{AB9D2211-8BFD-4AFB-A977-79E854288FEA}"/>
+              </a:ext>
+            </a:extLst>
+          </p:cNvPr>
+          <p:cNvGraphicFramePr>
+            <a:graphicFrameLocks noChangeAspect="1"/>
+          </p:cNvGraphicFramePr>
+          <p:nvPr>
+            <p:extLst>
+              <p:ext uri="{D42A27DB-BD31-4B8C-83A1-F6EECF244321}">
+                <p14:modId xmlns:p14="http://schemas.microsoft.com/office/powerpoint/2010/main" val="2936004558"/>
+              </p:ext>
+            </p:extLst>
+          </p:nvPr>
+        </p:nvGraphicFramePr>
+        <p:xfrm>
+          <a:off x="915988" y="2036763"/>
+          <a:ext cx="833437" cy="342900"/>
+        </p:xfrm>
+        <a:graphic>
+          <a:graphicData uri="http://schemas.openxmlformats.org/presentationml/2006/ole">
+            <mc:AlternateContent xmlns:mc="http://schemas.openxmlformats.org/markup-compatibility/2006">
+              <mc:Choice xmlns:v="urn:schemas-microsoft-com:vml" Requires="v">
+                <p:oleObj spid="_x0000_s5233" name="Equation" r:id="rId4" imgW="833734" imgH="343211" progId="Equation.DSMT4">
+                  <p:embed/>
+                </p:oleObj>
+              </mc:Choice>
+              <mc:Fallback>
+                <p:oleObj name="Equation" r:id="rId4" imgW="833734" imgH="343211" progId="Equation.DSMT4">
+                  <p:embed/>
+                  <p:pic>
+                    <p:nvPicPr>
+                      <p:cNvPr id="0" name=""/>
+                      <p:cNvPicPr/>
+                      <p:nvPr/>
+                    </p:nvPicPr>
+                    <p:blipFill>
+                      <a:blip r:embed="rId5"/>
+                      <a:stretch>
+                        <a:fillRect/>
+                      </a:stretch>
+                    </p:blipFill>
+                    <p:spPr>
+                      <a:xfrm>
+                        <a:off x="915988" y="2036763"/>
+                        <a:ext cx="833437" cy="342900"/>
+                      </a:xfrm>
+                      <a:prstGeom prst="rect">
+                        <a:avLst/>
+                      </a:prstGeom>
+                    </p:spPr>
+                  </p:pic>
+                </p:oleObj>
+              </mc:Fallback>
+            </mc:AlternateContent>
+          </a:graphicData>
+        </a:graphic>
+      </p:graphicFrame>
+      <p:graphicFrame>
+        <p:nvGraphicFramePr>
+          <p:cNvPr id="7" name="Object 6">
+            <a:extLst>
+              <a:ext uri="{FF2B5EF4-FFF2-40B4-BE49-F238E27FC236}">
+                <a16:creationId xmlns:a16="http://schemas.microsoft.com/office/drawing/2014/main" id="{4D9E88B3-97D7-4AEE-BC76-6BD3921C3E94}"/>
+              </a:ext>
+            </a:extLst>
+          </p:cNvPr>
+          <p:cNvGraphicFramePr>
+            <a:graphicFrameLocks noChangeAspect="1"/>
+          </p:cNvGraphicFramePr>
+          <p:nvPr>
+            <p:extLst>
+              <p:ext uri="{D42A27DB-BD31-4B8C-83A1-F6EECF244321}">
+                <p14:modId xmlns:p14="http://schemas.microsoft.com/office/powerpoint/2010/main" val="1653964884"/>
+              </p:ext>
+            </p:extLst>
+          </p:nvPr>
+        </p:nvGraphicFramePr>
+        <p:xfrm>
+          <a:off x="915988" y="3479836"/>
+          <a:ext cx="1004204" cy="342899"/>
+        </p:xfrm>
+        <a:graphic>
+          <a:graphicData uri="http://schemas.openxmlformats.org/presentationml/2006/ole">
+            <mc:AlternateContent xmlns:mc="http://schemas.openxmlformats.org/markup-compatibility/2006">
+              <mc:Choice xmlns:v="urn:schemas-microsoft-com:vml" Requires="v">
+                <p:oleObj spid="_x0000_s5234" name="Equation" r:id="rId6" imgW="520560" imgH="177480" progId="Equation.DSMT4">
+                  <p:embed/>
+                </p:oleObj>
+              </mc:Choice>
+              <mc:Fallback>
+                <p:oleObj name="Equation" r:id="rId6" imgW="520560" imgH="177480" progId="Equation.DSMT4">
+                  <p:embed/>
+                  <p:pic>
+                    <p:nvPicPr>
+                      <p:cNvPr id="0" name=""/>
+                      <p:cNvPicPr/>
+                      <p:nvPr/>
+                    </p:nvPicPr>
+                    <p:blipFill>
+                      <a:blip r:embed="rId7"/>
+                      <a:stretch>
+                        <a:fillRect/>
+                      </a:stretch>
+                    </p:blipFill>
+                    <p:spPr>
+                      <a:xfrm>
+                        <a:off x="915988" y="3479836"/>
+                        <a:ext cx="1004204" cy="342899"/>
+                      </a:xfrm>
+                      <a:prstGeom prst="rect">
+                        <a:avLst/>
+                      </a:prstGeom>
+                    </p:spPr>
+                  </p:pic>
+                </p:oleObj>
+              </mc:Fallback>
+            </mc:AlternateContent>
+          </a:graphicData>
+        </a:graphic>
+      </p:graphicFrame>
+      <p:graphicFrame>
+        <p:nvGraphicFramePr>
+          <p:cNvPr id="8" name="Object 7">
+            <a:extLst>
+              <a:ext uri="{FF2B5EF4-FFF2-40B4-BE49-F238E27FC236}">
+                <a16:creationId xmlns:a16="http://schemas.microsoft.com/office/drawing/2014/main" id="{905BD4CA-160D-4F6C-A7E5-DED9A86186C4}"/>
+              </a:ext>
+            </a:extLst>
+          </p:cNvPr>
+          <p:cNvGraphicFramePr>
+            <a:graphicFrameLocks noChangeAspect="1"/>
+          </p:cNvGraphicFramePr>
+          <p:nvPr>
+            <p:extLst>
+              <p:ext uri="{D42A27DB-BD31-4B8C-83A1-F6EECF244321}">
+                <p14:modId xmlns:p14="http://schemas.microsoft.com/office/powerpoint/2010/main" val="3054571163"/>
+              </p:ext>
+            </p:extLst>
+          </p:nvPr>
+        </p:nvGraphicFramePr>
+        <p:xfrm>
+          <a:off x="3225799" y="3052762"/>
+          <a:ext cx="1263082" cy="376237"/>
+        </p:xfrm>
+        <a:graphic>
+          <a:graphicData uri="http://schemas.openxmlformats.org/presentationml/2006/ole">
+            <mc:AlternateContent xmlns:mc="http://schemas.openxmlformats.org/markup-compatibility/2006">
+              <mc:Choice xmlns:v="urn:schemas-microsoft-com:vml" Requires="v">
+                <p:oleObj spid="_x0000_s5235" name="Equation" r:id="rId8" imgW="596880" imgH="177480" progId="Equation.DSMT4">
+                  <p:embed/>
+                </p:oleObj>
+              </mc:Choice>
+              <mc:Fallback>
+                <p:oleObj name="Equation" r:id="rId8" imgW="596880" imgH="177480" progId="Equation.DSMT4">
+                  <p:embed/>
+                  <p:pic>
+                    <p:nvPicPr>
+                      <p:cNvPr id="0" name=""/>
+                      <p:cNvPicPr/>
+                      <p:nvPr/>
+                    </p:nvPicPr>
+                    <p:blipFill>
+                      <a:blip r:embed="rId9"/>
+                      <a:stretch>
+                        <a:fillRect/>
+                      </a:stretch>
+                    </p:blipFill>
+                    <p:spPr>
+                      <a:xfrm>
+                        <a:off x="3225799" y="3052762"/>
+                        <a:ext cx="1263082" cy="376237"/>
+                      </a:xfrm>
+                      <a:prstGeom prst="rect">
+                        <a:avLst/>
+                      </a:prstGeom>
+                    </p:spPr>
+                  </p:pic>
+                </p:oleObj>
+              </mc:Fallback>
+            </mc:AlternateContent>
+          </a:graphicData>
+        </a:graphic>
+      </p:graphicFrame>
     </p:spTree>
     <p:extLst>
       <p:ext uri="{BB962C8B-B14F-4D97-AF65-F5344CB8AC3E}">
-        <p14:creationId xmlns:p14="http://schemas.microsoft.com/office/powerpoint/2010/main" val="4018975013"/>
+        <p14:creationId xmlns:p14="http://schemas.microsoft.com/office/powerpoint/2010/main" val="1254407817"/>
+      </p:ext>
+    </p:extLst>
+  </p:cSld>
+  <p:clrMapOvr>
+    <a:masterClrMapping/>
+  </p:clrMapOvr>
+  <mc:AlternateContent xmlns:mc="http://schemas.openxmlformats.org/markup-compatibility/2006" xmlns:p14="http://schemas.microsoft.com/office/powerpoint/2010/main">
+    <mc:Choice Requires="p14">
+      <p:transition spd="slow" p14:dur="3400">
+        <p14:reveal/>
+      </p:transition>
+    </mc:Choice>
+    <mc:Fallback xmlns="">
+      <p:transition spd="slow">
+        <p:fade/>
+      </p:transition>
+    </mc:Fallback>
+  </mc:AlternateContent>
+</p:sld>
+</file>
+
+<file path=ppt/slides/slide11.xml><?xml version="1.0" encoding="utf-8"?>
+<p:sld xmlns:a="http://schemas.openxmlformats.org/drawingml/2006/main" xmlns:r="http://schemas.openxmlformats.org/officeDocument/2006/relationships" xmlns:p="http://schemas.openxmlformats.org/presentationml/2006/main">
+  <p:cSld>
+    <p:spTree>
+      <p:nvGrpSpPr>
+        <p:cNvPr id="1" name=""/>
+        <p:cNvGrpSpPr/>
+        <p:nvPr/>
+      </p:nvGrpSpPr>
+      <p:grpSpPr>
+        <a:xfrm>
+          <a:off x="0" y="0"/>
+          <a:ext cx="0" cy="0"/>
+          <a:chOff x="0" y="0"/>
+          <a:chExt cx="0" cy="0"/>
+        </a:xfrm>
+      </p:grpSpPr>
+      <p:sp>
+        <p:nvSpPr>
+          <p:cNvPr id="2" name="Title 1">
+            <a:extLst>
+              <a:ext uri="{FF2B5EF4-FFF2-40B4-BE49-F238E27FC236}">
+                <a16:creationId xmlns:a16="http://schemas.microsoft.com/office/drawing/2014/main" id="{90A2169E-0947-4318-AA51-5B31AB137C13}"/>
+              </a:ext>
+            </a:extLst>
+          </p:cNvPr>
+          <p:cNvSpPr>
+            <a:spLocks noGrp="1"/>
+          </p:cNvSpPr>
+          <p:nvPr>
+            <p:ph type="title"/>
+          </p:nvPr>
+        </p:nvSpPr>
+        <p:spPr/>
+        <p:txBody>
+          <a:bodyPr>
+            <a:normAutofit/>
+          </a:bodyPr>
+          <a:lstStyle/>
+          <a:p>
+            <a:pPr algn="r" rtl="1"/>
+            <a:r>
+              <a:rPr lang="fa-IR" sz="3200" dirty="0">
+                <a:cs typeface="B Nazanin" panose="00000400000000000000" pitchFamily="2" charset="-78"/>
+              </a:rPr>
+              <a:t>توضیح کلی </a:t>
+            </a:r>
+            <a:r>
+              <a:rPr lang="en-US" sz="3200" dirty="0" err="1">
+                <a:cs typeface="B Nazanin" panose="00000400000000000000" pitchFamily="2" charset="-78"/>
+              </a:rPr>
+              <a:t>Ukkonen’s</a:t>
+            </a:r>
+            <a:r>
+              <a:rPr lang="en-US" sz="3200" dirty="0">
+                <a:cs typeface="B Nazanin" panose="00000400000000000000" pitchFamily="2" charset="-78"/>
+              </a:rPr>
+              <a:t> algorithm</a:t>
+            </a:r>
+            <a:endParaRPr lang="en-US" sz="6600" dirty="0">
+              <a:cs typeface="B Nazanin" panose="00000400000000000000" pitchFamily="2" charset="-78"/>
+            </a:endParaRPr>
+          </a:p>
+        </p:txBody>
+      </p:sp>
+      <p:sp>
+        <p:nvSpPr>
+          <p:cNvPr id="3" name="Content Placeholder 2">
+            <a:extLst>
+              <a:ext uri="{FF2B5EF4-FFF2-40B4-BE49-F238E27FC236}">
+                <a16:creationId xmlns:a16="http://schemas.microsoft.com/office/drawing/2014/main" id="{CB08A0B9-E8F7-4720-AF3D-2138BA28E6AF}"/>
+              </a:ext>
+            </a:extLst>
+          </p:cNvPr>
+          <p:cNvSpPr>
+            <a:spLocks noGrp="1"/>
+          </p:cNvSpPr>
+          <p:nvPr>
+            <p:ph idx="1"/>
+          </p:nvPr>
+        </p:nvSpPr>
+        <p:spPr/>
+        <p:txBody>
+          <a:bodyPr>
+            <a:normAutofit/>
+          </a:bodyPr>
+          <a:lstStyle/>
+          <a:p>
+            <a:pPr algn="r" rtl="1"/>
+            <a:r>
+              <a:rPr lang="fa-IR" dirty="0">
+                <a:cs typeface="B Nazanin" panose="00000400000000000000" pitchFamily="2" charset="-78"/>
+              </a:rPr>
+              <a:t>این الگوریتم درخت پسوندی مجازی </a:t>
+            </a:r>
+            <a:r>
+              <a:rPr lang="en-US" dirty="0">
+                <a:cs typeface="B Nazanin" panose="00000400000000000000" pitchFamily="2" charset="-78"/>
+              </a:rPr>
+              <a:t>      </a:t>
+            </a:r>
+            <a:r>
+              <a:rPr lang="fa-IR" dirty="0">
+                <a:cs typeface="B Nazanin" panose="00000400000000000000" pitchFamily="2" charset="-78"/>
+              </a:rPr>
+              <a:t>را برای زیر رشته </a:t>
+            </a:r>
+            <a:r>
+              <a:rPr lang="en-US" dirty="0">
+                <a:cs typeface="B Nazanin" panose="00000400000000000000" pitchFamily="2" charset="-78"/>
+              </a:rPr>
+              <a:t>  </a:t>
+            </a:r>
+            <a:r>
+              <a:rPr lang="fa-IR" dirty="0">
+                <a:cs typeface="B Nazanin" panose="00000400000000000000" pitchFamily="2" charset="-78"/>
+              </a:rPr>
+              <a:t>            میسازد.</a:t>
+            </a:r>
+          </a:p>
+          <a:p>
+            <a:pPr algn="r" rtl="1"/>
+            <a:r>
+              <a:rPr lang="fa-IR" dirty="0">
+                <a:cs typeface="B Nazanin" panose="00000400000000000000" pitchFamily="2" charset="-78"/>
+              </a:rPr>
+              <a:t>و         از      ساخته میشود و نهایتا درخت پسوندی اصلی از     و با اضافه کردن کاراکتر نال به </a:t>
+            </a:r>
+            <a:r>
+              <a:rPr lang="en-US" dirty="0">
+                <a:cs typeface="B Nazanin" panose="00000400000000000000" pitchFamily="2" charset="-78"/>
+              </a:rPr>
+              <a:t>      </a:t>
+            </a:r>
+            <a:r>
+              <a:rPr lang="fa-IR" dirty="0">
+                <a:cs typeface="B Nazanin" panose="00000400000000000000" pitchFamily="2" charset="-78"/>
+              </a:rPr>
+              <a:t>و دوباره ساختن درخت پسوندی مجازی نهایتا درخت پسوندی اصلی را تولید میکند.</a:t>
+            </a:r>
+            <a:r>
+              <a:rPr lang="en-US" dirty="0">
+                <a:cs typeface="B Nazanin" panose="00000400000000000000" pitchFamily="2" charset="-78"/>
+              </a:rPr>
+              <a:t> </a:t>
+            </a:r>
+            <a:endParaRPr lang="fa-IR" dirty="0">
+              <a:cs typeface="B Nazanin" panose="00000400000000000000" pitchFamily="2" charset="-78"/>
+            </a:endParaRPr>
+          </a:p>
+          <a:p>
+            <a:pPr algn="r" rtl="1"/>
+            <a:r>
+              <a:rPr lang="fa-IR" dirty="0">
+                <a:cs typeface="B Nazanin" panose="00000400000000000000" pitchFamily="2" charset="-78"/>
+              </a:rPr>
+              <a:t>در افزونه   </a:t>
+            </a:r>
+            <a:r>
+              <a:rPr lang="en-US" dirty="0">
+                <a:cs typeface="B Nazanin" panose="00000400000000000000" pitchFamily="2" charset="-78"/>
+              </a:rPr>
+              <a:t>  </a:t>
+            </a:r>
+            <a:r>
+              <a:rPr lang="fa-IR" dirty="0">
+                <a:cs typeface="B Nazanin" panose="00000400000000000000" pitchFamily="2" charset="-78"/>
+              </a:rPr>
+              <a:t>ام از فاز </a:t>
+            </a:r>
+            <a:r>
+              <a:rPr lang="en-US" dirty="0">
+                <a:cs typeface="B Nazanin" panose="00000400000000000000" pitchFamily="2" charset="-78"/>
+              </a:rPr>
+              <a:t> </a:t>
+            </a:r>
+            <a:r>
+              <a:rPr lang="fa-IR" dirty="0">
+                <a:cs typeface="B Nazanin" panose="00000400000000000000" pitchFamily="2" charset="-78"/>
+              </a:rPr>
+              <a:t>         ام.</a:t>
+            </a:r>
+            <a:r>
+              <a:rPr lang="en-US" dirty="0">
+                <a:cs typeface="B Nazanin" panose="00000400000000000000" pitchFamily="2" charset="-78"/>
+              </a:rPr>
+              <a:t>  </a:t>
+            </a:r>
+            <a:r>
+              <a:rPr lang="fa-IR" dirty="0">
+                <a:cs typeface="B Nazanin" panose="00000400000000000000" pitchFamily="2" charset="-78"/>
+              </a:rPr>
+              <a:t>اول انتهای مسیر برچسب گذاری شده با </a:t>
+            </a:r>
+          </a:p>
+          <a:p>
+            <a:pPr algn="r" rtl="1"/>
+            <a:r>
+              <a:rPr lang="fa-IR" dirty="0">
+                <a:cs typeface="B Nazanin" panose="00000400000000000000" pitchFamily="2" charset="-78"/>
+              </a:rPr>
+              <a:t>و در ادامه کاراکتر </a:t>
+            </a:r>
+            <a:r>
+              <a:rPr lang="en-US" dirty="0">
+                <a:cs typeface="B Nazanin" panose="00000400000000000000" pitchFamily="2" charset="-78"/>
+              </a:rPr>
+              <a:t>           </a:t>
+            </a:r>
+            <a:r>
+              <a:rPr lang="fa-IR" dirty="0">
+                <a:cs typeface="B Nazanin" panose="00000400000000000000" pitchFamily="2" charset="-78"/>
+              </a:rPr>
+              <a:t>   را به این برچسب اضافه میکند.</a:t>
+            </a:r>
+          </a:p>
+          <a:p>
+            <a:pPr algn="r" rtl="1"/>
+            <a:endParaRPr lang="fa-IR" dirty="0">
+              <a:cs typeface="B Nazanin" panose="00000400000000000000" pitchFamily="2" charset="-78"/>
+            </a:endParaRPr>
+          </a:p>
+          <a:p>
+            <a:pPr algn="r" rtl="1"/>
+            <a:r>
+              <a:rPr lang="fa-IR" dirty="0">
+                <a:cs typeface="B Nazanin" panose="00000400000000000000" pitchFamily="2" charset="-78"/>
+              </a:rPr>
+              <a:t>به طور خلاصه داریم:  </a:t>
+            </a:r>
+          </a:p>
+          <a:p>
+            <a:pPr algn="r" rtl="1"/>
+            <a:r>
+              <a:rPr lang="en-US" dirty="0">
+                <a:cs typeface="B Nazanin" panose="00000400000000000000" pitchFamily="2" charset="-78"/>
+              </a:rPr>
+              <a:t>  </a:t>
+            </a:r>
+            <a:endParaRPr lang="fa-IR" dirty="0">
+              <a:cs typeface="B Nazanin" panose="00000400000000000000" pitchFamily="2" charset="-78"/>
+            </a:endParaRPr>
+          </a:p>
+          <a:p>
+            <a:pPr algn="r" rtl="1"/>
+            <a:r>
+              <a:rPr lang="fa-IR" dirty="0">
+                <a:cs typeface="B Nazanin" panose="00000400000000000000" pitchFamily="2" charset="-78"/>
+              </a:rPr>
+              <a:t> </a:t>
+            </a:r>
+          </a:p>
+        </p:txBody>
+      </p:sp>
+      <p:graphicFrame>
+        <p:nvGraphicFramePr>
+          <p:cNvPr id="4" name="Object 3">
+            <a:extLst>
+              <a:ext uri="{FF2B5EF4-FFF2-40B4-BE49-F238E27FC236}">
+                <a16:creationId xmlns:a16="http://schemas.microsoft.com/office/drawing/2014/main" id="{53A09B86-9E67-4439-AE9E-2C16C160A5B8}"/>
+              </a:ext>
+            </a:extLst>
+          </p:cNvPr>
+          <p:cNvGraphicFramePr>
+            <a:graphicFrameLocks noChangeAspect="1"/>
+          </p:cNvGraphicFramePr>
+          <p:nvPr>
+            <p:extLst>
+              <p:ext uri="{D42A27DB-BD31-4B8C-83A1-F6EECF244321}">
+                <p14:modId xmlns:p14="http://schemas.microsoft.com/office/powerpoint/2010/main" val="457034167"/>
+              </p:ext>
+            </p:extLst>
+          </p:nvPr>
+        </p:nvGraphicFramePr>
+        <p:xfrm>
+          <a:off x="7964943" y="1814249"/>
+          <a:ext cx="279400" cy="457200"/>
+        </p:xfrm>
+        <a:graphic>
+          <a:graphicData uri="http://schemas.openxmlformats.org/presentationml/2006/ole">
+            <mc:AlternateContent xmlns:mc="http://schemas.openxmlformats.org/markup-compatibility/2006">
+              <mc:Choice xmlns:v="urn:schemas-microsoft-com:vml" Requires="v">
+                <p:oleObj spid="_x0000_s6429" name="Equation" r:id="rId3" imgW="139680" imgH="228600" progId="Equation.DSMT4">
+                  <p:embed/>
+                </p:oleObj>
+              </mc:Choice>
+              <mc:Fallback>
+                <p:oleObj name="Equation" r:id="rId3" imgW="139680" imgH="228600" progId="Equation.DSMT4">
+                  <p:embed/>
+                  <p:pic>
+                    <p:nvPicPr>
+                      <p:cNvPr id="0" name=""/>
+                      <p:cNvPicPr/>
+                      <p:nvPr/>
+                    </p:nvPicPr>
+                    <p:blipFill>
+                      <a:blip r:embed="rId4"/>
+                      <a:stretch>
+                        <a:fillRect/>
+                      </a:stretch>
+                    </p:blipFill>
+                    <p:spPr>
+                      <a:xfrm>
+                        <a:off x="7964943" y="1814249"/>
+                        <a:ext cx="279400" cy="457200"/>
+                      </a:xfrm>
+                      <a:prstGeom prst="rect">
+                        <a:avLst/>
+                      </a:prstGeom>
+                    </p:spPr>
+                  </p:pic>
+                </p:oleObj>
+              </mc:Fallback>
+            </mc:AlternateContent>
+          </a:graphicData>
+        </a:graphic>
+      </p:graphicFrame>
+      <p:graphicFrame>
+        <p:nvGraphicFramePr>
+          <p:cNvPr id="9" name="Object 8">
+            <a:extLst>
+              <a:ext uri="{FF2B5EF4-FFF2-40B4-BE49-F238E27FC236}">
+                <a16:creationId xmlns:a16="http://schemas.microsoft.com/office/drawing/2014/main" id="{896DCEE7-79E4-4C8E-BA6D-29F22EC4A702}"/>
+              </a:ext>
+            </a:extLst>
+          </p:cNvPr>
+          <p:cNvGraphicFramePr>
+            <a:graphicFrameLocks noChangeAspect="1"/>
+          </p:cNvGraphicFramePr>
+          <p:nvPr>
+            <p:extLst>
+              <p:ext uri="{D42A27DB-BD31-4B8C-83A1-F6EECF244321}">
+                <p14:modId xmlns:p14="http://schemas.microsoft.com/office/powerpoint/2010/main" val="4131090544"/>
+              </p:ext>
+            </p:extLst>
+          </p:nvPr>
+        </p:nvGraphicFramePr>
+        <p:xfrm>
+          <a:off x="5728514" y="1891243"/>
+          <a:ext cx="795932" cy="303212"/>
+        </p:xfrm>
+        <a:graphic>
+          <a:graphicData uri="http://schemas.openxmlformats.org/presentationml/2006/ole">
+            <mc:AlternateContent xmlns:mc="http://schemas.openxmlformats.org/markup-compatibility/2006">
+              <mc:Choice xmlns:v="urn:schemas-microsoft-com:vml" Requires="v">
+                <p:oleObj spid="_x0000_s6430" name="Equation" r:id="rId5" imgW="533160" imgH="203040" progId="Equation.DSMT4">
+                  <p:embed/>
+                </p:oleObj>
+              </mc:Choice>
+              <mc:Fallback>
+                <p:oleObj name="Equation" r:id="rId5" imgW="533160" imgH="203040" progId="Equation.DSMT4">
+                  <p:embed/>
+                  <p:pic>
+                    <p:nvPicPr>
+                      <p:cNvPr id="0" name=""/>
+                      <p:cNvPicPr/>
+                      <p:nvPr/>
+                    </p:nvPicPr>
+                    <p:blipFill>
+                      <a:blip r:embed="rId6"/>
+                      <a:stretch>
+                        <a:fillRect/>
+                      </a:stretch>
+                    </p:blipFill>
+                    <p:spPr>
+                      <a:xfrm>
+                        <a:off x="5728514" y="1891243"/>
+                        <a:ext cx="795932" cy="303212"/>
+                      </a:xfrm>
+                      <a:prstGeom prst="rect">
+                        <a:avLst/>
+                      </a:prstGeom>
+                    </p:spPr>
+                  </p:pic>
+                </p:oleObj>
+              </mc:Fallback>
+            </mc:AlternateContent>
+          </a:graphicData>
+        </a:graphic>
+      </p:graphicFrame>
+      <p:graphicFrame>
+        <p:nvGraphicFramePr>
+          <p:cNvPr id="10" name="Object 9">
+            <a:extLst>
+              <a:ext uri="{FF2B5EF4-FFF2-40B4-BE49-F238E27FC236}">
+                <a16:creationId xmlns:a16="http://schemas.microsoft.com/office/drawing/2014/main" id="{A37C5C08-A080-4872-944B-7280BED017CE}"/>
+              </a:ext>
+            </a:extLst>
+          </p:cNvPr>
+          <p:cNvGraphicFramePr>
+            <a:graphicFrameLocks noChangeAspect="1"/>
+          </p:cNvGraphicFramePr>
+          <p:nvPr>
+            <p:extLst>
+              <p:ext uri="{D42A27DB-BD31-4B8C-83A1-F6EECF244321}">
+                <p14:modId xmlns:p14="http://schemas.microsoft.com/office/powerpoint/2010/main" val="785731968"/>
+              </p:ext>
+            </p:extLst>
+          </p:nvPr>
+        </p:nvGraphicFramePr>
+        <p:xfrm>
+          <a:off x="10563404" y="2271449"/>
+          <a:ext cx="397966" cy="397966"/>
+        </p:xfrm>
+        <a:graphic>
+          <a:graphicData uri="http://schemas.openxmlformats.org/presentationml/2006/ole">
+            <mc:AlternateContent xmlns:mc="http://schemas.openxmlformats.org/markup-compatibility/2006">
+              <mc:Choice xmlns:v="urn:schemas-microsoft-com:vml" Requires="v">
+                <p:oleObj spid="_x0000_s6431" name="Equation" r:id="rId7" imgW="228600" imgH="228600" progId="Equation.DSMT4">
+                  <p:embed/>
+                </p:oleObj>
+              </mc:Choice>
+              <mc:Fallback>
+                <p:oleObj name="Equation" r:id="rId7" imgW="228600" imgH="228600" progId="Equation.DSMT4">
+                  <p:embed/>
+                  <p:pic>
+                    <p:nvPicPr>
+                      <p:cNvPr id="0" name=""/>
+                      <p:cNvPicPr/>
+                      <p:nvPr/>
+                    </p:nvPicPr>
+                    <p:blipFill>
+                      <a:blip r:embed="rId8"/>
+                      <a:stretch>
+                        <a:fillRect/>
+                      </a:stretch>
+                    </p:blipFill>
+                    <p:spPr>
+                      <a:xfrm>
+                        <a:off x="10563404" y="2271449"/>
+                        <a:ext cx="397966" cy="397966"/>
+                      </a:xfrm>
+                      <a:prstGeom prst="rect">
+                        <a:avLst/>
+                      </a:prstGeom>
+                    </p:spPr>
+                  </p:pic>
+                </p:oleObj>
+              </mc:Fallback>
+            </mc:AlternateContent>
+          </a:graphicData>
+        </a:graphic>
+      </p:graphicFrame>
+      <p:graphicFrame>
+        <p:nvGraphicFramePr>
+          <p:cNvPr id="11" name="Object 10">
+            <a:extLst>
+              <a:ext uri="{FF2B5EF4-FFF2-40B4-BE49-F238E27FC236}">
+                <a16:creationId xmlns:a16="http://schemas.microsoft.com/office/drawing/2014/main" id="{8D32DA67-6660-4D9D-9BE3-3E026BAD9087}"/>
+              </a:ext>
+            </a:extLst>
+          </p:cNvPr>
+          <p:cNvGraphicFramePr>
+            <a:graphicFrameLocks noChangeAspect="1"/>
+          </p:cNvGraphicFramePr>
+          <p:nvPr>
+            <p:extLst>
+              <p:ext uri="{D42A27DB-BD31-4B8C-83A1-F6EECF244321}">
+                <p14:modId xmlns:p14="http://schemas.microsoft.com/office/powerpoint/2010/main" val="335520299"/>
+              </p:ext>
+            </p:extLst>
+          </p:nvPr>
+        </p:nvGraphicFramePr>
+        <p:xfrm>
+          <a:off x="10002838" y="2255203"/>
+          <a:ext cx="280987" cy="457200"/>
+        </p:xfrm>
+        <a:graphic>
+          <a:graphicData uri="http://schemas.openxmlformats.org/presentationml/2006/ole">
+            <mc:AlternateContent xmlns:mc="http://schemas.openxmlformats.org/markup-compatibility/2006">
+              <mc:Choice xmlns:v="urn:schemas-microsoft-com:vml" Requires="v">
+                <p:oleObj spid="_x0000_s6432" name="Equation" r:id="rId9" imgW="280670" imgH="457495" progId="Equation.DSMT4">
+                  <p:embed/>
+                </p:oleObj>
+              </mc:Choice>
+              <mc:Fallback>
+                <p:oleObj name="Equation" r:id="rId9" imgW="280670" imgH="457495" progId="Equation.DSMT4">
+                  <p:embed/>
+                  <p:pic>
+                    <p:nvPicPr>
+                      <p:cNvPr id="0" name=""/>
+                      <p:cNvPicPr/>
+                      <p:nvPr/>
+                    </p:nvPicPr>
+                    <p:blipFill>
+                      <a:blip r:embed="rId10"/>
+                      <a:stretch>
+                        <a:fillRect/>
+                      </a:stretch>
+                    </p:blipFill>
+                    <p:spPr>
+                      <a:xfrm>
+                        <a:off x="10002838" y="2255203"/>
+                        <a:ext cx="280987" cy="457200"/>
+                      </a:xfrm>
+                      <a:prstGeom prst="rect">
+                        <a:avLst/>
+                      </a:prstGeom>
+                    </p:spPr>
+                  </p:pic>
+                </p:oleObj>
+              </mc:Fallback>
+            </mc:AlternateContent>
+          </a:graphicData>
+        </a:graphic>
+      </p:graphicFrame>
+      <p:graphicFrame>
+        <p:nvGraphicFramePr>
+          <p:cNvPr id="12" name="Object 11">
+            <a:extLst>
+              <a:ext uri="{FF2B5EF4-FFF2-40B4-BE49-F238E27FC236}">
+                <a16:creationId xmlns:a16="http://schemas.microsoft.com/office/drawing/2014/main" id="{9BBD3135-9226-4CD1-9578-D7C89E1C3F93}"/>
+              </a:ext>
+            </a:extLst>
+          </p:cNvPr>
+          <p:cNvGraphicFramePr>
+            <a:graphicFrameLocks noChangeAspect="1"/>
+          </p:cNvGraphicFramePr>
+          <p:nvPr>
+            <p:extLst>
+              <p:ext uri="{D42A27DB-BD31-4B8C-83A1-F6EECF244321}">
+                <p14:modId xmlns:p14="http://schemas.microsoft.com/office/powerpoint/2010/main" val="3738448134"/>
+              </p:ext>
+            </p:extLst>
+          </p:nvPr>
+        </p:nvGraphicFramePr>
+        <p:xfrm>
+          <a:off x="6096000" y="2302829"/>
+          <a:ext cx="317500" cy="408214"/>
+        </p:xfrm>
+        <a:graphic>
+          <a:graphicData uri="http://schemas.openxmlformats.org/presentationml/2006/ole">
+            <mc:AlternateContent xmlns:mc="http://schemas.openxmlformats.org/markup-compatibility/2006">
+              <mc:Choice xmlns:v="urn:schemas-microsoft-com:vml" Requires="v">
+                <p:oleObj spid="_x0000_s6433" name="Equation" r:id="rId11" imgW="177480" imgH="228600" progId="Equation.DSMT4">
+                  <p:embed/>
+                </p:oleObj>
+              </mc:Choice>
+              <mc:Fallback>
+                <p:oleObj name="Equation" r:id="rId11" imgW="177480" imgH="228600" progId="Equation.DSMT4">
+                  <p:embed/>
+                  <p:pic>
+                    <p:nvPicPr>
+                      <p:cNvPr id="0" name=""/>
+                      <p:cNvPicPr/>
+                      <p:nvPr/>
+                    </p:nvPicPr>
+                    <p:blipFill>
+                      <a:blip r:embed="rId12"/>
+                      <a:stretch>
+                        <a:fillRect/>
+                      </a:stretch>
+                    </p:blipFill>
+                    <p:spPr>
+                      <a:xfrm>
+                        <a:off x="6096000" y="2302829"/>
+                        <a:ext cx="317500" cy="408214"/>
+                      </a:xfrm>
+                      <a:prstGeom prst="rect">
+                        <a:avLst/>
+                      </a:prstGeom>
+                    </p:spPr>
+                  </p:pic>
+                </p:oleObj>
+              </mc:Fallback>
+            </mc:AlternateContent>
+          </a:graphicData>
+        </a:graphic>
+      </p:graphicFrame>
+      <p:graphicFrame>
+        <p:nvGraphicFramePr>
+          <p:cNvPr id="13" name="Object 12">
+            <a:extLst>
+              <a:ext uri="{FF2B5EF4-FFF2-40B4-BE49-F238E27FC236}">
+                <a16:creationId xmlns:a16="http://schemas.microsoft.com/office/drawing/2014/main" id="{A54AF102-4AD3-4B0F-8708-058201C0F31D}"/>
+              </a:ext>
+            </a:extLst>
+          </p:cNvPr>
+          <p:cNvGraphicFramePr>
+            <a:graphicFrameLocks noChangeAspect="1"/>
+          </p:cNvGraphicFramePr>
+          <p:nvPr>
+            <p:extLst>
+              <p:ext uri="{D42A27DB-BD31-4B8C-83A1-F6EECF244321}">
+                <p14:modId xmlns:p14="http://schemas.microsoft.com/office/powerpoint/2010/main" val="446247274"/>
+              </p:ext>
+            </p:extLst>
+          </p:nvPr>
+        </p:nvGraphicFramePr>
+        <p:xfrm>
+          <a:off x="3440297" y="2307953"/>
+          <a:ext cx="284005" cy="361462"/>
+        </p:xfrm>
+        <a:graphic>
+          <a:graphicData uri="http://schemas.openxmlformats.org/presentationml/2006/ole">
+            <mc:AlternateContent xmlns:mc="http://schemas.openxmlformats.org/markup-compatibility/2006">
+              <mc:Choice xmlns:v="urn:schemas-microsoft-com:vml" Requires="v">
+                <p:oleObj spid="_x0000_s6434" name="Equation" r:id="rId13" imgW="139680" imgH="177480" progId="Equation.DSMT4">
+                  <p:embed/>
+                </p:oleObj>
+              </mc:Choice>
+              <mc:Fallback>
+                <p:oleObj name="Equation" r:id="rId13" imgW="139680" imgH="177480" progId="Equation.DSMT4">
+                  <p:embed/>
+                  <p:pic>
+                    <p:nvPicPr>
+                      <p:cNvPr id="0" name=""/>
+                      <p:cNvPicPr/>
+                      <p:nvPr/>
+                    </p:nvPicPr>
+                    <p:blipFill>
+                      <a:blip r:embed="rId14"/>
+                      <a:stretch>
+                        <a:fillRect/>
+                      </a:stretch>
+                    </p:blipFill>
+                    <p:spPr>
+                      <a:xfrm>
+                        <a:off x="3440297" y="2307953"/>
+                        <a:ext cx="284005" cy="361462"/>
+                      </a:xfrm>
+                      <a:prstGeom prst="rect">
+                        <a:avLst/>
+                      </a:prstGeom>
+                    </p:spPr>
+                  </p:pic>
+                </p:oleObj>
+              </mc:Fallback>
+            </mc:AlternateContent>
+          </a:graphicData>
+        </a:graphic>
+      </p:graphicFrame>
+      <p:graphicFrame>
+        <p:nvGraphicFramePr>
+          <p:cNvPr id="14" name="Object 13">
+            <a:extLst>
+              <a:ext uri="{FF2B5EF4-FFF2-40B4-BE49-F238E27FC236}">
+                <a16:creationId xmlns:a16="http://schemas.microsoft.com/office/drawing/2014/main" id="{0752B88C-BD09-48AE-8B0E-E797EE3051A1}"/>
+              </a:ext>
+            </a:extLst>
+          </p:cNvPr>
+          <p:cNvGraphicFramePr>
+            <a:graphicFrameLocks noChangeAspect="1"/>
+          </p:cNvGraphicFramePr>
+          <p:nvPr>
+            <p:extLst>
+              <p:ext uri="{D42A27DB-BD31-4B8C-83A1-F6EECF244321}">
+                <p14:modId xmlns:p14="http://schemas.microsoft.com/office/powerpoint/2010/main" val="1333701518"/>
+              </p:ext>
+            </p:extLst>
+          </p:nvPr>
+        </p:nvGraphicFramePr>
+        <p:xfrm>
+          <a:off x="10144125" y="3090449"/>
+          <a:ext cx="279400" cy="338551"/>
+        </p:xfrm>
+        <a:graphic>
+          <a:graphicData uri="http://schemas.openxmlformats.org/presentationml/2006/ole">
+            <mc:AlternateContent xmlns:mc="http://schemas.openxmlformats.org/markup-compatibility/2006">
+              <mc:Choice xmlns:v="urn:schemas-microsoft-com:vml" Requires="v">
+                <p:oleObj spid="_x0000_s6435" name="Equation" r:id="rId15" imgW="126720" imgH="190440" progId="Equation.DSMT4">
+                  <p:embed/>
+                </p:oleObj>
+              </mc:Choice>
+              <mc:Fallback>
+                <p:oleObj name="Equation" r:id="rId15" imgW="126720" imgH="190440" progId="Equation.DSMT4">
+                  <p:embed/>
+                  <p:pic>
+                    <p:nvPicPr>
+                      <p:cNvPr id="0" name=""/>
+                      <p:cNvPicPr/>
+                      <p:nvPr/>
+                    </p:nvPicPr>
+                    <p:blipFill>
+                      <a:blip r:embed="rId16"/>
+                      <a:stretch>
+                        <a:fillRect/>
+                      </a:stretch>
+                    </p:blipFill>
+                    <p:spPr>
+                      <a:xfrm>
+                        <a:off x="10144125" y="3090449"/>
+                        <a:ext cx="279400" cy="338551"/>
+                      </a:xfrm>
+                      <a:prstGeom prst="rect">
+                        <a:avLst/>
+                      </a:prstGeom>
+                    </p:spPr>
+                  </p:pic>
+                </p:oleObj>
+              </mc:Fallback>
+            </mc:AlternateContent>
+          </a:graphicData>
+        </a:graphic>
+      </p:graphicFrame>
+      <p:graphicFrame>
+        <p:nvGraphicFramePr>
+          <p:cNvPr id="15" name="Object 14">
+            <a:extLst>
+              <a:ext uri="{FF2B5EF4-FFF2-40B4-BE49-F238E27FC236}">
+                <a16:creationId xmlns:a16="http://schemas.microsoft.com/office/drawing/2014/main" id="{F1563C53-FF19-4D62-B807-459C057EB5F6}"/>
+              </a:ext>
+            </a:extLst>
+          </p:cNvPr>
+          <p:cNvGraphicFramePr>
+            <a:graphicFrameLocks noChangeAspect="1"/>
+          </p:cNvGraphicFramePr>
+          <p:nvPr>
+            <p:extLst>
+              <p:ext uri="{D42A27DB-BD31-4B8C-83A1-F6EECF244321}">
+                <p14:modId xmlns:p14="http://schemas.microsoft.com/office/powerpoint/2010/main" val="2372435599"/>
+              </p:ext>
+            </p:extLst>
+          </p:nvPr>
+        </p:nvGraphicFramePr>
+        <p:xfrm>
+          <a:off x="8907145" y="3019425"/>
+          <a:ext cx="504825" cy="321252"/>
+        </p:xfrm>
+        <a:graphic>
+          <a:graphicData uri="http://schemas.openxmlformats.org/presentationml/2006/ole">
+            <mc:AlternateContent xmlns:mc="http://schemas.openxmlformats.org/markup-compatibility/2006">
+              <mc:Choice xmlns:v="urn:schemas-microsoft-com:vml" Requires="v">
+                <p:oleObj spid="_x0000_s6436" name="Equation" r:id="rId17" imgW="279360" imgH="177480" progId="Equation.DSMT4">
+                  <p:embed/>
+                </p:oleObj>
+              </mc:Choice>
+              <mc:Fallback>
+                <p:oleObj name="Equation" r:id="rId17" imgW="279360" imgH="177480" progId="Equation.DSMT4">
+                  <p:embed/>
+                  <p:pic>
+                    <p:nvPicPr>
+                      <p:cNvPr id="0" name=""/>
+                      <p:cNvPicPr/>
+                      <p:nvPr/>
+                    </p:nvPicPr>
+                    <p:blipFill>
+                      <a:blip r:embed="rId18"/>
+                      <a:stretch>
+                        <a:fillRect/>
+                      </a:stretch>
+                    </p:blipFill>
+                    <p:spPr>
+                      <a:xfrm>
+                        <a:off x="8907145" y="3019425"/>
+                        <a:ext cx="504825" cy="321252"/>
+                      </a:xfrm>
+                      <a:prstGeom prst="rect">
+                        <a:avLst/>
+                      </a:prstGeom>
+                    </p:spPr>
+                  </p:pic>
+                </p:oleObj>
+              </mc:Fallback>
+            </mc:AlternateContent>
+          </a:graphicData>
+        </a:graphic>
+      </p:graphicFrame>
+      <p:graphicFrame>
+        <p:nvGraphicFramePr>
+          <p:cNvPr id="16" name="Object 15">
+            <a:extLst>
+              <a:ext uri="{FF2B5EF4-FFF2-40B4-BE49-F238E27FC236}">
+                <a16:creationId xmlns:a16="http://schemas.microsoft.com/office/drawing/2014/main" id="{53B4685E-E0A1-4B11-B6A3-29F6174F2B21}"/>
+              </a:ext>
+            </a:extLst>
+          </p:cNvPr>
+          <p:cNvGraphicFramePr>
+            <a:graphicFrameLocks noChangeAspect="1"/>
+          </p:cNvGraphicFramePr>
+          <p:nvPr>
+            <p:extLst>
+              <p:ext uri="{D42A27DB-BD31-4B8C-83A1-F6EECF244321}">
+                <p14:modId xmlns:p14="http://schemas.microsoft.com/office/powerpoint/2010/main" val="12081399"/>
+              </p:ext>
+            </p:extLst>
+          </p:nvPr>
+        </p:nvGraphicFramePr>
+        <p:xfrm>
+          <a:off x="4534519" y="3019425"/>
+          <a:ext cx="952175" cy="338551"/>
+        </p:xfrm>
+        <a:graphic>
+          <a:graphicData uri="http://schemas.openxmlformats.org/presentationml/2006/ole">
+            <mc:AlternateContent xmlns:mc="http://schemas.openxmlformats.org/markup-compatibility/2006">
+              <mc:Choice xmlns:v="urn:schemas-microsoft-com:vml" Requires="v">
+                <p:oleObj spid="_x0000_s6437" name="Equation" r:id="rId19" imgW="571320" imgH="203040" progId="Equation.DSMT4">
+                  <p:embed/>
+                </p:oleObj>
+              </mc:Choice>
+              <mc:Fallback>
+                <p:oleObj name="Equation" r:id="rId19" imgW="571320" imgH="203040" progId="Equation.DSMT4">
+                  <p:embed/>
+                  <p:pic>
+                    <p:nvPicPr>
+                      <p:cNvPr id="0" name=""/>
+                      <p:cNvPicPr/>
+                      <p:nvPr/>
+                    </p:nvPicPr>
+                    <p:blipFill>
+                      <a:blip r:embed="rId20"/>
+                      <a:stretch>
+                        <a:fillRect/>
+                      </a:stretch>
+                    </p:blipFill>
+                    <p:spPr>
+                      <a:xfrm>
+                        <a:off x="4534519" y="3019425"/>
+                        <a:ext cx="952175" cy="338551"/>
+                      </a:xfrm>
+                      <a:prstGeom prst="rect">
+                        <a:avLst/>
+                      </a:prstGeom>
+                    </p:spPr>
+                  </p:pic>
+                </p:oleObj>
+              </mc:Fallback>
+            </mc:AlternateContent>
+          </a:graphicData>
+        </a:graphic>
+      </p:graphicFrame>
+      <p:graphicFrame>
+        <p:nvGraphicFramePr>
+          <p:cNvPr id="17" name="Object 16">
+            <a:extLst>
+              <a:ext uri="{FF2B5EF4-FFF2-40B4-BE49-F238E27FC236}">
+                <a16:creationId xmlns:a16="http://schemas.microsoft.com/office/drawing/2014/main" id="{37F474C4-6F5B-426C-B5A1-2A128F0D95C2}"/>
+              </a:ext>
+            </a:extLst>
+          </p:cNvPr>
+          <p:cNvGraphicFramePr>
+            <a:graphicFrameLocks noChangeAspect="1"/>
+          </p:cNvGraphicFramePr>
+          <p:nvPr>
+            <p:extLst>
+              <p:ext uri="{D42A27DB-BD31-4B8C-83A1-F6EECF244321}">
+                <p14:modId xmlns:p14="http://schemas.microsoft.com/office/powerpoint/2010/main" val="1219661596"/>
+              </p:ext>
+            </p:extLst>
+          </p:nvPr>
+        </p:nvGraphicFramePr>
+        <p:xfrm>
+          <a:off x="8945066" y="3513228"/>
+          <a:ext cx="795931" cy="344186"/>
+        </p:xfrm>
+        <a:graphic>
+          <a:graphicData uri="http://schemas.openxmlformats.org/presentationml/2006/ole">
+            <mc:AlternateContent xmlns:mc="http://schemas.openxmlformats.org/markup-compatibility/2006">
+              <mc:Choice xmlns:v="urn:schemas-microsoft-com:vml" Requires="v">
+                <p:oleObj spid="_x0000_s6438" name="Equation" r:id="rId21" imgW="469800" imgH="203040" progId="Equation.DSMT4">
+                  <p:embed/>
+                </p:oleObj>
+              </mc:Choice>
+              <mc:Fallback>
+                <p:oleObj name="Equation" r:id="rId21" imgW="469800" imgH="203040" progId="Equation.DSMT4">
+                  <p:embed/>
+                  <p:pic>
+                    <p:nvPicPr>
+                      <p:cNvPr id="0" name=""/>
+                      <p:cNvPicPr/>
+                      <p:nvPr/>
+                    </p:nvPicPr>
+                    <p:blipFill>
+                      <a:blip r:embed="rId22"/>
+                      <a:stretch>
+                        <a:fillRect/>
+                      </a:stretch>
+                    </p:blipFill>
+                    <p:spPr>
+                      <a:xfrm>
+                        <a:off x="8945066" y="3513228"/>
+                        <a:ext cx="795931" cy="344186"/>
+                      </a:xfrm>
+                      <a:prstGeom prst="rect">
+                        <a:avLst/>
+                      </a:prstGeom>
+                    </p:spPr>
+                  </p:pic>
+                </p:oleObj>
+              </mc:Fallback>
+            </mc:AlternateContent>
+          </a:graphicData>
+        </a:graphic>
+      </p:graphicFrame>
+      <p:pic>
+        <p:nvPicPr>
+          <p:cNvPr id="19" name="Picture 18">
+            <a:extLst>
+              <a:ext uri="{FF2B5EF4-FFF2-40B4-BE49-F238E27FC236}">
+                <a16:creationId xmlns:a16="http://schemas.microsoft.com/office/drawing/2014/main" id="{4C16E600-3D32-42A0-ADD1-884CA243504B}"/>
+              </a:ext>
+            </a:extLst>
+          </p:cNvPr>
+          <p:cNvPicPr>
+            <a:picLocks noChangeAspect="1"/>
+          </p:cNvPicPr>
+          <p:nvPr/>
+        </p:nvPicPr>
+        <p:blipFill>
+          <a:blip r:embed="rId23">
+            <a:extLst>
+              <a:ext uri="{28A0092B-C50C-407E-A947-70E740481C1C}">
+                <a14:useLocalDpi xmlns:a14="http://schemas.microsoft.com/office/drawing/2010/main" val="0"/>
+              </a:ext>
+            </a:extLst>
+          </a:blip>
+          <a:stretch>
+            <a:fillRect/>
+          </a:stretch>
+        </p:blipFill>
+        <p:spPr>
+          <a:xfrm>
+            <a:off x="46885" y="3513228"/>
+            <a:ext cx="6477561" cy="2690093"/>
+          </a:xfrm>
+          <a:prstGeom prst="rect">
+            <a:avLst/>
+          </a:prstGeom>
+        </p:spPr>
+      </p:pic>
+    </p:spTree>
+    <p:extLst>
+      <p:ext uri="{BB962C8B-B14F-4D97-AF65-F5344CB8AC3E}">
+        <p14:creationId xmlns:p14="http://schemas.microsoft.com/office/powerpoint/2010/main" val="1375869342"/>
+      </p:ext>
+    </p:extLst>
+  </p:cSld>
+  <p:clrMapOvr>
+    <a:masterClrMapping/>
+  </p:clrMapOvr>
+  <mc:AlternateContent xmlns:mc="http://schemas.openxmlformats.org/markup-compatibility/2006" xmlns:p14="http://schemas.microsoft.com/office/powerpoint/2010/main">
+    <mc:Choice Requires="p14">
+      <p:transition spd="slow" p14:dur="3400">
+        <p14:reveal/>
+      </p:transition>
+    </mc:Choice>
+    <mc:Fallback xmlns="">
+      <p:transition spd="slow">
+        <p:fade/>
+      </p:transition>
+    </mc:Fallback>
+  </mc:AlternateContent>
+</p:sld>
+</file>
+
+<file path=ppt/slides/slide12.xml><?xml version="1.0" encoding="utf-8"?>
+<p:sld xmlns:a="http://schemas.openxmlformats.org/drawingml/2006/main" xmlns:r="http://schemas.openxmlformats.org/officeDocument/2006/relationships" xmlns:p="http://schemas.openxmlformats.org/presentationml/2006/main">
+  <p:cSld>
+    <p:spTree>
+      <p:nvGrpSpPr>
+        <p:cNvPr id="1" name=""/>
+        <p:cNvGrpSpPr/>
+        <p:nvPr/>
+      </p:nvGrpSpPr>
+      <p:grpSpPr>
+        <a:xfrm>
+          <a:off x="0" y="0"/>
+          <a:ext cx="0" cy="0"/>
+          <a:chOff x="0" y="0"/>
+          <a:chExt cx="0" cy="0"/>
+        </a:xfrm>
+      </p:grpSpPr>
+      <p:sp>
+        <p:nvSpPr>
+          <p:cNvPr id="2" name="Title 1">
+            <a:extLst>
+              <a:ext uri="{FF2B5EF4-FFF2-40B4-BE49-F238E27FC236}">
+                <a16:creationId xmlns:a16="http://schemas.microsoft.com/office/drawing/2014/main" id="{DBE061FA-286B-468C-B1A6-DCECAF96416D}"/>
+              </a:ext>
+            </a:extLst>
+          </p:cNvPr>
+          <p:cNvSpPr>
+            <a:spLocks noGrp="1"/>
+          </p:cNvSpPr>
+          <p:nvPr>
+            <p:ph type="title"/>
+          </p:nvPr>
+        </p:nvSpPr>
+        <p:spPr/>
+        <p:txBody>
+          <a:bodyPr>
+            <a:normAutofit/>
+          </a:bodyPr>
+          <a:lstStyle/>
+          <a:p>
+            <a:pPr algn="r"/>
+            <a:r>
+              <a:rPr lang="fa-IR" sz="3200" dirty="0"/>
+              <a:t>تحلیل مرتبه زمانی اعمال در ساختمان داده درخت پسوندی</a:t>
+            </a:r>
+            <a:endParaRPr lang="en-US" sz="3200" dirty="0"/>
+          </a:p>
+        </p:txBody>
+      </p:sp>
+      <p:graphicFrame>
+        <p:nvGraphicFramePr>
+          <p:cNvPr id="4" name="Table 4">
+            <a:extLst>
+              <a:ext uri="{FF2B5EF4-FFF2-40B4-BE49-F238E27FC236}">
+                <a16:creationId xmlns:a16="http://schemas.microsoft.com/office/drawing/2014/main" id="{7C333418-0A3C-43CF-81C9-628E088CA555}"/>
+              </a:ext>
+            </a:extLst>
+          </p:cNvPr>
+          <p:cNvGraphicFramePr>
+            <a:graphicFrameLocks noGrp="1"/>
+          </p:cNvGraphicFramePr>
+          <p:nvPr>
+            <p:ph idx="1"/>
+            <p:extLst>
+              <p:ext uri="{D42A27DB-BD31-4B8C-83A1-F6EECF244321}">
+                <p14:modId xmlns:p14="http://schemas.microsoft.com/office/powerpoint/2010/main" val="864017593"/>
+              </p:ext>
+            </p:extLst>
+          </p:nvPr>
+        </p:nvGraphicFramePr>
+        <p:xfrm>
+          <a:off x="1096963" y="1846262"/>
+          <a:ext cx="10058400" cy="3418195"/>
+        </p:xfrm>
+        <a:graphic>
+          <a:graphicData uri="http://schemas.openxmlformats.org/drawingml/2006/table">
+            <a:tbl>
+              <a:tblPr firstRow="1" bandRow="1">
+                <a:tableStyleId>{5C22544A-7EE6-4342-B048-85BDC9FD1C3A}</a:tableStyleId>
+              </a:tblPr>
+              <a:tblGrid>
+                <a:gridCol w="5029200">
+                  <a:extLst>
+                    <a:ext uri="{9D8B030D-6E8A-4147-A177-3AD203B41FA5}">
+                      <a16:colId xmlns:a16="http://schemas.microsoft.com/office/drawing/2014/main" val="4081775627"/>
+                    </a:ext>
+                  </a:extLst>
+                </a:gridCol>
+                <a:gridCol w="5029200">
+                  <a:extLst>
+                    <a:ext uri="{9D8B030D-6E8A-4147-A177-3AD203B41FA5}">
+                      <a16:colId xmlns:a16="http://schemas.microsoft.com/office/drawing/2014/main" val="400679980"/>
+                    </a:ext>
+                  </a:extLst>
+                </a:gridCol>
+              </a:tblGrid>
+              <a:tr h="683639">
+                <a:tc>
+                  <a:txBody>
+                    <a:bodyPr/>
+                    <a:lstStyle/>
+                    <a:p>
+                      <a:pPr algn="ctr"/>
+                      <a:r>
+                        <a:rPr lang="en-US" sz="2400" dirty="0"/>
+                        <a:t>operation</a:t>
+                      </a:r>
+                    </a:p>
+                  </a:txBody>
+                  <a:tcPr/>
+                </a:tc>
+                <a:tc>
+                  <a:txBody>
+                    <a:bodyPr/>
+                    <a:lstStyle/>
+                    <a:p>
+                      <a:pPr algn="ctr"/>
+                      <a:r>
+                        <a:rPr lang="en-US" sz="2000" dirty="0"/>
+                        <a:t>Time complexity</a:t>
+                      </a:r>
+                    </a:p>
+                  </a:txBody>
+                  <a:tcPr/>
+                </a:tc>
+                <a:extLst>
+                  <a:ext uri="{0D108BD9-81ED-4DB2-BD59-A6C34878D82A}">
+                    <a16:rowId xmlns:a16="http://schemas.microsoft.com/office/drawing/2014/main" val="3854891488"/>
+                  </a:ext>
+                </a:extLst>
+              </a:tr>
+              <a:tr h="683639">
+                <a:tc>
+                  <a:txBody>
+                    <a:bodyPr/>
+                    <a:lstStyle/>
+                    <a:p>
+                      <a:pPr algn="ctr"/>
+                      <a:r>
+                        <a:rPr lang="en-US" sz="2000" dirty="0"/>
+                        <a:t>Insert</a:t>
+                      </a:r>
+                    </a:p>
+                  </a:txBody>
+                  <a:tcPr/>
+                </a:tc>
+                <a:tc>
+                  <a:txBody>
+                    <a:bodyPr/>
+                    <a:lstStyle/>
+                    <a:p>
+                      <a:pPr algn="ctr"/>
+                      <a:r>
+                        <a:rPr lang="en-US" sz="2000" dirty="0"/>
+                        <a:t>O(n)</a:t>
+                      </a:r>
+                    </a:p>
+                  </a:txBody>
+                  <a:tcPr/>
+                </a:tc>
+                <a:extLst>
+                  <a:ext uri="{0D108BD9-81ED-4DB2-BD59-A6C34878D82A}">
+                    <a16:rowId xmlns:a16="http://schemas.microsoft.com/office/drawing/2014/main" val="3313264714"/>
+                  </a:ext>
+                </a:extLst>
+              </a:tr>
+              <a:tr h="683639">
+                <a:tc>
+                  <a:txBody>
+                    <a:bodyPr/>
+                    <a:lstStyle/>
+                    <a:p>
+                      <a:pPr algn="ctr"/>
+                      <a:r>
+                        <a:rPr lang="en-US" sz="2000" dirty="0"/>
+                        <a:t>search</a:t>
+                      </a:r>
+                    </a:p>
+                  </a:txBody>
+                  <a:tcPr/>
+                </a:tc>
+                <a:tc>
+                  <a:txBody>
+                    <a:bodyPr/>
+                    <a:lstStyle/>
+                    <a:p>
+                      <a:pPr algn="ctr"/>
+                      <a:r>
+                        <a:rPr lang="en-US" sz="2000" dirty="0"/>
+                        <a:t>O(m)</a:t>
+                      </a:r>
+                    </a:p>
+                  </a:txBody>
+                  <a:tcPr/>
+                </a:tc>
+                <a:extLst>
+                  <a:ext uri="{0D108BD9-81ED-4DB2-BD59-A6C34878D82A}">
+                    <a16:rowId xmlns:a16="http://schemas.microsoft.com/office/drawing/2014/main" val="2233581814"/>
+                  </a:ext>
+                </a:extLst>
+              </a:tr>
+              <a:tr h="683639">
+                <a:tc>
+                  <a:txBody>
+                    <a:bodyPr/>
+                    <a:lstStyle/>
+                    <a:p>
+                      <a:pPr algn="ctr"/>
+                      <a:r>
+                        <a:rPr lang="en-US" sz="2000" dirty="0"/>
+                        <a:t>delete</a:t>
+                      </a:r>
+                    </a:p>
+                  </a:txBody>
+                  <a:tcPr/>
+                </a:tc>
+                <a:tc>
+                  <a:txBody>
+                    <a:bodyPr/>
+                    <a:lstStyle/>
+                    <a:p>
+                      <a:pPr algn="ctr"/>
+                      <a:r>
+                        <a:rPr lang="en-US" sz="2000" dirty="0"/>
+                        <a:t>O(n)</a:t>
+                      </a:r>
+                    </a:p>
+                  </a:txBody>
+                  <a:tcPr/>
+                </a:tc>
+                <a:extLst>
+                  <a:ext uri="{0D108BD9-81ED-4DB2-BD59-A6C34878D82A}">
+                    <a16:rowId xmlns:a16="http://schemas.microsoft.com/office/drawing/2014/main" val="1649134215"/>
+                  </a:ext>
+                </a:extLst>
+              </a:tr>
+              <a:tr h="683639">
+                <a:tc>
+                  <a:txBody>
+                    <a:bodyPr/>
+                    <a:lstStyle/>
+                    <a:p>
+                      <a:pPr algn="ctr"/>
+                      <a:r>
+                        <a:rPr lang="en-US" sz="2000" dirty="0"/>
+                        <a:t>build</a:t>
+                      </a:r>
+                    </a:p>
+                  </a:txBody>
+                  <a:tcPr/>
+                </a:tc>
+                <a:tc>
+                  <a:txBody>
+                    <a:bodyPr/>
+                    <a:lstStyle/>
+                    <a:p>
+                      <a:pPr algn="ctr"/>
+                      <a:r>
+                        <a:rPr lang="en-US" sz="2000" dirty="0"/>
+                        <a:t>O(n)</a:t>
+                      </a:r>
+                    </a:p>
+                  </a:txBody>
+                  <a:tcPr/>
+                </a:tc>
+                <a:extLst>
+                  <a:ext uri="{0D108BD9-81ED-4DB2-BD59-A6C34878D82A}">
+                    <a16:rowId xmlns:a16="http://schemas.microsoft.com/office/drawing/2014/main" val="1027924319"/>
+                  </a:ext>
+                </a:extLst>
+              </a:tr>
+            </a:tbl>
+          </a:graphicData>
+        </a:graphic>
+      </p:graphicFrame>
+    </p:spTree>
+    <p:extLst>
+      <p:ext uri="{BB962C8B-B14F-4D97-AF65-F5344CB8AC3E}">
+        <p14:creationId xmlns:p14="http://schemas.microsoft.com/office/powerpoint/2010/main" val="1738027245"/>
+      </p:ext>
+    </p:extLst>
+  </p:cSld>
+  <p:clrMapOvr>
+    <a:masterClrMapping/>
+  </p:clrMapOvr>
+  <mc:AlternateContent xmlns:mc="http://schemas.openxmlformats.org/markup-compatibility/2006">
+    <mc:Choice xmlns:p14="http://schemas.microsoft.com/office/powerpoint/2010/main" Requires="p14">
+      <p:transition spd="med" p14:dur="700">
+        <p:fade/>
+      </p:transition>
+    </mc:Choice>
+    <mc:Fallback>
+      <p:transition spd="med">
+        <p:fade/>
+      </p:transition>
+    </mc:Fallback>
+  </mc:AlternateContent>
+</p:sld>
+</file>
+
+<file path=ppt/slides/slide13.xml><?xml version="1.0" encoding="utf-8"?>
+<p:sld xmlns:a="http://schemas.openxmlformats.org/drawingml/2006/main" xmlns:r="http://schemas.openxmlformats.org/officeDocument/2006/relationships" xmlns:p="http://schemas.openxmlformats.org/presentationml/2006/main">
+  <p:cSld>
+    <p:spTree>
+      <p:nvGrpSpPr>
+        <p:cNvPr id="1" name=""/>
+        <p:cNvGrpSpPr/>
+        <p:nvPr/>
+      </p:nvGrpSpPr>
+      <p:grpSpPr>
+        <a:xfrm>
+          <a:off x="0" y="0"/>
+          <a:ext cx="0" cy="0"/>
+          <a:chOff x="0" y="0"/>
+          <a:chExt cx="0" cy="0"/>
+        </a:xfrm>
+      </p:grpSpPr>
+      <p:sp>
+        <p:nvSpPr>
+          <p:cNvPr id="2" name="Title 1"/>
+          <p:cNvSpPr>
+            <a:spLocks noGrp="1"/>
+          </p:cNvSpPr>
+          <p:nvPr>
+            <p:ph type="title"/>
+          </p:nvPr>
+        </p:nvSpPr>
+        <p:spPr>
+          <a:xfrm>
+            <a:off x="6069598" y="679269"/>
+            <a:ext cx="5086082" cy="1058091"/>
+          </a:xfrm>
+        </p:spPr>
+        <p:txBody>
+          <a:bodyPr>
+            <a:normAutofit/>
+          </a:bodyPr>
+          <a:lstStyle/>
+          <a:p>
+            <a:pPr algn="r"/>
+            <a:r>
+              <a:rPr lang="fa-IR" dirty="0"/>
+              <a:t>کاربرد ها و مرتبه زمانی</a:t>
+            </a:r>
+            <a:endParaRPr lang="en-US" dirty="0"/>
+          </a:p>
+        </p:txBody>
+      </p:sp>
+      <p:sp>
+        <p:nvSpPr>
+          <p:cNvPr id="5" name="Rectangle 4"/>
+          <p:cNvSpPr/>
+          <p:nvPr/>
+        </p:nvSpPr>
+        <p:spPr>
+          <a:xfrm>
+            <a:off x="6315272" y="2255840"/>
+            <a:ext cx="4840408" cy="584775"/>
+          </a:xfrm>
+          <a:prstGeom prst="rect">
+            <a:avLst/>
+          </a:prstGeom>
+        </p:spPr>
+        <p:txBody>
+          <a:bodyPr wrap="square">
+            <a:spAutoFit/>
+          </a:bodyPr>
+          <a:lstStyle/>
+          <a:p>
+            <a:pPr algn="r"/>
+            <a:r>
+              <a:rPr lang="fa-IR" sz="3200" dirty="0"/>
+              <a:t>مسئله1: تطابق رشته کامل</a:t>
+            </a:r>
+            <a:endParaRPr lang="en-US" sz="3200" dirty="0"/>
+          </a:p>
+        </p:txBody>
+      </p:sp>
+      <p:sp>
+        <p:nvSpPr>
+          <p:cNvPr id="6" name="Oval 5"/>
+          <p:cNvSpPr/>
+          <p:nvPr/>
+        </p:nvSpPr>
+        <p:spPr>
+          <a:xfrm>
+            <a:off x="3200391" y="2211615"/>
+            <a:ext cx="339969" cy="298086"/>
+          </a:xfrm>
+          <a:prstGeom prst="ellipse">
+            <a:avLst/>
+          </a:prstGeom>
+          <a:solidFill>
+            <a:schemeClr val="accent1">
+              <a:lumMod val="50000"/>
+            </a:schemeClr>
+          </a:solidFill>
+        </p:spPr>
+        <p:style>
+          <a:lnRef idx="2">
+            <a:schemeClr val="accent1">
+              <a:shade val="50000"/>
+            </a:schemeClr>
+          </a:lnRef>
+          <a:fillRef idx="1">
+            <a:schemeClr val="accent1"/>
+          </a:fillRef>
+          <a:effectRef idx="0">
+            <a:schemeClr val="accent1"/>
+          </a:effectRef>
+          <a:fontRef idx="minor">
+            <a:schemeClr val="lt1"/>
+          </a:fontRef>
+        </p:style>
+        <p:txBody>
+          <a:bodyPr rtlCol="0" anchor="ctr"/>
+          <a:lstStyle/>
+          <a:p>
+            <a:pPr algn="ctr"/>
+            <a:endParaRPr lang="en-US"/>
+          </a:p>
+        </p:txBody>
+      </p:sp>
+      <p:sp>
+        <p:nvSpPr>
+          <p:cNvPr id="7" name="Oval 6"/>
+          <p:cNvSpPr/>
+          <p:nvPr/>
+        </p:nvSpPr>
+        <p:spPr>
+          <a:xfrm>
+            <a:off x="2127741" y="3016185"/>
+            <a:ext cx="339969" cy="298086"/>
+          </a:xfrm>
+          <a:prstGeom prst="ellipse">
+            <a:avLst/>
+          </a:prstGeom>
+          <a:solidFill>
+            <a:schemeClr val="accent1">
+              <a:lumMod val="50000"/>
+            </a:schemeClr>
+          </a:solidFill>
+        </p:spPr>
+        <p:style>
+          <a:lnRef idx="2">
+            <a:schemeClr val="accent1">
+              <a:shade val="50000"/>
+            </a:schemeClr>
+          </a:lnRef>
+          <a:fillRef idx="1">
+            <a:schemeClr val="accent1"/>
+          </a:fillRef>
+          <a:effectRef idx="0">
+            <a:schemeClr val="accent1"/>
+          </a:effectRef>
+          <a:fontRef idx="minor">
+            <a:schemeClr val="lt1"/>
+          </a:fontRef>
+        </p:style>
+        <p:txBody>
+          <a:bodyPr rtlCol="0" anchor="ctr"/>
+          <a:lstStyle/>
+          <a:p>
+            <a:pPr algn="ctr"/>
+            <a:endParaRPr lang="en-US"/>
+          </a:p>
+        </p:txBody>
+      </p:sp>
+      <p:sp>
+        <p:nvSpPr>
+          <p:cNvPr id="8" name="Oval 7"/>
+          <p:cNvSpPr/>
+          <p:nvPr/>
+        </p:nvSpPr>
+        <p:spPr>
+          <a:xfrm>
+            <a:off x="4513382" y="3016185"/>
+            <a:ext cx="339969" cy="298086"/>
+          </a:xfrm>
+          <a:prstGeom prst="ellipse">
+            <a:avLst/>
+          </a:prstGeom>
+          <a:solidFill>
+            <a:schemeClr val="accent1">
+              <a:lumMod val="50000"/>
+            </a:schemeClr>
+          </a:solidFill>
+        </p:spPr>
+        <p:style>
+          <a:lnRef idx="2">
+            <a:schemeClr val="accent1">
+              <a:shade val="50000"/>
+            </a:schemeClr>
+          </a:lnRef>
+          <a:fillRef idx="1">
+            <a:schemeClr val="accent1"/>
+          </a:fillRef>
+          <a:effectRef idx="0">
+            <a:schemeClr val="accent1"/>
+          </a:effectRef>
+          <a:fontRef idx="minor">
+            <a:schemeClr val="lt1"/>
+          </a:fontRef>
+        </p:style>
+        <p:txBody>
+          <a:bodyPr rtlCol="0" anchor="ctr"/>
+          <a:lstStyle/>
+          <a:p>
+            <a:pPr algn="ctr"/>
+            <a:endParaRPr lang="en-US"/>
+          </a:p>
+        </p:txBody>
+      </p:sp>
+      <p:sp>
+        <p:nvSpPr>
+          <p:cNvPr id="9" name="Oval 8"/>
+          <p:cNvSpPr/>
+          <p:nvPr/>
+        </p:nvSpPr>
+        <p:spPr>
+          <a:xfrm>
+            <a:off x="2861681" y="3850685"/>
+            <a:ext cx="339969" cy="298086"/>
+          </a:xfrm>
+          <a:prstGeom prst="ellipse">
+            <a:avLst/>
+          </a:prstGeom>
+          <a:solidFill>
+            <a:schemeClr val="accent1">
+              <a:lumMod val="50000"/>
+            </a:schemeClr>
+          </a:solidFill>
+        </p:spPr>
+        <p:style>
+          <a:lnRef idx="2">
+            <a:schemeClr val="accent1">
+              <a:shade val="50000"/>
+            </a:schemeClr>
+          </a:lnRef>
+          <a:fillRef idx="1">
+            <a:schemeClr val="accent1"/>
+          </a:fillRef>
+          <a:effectRef idx="0">
+            <a:schemeClr val="accent1"/>
+          </a:effectRef>
+          <a:fontRef idx="minor">
+            <a:schemeClr val="lt1"/>
+          </a:fontRef>
+        </p:style>
+        <p:txBody>
+          <a:bodyPr rtlCol="0" anchor="ctr"/>
+          <a:lstStyle/>
+          <a:p>
+            <a:pPr algn="ctr"/>
+            <a:endParaRPr lang="en-US"/>
+          </a:p>
+        </p:txBody>
+      </p:sp>
+      <p:sp>
+        <p:nvSpPr>
+          <p:cNvPr id="10" name="Oval 9"/>
+          <p:cNvSpPr/>
+          <p:nvPr/>
+        </p:nvSpPr>
+        <p:spPr>
+          <a:xfrm>
+            <a:off x="5854502" y="3749024"/>
+            <a:ext cx="339969" cy="298086"/>
+          </a:xfrm>
+          <a:prstGeom prst="ellipse">
+            <a:avLst/>
+          </a:prstGeom>
+          <a:solidFill>
+            <a:schemeClr val="accent1">
+              <a:lumMod val="50000"/>
+            </a:schemeClr>
+          </a:solidFill>
+          <a:ln>
+            <a:solidFill>
+              <a:schemeClr val="accent1">
+                <a:lumMod val="50000"/>
+              </a:schemeClr>
+            </a:solidFill>
+          </a:ln>
+        </p:spPr>
+        <p:style>
+          <a:lnRef idx="2">
+            <a:schemeClr val="accent1">
+              <a:shade val="50000"/>
+            </a:schemeClr>
+          </a:lnRef>
+          <a:fillRef idx="1">
+            <a:schemeClr val="accent1"/>
+          </a:fillRef>
+          <a:effectRef idx="0">
+            <a:schemeClr val="accent1"/>
+          </a:effectRef>
+          <a:fontRef idx="minor">
+            <a:schemeClr val="lt1"/>
+          </a:fontRef>
+        </p:style>
+        <p:txBody>
+          <a:bodyPr rtlCol="0" anchor="ctr"/>
+          <a:lstStyle/>
+          <a:p>
+            <a:pPr algn="ctr"/>
+            <a:endParaRPr lang="en-US"/>
+          </a:p>
+        </p:txBody>
+      </p:sp>
+      <p:sp>
+        <p:nvSpPr>
+          <p:cNvPr id="11" name="Oval 10"/>
+          <p:cNvSpPr/>
+          <p:nvPr/>
+        </p:nvSpPr>
+        <p:spPr>
+          <a:xfrm>
+            <a:off x="3519319" y="4777978"/>
+            <a:ext cx="339969" cy="298086"/>
+          </a:xfrm>
+          <a:prstGeom prst="ellipse">
+            <a:avLst/>
+          </a:prstGeom>
+          <a:solidFill>
+            <a:schemeClr val="accent1">
+              <a:lumMod val="50000"/>
+            </a:schemeClr>
+          </a:solidFill>
+        </p:spPr>
+        <p:style>
+          <a:lnRef idx="2">
+            <a:schemeClr val="accent1">
+              <a:shade val="50000"/>
+            </a:schemeClr>
+          </a:lnRef>
+          <a:fillRef idx="1">
+            <a:schemeClr val="accent1"/>
+          </a:fillRef>
+          <a:effectRef idx="0">
+            <a:schemeClr val="accent1"/>
+          </a:effectRef>
+          <a:fontRef idx="minor">
+            <a:schemeClr val="lt1"/>
+          </a:fontRef>
+        </p:style>
+        <p:txBody>
+          <a:bodyPr rtlCol="0" anchor="ctr"/>
+          <a:lstStyle/>
+          <a:p>
+            <a:pPr algn="ctr"/>
+            <a:endParaRPr lang="en-US"/>
+          </a:p>
+        </p:txBody>
+      </p:sp>
+      <p:sp>
+        <p:nvSpPr>
+          <p:cNvPr id="12" name="Oval 11"/>
+          <p:cNvSpPr/>
+          <p:nvPr/>
+        </p:nvSpPr>
+        <p:spPr>
+          <a:xfrm>
+            <a:off x="6969364" y="4617226"/>
+            <a:ext cx="339969" cy="298086"/>
+          </a:xfrm>
+          <a:prstGeom prst="ellipse">
+            <a:avLst/>
+          </a:prstGeom>
+          <a:solidFill>
+            <a:schemeClr val="accent1">
+              <a:lumMod val="50000"/>
+            </a:schemeClr>
+          </a:solidFill>
+        </p:spPr>
+        <p:style>
+          <a:lnRef idx="2">
+            <a:schemeClr val="accent1">
+              <a:shade val="50000"/>
+            </a:schemeClr>
+          </a:lnRef>
+          <a:fillRef idx="1">
+            <a:schemeClr val="accent1"/>
+          </a:fillRef>
+          <a:effectRef idx="0">
+            <a:schemeClr val="accent1"/>
+          </a:effectRef>
+          <a:fontRef idx="minor">
+            <a:schemeClr val="lt1"/>
+          </a:fontRef>
+        </p:style>
+        <p:txBody>
+          <a:bodyPr rtlCol="0" anchor="ctr"/>
+          <a:lstStyle/>
+          <a:p>
+            <a:pPr algn="ctr"/>
+            <a:endParaRPr lang="en-US"/>
+          </a:p>
+        </p:txBody>
+      </p:sp>
+      <p:sp>
+        <p:nvSpPr>
+          <p:cNvPr id="13" name="Rectangle 12"/>
+          <p:cNvSpPr/>
+          <p:nvPr/>
+        </p:nvSpPr>
+        <p:spPr>
+          <a:xfrm>
+            <a:off x="1230922" y="3767170"/>
+            <a:ext cx="339969" cy="378499"/>
+          </a:xfrm>
+          <a:prstGeom prst="rect">
+            <a:avLst/>
+          </a:prstGeom>
+          <a:solidFill>
+            <a:schemeClr val="accent1">
+              <a:lumMod val="50000"/>
+            </a:schemeClr>
+          </a:solidFill>
+          <a:ln>
+            <a:solidFill>
+              <a:schemeClr val="accent1">
+                <a:lumMod val="50000"/>
+              </a:schemeClr>
+            </a:solidFill>
+          </a:ln>
+        </p:spPr>
+        <p:style>
+          <a:lnRef idx="2">
+            <a:schemeClr val="accent1">
+              <a:shade val="50000"/>
+            </a:schemeClr>
+          </a:lnRef>
+          <a:fillRef idx="1">
+            <a:schemeClr val="accent1"/>
+          </a:fillRef>
+          <a:effectRef idx="0">
+            <a:schemeClr val="accent1"/>
+          </a:effectRef>
+          <a:fontRef idx="minor">
+            <a:schemeClr val="lt1"/>
+          </a:fontRef>
+        </p:style>
+        <p:txBody>
+          <a:bodyPr rtlCol="0" anchor="ctr"/>
+          <a:lstStyle/>
+          <a:p>
+            <a:pPr algn="ctr"/>
+            <a:endParaRPr lang="en-US"/>
+          </a:p>
+        </p:txBody>
+      </p:sp>
+      <p:sp>
+        <p:nvSpPr>
+          <p:cNvPr id="14" name="Rectangle 13"/>
+          <p:cNvSpPr/>
+          <p:nvPr/>
+        </p:nvSpPr>
+        <p:spPr>
+          <a:xfrm>
+            <a:off x="2268416" y="4726062"/>
+            <a:ext cx="339969" cy="378499"/>
+          </a:xfrm>
+          <a:prstGeom prst="rect">
+            <a:avLst/>
+          </a:prstGeom>
+          <a:solidFill>
+            <a:schemeClr val="accent1">
+              <a:lumMod val="50000"/>
+            </a:schemeClr>
+          </a:solidFill>
+          <a:ln>
+            <a:solidFill>
+              <a:schemeClr val="accent1">
+                <a:lumMod val="50000"/>
+              </a:schemeClr>
+            </a:solidFill>
+          </a:ln>
+        </p:spPr>
+        <p:style>
+          <a:lnRef idx="2">
+            <a:schemeClr val="accent1">
+              <a:shade val="50000"/>
+            </a:schemeClr>
+          </a:lnRef>
+          <a:fillRef idx="1">
+            <a:schemeClr val="accent1"/>
+          </a:fillRef>
+          <a:effectRef idx="0">
+            <a:schemeClr val="accent1"/>
+          </a:effectRef>
+          <a:fontRef idx="minor">
+            <a:schemeClr val="lt1"/>
+          </a:fontRef>
+        </p:style>
+        <p:txBody>
+          <a:bodyPr rtlCol="0" anchor="ctr"/>
+          <a:lstStyle/>
+          <a:p>
+            <a:pPr algn="ctr"/>
+            <a:endParaRPr lang="en-US"/>
+          </a:p>
+        </p:txBody>
+      </p:sp>
+      <p:sp>
+        <p:nvSpPr>
+          <p:cNvPr id="15" name="Rectangle 14"/>
+          <p:cNvSpPr/>
+          <p:nvPr/>
+        </p:nvSpPr>
+        <p:spPr>
+          <a:xfrm>
+            <a:off x="3859288" y="3776731"/>
+            <a:ext cx="339969" cy="378499"/>
+          </a:xfrm>
+          <a:prstGeom prst="rect">
+            <a:avLst/>
+          </a:prstGeom>
+          <a:solidFill>
+            <a:schemeClr val="accent1">
+              <a:lumMod val="50000"/>
+            </a:schemeClr>
+          </a:solidFill>
+          <a:ln>
+            <a:solidFill>
+              <a:schemeClr val="accent1">
+                <a:lumMod val="50000"/>
+              </a:schemeClr>
+            </a:solidFill>
+          </a:ln>
+        </p:spPr>
+        <p:style>
+          <a:lnRef idx="2">
+            <a:schemeClr val="accent1">
+              <a:shade val="50000"/>
+            </a:schemeClr>
+          </a:lnRef>
+          <a:fillRef idx="1">
+            <a:schemeClr val="accent1"/>
+          </a:fillRef>
+          <a:effectRef idx="0">
+            <a:schemeClr val="accent1"/>
+          </a:effectRef>
+          <a:fontRef idx="minor">
+            <a:schemeClr val="lt1"/>
+          </a:fontRef>
+        </p:style>
+        <p:txBody>
+          <a:bodyPr rtlCol="0" anchor="ctr"/>
+          <a:lstStyle/>
+          <a:p>
+            <a:pPr algn="ctr"/>
+            <a:endParaRPr lang="en-US"/>
+          </a:p>
+        </p:txBody>
+      </p:sp>
+      <p:sp>
+        <p:nvSpPr>
+          <p:cNvPr id="16" name="Rectangle 15"/>
+          <p:cNvSpPr/>
+          <p:nvPr/>
+        </p:nvSpPr>
+        <p:spPr>
+          <a:xfrm>
+            <a:off x="5234337" y="4548522"/>
+            <a:ext cx="339969" cy="378499"/>
+          </a:xfrm>
+          <a:prstGeom prst="rect">
+            <a:avLst/>
+          </a:prstGeom>
+          <a:solidFill>
+            <a:schemeClr val="accent1">
+              <a:lumMod val="50000"/>
+            </a:schemeClr>
+          </a:solidFill>
+          <a:ln>
+            <a:solidFill>
+              <a:schemeClr val="accent1">
+                <a:lumMod val="50000"/>
+              </a:schemeClr>
+            </a:solidFill>
+          </a:ln>
+        </p:spPr>
+        <p:style>
+          <a:lnRef idx="2">
+            <a:schemeClr val="accent1">
+              <a:shade val="50000"/>
+            </a:schemeClr>
+          </a:lnRef>
+          <a:fillRef idx="1">
+            <a:schemeClr val="accent1"/>
+          </a:fillRef>
+          <a:effectRef idx="0">
+            <a:schemeClr val="accent1"/>
+          </a:effectRef>
+          <a:fontRef idx="minor">
+            <a:schemeClr val="lt1"/>
+          </a:fontRef>
+        </p:style>
+        <p:txBody>
+          <a:bodyPr rtlCol="0" anchor="ctr"/>
+          <a:lstStyle/>
+          <a:p>
+            <a:pPr algn="ctr"/>
+            <a:endParaRPr lang="en-US"/>
+          </a:p>
+        </p:txBody>
+      </p:sp>
+      <p:sp>
+        <p:nvSpPr>
+          <p:cNvPr id="17" name="Rectangle 16"/>
+          <p:cNvSpPr/>
+          <p:nvPr/>
+        </p:nvSpPr>
+        <p:spPr>
+          <a:xfrm>
+            <a:off x="2825254" y="5588517"/>
+            <a:ext cx="339969" cy="378499"/>
+          </a:xfrm>
+          <a:prstGeom prst="rect">
+            <a:avLst/>
+          </a:prstGeom>
+          <a:solidFill>
+            <a:schemeClr val="accent1">
+              <a:lumMod val="50000"/>
+            </a:schemeClr>
+          </a:solidFill>
+          <a:ln>
+            <a:solidFill>
+              <a:schemeClr val="accent1">
+                <a:lumMod val="50000"/>
+              </a:schemeClr>
+            </a:solidFill>
+          </a:ln>
+        </p:spPr>
+        <p:style>
+          <a:lnRef idx="2">
+            <a:schemeClr val="accent1">
+              <a:shade val="50000"/>
+            </a:schemeClr>
+          </a:lnRef>
+          <a:fillRef idx="1">
+            <a:schemeClr val="accent1"/>
+          </a:fillRef>
+          <a:effectRef idx="0">
+            <a:schemeClr val="accent1"/>
+          </a:effectRef>
+          <a:fontRef idx="minor">
+            <a:schemeClr val="lt1"/>
+          </a:fontRef>
+        </p:style>
+        <p:txBody>
+          <a:bodyPr rtlCol="0" anchor="ctr"/>
+          <a:lstStyle/>
+          <a:p>
+            <a:pPr algn="ctr"/>
+            <a:endParaRPr lang="en-US"/>
+          </a:p>
+        </p:txBody>
+      </p:sp>
+      <p:sp>
+        <p:nvSpPr>
+          <p:cNvPr id="18" name="Rectangle 17"/>
+          <p:cNvSpPr/>
+          <p:nvPr/>
+        </p:nvSpPr>
+        <p:spPr>
+          <a:xfrm>
+            <a:off x="4411051" y="5583535"/>
+            <a:ext cx="339969" cy="378499"/>
+          </a:xfrm>
+          <a:prstGeom prst="rect">
+            <a:avLst/>
+          </a:prstGeom>
+          <a:solidFill>
+            <a:schemeClr val="accent1">
+              <a:lumMod val="50000"/>
+            </a:schemeClr>
+          </a:solidFill>
+          <a:ln>
+            <a:solidFill>
+              <a:schemeClr val="accent1">
+                <a:lumMod val="50000"/>
+              </a:schemeClr>
+            </a:solidFill>
+          </a:ln>
+        </p:spPr>
+        <p:style>
+          <a:lnRef idx="2">
+            <a:schemeClr val="accent1">
+              <a:shade val="50000"/>
+            </a:schemeClr>
+          </a:lnRef>
+          <a:fillRef idx="1">
+            <a:schemeClr val="accent1"/>
+          </a:fillRef>
+          <a:effectRef idx="0">
+            <a:schemeClr val="accent1"/>
+          </a:effectRef>
+          <a:fontRef idx="minor">
+            <a:schemeClr val="lt1"/>
+          </a:fontRef>
+        </p:style>
+        <p:txBody>
+          <a:bodyPr rtlCol="0" anchor="ctr"/>
+          <a:lstStyle/>
+          <a:p>
+            <a:pPr algn="ctr"/>
+            <a:endParaRPr lang="en-US"/>
+          </a:p>
+        </p:txBody>
+      </p:sp>
+      <p:sp>
+        <p:nvSpPr>
+          <p:cNvPr id="19" name="Rectangle 18"/>
+          <p:cNvSpPr/>
+          <p:nvPr/>
+        </p:nvSpPr>
+        <p:spPr>
+          <a:xfrm>
+            <a:off x="6301651" y="5454576"/>
+            <a:ext cx="339969" cy="378499"/>
+          </a:xfrm>
+          <a:prstGeom prst="rect">
+            <a:avLst/>
+          </a:prstGeom>
+          <a:solidFill>
+            <a:schemeClr val="accent1">
+              <a:lumMod val="50000"/>
+            </a:schemeClr>
+          </a:solidFill>
+          <a:ln>
+            <a:solidFill>
+              <a:schemeClr val="accent1">
+                <a:lumMod val="50000"/>
+              </a:schemeClr>
+            </a:solidFill>
+          </a:ln>
+        </p:spPr>
+        <p:style>
+          <a:lnRef idx="2">
+            <a:schemeClr val="accent1">
+              <a:shade val="50000"/>
+            </a:schemeClr>
+          </a:lnRef>
+          <a:fillRef idx="1">
+            <a:schemeClr val="accent1"/>
+          </a:fillRef>
+          <a:effectRef idx="0">
+            <a:schemeClr val="accent1"/>
+          </a:effectRef>
+          <a:fontRef idx="minor">
+            <a:schemeClr val="lt1"/>
+          </a:fontRef>
+        </p:style>
+        <p:txBody>
+          <a:bodyPr rtlCol="0" anchor="ctr"/>
+          <a:lstStyle/>
+          <a:p>
+            <a:pPr algn="ctr"/>
+            <a:endParaRPr lang="en-US"/>
+          </a:p>
+        </p:txBody>
+      </p:sp>
+      <p:sp>
+        <p:nvSpPr>
+          <p:cNvPr id="20" name="Rectangle 19"/>
+          <p:cNvSpPr/>
+          <p:nvPr/>
+        </p:nvSpPr>
+        <p:spPr>
+          <a:xfrm>
+            <a:off x="8077150" y="5489702"/>
+            <a:ext cx="339969" cy="378499"/>
+          </a:xfrm>
+          <a:prstGeom prst="rect">
+            <a:avLst/>
+          </a:prstGeom>
+          <a:solidFill>
+            <a:schemeClr val="accent1">
+              <a:lumMod val="50000"/>
+            </a:schemeClr>
+          </a:solidFill>
+          <a:ln>
+            <a:solidFill>
+              <a:schemeClr val="accent1">
+                <a:lumMod val="50000"/>
+              </a:schemeClr>
+            </a:solidFill>
+          </a:ln>
+        </p:spPr>
+        <p:style>
+          <a:lnRef idx="2">
+            <a:schemeClr val="accent1">
+              <a:shade val="50000"/>
+            </a:schemeClr>
+          </a:lnRef>
+          <a:fillRef idx="1">
+            <a:schemeClr val="accent1"/>
+          </a:fillRef>
+          <a:effectRef idx="0">
+            <a:schemeClr val="accent1"/>
+          </a:effectRef>
+          <a:fontRef idx="minor">
+            <a:schemeClr val="lt1"/>
+          </a:fontRef>
+        </p:style>
+        <p:txBody>
+          <a:bodyPr rtlCol="0" anchor="ctr"/>
+          <a:lstStyle/>
+          <a:p>
+            <a:pPr algn="ctr"/>
+            <a:endParaRPr lang="en-US"/>
+          </a:p>
+        </p:txBody>
+      </p:sp>
+      <p:cxnSp>
+        <p:nvCxnSpPr>
+          <p:cNvPr id="22" name="Straight Arrow Connector 21"/>
+          <p:cNvCxnSpPr/>
+          <p:nvPr/>
+        </p:nvCxnSpPr>
+        <p:spPr>
+          <a:xfrm flipH="1">
+            <a:off x="2467710" y="2509701"/>
+            <a:ext cx="641316" cy="506484"/>
+          </a:xfrm>
+          <a:prstGeom prst="straightConnector1">
+            <a:avLst/>
+          </a:prstGeom>
+          <a:ln>
+            <a:tailEnd type="triangle"/>
+          </a:ln>
+        </p:spPr>
+        <p:style>
+          <a:lnRef idx="1">
+            <a:schemeClr val="accent1"/>
+          </a:lnRef>
+          <a:fillRef idx="0">
+            <a:schemeClr val="accent1"/>
+          </a:fillRef>
+          <a:effectRef idx="0">
+            <a:schemeClr val="accent1"/>
+          </a:effectRef>
+          <a:fontRef idx="minor">
+            <a:schemeClr val="tx1"/>
+          </a:fontRef>
+        </p:style>
+      </p:cxnSp>
+      <p:cxnSp>
+        <p:nvCxnSpPr>
+          <p:cNvPr id="25" name="Straight Arrow Connector 24"/>
+          <p:cNvCxnSpPr/>
+          <p:nvPr/>
+        </p:nvCxnSpPr>
+        <p:spPr>
+          <a:xfrm flipH="1">
+            <a:off x="1735019" y="3314271"/>
+            <a:ext cx="392722" cy="343329"/>
+          </a:xfrm>
+          <a:prstGeom prst="straightConnector1">
+            <a:avLst/>
+          </a:prstGeom>
+          <a:ln>
+            <a:tailEnd type="triangle"/>
+          </a:ln>
+        </p:spPr>
+        <p:style>
+          <a:lnRef idx="1">
+            <a:schemeClr val="accent1"/>
+          </a:lnRef>
+          <a:fillRef idx="0">
+            <a:schemeClr val="accent1"/>
+          </a:fillRef>
+          <a:effectRef idx="0">
+            <a:schemeClr val="accent1"/>
+          </a:effectRef>
+          <a:fontRef idx="minor">
+            <a:schemeClr val="tx1"/>
+          </a:fontRef>
+        </p:style>
+      </p:cxnSp>
+      <p:cxnSp>
+        <p:nvCxnSpPr>
+          <p:cNvPr id="27" name="Straight Arrow Connector 26"/>
+          <p:cNvCxnSpPr/>
+          <p:nvPr/>
+        </p:nvCxnSpPr>
+        <p:spPr>
+          <a:xfrm>
+            <a:off x="7268308" y="-1125415"/>
+            <a:ext cx="0" cy="0"/>
+          </a:xfrm>
+          <a:prstGeom prst="straightConnector1">
+            <a:avLst/>
+          </a:prstGeom>
+          <a:ln>
+            <a:tailEnd type="triangle"/>
+          </a:ln>
+        </p:spPr>
+        <p:style>
+          <a:lnRef idx="1">
+            <a:schemeClr val="accent1"/>
+          </a:lnRef>
+          <a:fillRef idx="0">
+            <a:schemeClr val="accent1"/>
+          </a:fillRef>
+          <a:effectRef idx="0">
+            <a:schemeClr val="accent1"/>
+          </a:effectRef>
+          <a:fontRef idx="minor">
+            <a:schemeClr val="tx1"/>
+          </a:fontRef>
+        </p:style>
+      </p:cxnSp>
+      <p:cxnSp>
+        <p:nvCxnSpPr>
+          <p:cNvPr id="29" name="Straight Arrow Connector 28"/>
+          <p:cNvCxnSpPr/>
+          <p:nvPr/>
+        </p:nvCxnSpPr>
+        <p:spPr>
+          <a:xfrm>
+            <a:off x="3540360" y="2509701"/>
+            <a:ext cx="744417" cy="506484"/>
+          </a:xfrm>
+          <a:prstGeom prst="straightConnector1">
+            <a:avLst/>
+          </a:prstGeom>
+          <a:ln>
+            <a:tailEnd type="triangle"/>
+          </a:ln>
+        </p:spPr>
+        <p:style>
+          <a:lnRef idx="1">
+            <a:schemeClr val="accent1"/>
+          </a:lnRef>
+          <a:fillRef idx="0">
+            <a:schemeClr val="accent1"/>
+          </a:fillRef>
+          <a:effectRef idx="0">
+            <a:schemeClr val="accent1"/>
+          </a:effectRef>
+          <a:fontRef idx="minor">
+            <a:schemeClr val="tx1"/>
+          </a:fontRef>
+        </p:style>
+      </p:cxnSp>
+      <p:cxnSp>
+        <p:nvCxnSpPr>
+          <p:cNvPr id="30" name="Straight Arrow Connector 29"/>
+          <p:cNvCxnSpPr/>
+          <p:nvPr/>
+        </p:nvCxnSpPr>
+        <p:spPr>
+          <a:xfrm>
+            <a:off x="4970573" y="3295144"/>
+            <a:ext cx="744417" cy="506484"/>
+          </a:xfrm>
+          <a:prstGeom prst="straightConnector1">
+            <a:avLst/>
+          </a:prstGeom>
+          <a:ln>
+            <a:tailEnd type="triangle"/>
+          </a:ln>
+        </p:spPr>
+        <p:style>
+          <a:lnRef idx="1">
+            <a:schemeClr val="accent1"/>
+          </a:lnRef>
+          <a:fillRef idx="0">
+            <a:schemeClr val="accent1"/>
+          </a:fillRef>
+          <a:effectRef idx="0">
+            <a:schemeClr val="accent1"/>
+          </a:effectRef>
+          <a:fontRef idx="minor">
+            <a:schemeClr val="tx1"/>
+          </a:fontRef>
+        </p:style>
+      </p:cxnSp>
+      <p:cxnSp>
+        <p:nvCxnSpPr>
+          <p:cNvPr id="31" name="Straight Arrow Connector 30"/>
+          <p:cNvCxnSpPr/>
+          <p:nvPr/>
+        </p:nvCxnSpPr>
+        <p:spPr>
+          <a:xfrm>
+            <a:off x="6201494" y="4092309"/>
+            <a:ext cx="744417" cy="506484"/>
+          </a:xfrm>
+          <a:prstGeom prst="straightConnector1">
+            <a:avLst/>
+          </a:prstGeom>
+          <a:ln>
+            <a:tailEnd type="triangle"/>
+          </a:ln>
+        </p:spPr>
+        <p:style>
+          <a:lnRef idx="1">
+            <a:schemeClr val="accent1"/>
+          </a:lnRef>
+          <a:fillRef idx="0">
+            <a:schemeClr val="accent1"/>
+          </a:fillRef>
+          <a:effectRef idx="0">
+            <a:schemeClr val="accent1"/>
+          </a:effectRef>
+          <a:fontRef idx="minor">
+            <a:schemeClr val="tx1"/>
+          </a:fontRef>
+        </p:style>
+      </p:cxnSp>
+      <p:cxnSp>
+        <p:nvCxnSpPr>
+          <p:cNvPr id="32" name="Straight Arrow Connector 31"/>
+          <p:cNvCxnSpPr/>
+          <p:nvPr/>
+        </p:nvCxnSpPr>
+        <p:spPr>
+          <a:xfrm>
+            <a:off x="7268296" y="4948092"/>
+            <a:ext cx="744417" cy="506484"/>
+          </a:xfrm>
+          <a:prstGeom prst="straightConnector1">
+            <a:avLst/>
+          </a:prstGeom>
+          <a:ln>
+            <a:tailEnd type="triangle"/>
+          </a:ln>
+        </p:spPr>
+        <p:style>
+          <a:lnRef idx="1">
+            <a:schemeClr val="accent1"/>
+          </a:lnRef>
+          <a:fillRef idx="0">
+            <a:schemeClr val="accent1"/>
+          </a:fillRef>
+          <a:effectRef idx="0">
+            <a:schemeClr val="accent1"/>
+          </a:effectRef>
+          <a:fontRef idx="minor">
+            <a:schemeClr val="tx1"/>
+          </a:fontRef>
+        </p:style>
+      </p:cxnSp>
+      <p:cxnSp>
+        <p:nvCxnSpPr>
+          <p:cNvPr id="34" name="Straight Arrow Connector 33"/>
+          <p:cNvCxnSpPr/>
+          <p:nvPr/>
+        </p:nvCxnSpPr>
+        <p:spPr>
+          <a:xfrm>
+            <a:off x="2414949" y="3353759"/>
+            <a:ext cx="445473" cy="447869"/>
+          </a:xfrm>
+          <a:prstGeom prst="straightConnector1">
+            <a:avLst/>
+          </a:prstGeom>
+          <a:ln>
+            <a:tailEnd type="triangle"/>
+          </a:ln>
+        </p:spPr>
+        <p:style>
+          <a:lnRef idx="1">
+            <a:schemeClr val="accent1"/>
+          </a:lnRef>
+          <a:fillRef idx="0">
+            <a:schemeClr val="accent1"/>
+          </a:fillRef>
+          <a:effectRef idx="0">
+            <a:schemeClr val="accent1"/>
+          </a:effectRef>
+          <a:fontRef idx="minor">
+            <a:schemeClr val="tx1"/>
+          </a:fontRef>
+        </p:style>
+      </p:cxnSp>
+      <p:cxnSp>
+        <p:nvCxnSpPr>
+          <p:cNvPr id="39" name="Straight Arrow Connector 38"/>
+          <p:cNvCxnSpPr/>
+          <p:nvPr/>
+        </p:nvCxnSpPr>
+        <p:spPr>
+          <a:xfrm>
+            <a:off x="3165223" y="4244710"/>
+            <a:ext cx="445473" cy="447869"/>
+          </a:xfrm>
+          <a:prstGeom prst="straightConnector1">
+            <a:avLst/>
+          </a:prstGeom>
+          <a:ln>
+            <a:tailEnd type="triangle"/>
+          </a:ln>
+        </p:spPr>
+        <p:style>
+          <a:lnRef idx="1">
+            <a:schemeClr val="accent1"/>
+          </a:lnRef>
+          <a:fillRef idx="0">
+            <a:schemeClr val="accent1"/>
+          </a:fillRef>
+          <a:effectRef idx="0">
+            <a:schemeClr val="accent1"/>
+          </a:effectRef>
+          <a:fontRef idx="minor">
+            <a:schemeClr val="tx1"/>
+          </a:fontRef>
+        </p:style>
+      </p:cxnSp>
+      <p:cxnSp>
+        <p:nvCxnSpPr>
+          <p:cNvPr id="40" name="Straight Arrow Connector 39"/>
+          <p:cNvCxnSpPr/>
+          <p:nvPr/>
+        </p:nvCxnSpPr>
+        <p:spPr>
+          <a:xfrm>
+            <a:off x="3845163" y="5135666"/>
+            <a:ext cx="445473" cy="447869"/>
+          </a:xfrm>
+          <a:prstGeom prst="straightConnector1">
+            <a:avLst/>
+          </a:prstGeom>
+          <a:ln>
+            <a:tailEnd type="triangle"/>
+          </a:ln>
+        </p:spPr>
+        <p:style>
+          <a:lnRef idx="1">
+            <a:schemeClr val="accent1"/>
+          </a:lnRef>
+          <a:fillRef idx="0">
+            <a:schemeClr val="accent1"/>
+          </a:fillRef>
+          <a:effectRef idx="0">
+            <a:schemeClr val="accent1"/>
+          </a:effectRef>
+          <a:fontRef idx="minor">
+            <a:schemeClr val="tx1"/>
+          </a:fontRef>
+        </p:style>
+      </p:cxnSp>
+      <p:cxnSp>
+        <p:nvCxnSpPr>
+          <p:cNvPr id="42" name="Straight Arrow Connector 41"/>
+          <p:cNvCxnSpPr/>
+          <p:nvPr/>
+        </p:nvCxnSpPr>
+        <p:spPr>
+          <a:xfrm flipH="1">
+            <a:off x="4237892" y="3373873"/>
+            <a:ext cx="275490" cy="332905"/>
+          </a:xfrm>
+          <a:prstGeom prst="straightConnector1">
+            <a:avLst/>
+          </a:prstGeom>
+          <a:ln>
+            <a:tailEnd type="triangle"/>
+          </a:ln>
+        </p:spPr>
+        <p:style>
+          <a:lnRef idx="1">
+            <a:schemeClr val="accent1"/>
+          </a:lnRef>
+          <a:fillRef idx="0">
+            <a:schemeClr val="accent1"/>
+          </a:fillRef>
+          <a:effectRef idx="0">
+            <a:schemeClr val="accent1"/>
+          </a:effectRef>
+          <a:fontRef idx="minor">
+            <a:schemeClr val="tx1"/>
+          </a:fontRef>
+        </p:style>
+      </p:cxnSp>
+      <p:cxnSp>
+        <p:nvCxnSpPr>
+          <p:cNvPr id="46" name="Straight Arrow Connector 45"/>
+          <p:cNvCxnSpPr/>
+          <p:nvPr/>
+        </p:nvCxnSpPr>
+        <p:spPr>
+          <a:xfrm flipH="1">
+            <a:off x="5621214" y="4124147"/>
+            <a:ext cx="275490" cy="332905"/>
+          </a:xfrm>
+          <a:prstGeom prst="straightConnector1">
+            <a:avLst/>
+          </a:prstGeom>
+          <a:ln>
+            <a:tailEnd type="triangle"/>
+          </a:ln>
+        </p:spPr>
+        <p:style>
+          <a:lnRef idx="1">
+            <a:schemeClr val="accent1"/>
+          </a:lnRef>
+          <a:fillRef idx="0">
+            <a:schemeClr val="accent1"/>
+          </a:fillRef>
+          <a:effectRef idx="0">
+            <a:schemeClr val="accent1"/>
+          </a:effectRef>
+          <a:fontRef idx="minor">
+            <a:schemeClr val="tx1"/>
+          </a:fontRef>
+        </p:style>
+      </p:cxnSp>
+      <p:cxnSp>
+        <p:nvCxnSpPr>
+          <p:cNvPr id="47" name="Straight Arrow Connector 46"/>
+          <p:cNvCxnSpPr/>
+          <p:nvPr/>
+        </p:nvCxnSpPr>
+        <p:spPr>
+          <a:xfrm flipH="1">
+            <a:off x="6676286" y="4968206"/>
+            <a:ext cx="275490" cy="332905"/>
+          </a:xfrm>
+          <a:prstGeom prst="straightConnector1">
+            <a:avLst/>
+          </a:prstGeom>
+          <a:ln>
+            <a:tailEnd type="triangle"/>
+          </a:ln>
+        </p:spPr>
+        <p:style>
+          <a:lnRef idx="1">
+            <a:schemeClr val="accent1"/>
+          </a:lnRef>
+          <a:fillRef idx="0">
+            <a:schemeClr val="accent1"/>
+          </a:fillRef>
+          <a:effectRef idx="0">
+            <a:schemeClr val="accent1"/>
+          </a:effectRef>
+          <a:fontRef idx="minor">
+            <a:schemeClr val="tx1"/>
+          </a:fontRef>
+        </p:style>
+      </p:cxnSp>
+      <p:cxnSp>
+        <p:nvCxnSpPr>
+          <p:cNvPr id="48" name="Straight Arrow Connector 47"/>
+          <p:cNvCxnSpPr/>
+          <p:nvPr/>
+        </p:nvCxnSpPr>
+        <p:spPr>
+          <a:xfrm flipH="1">
+            <a:off x="2608389" y="4264823"/>
+            <a:ext cx="275490" cy="332905"/>
+          </a:xfrm>
+          <a:prstGeom prst="straightConnector1">
+            <a:avLst/>
+          </a:prstGeom>
+          <a:ln>
+            <a:tailEnd type="triangle"/>
+          </a:ln>
+        </p:spPr>
+        <p:style>
+          <a:lnRef idx="1">
+            <a:schemeClr val="accent1"/>
+          </a:lnRef>
+          <a:fillRef idx="0">
+            <a:schemeClr val="accent1"/>
+          </a:fillRef>
+          <a:effectRef idx="0">
+            <a:schemeClr val="accent1"/>
+          </a:effectRef>
+          <a:fontRef idx="minor">
+            <a:schemeClr val="tx1"/>
+          </a:fontRef>
+        </p:style>
+      </p:cxnSp>
+      <p:cxnSp>
+        <p:nvCxnSpPr>
+          <p:cNvPr id="49" name="Straight Arrow Connector 48"/>
+          <p:cNvCxnSpPr/>
+          <p:nvPr/>
+        </p:nvCxnSpPr>
+        <p:spPr>
+          <a:xfrm flipH="1">
+            <a:off x="3206264" y="5120610"/>
+            <a:ext cx="275490" cy="332905"/>
+          </a:xfrm>
+          <a:prstGeom prst="straightConnector1">
+            <a:avLst/>
+          </a:prstGeom>
+          <a:ln>
+            <a:tailEnd type="triangle"/>
+          </a:ln>
+        </p:spPr>
+        <p:style>
+          <a:lnRef idx="1">
+            <a:schemeClr val="accent1"/>
+          </a:lnRef>
+          <a:fillRef idx="0">
+            <a:schemeClr val="accent1"/>
+          </a:fillRef>
+          <a:effectRef idx="0">
+            <a:schemeClr val="accent1"/>
+          </a:effectRef>
+          <a:fontRef idx="minor">
+            <a:schemeClr val="tx1"/>
+          </a:fontRef>
+        </p:style>
+      </p:cxnSp>
+      <p:sp>
+        <p:nvSpPr>
+          <p:cNvPr id="50" name="TextBox 49"/>
+          <p:cNvSpPr txBox="1"/>
+          <p:nvPr/>
+        </p:nvSpPr>
+        <p:spPr>
+          <a:xfrm>
+            <a:off x="2520453" y="2410939"/>
+            <a:ext cx="339969" cy="369332"/>
+          </a:xfrm>
+          <a:prstGeom prst="rect">
+            <a:avLst/>
+          </a:prstGeom>
+          <a:noFill/>
+        </p:spPr>
+        <p:txBody>
+          <a:bodyPr wrap="square" rtlCol="0">
+            <a:spAutoFit/>
+          </a:bodyPr>
+          <a:lstStyle/>
+          <a:p>
+            <a:r>
+              <a:rPr lang="en-US" dirty="0"/>
+              <a:t>A</a:t>
+            </a:r>
+          </a:p>
+        </p:txBody>
+      </p:sp>
+      <p:sp>
+        <p:nvSpPr>
+          <p:cNvPr id="51" name="TextBox 50"/>
+          <p:cNvSpPr txBox="1"/>
+          <p:nvPr/>
+        </p:nvSpPr>
+        <p:spPr>
+          <a:xfrm>
+            <a:off x="3781907" y="2341837"/>
+            <a:ext cx="785434" cy="369332"/>
+          </a:xfrm>
+          <a:prstGeom prst="rect">
+            <a:avLst/>
+          </a:prstGeom>
+          <a:noFill/>
+        </p:spPr>
+        <p:txBody>
+          <a:bodyPr wrap="square" rtlCol="0">
+            <a:spAutoFit/>
+          </a:bodyPr>
+          <a:lstStyle/>
+          <a:p>
+            <a:r>
+              <a:rPr lang="en-US" dirty="0"/>
+              <a:t>B</a:t>
+            </a:r>
+          </a:p>
+        </p:txBody>
+      </p:sp>
+      <p:sp>
+        <p:nvSpPr>
+          <p:cNvPr id="52" name="TextBox 51"/>
+          <p:cNvSpPr txBox="1"/>
+          <p:nvPr/>
+        </p:nvSpPr>
+        <p:spPr>
+          <a:xfrm>
+            <a:off x="5233118" y="3208361"/>
+            <a:ext cx="339969" cy="369332"/>
+          </a:xfrm>
+          <a:prstGeom prst="rect">
+            <a:avLst/>
+          </a:prstGeom>
+          <a:noFill/>
+        </p:spPr>
+        <p:txBody>
+          <a:bodyPr wrap="square" rtlCol="0">
+            <a:spAutoFit/>
+          </a:bodyPr>
+          <a:lstStyle/>
+          <a:p>
+            <a:r>
+              <a:rPr lang="en-US" dirty="0"/>
+              <a:t>A</a:t>
+            </a:r>
+          </a:p>
+        </p:txBody>
+      </p:sp>
+      <p:sp>
+        <p:nvSpPr>
+          <p:cNvPr id="53" name="TextBox 52"/>
+          <p:cNvSpPr txBox="1"/>
+          <p:nvPr/>
+        </p:nvSpPr>
+        <p:spPr>
+          <a:xfrm>
+            <a:off x="3311769" y="4145669"/>
+            <a:ext cx="339969" cy="369332"/>
+          </a:xfrm>
+          <a:prstGeom prst="rect">
+            <a:avLst/>
+          </a:prstGeom>
+          <a:noFill/>
+        </p:spPr>
+        <p:txBody>
+          <a:bodyPr wrap="square" rtlCol="0">
+            <a:spAutoFit/>
+          </a:bodyPr>
+          <a:lstStyle/>
+          <a:p>
+            <a:r>
+              <a:rPr lang="en-US" dirty="0"/>
+              <a:t>A</a:t>
+            </a:r>
+          </a:p>
+        </p:txBody>
+      </p:sp>
+      <p:sp>
+        <p:nvSpPr>
+          <p:cNvPr id="54" name="TextBox 53"/>
+          <p:cNvSpPr txBox="1"/>
+          <p:nvPr/>
+        </p:nvSpPr>
+        <p:spPr>
+          <a:xfrm>
+            <a:off x="2520453" y="3231466"/>
+            <a:ext cx="785434" cy="369332"/>
+          </a:xfrm>
+          <a:prstGeom prst="rect">
+            <a:avLst/>
+          </a:prstGeom>
+          <a:noFill/>
+        </p:spPr>
+        <p:txBody>
+          <a:bodyPr wrap="square" rtlCol="0">
+            <a:spAutoFit/>
+          </a:bodyPr>
+          <a:lstStyle/>
+          <a:p>
+            <a:r>
+              <a:rPr lang="en-US" dirty="0"/>
+              <a:t>B</a:t>
+            </a:r>
+          </a:p>
+        </p:txBody>
+      </p:sp>
+      <p:sp>
+        <p:nvSpPr>
+          <p:cNvPr id="55" name="TextBox 54"/>
+          <p:cNvSpPr txBox="1"/>
+          <p:nvPr/>
+        </p:nvSpPr>
+        <p:spPr>
+          <a:xfrm>
+            <a:off x="6476981" y="4000851"/>
+            <a:ext cx="785434" cy="369332"/>
+          </a:xfrm>
+          <a:prstGeom prst="rect">
+            <a:avLst/>
+          </a:prstGeom>
+          <a:noFill/>
+        </p:spPr>
+        <p:txBody>
+          <a:bodyPr wrap="square" rtlCol="0">
+            <a:spAutoFit/>
+          </a:bodyPr>
+          <a:lstStyle/>
+          <a:p>
+            <a:r>
+              <a:rPr lang="en-US" dirty="0"/>
+              <a:t>B</a:t>
+            </a:r>
+          </a:p>
+        </p:txBody>
+      </p:sp>
+      <p:sp>
+        <p:nvSpPr>
+          <p:cNvPr id="56" name="TextBox 55"/>
+          <p:cNvSpPr txBox="1"/>
+          <p:nvPr/>
+        </p:nvSpPr>
+        <p:spPr>
+          <a:xfrm>
+            <a:off x="1164191" y="3747447"/>
+            <a:ext cx="896819" cy="369332"/>
+          </a:xfrm>
+          <a:prstGeom prst="rect">
+            <a:avLst/>
+          </a:prstGeom>
+          <a:noFill/>
+        </p:spPr>
+        <p:txBody>
+          <a:bodyPr wrap="square" rtlCol="0">
+            <a:spAutoFit/>
+          </a:bodyPr>
+          <a:lstStyle/>
+          <a:p>
+            <a:r>
+              <a:rPr lang="en-US" dirty="0">
+                <a:solidFill>
+                  <a:schemeClr val="bg1"/>
+                </a:solidFill>
+              </a:rPr>
+              <a:t>1:3</a:t>
+            </a:r>
+          </a:p>
+        </p:txBody>
+      </p:sp>
+      <p:sp>
+        <p:nvSpPr>
+          <p:cNvPr id="57" name="TextBox 56"/>
+          <p:cNvSpPr txBox="1"/>
+          <p:nvPr/>
+        </p:nvSpPr>
+        <p:spPr>
+          <a:xfrm>
+            <a:off x="3789482" y="3770725"/>
+            <a:ext cx="896819" cy="369332"/>
+          </a:xfrm>
+          <a:prstGeom prst="rect">
+            <a:avLst/>
+          </a:prstGeom>
+          <a:noFill/>
+        </p:spPr>
+        <p:txBody>
+          <a:bodyPr wrap="square" rtlCol="0">
+            <a:spAutoFit/>
+          </a:bodyPr>
+          <a:lstStyle/>
+          <a:p>
+            <a:r>
+              <a:rPr lang="en-US" dirty="0">
+                <a:solidFill>
+                  <a:schemeClr val="bg1"/>
+                </a:solidFill>
+              </a:rPr>
+              <a:t>0:3</a:t>
+            </a:r>
+          </a:p>
+        </p:txBody>
+      </p:sp>
+      <p:sp>
+        <p:nvSpPr>
+          <p:cNvPr id="58" name="TextBox 57"/>
+          <p:cNvSpPr txBox="1"/>
+          <p:nvPr/>
+        </p:nvSpPr>
+        <p:spPr>
+          <a:xfrm>
+            <a:off x="2212207" y="4743791"/>
+            <a:ext cx="896819" cy="369332"/>
+          </a:xfrm>
+          <a:prstGeom prst="rect">
+            <a:avLst/>
+          </a:prstGeom>
+          <a:noFill/>
+        </p:spPr>
+        <p:txBody>
+          <a:bodyPr wrap="square" rtlCol="0">
+            <a:spAutoFit/>
+          </a:bodyPr>
+          <a:lstStyle/>
+          <a:p>
+            <a:r>
+              <a:rPr lang="en-US" dirty="0">
+                <a:solidFill>
+                  <a:schemeClr val="bg1"/>
+                </a:solidFill>
+              </a:rPr>
+              <a:t>0:2</a:t>
+            </a:r>
+          </a:p>
+        </p:txBody>
+      </p:sp>
+      <p:sp>
+        <p:nvSpPr>
+          <p:cNvPr id="59" name="TextBox 58"/>
+          <p:cNvSpPr txBox="1"/>
+          <p:nvPr/>
+        </p:nvSpPr>
+        <p:spPr>
+          <a:xfrm>
+            <a:off x="2796467" y="5575189"/>
+            <a:ext cx="896819" cy="369332"/>
+          </a:xfrm>
+          <a:prstGeom prst="rect">
+            <a:avLst/>
+          </a:prstGeom>
+          <a:noFill/>
+        </p:spPr>
+        <p:txBody>
+          <a:bodyPr wrap="square" rtlCol="0">
+            <a:spAutoFit/>
+          </a:bodyPr>
+          <a:lstStyle/>
+          <a:p>
+            <a:r>
+              <a:rPr lang="en-US" dirty="0">
+                <a:solidFill>
+                  <a:schemeClr val="bg1"/>
+                </a:solidFill>
+              </a:rPr>
+              <a:t>1:1</a:t>
+            </a:r>
+          </a:p>
+        </p:txBody>
+      </p:sp>
+      <p:sp>
+        <p:nvSpPr>
+          <p:cNvPr id="60" name="TextBox 59"/>
+          <p:cNvSpPr txBox="1"/>
+          <p:nvPr/>
+        </p:nvSpPr>
+        <p:spPr>
+          <a:xfrm>
+            <a:off x="4347098" y="5575189"/>
+            <a:ext cx="896819" cy="369332"/>
+          </a:xfrm>
+          <a:prstGeom prst="rect">
+            <a:avLst/>
+          </a:prstGeom>
+          <a:noFill/>
+        </p:spPr>
+        <p:txBody>
+          <a:bodyPr wrap="square" rtlCol="0">
+            <a:spAutoFit/>
+          </a:bodyPr>
+          <a:lstStyle/>
+          <a:p>
+            <a:r>
+              <a:rPr lang="en-US" dirty="0">
+                <a:solidFill>
+                  <a:schemeClr val="bg1"/>
+                </a:solidFill>
+              </a:rPr>
+              <a:t>0:0</a:t>
+            </a:r>
+          </a:p>
+        </p:txBody>
+      </p:sp>
+      <p:sp>
+        <p:nvSpPr>
+          <p:cNvPr id="61" name="TextBox 60"/>
+          <p:cNvSpPr txBox="1"/>
+          <p:nvPr/>
+        </p:nvSpPr>
+        <p:spPr>
+          <a:xfrm>
+            <a:off x="6246712" y="5469748"/>
+            <a:ext cx="896819" cy="369332"/>
+          </a:xfrm>
+          <a:prstGeom prst="rect">
+            <a:avLst/>
+          </a:prstGeom>
+          <a:noFill/>
+        </p:spPr>
+        <p:txBody>
+          <a:bodyPr wrap="square" rtlCol="0">
+            <a:spAutoFit/>
+          </a:bodyPr>
+          <a:lstStyle/>
+          <a:p>
+            <a:r>
+              <a:rPr lang="en-US" dirty="0">
+                <a:solidFill>
+                  <a:schemeClr val="bg1"/>
+                </a:solidFill>
+              </a:rPr>
+              <a:t>0:1</a:t>
+            </a:r>
+          </a:p>
+        </p:txBody>
+      </p:sp>
+      <p:sp>
+        <p:nvSpPr>
+          <p:cNvPr id="62" name="TextBox 61"/>
+          <p:cNvSpPr txBox="1"/>
+          <p:nvPr/>
+        </p:nvSpPr>
+        <p:spPr>
+          <a:xfrm>
+            <a:off x="8012713" y="5470537"/>
+            <a:ext cx="896819" cy="369332"/>
+          </a:xfrm>
+          <a:prstGeom prst="rect">
+            <a:avLst/>
+          </a:prstGeom>
+          <a:noFill/>
+        </p:spPr>
+        <p:txBody>
+          <a:bodyPr wrap="square" rtlCol="0">
+            <a:spAutoFit/>
+          </a:bodyPr>
+          <a:lstStyle/>
+          <a:p>
+            <a:r>
+              <a:rPr lang="en-US" dirty="0">
+                <a:solidFill>
+                  <a:schemeClr val="bg1"/>
+                </a:solidFill>
+              </a:rPr>
+              <a:t>1:0</a:t>
+            </a:r>
+          </a:p>
+        </p:txBody>
+      </p:sp>
+      <p:sp>
+        <p:nvSpPr>
+          <p:cNvPr id="63" name="TextBox 62"/>
+          <p:cNvSpPr txBox="1"/>
+          <p:nvPr/>
+        </p:nvSpPr>
+        <p:spPr>
+          <a:xfrm>
+            <a:off x="5172779" y="4545979"/>
+            <a:ext cx="896819" cy="369332"/>
+          </a:xfrm>
+          <a:prstGeom prst="rect">
+            <a:avLst/>
+          </a:prstGeom>
+          <a:noFill/>
+        </p:spPr>
+        <p:txBody>
+          <a:bodyPr wrap="square" rtlCol="0">
+            <a:spAutoFit/>
+          </a:bodyPr>
+          <a:lstStyle/>
+          <a:p>
+            <a:r>
+              <a:rPr lang="en-US" dirty="0">
+                <a:solidFill>
+                  <a:schemeClr val="bg1"/>
+                </a:solidFill>
+              </a:rPr>
+              <a:t>1:2</a:t>
+            </a:r>
+          </a:p>
+        </p:txBody>
+      </p:sp>
+      <p:sp>
+        <p:nvSpPr>
+          <p:cNvPr id="64" name="TextBox 63"/>
+          <p:cNvSpPr txBox="1"/>
+          <p:nvPr/>
+        </p:nvSpPr>
+        <p:spPr>
+          <a:xfrm>
+            <a:off x="1652434" y="3177575"/>
+            <a:ext cx="1473494" cy="369332"/>
+          </a:xfrm>
+          <a:prstGeom prst="rect">
+            <a:avLst/>
+          </a:prstGeom>
+          <a:noFill/>
+        </p:spPr>
+        <p:txBody>
+          <a:bodyPr wrap="square" rtlCol="0">
+            <a:spAutoFit/>
+          </a:bodyPr>
+          <a:lstStyle/>
+          <a:p>
+            <a:r>
+              <a:rPr lang="en-US" dirty="0"/>
+              <a:t>$1</a:t>
+            </a:r>
+          </a:p>
+        </p:txBody>
+      </p:sp>
+      <p:sp>
+        <p:nvSpPr>
+          <p:cNvPr id="66" name="TextBox 65"/>
+          <p:cNvSpPr txBox="1"/>
+          <p:nvPr/>
+        </p:nvSpPr>
+        <p:spPr>
+          <a:xfrm>
+            <a:off x="4053867" y="3257346"/>
+            <a:ext cx="1473494" cy="369332"/>
+          </a:xfrm>
+          <a:prstGeom prst="rect">
+            <a:avLst/>
+          </a:prstGeom>
+          <a:noFill/>
+        </p:spPr>
+        <p:txBody>
+          <a:bodyPr wrap="square" rtlCol="0">
+            <a:spAutoFit/>
+          </a:bodyPr>
+          <a:lstStyle/>
+          <a:p>
+            <a:r>
+              <a:rPr lang="en-US" dirty="0"/>
+              <a:t>$0</a:t>
+            </a:r>
+          </a:p>
+        </p:txBody>
+      </p:sp>
+      <p:sp>
+        <p:nvSpPr>
+          <p:cNvPr id="67" name="TextBox 66"/>
+          <p:cNvSpPr txBox="1"/>
+          <p:nvPr/>
+        </p:nvSpPr>
+        <p:spPr>
+          <a:xfrm>
+            <a:off x="5464747" y="4000297"/>
+            <a:ext cx="1473494" cy="369332"/>
+          </a:xfrm>
+          <a:prstGeom prst="rect">
+            <a:avLst/>
+          </a:prstGeom>
+          <a:noFill/>
+        </p:spPr>
+        <p:txBody>
+          <a:bodyPr wrap="square" rtlCol="0">
+            <a:spAutoFit/>
+          </a:bodyPr>
+          <a:lstStyle/>
+          <a:p>
+            <a:r>
+              <a:rPr lang="en-US" dirty="0"/>
+              <a:t>$1</a:t>
+            </a:r>
+          </a:p>
+        </p:txBody>
+      </p:sp>
+      <p:sp>
+        <p:nvSpPr>
+          <p:cNvPr id="68" name="TextBox 67"/>
+          <p:cNvSpPr txBox="1"/>
+          <p:nvPr/>
+        </p:nvSpPr>
+        <p:spPr>
+          <a:xfrm>
+            <a:off x="3093847" y="4982782"/>
+            <a:ext cx="1473494" cy="369332"/>
+          </a:xfrm>
+          <a:prstGeom prst="rect">
+            <a:avLst/>
+          </a:prstGeom>
+          <a:noFill/>
+        </p:spPr>
+        <p:txBody>
+          <a:bodyPr wrap="square" rtlCol="0">
+            <a:spAutoFit/>
+          </a:bodyPr>
+          <a:lstStyle/>
+          <a:p>
+            <a:r>
+              <a:rPr lang="en-US" dirty="0"/>
+              <a:t>$1</a:t>
+            </a:r>
+          </a:p>
+        </p:txBody>
+      </p:sp>
+      <p:sp>
+        <p:nvSpPr>
+          <p:cNvPr id="69" name="TextBox 68"/>
+          <p:cNvSpPr txBox="1"/>
+          <p:nvPr/>
+        </p:nvSpPr>
+        <p:spPr>
+          <a:xfrm>
+            <a:off x="7510387" y="4889052"/>
+            <a:ext cx="1473494" cy="369332"/>
+          </a:xfrm>
+          <a:prstGeom prst="rect">
+            <a:avLst/>
+          </a:prstGeom>
+          <a:noFill/>
+        </p:spPr>
+        <p:txBody>
+          <a:bodyPr wrap="square" rtlCol="0">
+            <a:spAutoFit/>
+          </a:bodyPr>
+          <a:lstStyle/>
+          <a:p>
+            <a:r>
+              <a:rPr lang="en-US" dirty="0"/>
+              <a:t>$1</a:t>
+            </a:r>
+          </a:p>
+        </p:txBody>
+      </p:sp>
+      <p:sp>
+        <p:nvSpPr>
+          <p:cNvPr id="70" name="TextBox 69"/>
+          <p:cNvSpPr txBox="1"/>
+          <p:nvPr/>
+        </p:nvSpPr>
+        <p:spPr>
+          <a:xfrm>
+            <a:off x="2458373" y="4148282"/>
+            <a:ext cx="1473494" cy="369332"/>
+          </a:xfrm>
+          <a:prstGeom prst="rect">
+            <a:avLst/>
+          </a:prstGeom>
+          <a:noFill/>
+        </p:spPr>
+        <p:txBody>
+          <a:bodyPr wrap="square" rtlCol="0">
+            <a:spAutoFit/>
+          </a:bodyPr>
+          <a:lstStyle/>
+          <a:p>
+            <a:r>
+              <a:rPr lang="en-US" dirty="0"/>
+              <a:t>$0</a:t>
+            </a:r>
+          </a:p>
+        </p:txBody>
+      </p:sp>
+      <p:sp>
+        <p:nvSpPr>
+          <p:cNvPr id="71" name="TextBox 70"/>
+          <p:cNvSpPr txBox="1"/>
+          <p:nvPr/>
+        </p:nvSpPr>
+        <p:spPr>
+          <a:xfrm>
+            <a:off x="6503422" y="4873091"/>
+            <a:ext cx="1473494" cy="369332"/>
+          </a:xfrm>
+          <a:prstGeom prst="rect">
+            <a:avLst/>
+          </a:prstGeom>
+          <a:noFill/>
+        </p:spPr>
+        <p:txBody>
+          <a:bodyPr wrap="square" rtlCol="0">
+            <a:spAutoFit/>
+          </a:bodyPr>
+          <a:lstStyle/>
+          <a:p>
+            <a:r>
+              <a:rPr lang="en-US" dirty="0"/>
+              <a:t>$0</a:t>
+            </a:r>
+          </a:p>
+        </p:txBody>
+      </p:sp>
+      <p:pic>
+        <p:nvPicPr>
+          <p:cNvPr id="72" name="Picture 71"/>
+          <p:cNvPicPr>
+            <a:picLocks noChangeAspect="1"/>
+          </p:cNvPicPr>
+          <p:nvPr/>
+        </p:nvPicPr>
+        <p:blipFill>
+          <a:blip r:embed="rId2"/>
+          <a:stretch>
+            <a:fillRect/>
+          </a:stretch>
+        </p:blipFill>
+        <p:spPr>
+          <a:xfrm>
+            <a:off x="7096414" y="3164649"/>
+            <a:ext cx="1889984" cy="413043"/>
+          </a:xfrm>
+          <a:prstGeom prst="rect">
+            <a:avLst/>
+          </a:prstGeom>
+        </p:spPr>
+      </p:pic>
+      <p:sp>
+        <p:nvSpPr>
+          <p:cNvPr id="73" name="TextBox 72"/>
+          <p:cNvSpPr txBox="1"/>
+          <p:nvPr/>
+        </p:nvSpPr>
+        <p:spPr>
+          <a:xfrm>
+            <a:off x="9214338" y="3208361"/>
+            <a:ext cx="2015123" cy="369332"/>
+          </a:xfrm>
+          <a:prstGeom prst="rect">
+            <a:avLst/>
+          </a:prstGeom>
+          <a:noFill/>
+        </p:spPr>
+        <p:txBody>
+          <a:bodyPr wrap="square" rtlCol="0">
+            <a:spAutoFit/>
+          </a:bodyPr>
+          <a:lstStyle/>
+          <a:p>
+            <a:r>
+              <a:rPr lang="fa-IR" dirty="0"/>
+              <a:t>پیدا کردن همه جواب ها:</a:t>
+            </a:r>
+            <a:endParaRPr lang="en-US" dirty="0"/>
+          </a:p>
+        </p:txBody>
+      </p:sp>
+      <p:pic>
+        <p:nvPicPr>
+          <p:cNvPr id="74" name="Picture 73"/>
+          <p:cNvPicPr>
+            <a:picLocks noChangeAspect="1"/>
+          </p:cNvPicPr>
+          <p:nvPr/>
+        </p:nvPicPr>
+        <p:blipFill>
+          <a:blip r:embed="rId3"/>
+          <a:stretch>
+            <a:fillRect/>
+          </a:stretch>
+        </p:blipFill>
+        <p:spPr>
+          <a:xfrm>
+            <a:off x="8446460" y="4116779"/>
+            <a:ext cx="3220029" cy="464148"/>
+          </a:xfrm>
+          <a:prstGeom prst="rect">
+            <a:avLst/>
+          </a:prstGeom>
+        </p:spPr>
+      </p:pic>
+    </p:spTree>
+    <p:extLst>
+      <p:ext uri="{BB962C8B-B14F-4D97-AF65-F5344CB8AC3E}">
+        <p14:creationId xmlns:p14="http://schemas.microsoft.com/office/powerpoint/2010/main" val="2867097691"/>
+      </p:ext>
+    </p:extLst>
+  </p:cSld>
+  <p:clrMapOvr>
+    <a:masterClrMapping/>
+  </p:clrMapOvr>
+  <mc:AlternateContent xmlns:mc="http://schemas.openxmlformats.org/markup-compatibility/2006" xmlns:p14="http://schemas.microsoft.com/office/powerpoint/2010/main">
+    <mc:Choice Requires="p14">
+      <p:transition spd="med" p14:dur="700">
+        <p:fade/>
+      </p:transition>
+    </mc:Choice>
+    <mc:Fallback xmlns="">
+      <p:transition spd="med">
+        <p:fade/>
+      </p:transition>
+    </mc:Fallback>
+  </mc:AlternateContent>
+</p:sld>
+</file>
+
+<file path=ppt/slides/slide14.xml><?xml version="1.0" encoding="utf-8"?>
+<p:sld xmlns:a="http://schemas.openxmlformats.org/drawingml/2006/main" xmlns:r="http://schemas.openxmlformats.org/officeDocument/2006/relationships" xmlns:p="http://schemas.openxmlformats.org/presentationml/2006/main">
+  <p:cSld>
+    <p:spTree>
+      <p:nvGrpSpPr>
+        <p:cNvPr id="1" name=""/>
+        <p:cNvGrpSpPr/>
+        <p:nvPr/>
+      </p:nvGrpSpPr>
+      <p:grpSpPr>
+        <a:xfrm>
+          <a:off x="0" y="0"/>
+          <a:ext cx="0" cy="0"/>
+          <a:chOff x="0" y="0"/>
+          <a:chExt cx="0" cy="0"/>
+        </a:xfrm>
+      </p:grpSpPr>
+      <p:sp>
+        <p:nvSpPr>
+          <p:cNvPr id="2" name="Title 1"/>
+          <p:cNvSpPr>
+            <a:spLocks noGrp="1"/>
+          </p:cNvSpPr>
+          <p:nvPr>
+            <p:ph type="title"/>
+          </p:nvPr>
+        </p:nvSpPr>
+        <p:spPr>
+          <a:xfrm>
+            <a:off x="1097280" y="227988"/>
+            <a:ext cx="10058400" cy="1450757"/>
+          </a:xfrm>
+        </p:spPr>
+        <p:txBody>
+          <a:bodyPr/>
+          <a:lstStyle/>
+          <a:p>
+            <a:pPr algn="r"/>
+            <a:r>
+              <a:rPr lang="fa-IR" dirty="0">
+                <a:solidFill>
+                  <a:schemeClr val="tx1">
+                    <a:lumMod val="95000"/>
+                    <a:lumOff val="5000"/>
+                  </a:schemeClr>
+                </a:solidFill>
+              </a:rPr>
+              <a:t>طولانی ترین زیر رشته مشترک</a:t>
+            </a:r>
+            <a:endParaRPr lang="en-US" dirty="0">
+              <a:solidFill>
+                <a:schemeClr val="tx1">
+                  <a:lumMod val="95000"/>
+                  <a:lumOff val="5000"/>
+                </a:schemeClr>
+              </a:solidFill>
+            </a:endParaRPr>
+          </a:p>
+        </p:txBody>
+      </p:sp>
+      <p:sp>
+        <p:nvSpPr>
+          <p:cNvPr id="3" name="TextBox 2"/>
+          <p:cNvSpPr txBox="1"/>
+          <p:nvPr/>
+        </p:nvSpPr>
+        <p:spPr>
+          <a:xfrm>
+            <a:off x="7104185" y="2600482"/>
+            <a:ext cx="3763107" cy="523220"/>
+          </a:xfrm>
+          <a:prstGeom prst="rect">
+            <a:avLst/>
+          </a:prstGeom>
+          <a:noFill/>
+        </p:spPr>
+        <p:txBody>
+          <a:bodyPr wrap="square" rtlCol="0">
+            <a:spAutoFit/>
+          </a:bodyPr>
+          <a:lstStyle/>
+          <a:p>
+            <a:pPr algn="r"/>
+            <a:r>
+              <a:rPr lang="fa-IR" sz="2800" dirty="0"/>
+              <a:t>ساخت، رنگ و پیمایش: </a:t>
+            </a:r>
+            <a:endParaRPr lang="en-US" sz="2800" dirty="0"/>
+          </a:p>
+        </p:txBody>
+      </p:sp>
+      <p:pic>
+        <p:nvPicPr>
+          <p:cNvPr id="4" name="Picture 3"/>
+          <p:cNvPicPr>
+            <a:picLocks noChangeAspect="1"/>
+          </p:cNvPicPr>
+          <p:nvPr/>
+        </p:nvPicPr>
+        <p:blipFill>
+          <a:blip r:embed="rId2"/>
+          <a:stretch>
+            <a:fillRect/>
+          </a:stretch>
+        </p:blipFill>
+        <p:spPr>
+          <a:xfrm>
+            <a:off x="5679492" y="2651623"/>
+            <a:ext cx="2153169" cy="502930"/>
+          </a:xfrm>
+          <a:prstGeom prst="rect">
+            <a:avLst/>
+          </a:prstGeom>
+        </p:spPr>
+      </p:pic>
+    </p:spTree>
+    <p:extLst>
+      <p:ext uri="{BB962C8B-B14F-4D97-AF65-F5344CB8AC3E}">
+        <p14:creationId xmlns:p14="http://schemas.microsoft.com/office/powerpoint/2010/main" val="2760506763"/>
+      </p:ext>
+    </p:extLst>
+  </p:cSld>
+  <p:clrMapOvr>
+    <a:masterClrMapping/>
+  </p:clrMapOvr>
+  <mc:AlternateContent xmlns:mc="http://schemas.openxmlformats.org/markup-compatibility/2006" xmlns:p14="http://schemas.microsoft.com/office/powerpoint/2010/main">
+    <mc:Choice Requires="p14">
+      <p:transition spd="med" p14:dur="700">
+        <p:fade/>
+      </p:transition>
+    </mc:Choice>
+    <mc:Fallback xmlns="">
+      <p:transition spd="med">
+        <p:fade/>
+      </p:transition>
+    </mc:Fallback>
+  </mc:AlternateContent>
+</p:sld>
+</file>
+
+<file path=ppt/slides/slide15.xml><?xml version="1.0" encoding="utf-8"?>
+<p:sld xmlns:a="http://schemas.openxmlformats.org/drawingml/2006/main" xmlns:r="http://schemas.openxmlformats.org/officeDocument/2006/relationships" xmlns:p="http://schemas.openxmlformats.org/presentationml/2006/main">
+  <p:cSld>
+    <p:spTree>
+      <p:nvGrpSpPr>
+        <p:cNvPr id="1" name=""/>
+        <p:cNvGrpSpPr/>
+        <p:nvPr/>
+      </p:nvGrpSpPr>
+      <p:grpSpPr>
+        <a:xfrm>
+          <a:off x="0" y="0"/>
+          <a:ext cx="0" cy="0"/>
+          <a:chOff x="0" y="0"/>
+          <a:chExt cx="0" cy="0"/>
+        </a:xfrm>
+      </p:grpSpPr>
+      <p:sp>
+        <p:nvSpPr>
+          <p:cNvPr id="3" name="Title 1"/>
+          <p:cNvSpPr txBox="1">
+            <a:spLocks/>
+          </p:cNvSpPr>
+          <p:nvPr/>
+        </p:nvSpPr>
+        <p:spPr>
+          <a:xfrm>
+            <a:off x="1266094" y="966542"/>
+            <a:ext cx="9889588" cy="1120166"/>
+          </a:xfrm>
+          <a:prstGeom prst="rect">
+            <a:avLst/>
+          </a:prstGeom>
+        </p:spPr>
+        <p:txBody>
+          <a:bodyPr/>
+          <a:lstStyle>
+            <a:lvl1pPr algn="l" defTabSz="914400" rtl="0" eaLnBrk="1" latinLnBrk="0" hangingPunct="1">
+              <a:lnSpc>
+                <a:spcPct val="85000"/>
+              </a:lnSpc>
+              <a:spcBef>
+                <a:spcPct val="0"/>
+              </a:spcBef>
+              <a:buNone/>
+              <a:defRPr sz="4800" kern="1200" spc="-50" baseline="0">
+                <a:solidFill>
+                  <a:schemeClr val="tx1">
+                    <a:lumMod val="75000"/>
+                    <a:lumOff val="25000"/>
+                  </a:schemeClr>
+                </a:solidFill>
+                <a:latin typeface="+mj-lt"/>
+                <a:ea typeface="+mj-ea"/>
+                <a:cs typeface="+mj-cs"/>
+              </a:defRPr>
+            </a:lvl1pPr>
+          </a:lstStyle>
+          <a:p>
+            <a:pPr algn="r"/>
+            <a:r>
+              <a:rPr lang="fa-IR" dirty="0"/>
+              <a:t>مسئله پایین ترین جد مشترک</a:t>
+            </a:r>
+            <a:endParaRPr lang="en-US" dirty="0"/>
+          </a:p>
+        </p:txBody>
+      </p:sp>
+      <p:sp>
+        <p:nvSpPr>
+          <p:cNvPr id="4" name="TextBox 3"/>
+          <p:cNvSpPr txBox="1"/>
+          <p:nvPr/>
+        </p:nvSpPr>
+        <p:spPr>
+          <a:xfrm>
+            <a:off x="7596553" y="3704494"/>
+            <a:ext cx="3329354" cy="646331"/>
+          </a:xfrm>
+          <a:prstGeom prst="rect">
+            <a:avLst/>
+          </a:prstGeom>
+          <a:noFill/>
+        </p:spPr>
+        <p:txBody>
+          <a:bodyPr wrap="square" rtlCol="0">
+            <a:spAutoFit/>
+          </a:bodyPr>
+          <a:lstStyle/>
+          <a:p>
+            <a:pPr algn="r"/>
+            <a:r>
+              <a:rPr lang="fa-IR" sz="3600" dirty="0"/>
+              <a:t>پرسش کمینه باز</a:t>
+            </a:r>
+            <a:endParaRPr lang="en-US" sz="3600" dirty="0"/>
+          </a:p>
+        </p:txBody>
+      </p:sp>
+      <p:pic>
+        <p:nvPicPr>
+          <p:cNvPr id="5" name="Picture 4"/>
+          <p:cNvPicPr>
+            <a:picLocks noChangeAspect="1"/>
+          </p:cNvPicPr>
+          <p:nvPr/>
+        </p:nvPicPr>
+        <p:blipFill>
+          <a:blip r:embed="rId2"/>
+          <a:stretch>
+            <a:fillRect/>
+          </a:stretch>
+        </p:blipFill>
+        <p:spPr>
+          <a:xfrm>
+            <a:off x="5601107" y="1986038"/>
+            <a:ext cx="2794468" cy="4083242"/>
+          </a:xfrm>
+          <a:prstGeom prst="rect">
+            <a:avLst/>
+          </a:prstGeom>
+        </p:spPr>
+      </p:pic>
+      <p:pic>
+        <p:nvPicPr>
+          <p:cNvPr id="2" name="Picture 1"/>
+          <p:cNvPicPr>
+            <a:picLocks noChangeAspect="1"/>
+          </p:cNvPicPr>
+          <p:nvPr/>
+        </p:nvPicPr>
+        <p:blipFill>
+          <a:blip r:embed="rId3"/>
+          <a:stretch>
+            <a:fillRect/>
+          </a:stretch>
+        </p:blipFill>
+        <p:spPr>
+          <a:xfrm>
+            <a:off x="69669" y="966543"/>
+            <a:ext cx="5498555" cy="5212990"/>
+          </a:xfrm>
+          <a:prstGeom prst="rect">
+            <a:avLst/>
+          </a:prstGeom>
+        </p:spPr>
+      </p:pic>
+    </p:spTree>
+    <p:extLst>
+      <p:ext uri="{BB962C8B-B14F-4D97-AF65-F5344CB8AC3E}">
+        <p14:creationId xmlns:p14="http://schemas.microsoft.com/office/powerpoint/2010/main" val="3847629658"/>
+      </p:ext>
+    </p:extLst>
+  </p:cSld>
+  <p:clrMapOvr>
+    <a:masterClrMapping/>
+  </p:clrMapOvr>
+  <mc:AlternateContent xmlns:mc="http://schemas.openxmlformats.org/markup-compatibility/2006" xmlns:p14="http://schemas.microsoft.com/office/powerpoint/2010/main">
+    <mc:Choice Requires="p14">
+      <p:transition spd="med" p14:dur="700">
+        <p:fade/>
+      </p:transition>
+    </mc:Choice>
+    <mc:Fallback xmlns="">
+      <p:transition spd="med">
+        <p:fade/>
+      </p:transition>
+    </mc:Fallback>
+  </mc:AlternateContent>
+</p:sld>
+</file>
+
+<file path=ppt/slides/slide16.xml><?xml version="1.0" encoding="utf-8"?>
+<p:sld xmlns:a="http://schemas.openxmlformats.org/drawingml/2006/main" xmlns:r="http://schemas.openxmlformats.org/officeDocument/2006/relationships" xmlns:p="http://schemas.openxmlformats.org/presentationml/2006/main">
+  <p:cSld>
+    <p:spTree>
+      <p:nvGrpSpPr>
+        <p:cNvPr id="1" name=""/>
+        <p:cNvGrpSpPr/>
+        <p:nvPr/>
+      </p:nvGrpSpPr>
+      <p:grpSpPr>
+        <a:xfrm>
+          <a:off x="0" y="0"/>
+          <a:ext cx="0" cy="0"/>
+          <a:chOff x="0" y="0"/>
+          <a:chExt cx="0" cy="0"/>
+        </a:xfrm>
+      </p:grpSpPr>
+      <p:sp>
+        <p:nvSpPr>
+          <p:cNvPr id="2" name="Title 1"/>
+          <p:cNvSpPr>
+            <a:spLocks noGrp="1"/>
+          </p:cNvSpPr>
+          <p:nvPr>
+            <p:ph type="title"/>
+          </p:nvPr>
+        </p:nvSpPr>
+        <p:spPr/>
+        <p:txBody>
+          <a:bodyPr/>
+          <a:lstStyle/>
+          <a:p>
+            <a:pPr algn="r"/>
+            <a:r>
+              <a:rPr lang="fa-IR" dirty="0"/>
+              <a:t>منابع</a:t>
+            </a:r>
+            <a:endParaRPr lang="en-US" dirty="0"/>
+          </a:p>
+        </p:txBody>
+      </p:sp>
+      <p:sp>
+        <p:nvSpPr>
+          <p:cNvPr id="3" name="TextBox 2"/>
+          <p:cNvSpPr txBox="1"/>
+          <p:nvPr/>
+        </p:nvSpPr>
+        <p:spPr>
+          <a:xfrm>
+            <a:off x="1541417" y="2386149"/>
+            <a:ext cx="4093029" cy="2862322"/>
+          </a:xfrm>
+          <a:prstGeom prst="rect">
+            <a:avLst/>
+          </a:prstGeom>
+          <a:noFill/>
+        </p:spPr>
+        <p:txBody>
+          <a:bodyPr wrap="square" rtlCol="0">
+            <a:spAutoFit/>
+          </a:bodyPr>
+          <a:lstStyle/>
+          <a:p>
+            <a:r>
+              <a:rPr lang="en-US" dirty="0">
+                <a:hlinkClick r:id="rId2"/>
+              </a:rPr>
+              <a:t>https://fa.wikipedia.org</a:t>
+            </a:r>
+            <a:endParaRPr lang="fa-IR" dirty="0"/>
+          </a:p>
+          <a:p>
+            <a:r>
+              <a:rPr lang="en-US" dirty="0">
+                <a:hlinkClick r:id="rId3"/>
+              </a:rPr>
+              <a:t>https://blog.faradars.org</a:t>
+            </a:r>
+            <a:endParaRPr lang="fa-IR" dirty="0"/>
+          </a:p>
+          <a:p>
+            <a:r>
+              <a:rPr lang="en-US" dirty="0">
+                <a:hlinkClick r:id="rId4"/>
+              </a:rPr>
+              <a:t>https://en.wikipedia.org</a:t>
+            </a:r>
+            <a:endParaRPr lang="fa-IR" dirty="0"/>
+          </a:p>
+          <a:p>
+            <a:r>
+              <a:rPr lang="en-US" dirty="0">
+                <a:hlinkClick r:id="rId5"/>
+              </a:rPr>
+              <a:t>https://www.geeksforgeeks.org</a:t>
+            </a:r>
+            <a:endParaRPr lang="fa-IR" dirty="0"/>
+          </a:p>
+          <a:p>
+            <a:r>
+              <a:rPr lang="en-US" dirty="0">
+                <a:hlinkClick r:id="rId6"/>
+              </a:rPr>
+              <a:t>http://ce.sharif.edu</a:t>
+            </a:r>
+          </a:p>
+          <a:p>
+            <a:endParaRPr lang="en-US" dirty="0"/>
+          </a:p>
+          <a:p>
+            <a:r>
+              <a:rPr lang="en-US" dirty="0"/>
+              <a:t>Algorithms on Strings, Trees and Sequences_ Computer Science and Computational Biology </a:t>
+            </a:r>
+          </a:p>
+          <a:p>
+            <a:r>
+              <a:rPr lang="en-US" dirty="0"/>
+              <a:t>By Dan </a:t>
+            </a:r>
+            <a:r>
+              <a:rPr lang="en-US" dirty="0" err="1"/>
+              <a:t>Gusfield</a:t>
+            </a:r>
+            <a:endParaRPr lang="fa-IR" dirty="0"/>
+          </a:p>
+        </p:txBody>
+      </p:sp>
+    </p:spTree>
+    <p:extLst>
+      <p:ext uri="{BB962C8B-B14F-4D97-AF65-F5344CB8AC3E}">
+        <p14:creationId xmlns:p14="http://schemas.microsoft.com/office/powerpoint/2010/main" val="27924844"/>
       </p:ext>
     </p:extLst>
   </p:cSld>
@@ -4334,6 +8620,388 @@
           <p:cNvPr id="2" name="Title 1">
             <a:extLst>
               <a:ext uri="{FF2B5EF4-FFF2-40B4-BE49-F238E27FC236}">
+                <a16:creationId xmlns:a16="http://schemas.microsoft.com/office/drawing/2014/main" id="{43A8F307-38C2-4027-9ED7-FE1E343B402A}"/>
+              </a:ext>
+            </a:extLst>
+          </p:cNvPr>
+          <p:cNvSpPr>
+            <a:spLocks noGrp="1"/>
+          </p:cNvSpPr>
+          <p:nvPr>
+            <p:ph type="ctrTitle"/>
+          </p:nvPr>
+        </p:nvSpPr>
+        <p:spPr/>
+        <p:txBody>
+          <a:bodyPr/>
+          <a:lstStyle/>
+          <a:p>
+            <a:pPr algn="l"/>
+            <a:r>
+              <a:rPr lang="en-US" dirty="0">
+                <a:latin typeface="Arial" panose="020B0604020202020204" pitchFamily="34" charset="0"/>
+                <a:cs typeface="Arial" panose="020B0604020202020204" pitchFamily="34" charset="0"/>
+              </a:rPr>
+              <a:t>Suffix Tree</a:t>
+            </a:r>
+          </a:p>
+        </p:txBody>
+      </p:sp>
+      <p:sp>
+        <p:nvSpPr>
+          <p:cNvPr id="3" name="Subtitle 2">
+            <a:extLst>
+              <a:ext uri="{FF2B5EF4-FFF2-40B4-BE49-F238E27FC236}">
+                <a16:creationId xmlns:a16="http://schemas.microsoft.com/office/drawing/2014/main" id="{87898F0F-088E-4588-AF90-F78DD7485732}"/>
+              </a:ext>
+            </a:extLst>
+          </p:cNvPr>
+          <p:cNvSpPr>
+            <a:spLocks noGrp="1"/>
+          </p:cNvSpPr>
+          <p:nvPr>
+            <p:ph type="subTitle" idx="1"/>
+          </p:nvPr>
+        </p:nvSpPr>
+        <p:spPr/>
+        <p:txBody>
+          <a:bodyPr>
+            <a:normAutofit/>
+          </a:bodyPr>
+          <a:lstStyle/>
+          <a:p>
+            <a:pPr algn="r"/>
+            <a:r>
+              <a:rPr lang="fa-IR" sz="2800" dirty="0">
+                <a:cs typeface="B Nazanin" panose="00000400000000000000" pitchFamily="2" charset="-78"/>
+              </a:rPr>
+              <a:t>داده ساختار درخت پسوندی</a:t>
+            </a:r>
+          </a:p>
+        </p:txBody>
+      </p:sp>
+    </p:spTree>
+    <p:extLst>
+      <p:ext uri="{BB962C8B-B14F-4D97-AF65-F5344CB8AC3E}">
+        <p14:creationId xmlns:p14="http://schemas.microsoft.com/office/powerpoint/2010/main" val="4018975013"/>
+      </p:ext>
+    </p:extLst>
+  </p:cSld>
+  <p:clrMapOvr>
+    <a:masterClrMapping/>
+  </p:clrMapOvr>
+  <mc:AlternateContent xmlns:mc="http://schemas.openxmlformats.org/markup-compatibility/2006" xmlns:p14="http://schemas.microsoft.com/office/powerpoint/2010/main">
+    <mc:Choice Requires="p14">
+      <p:transition spd="med" p14:dur="700">
+        <p:fade/>
+      </p:transition>
+    </mc:Choice>
+    <mc:Fallback xmlns="">
+      <p:transition spd="med">
+        <p:fade/>
+      </p:transition>
+    </mc:Fallback>
+  </mc:AlternateContent>
+</p:sld>
+</file>
+
+<file path=ppt/slides/slide3.xml><?xml version="1.0" encoding="utf-8"?>
+<p:sld xmlns:a="http://schemas.openxmlformats.org/drawingml/2006/main" xmlns:r="http://schemas.openxmlformats.org/officeDocument/2006/relationships" xmlns:p="http://schemas.openxmlformats.org/presentationml/2006/main">
+  <p:cSld>
+    <p:spTree>
+      <p:nvGrpSpPr>
+        <p:cNvPr id="1" name=""/>
+        <p:cNvGrpSpPr/>
+        <p:nvPr/>
+      </p:nvGrpSpPr>
+      <p:grpSpPr>
+        <a:xfrm>
+          <a:off x="0" y="0"/>
+          <a:ext cx="0" cy="0"/>
+          <a:chOff x="0" y="0"/>
+          <a:chExt cx="0" cy="0"/>
+        </a:xfrm>
+      </p:grpSpPr>
+      <p:sp>
+        <p:nvSpPr>
+          <p:cNvPr id="5" name="Title 1"/>
+          <p:cNvSpPr txBox="1">
+            <a:spLocks/>
+          </p:cNvSpPr>
+          <p:nvPr/>
+        </p:nvSpPr>
+        <p:spPr>
+          <a:xfrm>
+            <a:off x="7741920" y="243840"/>
+            <a:ext cx="3640182" cy="1442575"/>
+          </a:xfrm>
+          <a:prstGeom prst="rect">
+            <a:avLst/>
+          </a:prstGeom>
+        </p:spPr>
+        <p:txBody>
+          <a:bodyPr vert="horz" lIns="91440" tIns="45720" rIns="91440" bIns="45720" rtlCol="0" anchor="b">
+            <a:normAutofit/>
+          </a:bodyPr>
+          <a:lstStyle>
+            <a:lvl1pPr algn="l" defTabSz="914400" rtl="0" eaLnBrk="1" latinLnBrk="0" hangingPunct="1">
+              <a:lnSpc>
+                <a:spcPct val="85000"/>
+              </a:lnSpc>
+              <a:spcBef>
+                <a:spcPct val="0"/>
+              </a:spcBef>
+              <a:buNone/>
+              <a:defRPr sz="4800" kern="1200" spc="-50" baseline="0">
+                <a:solidFill>
+                  <a:schemeClr val="tx1">
+                    <a:lumMod val="75000"/>
+                    <a:lumOff val="25000"/>
+                  </a:schemeClr>
+                </a:solidFill>
+                <a:latin typeface="+mj-lt"/>
+                <a:ea typeface="+mj-ea"/>
+                <a:cs typeface="+mj-cs"/>
+              </a:defRPr>
+            </a:lvl1pPr>
+          </a:lstStyle>
+          <a:p>
+            <a:pPr algn="r"/>
+            <a:r>
+              <a:rPr lang="fa-IR" sz="6600" dirty="0"/>
+              <a:t>تاریخچه</a:t>
+            </a:r>
+            <a:endParaRPr lang="en-US" sz="6600" dirty="0"/>
+          </a:p>
+        </p:txBody>
+      </p:sp>
+      <p:sp>
+        <p:nvSpPr>
+          <p:cNvPr id="7" name="Rectangle 6"/>
+          <p:cNvSpPr/>
+          <p:nvPr/>
+        </p:nvSpPr>
+        <p:spPr>
+          <a:xfrm>
+            <a:off x="485571" y="3523167"/>
+            <a:ext cx="1631729" cy="369332"/>
+          </a:xfrm>
+          <a:prstGeom prst="rect">
+            <a:avLst/>
+          </a:prstGeom>
+        </p:spPr>
+        <p:txBody>
+          <a:bodyPr wrap="none">
+            <a:spAutoFit/>
+          </a:bodyPr>
+          <a:lstStyle/>
+          <a:p>
+            <a:r>
+              <a:rPr lang="en-US" dirty="0">
+                <a:latin typeface="Calibri" panose="020F0502020204030204" pitchFamily="34" charset="0"/>
+                <a:ea typeface="Calibri" panose="020F0502020204030204" pitchFamily="34" charset="0"/>
+                <a:cs typeface="2  Ferdosi" panose="00000400000000000000" pitchFamily="2" charset="-78"/>
+              </a:rPr>
+              <a:t>Norbert </a:t>
+            </a:r>
+            <a:r>
+              <a:rPr lang="en-US" dirty="0" err="1">
+                <a:latin typeface="Calibri" panose="020F0502020204030204" pitchFamily="34" charset="0"/>
+                <a:ea typeface="Calibri" panose="020F0502020204030204" pitchFamily="34" charset="0"/>
+                <a:cs typeface="2  Ferdosi" panose="00000400000000000000" pitchFamily="2" charset="-78"/>
+              </a:rPr>
+              <a:t>weiner</a:t>
+            </a:r>
+            <a:endParaRPr lang="en-US" dirty="0"/>
+          </a:p>
+        </p:txBody>
+      </p:sp>
+      <p:sp>
+        <p:nvSpPr>
+          <p:cNvPr id="9" name="Rectangle 8"/>
+          <p:cNvSpPr/>
+          <p:nvPr/>
+        </p:nvSpPr>
+        <p:spPr>
+          <a:xfrm>
+            <a:off x="4992909" y="3523167"/>
+            <a:ext cx="1525995" cy="369332"/>
+          </a:xfrm>
+          <a:prstGeom prst="rect">
+            <a:avLst/>
+          </a:prstGeom>
+        </p:spPr>
+        <p:txBody>
+          <a:bodyPr wrap="none">
+            <a:spAutoFit/>
+          </a:bodyPr>
+          <a:lstStyle/>
+          <a:p>
+            <a:r>
+              <a:rPr lang="en-US" dirty="0">
+                <a:latin typeface="Calibri" panose="020F0502020204030204" pitchFamily="34" charset="0"/>
+                <a:ea typeface="Calibri" panose="020F0502020204030204" pitchFamily="34" charset="0"/>
+                <a:cs typeface="2  Ferdosi" panose="00000400000000000000" pitchFamily="2" charset="-78"/>
+              </a:rPr>
+              <a:t>Donald Knuth</a:t>
+            </a:r>
+            <a:r>
+              <a:rPr lang="en-US" dirty="0">
+                <a:latin typeface="2  Ferdosi" panose="00000400000000000000" pitchFamily="2" charset="-78"/>
+                <a:ea typeface="Calibri" panose="020F0502020204030204" pitchFamily="34" charset="0"/>
+              </a:rPr>
+              <a:t> </a:t>
+            </a:r>
+            <a:endParaRPr lang="en-US" dirty="0"/>
+          </a:p>
+        </p:txBody>
+      </p:sp>
+      <p:sp>
+        <p:nvSpPr>
+          <p:cNvPr id="11" name="Rectangle 10"/>
+          <p:cNvSpPr/>
+          <p:nvPr/>
+        </p:nvSpPr>
+        <p:spPr>
+          <a:xfrm>
+            <a:off x="9837205" y="3523167"/>
+            <a:ext cx="1013675" cy="369332"/>
+          </a:xfrm>
+          <a:prstGeom prst="rect">
+            <a:avLst/>
+          </a:prstGeom>
+        </p:spPr>
+        <p:txBody>
+          <a:bodyPr wrap="none">
+            <a:spAutoFit/>
+          </a:bodyPr>
+          <a:lstStyle/>
+          <a:p>
+            <a:r>
+              <a:rPr lang="en-US" dirty="0" err="1">
+                <a:latin typeface="Calibri" panose="020F0502020204030204" pitchFamily="34" charset="0"/>
+                <a:ea typeface="Calibri" panose="020F0502020204030204" pitchFamily="34" charset="0"/>
+                <a:cs typeface="2  Ferdosi" panose="00000400000000000000" pitchFamily="2" charset="-78"/>
+              </a:rPr>
+              <a:t>Ukkonen</a:t>
+            </a:r>
+            <a:endParaRPr lang="en-US" dirty="0"/>
+          </a:p>
+        </p:txBody>
+      </p:sp>
+      <p:cxnSp>
+        <p:nvCxnSpPr>
+          <p:cNvPr id="13" name="Straight Arrow Connector 12"/>
+          <p:cNvCxnSpPr/>
+          <p:nvPr/>
+        </p:nvCxnSpPr>
+        <p:spPr>
+          <a:xfrm>
+            <a:off x="2751909" y="3707833"/>
+            <a:ext cx="1558834" cy="0"/>
+          </a:xfrm>
+          <a:prstGeom prst="straightConnector1">
+            <a:avLst/>
+          </a:prstGeom>
+          <a:ln>
+            <a:tailEnd type="triangle"/>
+          </a:ln>
+        </p:spPr>
+        <p:style>
+          <a:lnRef idx="1">
+            <a:schemeClr val="accent1"/>
+          </a:lnRef>
+          <a:fillRef idx="0">
+            <a:schemeClr val="accent1"/>
+          </a:fillRef>
+          <a:effectRef idx="0">
+            <a:schemeClr val="accent1"/>
+          </a:effectRef>
+          <a:fontRef idx="minor">
+            <a:schemeClr val="tx1"/>
+          </a:fontRef>
+        </p:style>
+      </p:cxnSp>
+      <p:cxnSp>
+        <p:nvCxnSpPr>
+          <p:cNvPr id="16" name="Straight Arrow Connector 15"/>
+          <p:cNvCxnSpPr/>
+          <p:nvPr/>
+        </p:nvCxnSpPr>
+        <p:spPr>
+          <a:xfrm>
+            <a:off x="7201070" y="3730154"/>
+            <a:ext cx="1785257" cy="8708"/>
+          </a:xfrm>
+          <a:prstGeom prst="straightConnector1">
+            <a:avLst/>
+          </a:prstGeom>
+          <a:ln>
+            <a:tailEnd type="triangle"/>
+          </a:ln>
+        </p:spPr>
+        <p:style>
+          <a:lnRef idx="1">
+            <a:schemeClr val="accent1"/>
+          </a:lnRef>
+          <a:fillRef idx="0">
+            <a:schemeClr val="accent1"/>
+          </a:fillRef>
+          <a:effectRef idx="0">
+            <a:schemeClr val="accent1"/>
+          </a:effectRef>
+          <a:fontRef idx="minor">
+            <a:schemeClr val="tx1"/>
+          </a:fontRef>
+        </p:style>
+      </p:cxnSp>
+    </p:spTree>
+    <p:extLst>
+      <p:ext uri="{BB962C8B-B14F-4D97-AF65-F5344CB8AC3E}">
+        <p14:creationId xmlns:p14="http://schemas.microsoft.com/office/powerpoint/2010/main" val="1428332092"/>
+      </p:ext>
+    </p:extLst>
+  </p:cSld>
+  <p:clrMapOvr>
+    <a:masterClrMapping/>
+  </p:clrMapOvr>
+  <mc:AlternateContent xmlns:mc="http://schemas.openxmlformats.org/markup-compatibility/2006" xmlns:p14="http://schemas.microsoft.com/office/powerpoint/2010/main">
+    <mc:Choice Requires="p14">
+      <p:transition spd="med" p14:dur="700">
+        <p:fade/>
+      </p:transition>
+    </mc:Choice>
+    <mc:Fallback xmlns="">
+      <p:transition spd="med">
+        <p:fade/>
+      </p:transition>
+    </mc:Fallback>
+  </mc:AlternateContent>
+</p:sld>
+</file>
+
+<file path=ppt/slides/slide4.xml><?xml version="1.0" encoding="utf-8"?>
+<p:sld xmlns:a="http://schemas.openxmlformats.org/drawingml/2006/main" xmlns:r="http://schemas.openxmlformats.org/officeDocument/2006/relationships" xmlns:p="http://schemas.openxmlformats.org/presentationml/2006/main">
+  <p:cSld>
+    <p:spTree>
+      <p:nvGrpSpPr>
+        <p:cNvPr id="1" name=""/>
+        <p:cNvGrpSpPr/>
+        <p:nvPr/>
+      </p:nvGrpSpPr>
+      <p:grpSpPr>
+        <a:xfrm>
+          <a:off x="0" y="0"/>
+          <a:ext cx="0" cy="0"/>
+          <a:chOff x="0" y="0"/>
+          <a:chExt cx="0" cy="0"/>
+        </a:xfrm>
+      </p:grpSpPr>
+      <p:sp>
+        <p:nvSpPr>
+          <p:cNvPr id="2" name="Title 1">
+            <a:extLst>
+              <a:ext uri="{FF2B5EF4-FFF2-40B4-BE49-F238E27FC236}">
                 <a16:creationId xmlns:a16="http://schemas.microsoft.com/office/drawing/2014/main" id="{7FFFA2FD-21DB-4E15-95C7-FF95C600379E}"/>
               </a:ext>
             </a:extLst>
@@ -4482,7 +9150,7 @@
           <a:graphicData uri="http://schemas.openxmlformats.org/presentationml/2006/ole">
             <mc:AlternateContent xmlns:mc="http://schemas.openxmlformats.org/markup-compatibility/2006">
               <mc:Choice xmlns:v="urn:schemas-microsoft-com:vml" Requires="v">
-                <p:oleObj spid="_x0000_s1121" name="Equation" r:id="rId3" imgW="799920" imgH="1549080" progId="Equation.DSMT4">
+                <p:oleObj spid="_x0000_s1139" name="Equation" r:id="rId3" imgW="799920" imgH="1549080" progId="Equation.DSMT4">
                   <p:embed/>
                 </p:oleObj>
               </mc:Choice>
@@ -4542,7 +9210,7 @@
 </p:sld>
 </file>
 
-<file path=ppt/slides/slide3.xml><?xml version="1.0" encoding="utf-8"?>
+<file path=ppt/slides/slide5.xml><?xml version="1.0" encoding="utf-8"?>
 <p:sld xmlns:a="http://schemas.openxmlformats.org/drawingml/2006/main" xmlns:r="http://schemas.openxmlformats.org/officeDocument/2006/relationships" xmlns:p="http://schemas.openxmlformats.org/presentationml/2006/main">
   <p:cSld>
     <p:spTree>
@@ -4734,7 +9402,7 @@
           <a:graphicData uri="http://schemas.openxmlformats.org/presentationml/2006/ole">
             <mc:AlternateContent xmlns:mc="http://schemas.openxmlformats.org/markup-compatibility/2006">
               <mc:Choice xmlns:v="urn:schemas-microsoft-com:vml" Requires="v">
-                <p:oleObj spid="_x0000_s2145" name="Equation" r:id="rId4" imgW="4241520" imgH="203040" progId="Equation.DSMT4">
+                <p:oleObj spid="_x0000_s2163" name="Equation" r:id="rId4" imgW="4241520" imgH="203040" progId="Equation.DSMT4">
                   <p:embed/>
                 </p:oleObj>
               </mc:Choice>
@@ -4794,7 +9462,7 @@
 </p:sld>
 </file>
 
-<file path=ppt/slides/slide4.xml><?xml version="1.0" encoding="utf-8"?>
+<file path=ppt/slides/slide6.xml><?xml version="1.0" encoding="utf-8"?>
 <p:sld xmlns:a="http://schemas.openxmlformats.org/drawingml/2006/main" xmlns:r="http://schemas.openxmlformats.org/officeDocument/2006/relationships" xmlns:p="http://schemas.openxmlformats.org/presentationml/2006/main">
   <p:cSld>
     <p:spTree>
@@ -4974,7 +9642,7 @@
 </p:sld>
 </file>
 
-<file path=ppt/slides/slide5.xml><?xml version="1.0" encoding="utf-8"?>
+<file path=ppt/slides/slide7.xml><?xml version="1.0" encoding="utf-8"?>
 <p:sld xmlns:a="http://schemas.openxmlformats.org/drawingml/2006/main" xmlns:r="http://schemas.openxmlformats.org/officeDocument/2006/relationships" xmlns:p="http://schemas.openxmlformats.org/presentationml/2006/main">
   <p:cSld>
     <p:spTree>
@@ -5202,7 +9870,7 @@
 </p:sld>
 </file>
 
-<file path=ppt/slides/slide6.xml><?xml version="1.0" encoding="utf-8"?>
+<file path=ppt/slides/slide8.xml><?xml version="1.0" encoding="utf-8"?>
 <p:sld xmlns:a="http://schemas.openxmlformats.org/drawingml/2006/main" xmlns:r="http://schemas.openxmlformats.org/officeDocument/2006/relationships" xmlns:p="http://schemas.openxmlformats.org/presentationml/2006/main">
   <p:cSld>
     <p:spTree>
@@ -5403,7 +10071,7 @@
 </p:sld>
 </file>
 
-<file path=ppt/slides/slide7.xml><?xml version="1.0" encoding="utf-8"?>
+<file path=ppt/slides/slide9.xml><?xml version="1.0" encoding="utf-8"?>
 <p:sld xmlns:a="http://schemas.openxmlformats.org/drawingml/2006/main" xmlns:r="http://schemas.openxmlformats.org/officeDocument/2006/relationships" xmlns:p="http://schemas.openxmlformats.org/presentationml/2006/main">
   <p:cSld>
     <p:spTree>
@@ -5569,7 +10237,7 @@
           <a:graphicData uri="http://schemas.openxmlformats.org/presentationml/2006/ole">
             <mc:AlternateContent xmlns:mc="http://schemas.openxmlformats.org/markup-compatibility/2006">
               <mc:Choice xmlns:v="urn:schemas-microsoft-com:vml" Requires="v">
-                <p:oleObj spid="_x0000_s4468" name="Equation" r:id="rId4" imgW="164880" imgH="177480" progId="Equation.DSMT4">
+                <p:oleObj spid="_x0000_s4612" name="Equation" r:id="rId4" imgW="164880" imgH="177480" progId="Equation.DSMT4">
                   <p:embed/>
                 </p:oleObj>
               </mc:Choice>
@@ -5632,7 +10300,7 @@
           <a:graphicData uri="http://schemas.openxmlformats.org/presentationml/2006/ole">
             <mc:AlternateContent xmlns:mc="http://schemas.openxmlformats.org/markup-compatibility/2006">
               <mc:Choice xmlns:v="urn:schemas-microsoft-com:vml" Requires="v">
-                <p:oleObj spid="_x0000_s4469" name="Equation" r:id="rId6" imgW="431640" imgH="177480" progId="Equation.DSMT4">
+                <p:oleObj spid="_x0000_s4613" name="Equation" r:id="rId6" imgW="431640" imgH="177480" progId="Equation.DSMT4">
                   <p:embed/>
                 </p:oleObj>
               </mc:Choice>
@@ -5695,7 +10363,7 @@
           <a:graphicData uri="http://schemas.openxmlformats.org/presentationml/2006/ole">
             <mc:AlternateContent xmlns:mc="http://schemas.openxmlformats.org/markup-compatibility/2006">
               <mc:Choice xmlns:v="urn:schemas-microsoft-com:vml" Requires="v">
-                <p:oleObj spid="_x0000_s4470" name="Equation" r:id="rId8" imgW="126720" imgH="139680" progId="Equation.DSMT4">
+                <p:oleObj spid="_x0000_s4614" name="Equation" r:id="rId8" imgW="126720" imgH="139680" progId="Equation.DSMT4">
                   <p:embed/>
                 </p:oleObj>
               </mc:Choice>
@@ -5758,7 +10426,7 @@
           <a:graphicData uri="http://schemas.openxmlformats.org/presentationml/2006/ole">
             <mc:AlternateContent xmlns:mc="http://schemas.openxmlformats.org/markup-compatibility/2006">
               <mc:Choice xmlns:v="urn:schemas-microsoft-com:vml" Requires="v">
-                <p:oleObj spid="_x0000_s4471" name="Equation" r:id="rId10" imgW="539750" imgH="343211" progId="Equation.DSMT4">
+                <p:oleObj spid="_x0000_s4615" name="Equation" r:id="rId10" imgW="539750" imgH="343211" progId="Equation.DSMT4">
                   <p:embed/>
                 </p:oleObj>
               </mc:Choice>
@@ -5821,7 +10489,7 @@
           <a:graphicData uri="http://schemas.openxmlformats.org/presentationml/2006/ole">
             <mc:AlternateContent xmlns:mc="http://schemas.openxmlformats.org/markup-compatibility/2006">
               <mc:Choice xmlns:v="urn:schemas-microsoft-com:vml" Requires="v">
-                <p:oleObj spid="_x0000_s4472" name="Equation" r:id="rId12" imgW="833734" imgH="343211" progId="Equation.DSMT4">
+                <p:oleObj spid="_x0000_s4616" name="Equation" r:id="rId12" imgW="833734" imgH="343211" progId="Equation.DSMT4">
                   <p:embed/>
                 </p:oleObj>
               </mc:Choice>
@@ -5884,7 +10552,7 @@
           <a:graphicData uri="http://schemas.openxmlformats.org/presentationml/2006/ole">
             <mc:AlternateContent xmlns:mc="http://schemas.openxmlformats.org/markup-compatibility/2006">
               <mc:Choice xmlns:v="urn:schemas-microsoft-com:vml" Requires="v">
-                <p:oleObj spid="_x0000_s4473" name="Equation" r:id="rId14" imgW="203040" imgH="139680" progId="Equation.DSMT4">
+                <p:oleObj spid="_x0000_s4617" name="Equation" r:id="rId14" imgW="203040" imgH="139680" progId="Equation.DSMT4">
                   <p:embed/>
                 </p:oleObj>
               </mc:Choice>
@@ -5947,7 +10615,7 @@
           <a:graphicData uri="http://schemas.openxmlformats.org/presentationml/2006/ole">
             <mc:AlternateContent xmlns:mc="http://schemas.openxmlformats.org/markup-compatibility/2006">
               <mc:Choice xmlns:v="urn:schemas-microsoft-com:vml" Requires="v">
-                <p:oleObj spid="_x0000_s4474" name="Equation" r:id="rId16" imgW="190440" imgH="177480" progId="Equation.DSMT4">
+                <p:oleObj spid="_x0000_s4618" name="Equation" r:id="rId16" imgW="190440" imgH="177480" progId="Equation.DSMT4">
                   <p:embed/>
                 </p:oleObj>
               </mc:Choice>
@@ -6010,7 +10678,7 @@
           <a:graphicData uri="http://schemas.openxmlformats.org/presentationml/2006/ole">
             <mc:AlternateContent xmlns:mc="http://schemas.openxmlformats.org/markup-compatibility/2006">
               <mc:Choice xmlns:v="urn:schemas-microsoft-com:vml" Requires="v">
-                <p:oleObj spid="_x0000_s4475" name="Equation" r:id="rId18" imgW="833734" imgH="343211" progId="Equation.DSMT4">
+                <p:oleObj spid="_x0000_s4619" name="Equation" r:id="rId18" imgW="833734" imgH="343211" progId="Equation.DSMT4">
                   <p:embed/>
                 </p:oleObj>
               </mc:Choice>
@@ -6068,1394 +10736,6 @@
       </p:transition>
     </mc:Choice>
     <mc:Fallback xmlns="">
-      <p:transition spd="slow">
-        <p:fade/>
-      </p:transition>
-    </mc:Fallback>
-  </mc:AlternateContent>
-</p:sld>
-</file>
-
-<file path=ppt/slides/slide8.xml><?xml version="1.0" encoding="utf-8"?>
-<p:sld xmlns:a="http://schemas.openxmlformats.org/drawingml/2006/main" xmlns:r="http://schemas.openxmlformats.org/officeDocument/2006/relationships" xmlns:p="http://schemas.openxmlformats.org/presentationml/2006/main">
-  <p:cSld>
-    <p:spTree>
-      <p:nvGrpSpPr>
-        <p:cNvPr id="1" name=""/>
-        <p:cNvGrpSpPr/>
-        <p:nvPr/>
-      </p:nvGrpSpPr>
-      <p:grpSpPr>
-        <a:xfrm>
-          <a:off x="0" y="0"/>
-          <a:ext cx="0" cy="0"/>
-          <a:chOff x="0" y="0"/>
-          <a:chExt cx="0" cy="0"/>
-        </a:xfrm>
-      </p:grpSpPr>
-      <p:sp>
-        <p:nvSpPr>
-          <p:cNvPr id="2" name="Title 1">
-            <a:extLst>
-              <a:ext uri="{FF2B5EF4-FFF2-40B4-BE49-F238E27FC236}">
-                <a16:creationId xmlns:a16="http://schemas.microsoft.com/office/drawing/2014/main" id="{90A2169E-0947-4318-AA51-5B31AB137C13}"/>
-              </a:ext>
-            </a:extLst>
-          </p:cNvPr>
-          <p:cNvSpPr>
-            <a:spLocks noGrp="1"/>
-          </p:cNvSpPr>
-          <p:nvPr>
-            <p:ph type="title"/>
-          </p:nvPr>
-        </p:nvSpPr>
-        <p:spPr/>
-        <p:txBody>
-          <a:bodyPr>
-            <a:normAutofit/>
-          </a:bodyPr>
-          <a:lstStyle/>
-          <a:p>
-            <a:pPr algn="r" rtl="1"/>
-            <a:r>
-              <a:rPr lang="fa-IR" sz="3600" dirty="0">
-                <a:cs typeface="B Nazanin" panose="00000400000000000000" pitchFamily="2" charset="-78"/>
-              </a:rPr>
-              <a:t>ساخت </a:t>
-            </a:r>
-            <a:r>
-              <a:rPr lang="en-US" sz="3600" dirty="0">
-                <a:cs typeface="B Nazanin" panose="00000400000000000000" pitchFamily="2" charset="-78"/>
-              </a:rPr>
-              <a:t>suffix tree </a:t>
-            </a:r>
-            <a:r>
-              <a:rPr lang="fa-IR" sz="3600" dirty="0">
-                <a:cs typeface="B Nazanin" panose="00000400000000000000" pitchFamily="2" charset="-78"/>
-              </a:rPr>
-              <a:t> در مرتبه زمانی خطی</a:t>
-            </a:r>
-            <a:endParaRPr lang="en-US" sz="3600" dirty="0">
-              <a:cs typeface="B Nazanin" panose="00000400000000000000" pitchFamily="2" charset="-78"/>
-            </a:endParaRPr>
-          </a:p>
-        </p:txBody>
-      </p:sp>
-      <p:sp>
-        <p:nvSpPr>
-          <p:cNvPr id="3" name="Content Placeholder 2">
-            <a:extLst>
-              <a:ext uri="{FF2B5EF4-FFF2-40B4-BE49-F238E27FC236}">
-                <a16:creationId xmlns:a16="http://schemas.microsoft.com/office/drawing/2014/main" id="{CB08A0B9-E8F7-4720-AF3D-2138BA28E6AF}"/>
-              </a:ext>
-            </a:extLst>
-          </p:cNvPr>
-          <p:cNvSpPr>
-            <a:spLocks noGrp="1"/>
-          </p:cNvSpPr>
-          <p:nvPr>
-            <p:ph idx="1"/>
-          </p:nvPr>
-        </p:nvSpPr>
-        <p:spPr/>
-        <p:txBody>
-          <a:bodyPr>
-            <a:normAutofit/>
-          </a:bodyPr>
-          <a:lstStyle/>
-          <a:p>
-            <a:pPr algn="r" rtl="1"/>
-            <a:r>
-              <a:rPr lang="fa-IR" dirty="0">
-                <a:cs typeface="B Nazanin" panose="00000400000000000000" pitchFamily="2" charset="-78"/>
-              </a:rPr>
-              <a:t>از </a:t>
-            </a:r>
-            <a:r>
-              <a:rPr lang="en-US" dirty="0" err="1">
-                <a:cs typeface="B Nazanin" panose="00000400000000000000" pitchFamily="2" charset="-78"/>
-              </a:rPr>
-              <a:t>Ukkonen’s</a:t>
-            </a:r>
-            <a:r>
-              <a:rPr lang="en-US" dirty="0">
-                <a:cs typeface="B Nazanin" panose="00000400000000000000" pitchFamily="2" charset="-78"/>
-              </a:rPr>
-              <a:t> algorithm </a:t>
-            </a:r>
-            <a:r>
-              <a:rPr lang="fa-IR" dirty="0">
-                <a:cs typeface="B Nazanin" panose="00000400000000000000" pitchFamily="2" charset="-78"/>
-              </a:rPr>
-              <a:t> برای ساخت یک </a:t>
-            </a:r>
-            <a:r>
-              <a:rPr lang="en-US" dirty="0">
-                <a:cs typeface="B Nazanin" panose="00000400000000000000" pitchFamily="2" charset="-78"/>
-              </a:rPr>
-              <a:t>suffix tree </a:t>
-            </a:r>
-            <a:r>
-              <a:rPr lang="fa-IR" dirty="0">
-                <a:cs typeface="B Nazanin" panose="00000400000000000000" pitchFamily="2" charset="-78"/>
-              </a:rPr>
-              <a:t> استفاده میکنیم.</a:t>
-            </a:r>
-          </a:p>
-          <a:p>
-            <a:pPr algn="r" rtl="1"/>
-            <a:endParaRPr lang="fa-IR" dirty="0">
-              <a:cs typeface="B Nazanin" panose="00000400000000000000" pitchFamily="2" charset="-78"/>
-            </a:endParaRPr>
-          </a:p>
-          <a:p>
-            <a:pPr algn="r" rtl="1"/>
-            <a:r>
-              <a:rPr lang="fa-IR" dirty="0">
-                <a:cs typeface="B Nazanin" panose="00000400000000000000" pitchFamily="2" charset="-78"/>
-              </a:rPr>
-              <a:t>مفهوم </a:t>
-            </a:r>
-            <a:r>
-              <a:rPr lang="en-US" dirty="0">
-                <a:cs typeface="B Nazanin" panose="00000400000000000000" pitchFamily="2" charset="-78"/>
-              </a:rPr>
-              <a:t>implicit suffix tree</a:t>
-            </a:r>
-            <a:r>
-              <a:rPr lang="fa-IR" dirty="0">
-                <a:cs typeface="B Nazanin" panose="00000400000000000000" pitchFamily="2" charset="-78"/>
-              </a:rPr>
-              <a:t> ( درخت پسوندی مجازی )</a:t>
-            </a:r>
-          </a:p>
-          <a:p>
-            <a:pPr marL="0" indent="0" algn="r" rtl="1">
-              <a:buNone/>
-            </a:pPr>
-            <a:endParaRPr lang="fa-IR" dirty="0">
-              <a:cs typeface="B Nazanin" panose="00000400000000000000" pitchFamily="2" charset="-78"/>
-            </a:endParaRPr>
-          </a:p>
-          <a:p>
-            <a:pPr algn="r" rtl="1"/>
-            <a:r>
-              <a:rPr lang="fa-IR" dirty="0">
-                <a:cs typeface="B Nazanin" panose="00000400000000000000" pitchFamily="2" charset="-78"/>
-              </a:rPr>
-              <a:t>* هیچ یالی با کاراکتر نال وجود ندارد</a:t>
-            </a:r>
-          </a:p>
-          <a:p>
-            <a:pPr algn="r" rtl="1"/>
-            <a:r>
-              <a:rPr lang="fa-IR" dirty="0">
-                <a:cs typeface="B Nazanin" panose="00000400000000000000" pitchFamily="2" charset="-78"/>
-              </a:rPr>
-              <a:t>* هیچ گره داخلی با یک یال متصل وجود ندارد</a:t>
-            </a:r>
-          </a:p>
-          <a:p>
-            <a:pPr algn="r" rtl="1"/>
-            <a:endParaRPr lang="fa-IR" dirty="0">
-              <a:cs typeface="B Nazanin" panose="00000400000000000000" pitchFamily="2" charset="-78"/>
-            </a:endParaRPr>
-          </a:p>
-          <a:p>
-            <a:pPr algn="r" rtl="1"/>
-            <a:endParaRPr lang="fa-IR" dirty="0">
-              <a:cs typeface="B Nazanin" panose="00000400000000000000" pitchFamily="2" charset="-78"/>
-            </a:endParaRPr>
-          </a:p>
-        </p:txBody>
-      </p:sp>
-      <p:pic>
-        <p:nvPicPr>
-          <p:cNvPr id="5" name="Picture 4">
-            <a:extLst>
-              <a:ext uri="{FF2B5EF4-FFF2-40B4-BE49-F238E27FC236}">
-                <a16:creationId xmlns:a16="http://schemas.microsoft.com/office/drawing/2014/main" id="{025AE84C-FE92-425D-8BBD-A004B238020F}"/>
-              </a:ext>
-            </a:extLst>
-          </p:cNvPr>
-          <p:cNvPicPr>
-            <a:picLocks noChangeAspect="1"/>
-          </p:cNvPicPr>
-          <p:nvPr/>
-        </p:nvPicPr>
-        <p:blipFill>
-          <a:blip r:embed="rId3">
-            <a:extLst>
-              <a:ext uri="{28A0092B-C50C-407E-A947-70E740481C1C}">
-                <a14:useLocalDpi xmlns:a14="http://schemas.microsoft.com/office/drawing/2010/main" val="0"/>
-              </a:ext>
-            </a:extLst>
-          </a:blip>
-          <a:stretch>
-            <a:fillRect/>
-          </a:stretch>
-        </p:blipFill>
-        <p:spPr>
-          <a:xfrm>
-            <a:off x="573232" y="1845734"/>
-            <a:ext cx="4055918" cy="4374486"/>
-          </a:xfrm>
-          <a:prstGeom prst="rect">
-            <a:avLst/>
-          </a:prstGeom>
-        </p:spPr>
-      </p:pic>
-      <p:graphicFrame>
-        <p:nvGraphicFramePr>
-          <p:cNvPr id="6" name="Object 5">
-            <a:extLst>
-              <a:ext uri="{FF2B5EF4-FFF2-40B4-BE49-F238E27FC236}">
-                <a16:creationId xmlns:a16="http://schemas.microsoft.com/office/drawing/2014/main" id="{AB9D2211-8BFD-4AFB-A977-79E854288FEA}"/>
-              </a:ext>
-            </a:extLst>
-          </p:cNvPr>
-          <p:cNvGraphicFramePr>
-            <a:graphicFrameLocks noChangeAspect="1"/>
-          </p:cNvGraphicFramePr>
-          <p:nvPr>
-            <p:extLst>
-              <p:ext uri="{D42A27DB-BD31-4B8C-83A1-F6EECF244321}">
-                <p14:modId xmlns:p14="http://schemas.microsoft.com/office/powerpoint/2010/main" val="2936004558"/>
-              </p:ext>
-            </p:extLst>
-          </p:nvPr>
-        </p:nvGraphicFramePr>
-        <p:xfrm>
-          <a:off x="915988" y="2036763"/>
-          <a:ext cx="833437" cy="342900"/>
-        </p:xfrm>
-        <a:graphic>
-          <a:graphicData uri="http://schemas.openxmlformats.org/presentationml/2006/ole">
-            <mc:AlternateContent xmlns:mc="http://schemas.openxmlformats.org/markup-compatibility/2006">
-              <mc:Choice xmlns:v="urn:schemas-microsoft-com:vml" Requires="v">
-                <p:oleObj spid="_x0000_s5179" name="Equation" r:id="rId4" imgW="833734" imgH="343211" progId="Equation.DSMT4">
-                  <p:embed/>
-                </p:oleObj>
-              </mc:Choice>
-              <mc:Fallback>
-                <p:oleObj name="Equation" r:id="rId4" imgW="833734" imgH="343211" progId="Equation.DSMT4">
-                  <p:embed/>
-                  <p:pic>
-                    <p:nvPicPr>
-                      <p:cNvPr id="0" name=""/>
-                      <p:cNvPicPr/>
-                      <p:nvPr/>
-                    </p:nvPicPr>
-                    <p:blipFill>
-                      <a:blip r:embed="rId5"/>
-                      <a:stretch>
-                        <a:fillRect/>
-                      </a:stretch>
-                    </p:blipFill>
-                    <p:spPr>
-                      <a:xfrm>
-                        <a:off x="915988" y="2036763"/>
-                        <a:ext cx="833437" cy="342900"/>
-                      </a:xfrm>
-                      <a:prstGeom prst="rect">
-                        <a:avLst/>
-                      </a:prstGeom>
-                    </p:spPr>
-                  </p:pic>
-                </p:oleObj>
-              </mc:Fallback>
-            </mc:AlternateContent>
-          </a:graphicData>
-        </a:graphic>
-      </p:graphicFrame>
-      <p:graphicFrame>
-        <p:nvGraphicFramePr>
-          <p:cNvPr id="7" name="Object 6">
-            <a:extLst>
-              <a:ext uri="{FF2B5EF4-FFF2-40B4-BE49-F238E27FC236}">
-                <a16:creationId xmlns:a16="http://schemas.microsoft.com/office/drawing/2014/main" id="{4D9E88B3-97D7-4AEE-BC76-6BD3921C3E94}"/>
-              </a:ext>
-            </a:extLst>
-          </p:cNvPr>
-          <p:cNvGraphicFramePr>
-            <a:graphicFrameLocks noChangeAspect="1"/>
-          </p:cNvGraphicFramePr>
-          <p:nvPr>
-            <p:extLst>
-              <p:ext uri="{D42A27DB-BD31-4B8C-83A1-F6EECF244321}">
-                <p14:modId xmlns:p14="http://schemas.microsoft.com/office/powerpoint/2010/main" val="1653964884"/>
-              </p:ext>
-            </p:extLst>
-          </p:nvPr>
-        </p:nvGraphicFramePr>
-        <p:xfrm>
-          <a:off x="915988" y="3479836"/>
-          <a:ext cx="1004204" cy="342899"/>
-        </p:xfrm>
-        <a:graphic>
-          <a:graphicData uri="http://schemas.openxmlformats.org/presentationml/2006/ole">
-            <mc:AlternateContent xmlns:mc="http://schemas.openxmlformats.org/markup-compatibility/2006">
-              <mc:Choice xmlns:v="urn:schemas-microsoft-com:vml" Requires="v">
-                <p:oleObj spid="_x0000_s5180" name="Equation" r:id="rId6" imgW="520560" imgH="177480" progId="Equation.DSMT4">
-                  <p:embed/>
-                </p:oleObj>
-              </mc:Choice>
-              <mc:Fallback>
-                <p:oleObj name="Equation" r:id="rId6" imgW="520560" imgH="177480" progId="Equation.DSMT4">
-                  <p:embed/>
-                  <p:pic>
-                    <p:nvPicPr>
-                      <p:cNvPr id="0" name=""/>
-                      <p:cNvPicPr/>
-                      <p:nvPr/>
-                    </p:nvPicPr>
-                    <p:blipFill>
-                      <a:blip r:embed="rId7"/>
-                      <a:stretch>
-                        <a:fillRect/>
-                      </a:stretch>
-                    </p:blipFill>
-                    <p:spPr>
-                      <a:xfrm>
-                        <a:off x="915988" y="3479836"/>
-                        <a:ext cx="1004204" cy="342899"/>
-                      </a:xfrm>
-                      <a:prstGeom prst="rect">
-                        <a:avLst/>
-                      </a:prstGeom>
-                    </p:spPr>
-                  </p:pic>
-                </p:oleObj>
-              </mc:Fallback>
-            </mc:AlternateContent>
-          </a:graphicData>
-        </a:graphic>
-      </p:graphicFrame>
-      <p:graphicFrame>
-        <p:nvGraphicFramePr>
-          <p:cNvPr id="8" name="Object 7">
-            <a:extLst>
-              <a:ext uri="{FF2B5EF4-FFF2-40B4-BE49-F238E27FC236}">
-                <a16:creationId xmlns:a16="http://schemas.microsoft.com/office/drawing/2014/main" id="{905BD4CA-160D-4F6C-A7E5-DED9A86186C4}"/>
-              </a:ext>
-            </a:extLst>
-          </p:cNvPr>
-          <p:cNvGraphicFramePr>
-            <a:graphicFrameLocks noChangeAspect="1"/>
-          </p:cNvGraphicFramePr>
-          <p:nvPr>
-            <p:extLst>
-              <p:ext uri="{D42A27DB-BD31-4B8C-83A1-F6EECF244321}">
-                <p14:modId xmlns:p14="http://schemas.microsoft.com/office/powerpoint/2010/main" val="3054571163"/>
-              </p:ext>
-            </p:extLst>
-          </p:nvPr>
-        </p:nvGraphicFramePr>
-        <p:xfrm>
-          <a:off x="3225799" y="3052762"/>
-          <a:ext cx="1263082" cy="376237"/>
-        </p:xfrm>
-        <a:graphic>
-          <a:graphicData uri="http://schemas.openxmlformats.org/presentationml/2006/ole">
-            <mc:AlternateContent xmlns:mc="http://schemas.openxmlformats.org/markup-compatibility/2006">
-              <mc:Choice xmlns:v="urn:schemas-microsoft-com:vml" Requires="v">
-                <p:oleObj spid="_x0000_s5181" name="Equation" r:id="rId8" imgW="596880" imgH="177480" progId="Equation.DSMT4">
-                  <p:embed/>
-                </p:oleObj>
-              </mc:Choice>
-              <mc:Fallback>
-                <p:oleObj name="Equation" r:id="rId8" imgW="596880" imgH="177480" progId="Equation.DSMT4">
-                  <p:embed/>
-                  <p:pic>
-                    <p:nvPicPr>
-                      <p:cNvPr id="0" name=""/>
-                      <p:cNvPicPr/>
-                      <p:nvPr/>
-                    </p:nvPicPr>
-                    <p:blipFill>
-                      <a:blip r:embed="rId9"/>
-                      <a:stretch>
-                        <a:fillRect/>
-                      </a:stretch>
-                    </p:blipFill>
-                    <p:spPr>
-                      <a:xfrm>
-                        <a:off x="3225799" y="3052762"/>
-                        <a:ext cx="1263082" cy="376237"/>
-                      </a:xfrm>
-                      <a:prstGeom prst="rect">
-                        <a:avLst/>
-                      </a:prstGeom>
-                    </p:spPr>
-                  </p:pic>
-                </p:oleObj>
-              </mc:Fallback>
-            </mc:AlternateContent>
-          </a:graphicData>
-        </a:graphic>
-      </p:graphicFrame>
-    </p:spTree>
-    <p:extLst>
-      <p:ext uri="{BB962C8B-B14F-4D97-AF65-F5344CB8AC3E}">
-        <p14:creationId xmlns:p14="http://schemas.microsoft.com/office/powerpoint/2010/main" val="1254407817"/>
-      </p:ext>
-    </p:extLst>
-  </p:cSld>
-  <p:clrMapOvr>
-    <a:masterClrMapping/>
-  </p:clrMapOvr>
-  <mc:AlternateContent xmlns:mc="http://schemas.openxmlformats.org/markup-compatibility/2006">
-    <mc:Choice xmlns:p14="http://schemas.microsoft.com/office/powerpoint/2010/main" Requires="p14">
-      <p:transition spd="slow" p14:dur="3400">
-        <p14:reveal/>
-      </p:transition>
-    </mc:Choice>
-    <mc:Fallback>
-      <p:transition spd="slow">
-        <p:fade/>
-      </p:transition>
-    </mc:Fallback>
-  </mc:AlternateContent>
-</p:sld>
-</file>
-
-<file path=ppt/slides/slide9.xml><?xml version="1.0" encoding="utf-8"?>
-<p:sld xmlns:a="http://schemas.openxmlformats.org/drawingml/2006/main" xmlns:r="http://schemas.openxmlformats.org/officeDocument/2006/relationships" xmlns:p="http://schemas.openxmlformats.org/presentationml/2006/main">
-  <p:cSld>
-    <p:spTree>
-      <p:nvGrpSpPr>
-        <p:cNvPr id="1" name=""/>
-        <p:cNvGrpSpPr/>
-        <p:nvPr/>
-      </p:nvGrpSpPr>
-      <p:grpSpPr>
-        <a:xfrm>
-          <a:off x="0" y="0"/>
-          <a:ext cx="0" cy="0"/>
-          <a:chOff x="0" y="0"/>
-          <a:chExt cx="0" cy="0"/>
-        </a:xfrm>
-      </p:grpSpPr>
-      <p:sp>
-        <p:nvSpPr>
-          <p:cNvPr id="2" name="Title 1">
-            <a:extLst>
-              <a:ext uri="{FF2B5EF4-FFF2-40B4-BE49-F238E27FC236}">
-                <a16:creationId xmlns:a16="http://schemas.microsoft.com/office/drawing/2014/main" id="{90A2169E-0947-4318-AA51-5B31AB137C13}"/>
-              </a:ext>
-            </a:extLst>
-          </p:cNvPr>
-          <p:cNvSpPr>
-            <a:spLocks noGrp="1"/>
-          </p:cNvSpPr>
-          <p:nvPr>
-            <p:ph type="title"/>
-          </p:nvPr>
-        </p:nvSpPr>
-        <p:spPr/>
-        <p:txBody>
-          <a:bodyPr>
-            <a:normAutofit/>
-          </a:bodyPr>
-          <a:lstStyle/>
-          <a:p>
-            <a:pPr algn="r" rtl="1"/>
-            <a:r>
-              <a:rPr lang="fa-IR" sz="3200" dirty="0">
-                <a:cs typeface="B Nazanin" panose="00000400000000000000" pitchFamily="2" charset="-78"/>
-              </a:rPr>
-              <a:t>توضیح کلی </a:t>
-            </a:r>
-            <a:r>
-              <a:rPr lang="en-US" sz="3200" dirty="0" err="1">
-                <a:cs typeface="B Nazanin" panose="00000400000000000000" pitchFamily="2" charset="-78"/>
-              </a:rPr>
-              <a:t>Ukkonen’s</a:t>
-            </a:r>
-            <a:r>
-              <a:rPr lang="en-US" sz="3200" dirty="0">
-                <a:cs typeface="B Nazanin" panose="00000400000000000000" pitchFamily="2" charset="-78"/>
-              </a:rPr>
-              <a:t> algorithm</a:t>
-            </a:r>
-            <a:endParaRPr lang="en-US" sz="6600" dirty="0">
-              <a:cs typeface="B Nazanin" panose="00000400000000000000" pitchFamily="2" charset="-78"/>
-            </a:endParaRPr>
-          </a:p>
-        </p:txBody>
-      </p:sp>
-      <p:sp>
-        <p:nvSpPr>
-          <p:cNvPr id="3" name="Content Placeholder 2">
-            <a:extLst>
-              <a:ext uri="{FF2B5EF4-FFF2-40B4-BE49-F238E27FC236}">
-                <a16:creationId xmlns:a16="http://schemas.microsoft.com/office/drawing/2014/main" id="{CB08A0B9-E8F7-4720-AF3D-2138BA28E6AF}"/>
-              </a:ext>
-            </a:extLst>
-          </p:cNvPr>
-          <p:cNvSpPr>
-            <a:spLocks noGrp="1"/>
-          </p:cNvSpPr>
-          <p:nvPr>
-            <p:ph idx="1"/>
-          </p:nvPr>
-        </p:nvSpPr>
-        <p:spPr/>
-        <p:txBody>
-          <a:bodyPr>
-            <a:normAutofit/>
-          </a:bodyPr>
-          <a:lstStyle/>
-          <a:p>
-            <a:pPr algn="r" rtl="1"/>
-            <a:r>
-              <a:rPr lang="fa-IR" dirty="0">
-                <a:cs typeface="B Nazanin" panose="00000400000000000000" pitchFamily="2" charset="-78"/>
-              </a:rPr>
-              <a:t>این الگوریتم درخت پسوندی مجازی </a:t>
-            </a:r>
-            <a:r>
-              <a:rPr lang="en-US" dirty="0">
-                <a:cs typeface="B Nazanin" panose="00000400000000000000" pitchFamily="2" charset="-78"/>
-              </a:rPr>
-              <a:t>      </a:t>
-            </a:r>
-            <a:r>
-              <a:rPr lang="fa-IR" dirty="0">
-                <a:cs typeface="B Nazanin" panose="00000400000000000000" pitchFamily="2" charset="-78"/>
-              </a:rPr>
-              <a:t>را برای زیر رشته </a:t>
-            </a:r>
-            <a:r>
-              <a:rPr lang="en-US" dirty="0">
-                <a:cs typeface="B Nazanin" panose="00000400000000000000" pitchFamily="2" charset="-78"/>
-              </a:rPr>
-              <a:t>  </a:t>
-            </a:r>
-            <a:r>
-              <a:rPr lang="fa-IR" dirty="0">
-                <a:cs typeface="B Nazanin" panose="00000400000000000000" pitchFamily="2" charset="-78"/>
-              </a:rPr>
-              <a:t>            میسازد.</a:t>
-            </a:r>
-          </a:p>
-          <a:p>
-            <a:pPr algn="r" rtl="1"/>
-            <a:r>
-              <a:rPr lang="fa-IR" dirty="0">
-                <a:cs typeface="B Nazanin" panose="00000400000000000000" pitchFamily="2" charset="-78"/>
-              </a:rPr>
-              <a:t>و         از      ساخته میشود و نهایتا درخت پسوندی اصلی از     و با اضافه کردن کاراکتر نال به </a:t>
-            </a:r>
-            <a:r>
-              <a:rPr lang="en-US" dirty="0">
-                <a:cs typeface="B Nazanin" panose="00000400000000000000" pitchFamily="2" charset="-78"/>
-              </a:rPr>
-              <a:t>      </a:t>
-            </a:r>
-            <a:r>
-              <a:rPr lang="fa-IR" dirty="0">
-                <a:cs typeface="B Nazanin" panose="00000400000000000000" pitchFamily="2" charset="-78"/>
-              </a:rPr>
-              <a:t>و دوباره ساختن درخت پسوندی مجازی نهایتا درخت پسوندی اصلی را تولید میکند.</a:t>
-            </a:r>
-            <a:r>
-              <a:rPr lang="en-US" dirty="0">
-                <a:cs typeface="B Nazanin" panose="00000400000000000000" pitchFamily="2" charset="-78"/>
-              </a:rPr>
-              <a:t> </a:t>
-            </a:r>
-            <a:endParaRPr lang="fa-IR" dirty="0">
-              <a:cs typeface="B Nazanin" panose="00000400000000000000" pitchFamily="2" charset="-78"/>
-            </a:endParaRPr>
-          </a:p>
-          <a:p>
-            <a:pPr algn="r" rtl="1"/>
-            <a:r>
-              <a:rPr lang="fa-IR" dirty="0">
-                <a:cs typeface="B Nazanin" panose="00000400000000000000" pitchFamily="2" charset="-78"/>
-              </a:rPr>
-              <a:t>در افزونه   </a:t>
-            </a:r>
-            <a:r>
-              <a:rPr lang="en-US" dirty="0">
-                <a:cs typeface="B Nazanin" panose="00000400000000000000" pitchFamily="2" charset="-78"/>
-              </a:rPr>
-              <a:t>  </a:t>
-            </a:r>
-            <a:r>
-              <a:rPr lang="fa-IR" dirty="0">
-                <a:cs typeface="B Nazanin" panose="00000400000000000000" pitchFamily="2" charset="-78"/>
-              </a:rPr>
-              <a:t>ام از فاز </a:t>
-            </a:r>
-            <a:r>
-              <a:rPr lang="en-US" dirty="0">
-                <a:cs typeface="B Nazanin" panose="00000400000000000000" pitchFamily="2" charset="-78"/>
-              </a:rPr>
-              <a:t> </a:t>
-            </a:r>
-            <a:r>
-              <a:rPr lang="fa-IR" dirty="0">
-                <a:cs typeface="B Nazanin" panose="00000400000000000000" pitchFamily="2" charset="-78"/>
-              </a:rPr>
-              <a:t>         ام.</a:t>
-            </a:r>
-            <a:r>
-              <a:rPr lang="en-US" dirty="0">
-                <a:cs typeface="B Nazanin" panose="00000400000000000000" pitchFamily="2" charset="-78"/>
-              </a:rPr>
-              <a:t>  </a:t>
-            </a:r>
-            <a:r>
-              <a:rPr lang="fa-IR" dirty="0">
-                <a:cs typeface="B Nazanin" panose="00000400000000000000" pitchFamily="2" charset="-78"/>
-              </a:rPr>
-              <a:t>اول انتهای مسیر برچسب گذاری شده با </a:t>
-            </a:r>
-          </a:p>
-          <a:p>
-            <a:pPr algn="r" rtl="1"/>
-            <a:r>
-              <a:rPr lang="fa-IR" dirty="0">
-                <a:cs typeface="B Nazanin" panose="00000400000000000000" pitchFamily="2" charset="-78"/>
-              </a:rPr>
-              <a:t>و در ادامه کاراکتر </a:t>
-            </a:r>
-            <a:r>
-              <a:rPr lang="en-US" dirty="0">
-                <a:cs typeface="B Nazanin" panose="00000400000000000000" pitchFamily="2" charset="-78"/>
-              </a:rPr>
-              <a:t>           </a:t>
-            </a:r>
-            <a:r>
-              <a:rPr lang="fa-IR" dirty="0">
-                <a:cs typeface="B Nazanin" panose="00000400000000000000" pitchFamily="2" charset="-78"/>
-              </a:rPr>
-              <a:t>   را به این برچسب اضافه میکند.</a:t>
-            </a:r>
-          </a:p>
-          <a:p>
-            <a:pPr algn="r" rtl="1"/>
-            <a:endParaRPr lang="fa-IR" dirty="0">
-              <a:cs typeface="B Nazanin" panose="00000400000000000000" pitchFamily="2" charset="-78"/>
-            </a:endParaRPr>
-          </a:p>
-          <a:p>
-            <a:pPr algn="r" rtl="1"/>
-            <a:r>
-              <a:rPr lang="fa-IR" dirty="0">
-                <a:cs typeface="B Nazanin" panose="00000400000000000000" pitchFamily="2" charset="-78"/>
-              </a:rPr>
-              <a:t>به طور خلاصه داریم:  </a:t>
-            </a:r>
-          </a:p>
-          <a:p>
-            <a:pPr algn="r" rtl="1"/>
-            <a:r>
-              <a:rPr lang="en-US" dirty="0">
-                <a:cs typeface="B Nazanin" panose="00000400000000000000" pitchFamily="2" charset="-78"/>
-              </a:rPr>
-              <a:t>  </a:t>
-            </a:r>
-            <a:endParaRPr lang="fa-IR" dirty="0">
-              <a:cs typeface="B Nazanin" panose="00000400000000000000" pitchFamily="2" charset="-78"/>
-            </a:endParaRPr>
-          </a:p>
-          <a:p>
-            <a:pPr algn="r" rtl="1"/>
-            <a:r>
-              <a:rPr lang="fa-IR" dirty="0">
-                <a:cs typeface="B Nazanin" panose="00000400000000000000" pitchFamily="2" charset="-78"/>
-              </a:rPr>
-              <a:t> </a:t>
-            </a:r>
-          </a:p>
-        </p:txBody>
-      </p:sp>
-      <p:graphicFrame>
-        <p:nvGraphicFramePr>
-          <p:cNvPr id="4" name="Object 3">
-            <a:extLst>
-              <a:ext uri="{FF2B5EF4-FFF2-40B4-BE49-F238E27FC236}">
-                <a16:creationId xmlns:a16="http://schemas.microsoft.com/office/drawing/2014/main" id="{53A09B86-9E67-4439-AE9E-2C16C160A5B8}"/>
-              </a:ext>
-            </a:extLst>
-          </p:cNvPr>
-          <p:cNvGraphicFramePr>
-            <a:graphicFrameLocks noChangeAspect="1"/>
-          </p:cNvGraphicFramePr>
-          <p:nvPr>
-            <p:extLst>
-              <p:ext uri="{D42A27DB-BD31-4B8C-83A1-F6EECF244321}">
-                <p14:modId xmlns:p14="http://schemas.microsoft.com/office/powerpoint/2010/main" val="457034167"/>
-              </p:ext>
-            </p:extLst>
-          </p:nvPr>
-        </p:nvGraphicFramePr>
-        <p:xfrm>
-          <a:off x="7964943" y="1814249"/>
-          <a:ext cx="279400" cy="457200"/>
-        </p:xfrm>
-        <a:graphic>
-          <a:graphicData uri="http://schemas.openxmlformats.org/presentationml/2006/ole">
-            <mc:AlternateContent xmlns:mc="http://schemas.openxmlformats.org/markup-compatibility/2006">
-              <mc:Choice xmlns:v="urn:schemas-microsoft-com:vml" Requires="v">
-                <p:oleObj spid="_x0000_s6249" name="Equation" r:id="rId3" imgW="139680" imgH="228600" progId="Equation.DSMT4">
-                  <p:embed/>
-                </p:oleObj>
-              </mc:Choice>
-              <mc:Fallback>
-                <p:oleObj name="Equation" r:id="rId3" imgW="139680" imgH="228600" progId="Equation.DSMT4">
-                  <p:embed/>
-                  <p:pic>
-                    <p:nvPicPr>
-                      <p:cNvPr id="0" name=""/>
-                      <p:cNvPicPr/>
-                      <p:nvPr/>
-                    </p:nvPicPr>
-                    <p:blipFill>
-                      <a:blip r:embed="rId4"/>
-                      <a:stretch>
-                        <a:fillRect/>
-                      </a:stretch>
-                    </p:blipFill>
-                    <p:spPr>
-                      <a:xfrm>
-                        <a:off x="7964943" y="1814249"/>
-                        <a:ext cx="279400" cy="457200"/>
-                      </a:xfrm>
-                      <a:prstGeom prst="rect">
-                        <a:avLst/>
-                      </a:prstGeom>
-                    </p:spPr>
-                  </p:pic>
-                </p:oleObj>
-              </mc:Fallback>
-            </mc:AlternateContent>
-          </a:graphicData>
-        </a:graphic>
-      </p:graphicFrame>
-      <p:graphicFrame>
-        <p:nvGraphicFramePr>
-          <p:cNvPr id="9" name="Object 8">
-            <a:extLst>
-              <a:ext uri="{FF2B5EF4-FFF2-40B4-BE49-F238E27FC236}">
-                <a16:creationId xmlns:a16="http://schemas.microsoft.com/office/drawing/2014/main" id="{896DCEE7-79E4-4C8E-BA6D-29F22EC4A702}"/>
-              </a:ext>
-            </a:extLst>
-          </p:cNvPr>
-          <p:cNvGraphicFramePr>
-            <a:graphicFrameLocks noChangeAspect="1"/>
-          </p:cNvGraphicFramePr>
-          <p:nvPr>
-            <p:extLst>
-              <p:ext uri="{D42A27DB-BD31-4B8C-83A1-F6EECF244321}">
-                <p14:modId xmlns:p14="http://schemas.microsoft.com/office/powerpoint/2010/main" val="4131090544"/>
-              </p:ext>
-            </p:extLst>
-          </p:nvPr>
-        </p:nvGraphicFramePr>
-        <p:xfrm>
-          <a:off x="5728514" y="1891243"/>
-          <a:ext cx="795932" cy="303212"/>
-        </p:xfrm>
-        <a:graphic>
-          <a:graphicData uri="http://schemas.openxmlformats.org/presentationml/2006/ole">
-            <mc:AlternateContent xmlns:mc="http://schemas.openxmlformats.org/markup-compatibility/2006">
-              <mc:Choice xmlns:v="urn:schemas-microsoft-com:vml" Requires="v">
-                <p:oleObj spid="_x0000_s6250" name="Equation" r:id="rId5" imgW="533160" imgH="203040" progId="Equation.DSMT4">
-                  <p:embed/>
-                </p:oleObj>
-              </mc:Choice>
-              <mc:Fallback>
-                <p:oleObj name="Equation" r:id="rId5" imgW="533160" imgH="203040" progId="Equation.DSMT4">
-                  <p:embed/>
-                  <p:pic>
-                    <p:nvPicPr>
-                      <p:cNvPr id="0" name=""/>
-                      <p:cNvPicPr/>
-                      <p:nvPr/>
-                    </p:nvPicPr>
-                    <p:blipFill>
-                      <a:blip r:embed="rId6"/>
-                      <a:stretch>
-                        <a:fillRect/>
-                      </a:stretch>
-                    </p:blipFill>
-                    <p:spPr>
-                      <a:xfrm>
-                        <a:off x="5728514" y="1891243"/>
-                        <a:ext cx="795932" cy="303212"/>
-                      </a:xfrm>
-                      <a:prstGeom prst="rect">
-                        <a:avLst/>
-                      </a:prstGeom>
-                    </p:spPr>
-                  </p:pic>
-                </p:oleObj>
-              </mc:Fallback>
-            </mc:AlternateContent>
-          </a:graphicData>
-        </a:graphic>
-      </p:graphicFrame>
-      <p:graphicFrame>
-        <p:nvGraphicFramePr>
-          <p:cNvPr id="10" name="Object 9">
-            <a:extLst>
-              <a:ext uri="{FF2B5EF4-FFF2-40B4-BE49-F238E27FC236}">
-                <a16:creationId xmlns:a16="http://schemas.microsoft.com/office/drawing/2014/main" id="{A37C5C08-A080-4872-944B-7280BED017CE}"/>
-              </a:ext>
-            </a:extLst>
-          </p:cNvPr>
-          <p:cNvGraphicFramePr>
-            <a:graphicFrameLocks noChangeAspect="1"/>
-          </p:cNvGraphicFramePr>
-          <p:nvPr>
-            <p:extLst>
-              <p:ext uri="{D42A27DB-BD31-4B8C-83A1-F6EECF244321}">
-                <p14:modId xmlns:p14="http://schemas.microsoft.com/office/powerpoint/2010/main" val="785731968"/>
-              </p:ext>
-            </p:extLst>
-          </p:nvPr>
-        </p:nvGraphicFramePr>
-        <p:xfrm>
-          <a:off x="10563404" y="2271449"/>
-          <a:ext cx="397966" cy="397966"/>
-        </p:xfrm>
-        <a:graphic>
-          <a:graphicData uri="http://schemas.openxmlformats.org/presentationml/2006/ole">
-            <mc:AlternateContent xmlns:mc="http://schemas.openxmlformats.org/markup-compatibility/2006">
-              <mc:Choice xmlns:v="urn:schemas-microsoft-com:vml" Requires="v">
-                <p:oleObj spid="_x0000_s6251" name="Equation" r:id="rId7" imgW="228600" imgH="228600" progId="Equation.DSMT4">
-                  <p:embed/>
-                </p:oleObj>
-              </mc:Choice>
-              <mc:Fallback>
-                <p:oleObj name="Equation" r:id="rId7" imgW="228600" imgH="228600" progId="Equation.DSMT4">
-                  <p:embed/>
-                  <p:pic>
-                    <p:nvPicPr>
-                      <p:cNvPr id="0" name=""/>
-                      <p:cNvPicPr/>
-                      <p:nvPr/>
-                    </p:nvPicPr>
-                    <p:blipFill>
-                      <a:blip r:embed="rId8"/>
-                      <a:stretch>
-                        <a:fillRect/>
-                      </a:stretch>
-                    </p:blipFill>
-                    <p:spPr>
-                      <a:xfrm>
-                        <a:off x="10563404" y="2271449"/>
-                        <a:ext cx="397966" cy="397966"/>
-                      </a:xfrm>
-                      <a:prstGeom prst="rect">
-                        <a:avLst/>
-                      </a:prstGeom>
-                    </p:spPr>
-                  </p:pic>
-                </p:oleObj>
-              </mc:Fallback>
-            </mc:AlternateContent>
-          </a:graphicData>
-        </a:graphic>
-      </p:graphicFrame>
-      <p:graphicFrame>
-        <p:nvGraphicFramePr>
-          <p:cNvPr id="11" name="Object 10">
-            <a:extLst>
-              <a:ext uri="{FF2B5EF4-FFF2-40B4-BE49-F238E27FC236}">
-                <a16:creationId xmlns:a16="http://schemas.microsoft.com/office/drawing/2014/main" id="{8D32DA67-6660-4D9D-9BE3-3E026BAD9087}"/>
-              </a:ext>
-            </a:extLst>
-          </p:cNvPr>
-          <p:cNvGraphicFramePr>
-            <a:graphicFrameLocks noChangeAspect="1"/>
-          </p:cNvGraphicFramePr>
-          <p:nvPr>
-            <p:extLst>
-              <p:ext uri="{D42A27DB-BD31-4B8C-83A1-F6EECF244321}">
-                <p14:modId xmlns:p14="http://schemas.microsoft.com/office/powerpoint/2010/main" val="335520299"/>
-              </p:ext>
-            </p:extLst>
-          </p:nvPr>
-        </p:nvGraphicFramePr>
-        <p:xfrm>
-          <a:off x="10002838" y="2255203"/>
-          <a:ext cx="280987" cy="457200"/>
-        </p:xfrm>
-        <a:graphic>
-          <a:graphicData uri="http://schemas.openxmlformats.org/presentationml/2006/ole">
-            <mc:AlternateContent xmlns:mc="http://schemas.openxmlformats.org/markup-compatibility/2006">
-              <mc:Choice xmlns:v="urn:schemas-microsoft-com:vml" Requires="v">
-                <p:oleObj spid="_x0000_s6252" name="Equation" r:id="rId9" imgW="280670" imgH="457495" progId="Equation.DSMT4">
-                  <p:embed/>
-                </p:oleObj>
-              </mc:Choice>
-              <mc:Fallback>
-                <p:oleObj name="Equation" r:id="rId9" imgW="280670" imgH="457495" progId="Equation.DSMT4">
-                  <p:embed/>
-                  <p:pic>
-                    <p:nvPicPr>
-                      <p:cNvPr id="0" name=""/>
-                      <p:cNvPicPr/>
-                      <p:nvPr/>
-                    </p:nvPicPr>
-                    <p:blipFill>
-                      <a:blip r:embed="rId10"/>
-                      <a:stretch>
-                        <a:fillRect/>
-                      </a:stretch>
-                    </p:blipFill>
-                    <p:spPr>
-                      <a:xfrm>
-                        <a:off x="10002838" y="2255203"/>
-                        <a:ext cx="280987" cy="457200"/>
-                      </a:xfrm>
-                      <a:prstGeom prst="rect">
-                        <a:avLst/>
-                      </a:prstGeom>
-                    </p:spPr>
-                  </p:pic>
-                </p:oleObj>
-              </mc:Fallback>
-            </mc:AlternateContent>
-          </a:graphicData>
-        </a:graphic>
-      </p:graphicFrame>
-      <p:graphicFrame>
-        <p:nvGraphicFramePr>
-          <p:cNvPr id="12" name="Object 11">
-            <a:extLst>
-              <a:ext uri="{FF2B5EF4-FFF2-40B4-BE49-F238E27FC236}">
-                <a16:creationId xmlns:a16="http://schemas.microsoft.com/office/drawing/2014/main" id="{9BBD3135-9226-4CD1-9578-D7C89E1C3F93}"/>
-              </a:ext>
-            </a:extLst>
-          </p:cNvPr>
-          <p:cNvGraphicFramePr>
-            <a:graphicFrameLocks noChangeAspect="1"/>
-          </p:cNvGraphicFramePr>
-          <p:nvPr>
-            <p:extLst>
-              <p:ext uri="{D42A27DB-BD31-4B8C-83A1-F6EECF244321}">
-                <p14:modId xmlns:p14="http://schemas.microsoft.com/office/powerpoint/2010/main" val="3738448134"/>
-              </p:ext>
-            </p:extLst>
-          </p:nvPr>
-        </p:nvGraphicFramePr>
-        <p:xfrm>
-          <a:off x="6096000" y="2302829"/>
-          <a:ext cx="317500" cy="408214"/>
-        </p:xfrm>
-        <a:graphic>
-          <a:graphicData uri="http://schemas.openxmlformats.org/presentationml/2006/ole">
-            <mc:AlternateContent xmlns:mc="http://schemas.openxmlformats.org/markup-compatibility/2006">
-              <mc:Choice xmlns:v="urn:schemas-microsoft-com:vml" Requires="v">
-                <p:oleObj spid="_x0000_s6253" name="Equation" r:id="rId11" imgW="177480" imgH="228600" progId="Equation.DSMT4">
-                  <p:embed/>
-                </p:oleObj>
-              </mc:Choice>
-              <mc:Fallback>
-                <p:oleObj name="Equation" r:id="rId11" imgW="177480" imgH="228600" progId="Equation.DSMT4">
-                  <p:embed/>
-                  <p:pic>
-                    <p:nvPicPr>
-                      <p:cNvPr id="0" name=""/>
-                      <p:cNvPicPr/>
-                      <p:nvPr/>
-                    </p:nvPicPr>
-                    <p:blipFill>
-                      <a:blip r:embed="rId12"/>
-                      <a:stretch>
-                        <a:fillRect/>
-                      </a:stretch>
-                    </p:blipFill>
-                    <p:spPr>
-                      <a:xfrm>
-                        <a:off x="6096000" y="2302829"/>
-                        <a:ext cx="317500" cy="408214"/>
-                      </a:xfrm>
-                      <a:prstGeom prst="rect">
-                        <a:avLst/>
-                      </a:prstGeom>
-                    </p:spPr>
-                  </p:pic>
-                </p:oleObj>
-              </mc:Fallback>
-            </mc:AlternateContent>
-          </a:graphicData>
-        </a:graphic>
-      </p:graphicFrame>
-      <p:graphicFrame>
-        <p:nvGraphicFramePr>
-          <p:cNvPr id="13" name="Object 12">
-            <a:extLst>
-              <a:ext uri="{FF2B5EF4-FFF2-40B4-BE49-F238E27FC236}">
-                <a16:creationId xmlns:a16="http://schemas.microsoft.com/office/drawing/2014/main" id="{A54AF102-4AD3-4B0F-8708-058201C0F31D}"/>
-              </a:ext>
-            </a:extLst>
-          </p:cNvPr>
-          <p:cNvGraphicFramePr>
-            <a:graphicFrameLocks noChangeAspect="1"/>
-          </p:cNvGraphicFramePr>
-          <p:nvPr>
-            <p:extLst>
-              <p:ext uri="{D42A27DB-BD31-4B8C-83A1-F6EECF244321}">
-                <p14:modId xmlns:p14="http://schemas.microsoft.com/office/powerpoint/2010/main" val="446247274"/>
-              </p:ext>
-            </p:extLst>
-          </p:nvPr>
-        </p:nvGraphicFramePr>
-        <p:xfrm>
-          <a:off x="3440297" y="2307953"/>
-          <a:ext cx="284005" cy="361462"/>
-        </p:xfrm>
-        <a:graphic>
-          <a:graphicData uri="http://schemas.openxmlformats.org/presentationml/2006/ole">
-            <mc:AlternateContent xmlns:mc="http://schemas.openxmlformats.org/markup-compatibility/2006">
-              <mc:Choice xmlns:v="urn:schemas-microsoft-com:vml" Requires="v">
-                <p:oleObj spid="_x0000_s6254" name="Equation" r:id="rId13" imgW="139680" imgH="177480" progId="Equation.DSMT4">
-                  <p:embed/>
-                </p:oleObj>
-              </mc:Choice>
-              <mc:Fallback>
-                <p:oleObj name="Equation" r:id="rId13" imgW="139680" imgH="177480" progId="Equation.DSMT4">
-                  <p:embed/>
-                  <p:pic>
-                    <p:nvPicPr>
-                      <p:cNvPr id="0" name=""/>
-                      <p:cNvPicPr/>
-                      <p:nvPr/>
-                    </p:nvPicPr>
-                    <p:blipFill>
-                      <a:blip r:embed="rId14"/>
-                      <a:stretch>
-                        <a:fillRect/>
-                      </a:stretch>
-                    </p:blipFill>
-                    <p:spPr>
-                      <a:xfrm>
-                        <a:off x="3440297" y="2307953"/>
-                        <a:ext cx="284005" cy="361462"/>
-                      </a:xfrm>
-                      <a:prstGeom prst="rect">
-                        <a:avLst/>
-                      </a:prstGeom>
-                    </p:spPr>
-                  </p:pic>
-                </p:oleObj>
-              </mc:Fallback>
-            </mc:AlternateContent>
-          </a:graphicData>
-        </a:graphic>
-      </p:graphicFrame>
-      <p:graphicFrame>
-        <p:nvGraphicFramePr>
-          <p:cNvPr id="14" name="Object 13">
-            <a:extLst>
-              <a:ext uri="{FF2B5EF4-FFF2-40B4-BE49-F238E27FC236}">
-                <a16:creationId xmlns:a16="http://schemas.microsoft.com/office/drawing/2014/main" id="{0752B88C-BD09-48AE-8B0E-E797EE3051A1}"/>
-              </a:ext>
-            </a:extLst>
-          </p:cNvPr>
-          <p:cNvGraphicFramePr>
-            <a:graphicFrameLocks noChangeAspect="1"/>
-          </p:cNvGraphicFramePr>
-          <p:nvPr>
-            <p:extLst>
-              <p:ext uri="{D42A27DB-BD31-4B8C-83A1-F6EECF244321}">
-                <p14:modId xmlns:p14="http://schemas.microsoft.com/office/powerpoint/2010/main" val="1333701518"/>
-              </p:ext>
-            </p:extLst>
-          </p:nvPr>
-        </p:nvGraphicFramePr>
-        <p:xfrm>
-          <a:off x="10144125" y="3090449"/>
-          <a:ext cx="279400" cy="338551"/>
-        </p:xfrm>
-        <a:graphic>
-          <a:graphicData uri="http://schemas.openxmlformats.org/presentationml/2006/ole">
-            <mc:AlternateContent xmlns:mc="http://schemas.openxmlformats.org/markup-compatibility/2006">
-              <mc:Choice xmlns:v="urn:schemas-microsoft-com:vml" Requires="v">
-                <p:oleObj spid="_x0000_s6255" name="Equation" r:id="rId15" imgW="126720" imgH="190440" progId="Equation.DSMT4">
-                  <p:embed/>
-                </p:oleObj>
-              </mc:Choice>
-              <mc:Fallback>
-                <p:oleObj name="Equation" r:id="rId15" imgW="126720" imgH="190440" progId="Equation.DSMT4">
-                  <p:embed/>
-                  <p:pic>
-                    <p:nvPicPr>
-                      <p:cNvPr id="0" name=""/>
-                      <p:cNvPicPr/>
-                      <p:nvPr/>
-                    </p:nvPicPr>
-                    <p:blipFill>
-                      <a:blip r:embed="rId16"/>
-                      <a:stretch>
-                        <a:fillRect/>
-                      </a:stretch>
-                    </p:blipFill>
-                    <p:spPr>
-                      <a:xfrm>
-                        <a:off x="10144125" y="3090449"/>
-                        <a:ext cx="279400" cy="338551"/>
-                      </a:xfrm>
-                      <a:prstGeom prst="rect">
-                        <a:avLst/>
-                      </a:prstGeom>
-                    </p:spPr>
-                  </p:pic>
-                </p:oleObj>
-              </mc:Fallback>
-            </mc:AlternateContent>
-          </a:graphicData>
-        </a:graphic>
-      </p:graphicFrame>
-      <p:graphicFrame>
-        <p:nvGraphicFramePr>
-          <p:cNvPr id="15" name="Object 14">
-            <a:extLst>
-              <a:ext uri="{FF2B5EF4-FFF2-40B4-BE49-F238E27FC236}">
-                <a16:creationId xmlns:a16="http://schemas.microsoft.com/office/drawing/2014/main" id="{F1563C53-FF19-4D62-B807-459C057EB5F6}"/>
-              </a:ext>
-            </a:extLst>
-          </p:cNvPr>
-          <p:cNvGraphicFramePr>
-            <a:graphicFrameLocks noChangeAspect="1"/>
-          </p:cNvGraphicFramePr>
-          <p:nvPr>
-            <p:extLst>
-              <p:ext uri="{D42A27DB-BD31-4B8C-83A1-F6EECF244321}">
-                <p14:modId xmlns:p14="http://schemas.microsoft.com/office/powerpoint/2010/main" val="2372435599"/>
-              </p:ext>
-            </p:extLst>
-          </p:nvPr>
-        </p:nvGraphicFramePr>
-        <p:xfrm>
-          <a:off x="8907145" y="3019425"/>
-          <a:ext cx="504825" cy="321252"/>
-        </p:xfrm>
-        <a:graphic>
-          <a:graphicData uri="http://schemas.openxmlformats.org/presentationml/2006/ole">
-            <mc:AlternateContent xmlns:mc="http://schemas.openxmlformats.org/markup-compatibility/2006">
-              <mc:Choice xmlns:v="urn:schemas-microsoft-com:vml" Requires="v">
-                <p:oleObj spid="_x0000_s6256" name="Equation" r:id="rId17" imgW="279360" imgH="177480" progId="Equation.DSMT4">
-                  <p:embed/>
-                </p:oleObj>
-              </mc:Choice>
-              <mc:Fallback>
-                <p:oleObj name="Equation" r:id="rId17" imgW="279360" imgH="177480" progId="Equation.DSMT4">
-                  <p:embed/>
-                  <p:pic>
-                    <p:nvPicPr>
-                      <p:cNvPr id="0" name=""/>
-                      <p:cNvPicPr/>
-                      <p:nvPr/>
-                    </p:nvPicPr>
-                    <p:blipFill>
-                      <a:blip r:embed="rId18"/>
-                      <a:stretch>
-                        <a:fillRect/>
-                      </a:stretch>
-                    </p:blipFill>
-                    <p:spPr>
-                      <a:xfrm>
-                        <a:off x="8907145" y="3019425"/>
-                        <a:ext cx="504825" cy="321252"/>
-                      </a:xfrm>
-                      <a:prstGeom prst="rect">
-                        <a:avLst/>
-                      </a:prstGeom>
-                    </p:spPr>
-                  </p:pic>
-                </p:oleObj>
-              </mc:Fallback>
-            </mc:AlternateContent>
-          </a:graphicData>
-        </a:graphic>
-      </p:graphicFrame>
-      <p:graphicFrame>
-        <p:nvGraphicFramePr>
-          <p:cNvPr id="16" name="Object 15">
-            <a:extLst>
-              <a:ext uri="{FF2B5EF4-FFF2-40B4-BE49-F238E27FC236}">
-                <a16:creationId xmlns:a16="http://schemas.microsoft.com/office/drawing/2014/main" id="{53B4685E-E0A1-4B11-B6A3-29F6174F2B21}"/>
-              </a:ext>
-            </a:extLst>
-          </p:cNvPr>
-          <p:cNvGraphicFramePr>
-            <a:graphicFrameLocks noChangeAspect="1"/>
-          </p:cNvGraphicFramePr>
-          <p:nvPr>
-            <p:extLst>
-              <p:ext uri="{D42A27DB-BD31-4B8C-83A1-F6EECF244321}">
-                <p14:modId xmlns:p14="http://schemas.microsoft.com/office/powerpoint/2010/main" val="12081399"/>
-              </p:ext>
-            </p:extLst>
-          </p:nvPr>
-        </p:nvGraphicFramePr>
-        <p:xfrm>
-          <a:off x="4534519" y="3019425"/>
-          <a:ext cx="952175" cy="338551"/>
-        </p:xfrm>
-        <a:graphic>
-          <a:graphicData uri="http://schemas.openxmlformats.org/presentationml/2006/ole">
-            <mc:AlternateContent xmlns:mc="http://schemas.openxmlformats.org/markup-compatibility/2006">
-              <mc:Choice xmlns:v="urn:schemas-microsoft-com:vml" Requires="v">
-                <p:oleObj spid="_x0000_s6257" name="Equation" r:id="rId19" imgW="571320" imgH="203040" progId="Equation.DSMT4">
-                  <p:embed/>
-                </p:oleObj>
-              </mc:Choice>
-              <mc:Fallback>
-                <p:oleObj name="Equation" r:id="rId19" imgW="571320" imgH="203040" progId="Equation.DSMT4">
-                  <p:embed/>
-                  <p:pic>
-                    <p:nvPicPr>
-                      <p:cNvPr id="0" name=""/>
-                      <p:cNvPicPr/>
-                      <p:nvPr/>
-                    </p:nvPicPr>
-                    <p:blipFill>
-                      <a:blip r:embed="rId20"/>
-                      <a:stretch>
-                        <a:fillRect/>
-                      </a:stretch>
-                    </p:blipFill>
-                    <p:spPr>
-                      <a:xfrm>
-                        <a:off x="4534519" y="3019425"/>
-                        <a:ext cx="952175" cy="338551"/>
-                      </a:xfrm>
-                      <a:prstGeom prst="rect">
-                        <a:avLst/>
-                      </a:prstGeom>
-                    </p:spPr>
-                  </p:pic>
-                </p:oleObj>
-              </mc:Fallback>
-            </mc:AlternateContent>
-          </a:graphicData>
-        </a:graphic>
-      </p:graphicFrame>
-      <p:graphicFrame>
-        <p:nvGraphicFramePr>
-          <p:cNvPr id="17" name="Object 16">
-            <a:extLst>
-              <a:ext uri="{FF2B5EF4-FFF2-40B4-BE49-F238E27FC236}">
-                <a16:creationId xmlns:a16="http://schemas.microsoft.com/office/drawing/2014/main" id="{37F474C4-6F5B-426C-B5A1-2A128F0D95C2}"/>
-              </a:ext>
-            </a:extLst>
-          </p:cNvPr>
-          <p:cNvGraphicFramePr>
-            <a:graphicFrameLocks noChangeAspect="1"/>
-          </p:cNvGraphicFramePr>
-          <p:nvPr>
-            <p:extLst>
-              <p:ext uri="{D42A27DB-BD31-4B8C-83A1-F6EECF244321}">
-                <p14:modId xmlns:p14="http://schemas.microsoft.com/office/powerpoint/2010/main" val="1219661596"/>
-              </p:ext>
-            </p:extLst>
-          </p:nvPr>
-        </p:nvGraphicFramePr>
-        <p:xfrm>
-          <a:off x="8945066" y="3513228"/>
-          <a:ext cx="795931" cy="344186"/>
-        </p:xfrm>
-        <a:graphic>
-          <a:graphicData uri="http://schemas.openxmlformats.org/presentationml/2006/ole">
-            <mc:AlternateContent xmlns:mc="http://schemas.openxmlformats.org/markup-compatibility/2006">
-              <mc:Choice xmlns:v="urn:schemas-microsoft-com:vml" Requires="v">
-                <p:oleObj spid="_x0000_s6258" name="Equation" r:id="rId21" imgW="469800" imgH="203040" progId="Equation.DSMT4">
-                  <p:embed/>
-                </p:oleObj>
-              </mc:Choice>
-              <mc:Fallback>
-                <p:oleObj name="Equation" r:id="rId21" imgW="469800" imgH="203040" progId="Equation.DSMT4">
-                  <p:embed/>
-                  <p:pic>
-                    <p:nvPicPr>
-                      <p:cNvPr id="0" name=""/>
-                      <p:cNvPicPr/>
-                      <p:nvPr/>
-                    </p:nvPicPr>
-                    <p:blipFill>
-                      <a:blip r:embed="rId22"/>
-                      <a:stretch>
-                        <a:fillRect/>
-                      </a:stretch>
-                    </p:blipFill>
-                    <p:spPr>
-                      <a:xfrm>
-                        <a:off x="8945066" y="3513228"/>
-                        <a:ext cx="795931" cy="344186"/>
-                      </a:xfrm>
-                      <a:prstGeom prst="rect">
-                        <a:avLst/>
-                      </a:prstGeom>
-                    </p:spPr>
-                  </p:pic>
-                </p:oleObj>
-              </mc:Fallback>
-            </mc:AlternateContent>
-          </a:graphicData>
-        </a:graphic>
-      </p:graphicFrame>
-      <p:pic>
-        <p:nvPicPr>
-          <p:cNvPr id="19" name="Picture 18">
-            <a:extLst>
-              <a:ext uri="{FF2B5EF4-FFF2-40B4-BE49-F238E27FC236}">
-                <a16:creationId xmlns:a16="http://schemas.microsoft.com/office/drawing/2014/main" id="{4C16E600-3D32-42A0-ADD1-884CA243504B}"/>
-              </a:ext>
-            </a:extLst>
-          </p:cNvPr>
-          <p:cNvPicPr>
-            <a:picLocks noChangeAspect="1"/>
-          </p:cNvPicPr>
-          <p:nvPr/>
-        </p:nvPicPr>
-        <p:blipFill>
-          <a:blip r:embed="rId23">
-            <a:extLst>
-              <a:ext uri="{28A0092B-C50C-407E-A947-70E740481C1C}">
-                <a14:useLocalDpi xmlns:a14="http://schemas.microsoft.com/office/drawing/2010/main" val="0"/>
-              </a:ext>
-            </a:extLst>
-          </a:blip>
-          <a:stretch>
-            <a:fillRect/>
-          </a:stretch>
-        </p:blipFill>
-        <p:spPr>
-          <a:xfrm>
-            <a:off x="46885" y="3513228"/>
-            <a:ext cx="6477561" cy="2690093"/>
-          </a:xfrm>
-          <a:prstGeom prst="rect">
-            <a:avLst/>
-          </a:prstGeom>
-        </p:spPr>
-      </p:pic>
-    </p:spTree>
-    <p:extLst>
-      <p:ext uri="{BB962C8B-B14F-4D97-AF65-F5344CB8AC3E}">
-        <p14:creationId xmlns:p14="http://schemas.microsoft.com/office/powerpoint/2010/main" val="1375869342"/>
-      </p:ext>
-    </p:extLst>
-  </p:cSld>
-  <p:clrMapOvr>
-    <a:masterClrMapping/>
-  </p:clrMapOvr>
-  <mc:AlternateContent xmlns:mc="http://schemas.openxmlformats.org/markup-compatibility/2006">
-    <mc:Choice xmlns:p14="http://schemas.microsoft.com/office/powerpoint/2010/main" Requires="p14">
-      <p:transition spd="slow" p14:dur="3400">
-        <p14:reveal/>
-      </p:transition>
-    </mc:Choice>
-    <mc:Fallback>
       <p:transition spd="slow">
         <p:fade/>
       </p:transition>

--- a/slides/persian/Suffix Tree.pptx
+++ b/slides/persian/Suffix Tree.pptx
@@ -16,11 +16,12 @@
     <p:sldId id="265" r:id="rId10"/>
     <p:sldId id="266" r:id="rId11"/>
     <p:sldId id="267" r:id="rId12"/>
-    <p:sldId id="278" r:id="rId13"/>
-    <p:sldId id="270" r:id="rId14"/>
-    <p:sldId id="274" r:id="rId15"/>
-    <p:sldId id="272" r:id="rId16"/>
-    <p:sldId id="276" r:id="rId17"/>
+    <p:sldId id="279" r:id="rId13"/>
+    <p:sldId id="278" r:id="rId14"/>
+    <p:sldId id="270" r:id="rId15"/>
+    <p:sldId id="274" r:id="rId16"/>
+    <p:sldId id="272" r:id="rId17"/>
+    <p:sldId id="276" r:id="rId18"/>
   </p:sldIdLst>
   <p:sldSz cx="12192000" cy="6858000"/>
   <p:notesSz cx="6858000" cy="9144000"/>
@@ -139,6 +140,7 @@
             <p14:sldId id="265"/>
             <p14:sldId id="266"/>
             <p14:sldId id="267"/>
+            <p14:sldId id="279"/>
             <p14:sldId id="278"/>
             <p14:sldId id="270"/>
             <p14:sldId id="274"/>
@@ -795,7 +797,7 @@
           <a:p>
             <a:fld id="{EA636227-4E37-4851-ADCE-8B8AC33C39BB}" type="datetimeFigureOut">
               <a:rPr lang="en-US" smtClean="0"/>
-              <a:t>12/17/2021</a:t>
+              <a:t>12/23/2021</a:t>
             </a:fld>
             <a:endParaRPr lang="en-US"/>
           </a:p>
@@ -1003,7 +1005,7 @@
           <a:p>
             <a:fld id="{EA636227-4E37-4851-ADCE-8B8AC33C39BB}" type="datetimeFigureOut">
               <a:rPr lang="en-US" smtClean="0"/>
-              <a:t>12/17/2021</a:t>
+              <a:t>12/23/2021</a:t>
             </a:fld>
             <a:endParaRPr lang="en-US"/>
           </a:p>
@@ -1259,7 +1261,7 @@
           <a:p>
             <a:fld id="{EA636227-4E37-4851-ADCE-8B8AC33C39BB}" type="datetimeFigureOut">
               <a:rPr lang="en-US" smtClean="0"/>
-              <a:t>12/17/2021</a:t>
+              <a:t>12/23/2021</a:t>
             </a:fld>
             <a:endParaRPr lang="en-US"/>
           </a:p>
@@ -1429,7 +1431,7 @@
           <a:p>
             <a:fld id="{EA636227-4E37-4851-ADCE-8B8AC33C39BB}" type="datetimeFigureOut">
               <a:rPr lang="en-US" smtClean="0"/>
-              <a:t>12/17/2021</a:t>
+              <a:t>12/23/2021</a:t>
             </a:fld>
             <a:endParaRPr lang="en-US"/>
           </a:p>
@@ -1772,7 +1774,7 @@
           <a:p>
             <a:fld id="{EA636227-4E37-4851-ADCE-8B8AC33C39BB}" type="datetimeFigureOut">
               <a:rPr lang="en-US" smtClean="0"/>
-              <a:t>12/17/2021</a:t>
+              <a:t>12/23/2021</a:t>
             </a:fld>
             <a:endParaRPr lang="en-US"/>
           </a:p>
@@ -2047,7 +2049,7 @@
           <a:p>
             <a:fld id="{EA636227-4E37-4851-ADCE-8B8AC33C39BB}" type="datetimeFigureOut">
               <a:rPr lang="en-US" smtClean="0"/>
-              <a:t>12/17/2021</a:t>
+              <a:t>12/23/2021</a:t>
             </a:fld>
             <a:endParaRPr lang="en-US"/>
           </a:p>
@@ -2426,7 +2428,7 @@
           <a:p>
             <a:fld id="{EA636227-4E37-4851-ADCE-8B8AC33C39BB}" type="datetimeFigureOut">
               <a:rPr lang="en-US" smtClean="0"/>
-              <a:t>12/17/2021</a:t>
+              <a:t>12/23/2021</a:t>
             </a:fld>
             <a:endParaRPr lang="en-US"/>
           </a:p>
@@ -2544,7 +2546,7 @@
           <a:p>
             <a:fld id="{EA636227-4E37-4851-ADCE-8B8AC33C39BB}" type="datetimeFigureOut">
               <a:rPr lang="en-US" smtClean="0"/>
-              <a:t>12/17/2021</a:t>
+              <a:t>12/23/2021</a:t>
             </a:fld>
             <a:endParaRPr lang="en-US"/>
           </a:p>
@@ -2715,7 +2717,7 @@
           <a:p>
             <a:fld id="{EA636227-4E37-4851-ADCE-8B8AC33C39BB}" type="datetimeFigureOut">
               <a:rPr lang="en-US" smtClean="0"/>
-              <a:t>12/17/2021</a:t>
+              <a:t>12/23/2021</a:t>
             </a:fld>
             <a:endParaRPr lang="en-US"/>
           </a:p>
@@ -3069,7 +3071,7 @@
           <a:p>
             <a:fld id="{EA636227-4E37-4851-ADCE-8B8AC33C39BB}" type="datetimeFigureOut">
               <a:rPr lang="en-US" smtClean="0"/>
-              <a:t>12/17/2021</a:t>
+              <a:t>12/23/2021</a:t>
             </a:fld>
             <a:endParaRPr lang="en-US"/>
           </a:p>
@@ -3446,7 +3448,7 @@
           <a:p>
             <a:fld id="{EA636227-4E37-4851-ADCE-8B8AC33C39BB}" type="datetimeFigureOut">
               <a:rPr lang="en-US" smtClean="0"/>
-              <a:t>12/17/2021</a:t>
+              <a:t>12/23/2021</a:t>
             </a:fld>
             <a:endParaRPr lang="en-US"/>
           </a:p>
@@ -3733,7 +3735,7 @@
           <a:p>
             <a:fld id="{EA636227-4E37-4851-ADCE-8B8AC33C39BB}" type="datetimeFigureOut">
               <a:rPr lang="en-US" smtClean="0"/>
-              <a:t>12/17/2021</a:t>
+              <a:t>12/23/2021</a:t>
             </a:fld>
             <a:endParaRPr lang="en-US"/>
           </a:p>
@@ -4647,7 +4649,7 @@
           <a:graphicData uri="http://schemas.openxmlformats.org/presentationml/2006/ole">
             <mc:AlternateContent xmlns:mc="http://schemas.openxmlformats.org/markup-compatibility/2006">
               <mc:Choice xmlns:v="urn:schemas-microsoft-com:vml" Requires="v">
-                <p:oleObj spid="_x0000_s5233" name="Equation" r:id="rId4" imgW="833734" imgH="343211" progId="Equation.DSMT4">
+                <p:oleObj spid="_x0000_s5248" name="Equation" r:id="rId4" imgW="833734" imgH="343211" progId="Equation.DSMT4">
                   <p:embed/>
                 </p:oleObj>
               </mc:Choice>
@@ -4710,7 +4712,7 @@
           <a:graphicData uri="http://schemas.openxmlformats.org/presentationml/2006/ole">
             <mc:AlternateContent xmlns:mc="http://schemas.openxmlformats.org/markup-compatibility/2006">
               <mc:Choice xmlns:v="urn:schemas-microsoft-com:vml" Requires="v">
-                <p:oleObj spid="_x0000_s5234" name="Equation" r:id="rId6" imgW="520560" imgH="177480" progId="Equation.DSMT4">
+                <p:oleObj spid="_x0000_s5249" name="Equation" r:id="rId6" imgW="520560" imgH="177480" progId="Equation.DSMT4">
                   <p:embed/>
                 </p:oleObj>
               </mc:Choice>
@@ -4773,7 +4775,7 @@
           <a:graphicData uri="http://schemas.openxmlformats.org/presentationml/2006/ole">
             <mc:AlternateContent xmlns:mc="http://schemas.openxmlformats.org/markup-compatibility/2006">
               <mc:Choice xmlns:v="urn:schemas-microsoft-com:vml" Requires="v">
-                <p:oleObj spid="_x0000_s5235" name="Equation" r:id="rId8" imgW="596880" imgH="177480" progId="Equation.DSMT4">
+                <p:oleObj spid="_x0000_s5250" name="Equation" r:id="rId8" imgW="596880" imgH="177480" progId="Equation.DSMT4">
                   <p:embed/>
                 </p:oleObj>
               </mc:Choice>
@@ -5115,7 +5117,7 @@
           <a:graphicData uri="http://schemas.openxmlformats.org/presentationml/2006/ole">
             <mc:AlternateContent xmlns:mc="http://schemas.openxmlformats.org/markup-compatibility/2006">
               <mc:Choice xmlns:v="urn:schemas-microsoft-com:vml" Requires="v">
-                <p:oleObj spid="_x0000_s6429" name="Equation" r:id="rId3" imgW="139680" imgH="228600" progId="Equation.DSMT4">
+                <p:oleObj spid="_x0000_s6479" name="Equation" r:id="rId3" imgW="139680" imgH="228600" progId="Equation.DSMT4">
                   <p:embed/>
                 </p:oleObj>
               </mc:Choice>
@@ -5178,7 +5180,7 @@
           <a:graphicData uri="http://schemas.openxmlformats.org/presentationml/2006/ole">
             <mc:AlternateContent xmlns:mc="http://schemas.openxmlformats.org/markup-compatibility/2006">
               <mc:Choice xmlns:v="urn:schemas-microsoft-com:vml" Requires="v">
-                <p:oleObj spid="_x0000_s6430" name="Equation" r:id="rId5" imgW="533160" imgH="203040" progId="Equation.DSMT4">
+                <p:oleObj spid="_x0000_s6480" name="Equation" r:id="rId5" imgW="533160" imgH="203040" progId="Equation.DSMT4">
                   <p:embed/>
                 </p:oleObj>
               </mc:Choice>
@@ -5241,7 +5243,7 @@
           <a:graphicData uri="http://schemas.openxmlformats.org/presentationml/2006/ole">
             <mc:AlternateContent xmlns:mc="http://schemas.openxmlformats.org/markup-compatibility/2006">
               <mc:Choice xmlns:v="urn:schemas-microsoft-com:vml" Requires="v">
-                <p:oleObj spid="_x0000_s6431" name="Equation" r:id="rId7" imgW="228600" imgH="228600" progId="Equation.DSMT4">
+                <p:oleObj spid="_x0000_s6481" name="Equation" r:id="rId7" imgW="228600" imgH="228600" progId="Equation.DSMT4">
                   <p:embed/>
                 </p:oleObj>
               </mc:Choice>
@@ -5304,7 +5306,7 @@
           <a:graphicData uri="http://schemas.openxmlformats.org/presentationml/2006/ole">
             <mc:AlternateContent xmlns:mc="http://schemas.openxmlformats.org/markup-compatibility/2006">
               <mc:Choice xmlns:v="urn:schemas-microsoft-com:vml" Requires="v">
-                <p:oleObj spid="_x0000_s6432" name="Equation" r:id="rId9" imgW="280670" imgH="457495" progId="Equation.DSMT4">
+                <p:oleObj spid="_x0000_s6482" name="Equation" r:id="rId9" imgW="280670" imgH="457495" progId="Equation.DSMT4">
                   <p:embed/>
                 </p:oleObj>
               </mc:Choice>
@@ -5367,7 +5369,7 @@
           <a:graphicData uri="http://schemas.openxmlformats.org/presentationml/2006/ole">
             <mc:AlternateContent xmlns:mc="http://schemas.openxmlformats.org/markup-compatibility/2006">
               <mc:Choice xmlns:v="urn:schemas-microsoft-com:vml" Requires="v">
-                <p:oleObj spid="_x0000_s6433" name="Equation" r:id="rId11" imgW="177480" imgH="228600" progId="Equation.DSMT4">
+                <p:oleObj spid="_x0000_s6483" name="Equation" r:id="rId11" imgW="177480" imgH="228600" progId="Equation.DSMT4">
                   <p:embed/>
                 </p:oleObj>
               </mc:Choice>
@@ -5430,7 +5432,7 @@
           <a:graphicData uri="http://schemas.openxmlformats.org/presentationml/2006/ole">
             <mc:AlternateContent xmlns:mc="http://schemas.openxmlformats.org/markup-compatibility/2006">
               <mc:Choice xmlns:v="urn:schemas-microsoft-com:vml" Requires="v">
-                <p:oleObj spid="_x0000_s6434" name="Equation" r:id="rId13" imgW="139680" imgH="177480" progId="Equation.DSMT4">
+                <p:oleObj spid="_x0000_s6484" name="Equation" r:id="rId13" imgW="139680" imgH="177480" progId="Equation.DSMT4">
                   <p:embed/>
                 </p:oleObj>
               </mc:Choice>
@@ -5493,7 +5495,7 @@
           <a:graphicData uri="http://schemas.openxmlformats.org/presentationml/2006/ole">
             <mc:AlternateContent xmlns:mc="http://schemas.openxmlformats.org/markup-compatibility/2006">
               <mc:Choice xmlns:v="urn:schemas-microsoft-com:vml" Requires="v">
-                <p:oleObj spid="_x0000_s6435" name="Equation" r:id="rId15" imgW="126720" imgH="190440" progId="Equation.DSMT4">
+                <p:oleObj spid="_x0000_s6485" name="Equation" r:id="rId15" imgW="126720" imgH="190440" progId="Equation.DSMT4">
                   <p:embed/>
                 </p:oleObj>
               </mc:Choice>
@@ -5556,7 +5558,7 @@
           <a:graphicData uri="http://schemas.openxmlformats.org/presentationml/2006/ole">
             <mc:AlternateContent xmlns:mc="http://schemas.openxmlformats.org/markup-compatibility/2006">
               <mc:Choice xmlns:v="urn:schemas-microsoft-com:vml" Requires="v">
-                <p:oleObj spid="_x0000_s6436" name="Equation" r:id="rId17" imgW="279360" imgH="177480" progId="Equation.DSMT4">
+                <p:oleObj spid="_x0000_s6486" name="Equation" r:id="rId17" imgW="279360" imgH="177480" progId="Equation.DSMT4">
                   <p:embed/>
                 </p:oleObj>
               </mc:Choice>
@@ -5619,7 +5621,7 @@
           <a:graphicData uri="http://schemas.openxmlformats.org/presentationml/2006/ole">
             <mc:AlternateContent xmlns:mc="http://schemas.openxmlformats.org/markup-compatibility/2006">
               <mc:Choice xmlns:v="urn:schemas-microsoft-com:vml" Requires="v">
-                <p:oleObj spid="_x0000_s6437" name="Equation" r:id="rId19" imgW="571320" imgH="203040" progId="Equation.DSMT4">
+                <p:oleObj spid="_x0000_s6487" name="Equation" r:id="rId19" imgW="571320" imgH="203040" progId="Equation.DSMT4">
                   <p:embed/>
                 </p:oleObj>
               </mc:Choice>
@@ -5682,7 +5684,7 @@
           <a:graphicData uri="http://schemas.openxmlformats.org/presentationml/2006/ole">
             <mc:AlternateContent xmlns:mc="http://schemas.openxmlformats.org/markup-compatibility/2006">
               <mc:Choice xmlns:v="urn:schemas-microsoft-com:vml" Requires="v">
-                <p:oleObj spid="_x0000_s6438" name="Equation" r:id="rId21" imgW="469800" imgH="203040" progId="Equation.DSMT4">
+                <p:oleObj spid="_x0000_s6488" name="Equation" r:id="rId21" imgW="469800" imgH="203040" progId="Equation.DSMT4">
                   <p:embed/>
                 </p:oleObj>
               </mc:Choice>
@@ -5779,6 +5781,203 @@
 </file>
 
 <file path=ppt/slides/slide12.xml><?xml version="1.0" encoding="utf-8"?>
+<p:sld xmlns:a="http://schemas.openxmlformats.org/drawingml/2006/main" xmlns:r="http://schemas.openxmlformats.org/officeDocument/2006/relationships" xmlns:p="http://schemas.openxmlformats.org/presentationml/2006/main">
+  <p:cSld>
+    <p:spTree>
+      <p:nvGrpSpPr>
+        <p:cNvPr id="1" name=""/>
+        <p:cNvGrpSpPr/>
+        <p:nvPr/>
+      </p:nvGrpSpPr>
+      <p:grpSpPr>
+        <a:xfrm>
+          <a:off x="0" y="0"/>
+          <a:ext cx="0" cy="0"/>
+          <a:chOff x="0" y="0"/>
+          <a:chExt cx="0" cy="0"/>
+        </a:xfrm>
+      </p:grpSpPr>
+      <p:sp>
+        <p:nvSpPr>
+          <p:cNvPr id="2" name="Title 1">
+            <a:extLst>
+              <a:ext uri="{FF2B5EF4-FFF2-40B4-BE49-F238E27FC236}">
+                <a16:creationId xmlns:a16="http://schemas.microsoft.com/office/drawing/2014/main" id="{DBB9945F-48AF-4074-A453-59E128038D2C}"/>
+              </a:ext>
+            </a:extLst>
+          </p:cNvPr>
+          <p:cNvSpPr>
+            <a:spLocks noGrp="1"/>
+          </p:cNvSpPr>
+          <p:nvPr>
+            <p:ph type="title"/>
+          </p:nvPr>
+        </p:nvSpPr>
+        <p:spPr>
+          <a:xfrm>
+            <a:off x="1097280" y="286603"/>
+            <a:ext cx="10058400" cy="702303"/>
+          </a:xfrm>
+        </p:spPr>
+        <p:txBody>
+          <a:bodyPr>
+            <a:normAutofit/>
+          </a:bodyPr>
+          <a:lstStyle/>
+          <a:p>
+            <a:r>
+              <a:rPr lang="en-US" sz="3200" dirty="0"/>
+              <a:t>Online Suffix tree Visualizer</a:t>
+            </a:r>
+          </a:p>
+        </p:txBody>
+      </p:sp>
+      <p:sp>
+        <p:nvSpPr>
+          <p:cNvPr id="3" name="Content Placeholder 2">
+            <a:extLst>
+              <a:ext uri="{FF2B5EF4-FFF2-40B4-BE49-F238E27FC236}">
+                <a16:creationId xmlns:a16="http://schemas.microsoft.com/office/drawing/2014/main" id="{BAD111FF-E268-4CE1-AD35-1030244343AD}"/>
+              </a:ext>
+            </a:extLst>
+          </p:cNvPr>
+          <p:cNvSpPr>
+            <a:spLocks noGrp="1"/>
+          </p:cNvSpPr>
+          <p:nvPr>
+            <p:ph idx="1"/>
+          </p:nvPr>
+        </p:nvSpPr>
+        <p:spPr>
+          <a:xfrm>
+            <a:off x="1097280" y="1207363"/>
+            <a:ext cx="10058400" cy="4661731"/>
+          </a:xfrm>
+        </p:spPr>
+        <p:txBody>
+          <a:bodyPr>
+            <a:normAutofit fontScale="92500" lnSpcReduction="10000"/>
+          </a:bodyPr>
+          <a:lstStyle/>
+          <a:p>
+            <a:endParaRPr lang="en-US" sz="1800" dirty="0">
+              <a:hlinkClick r:id="rId2"/>
+            </a:endParaRPr>
+          </a:p>
+          <a:p>
+            <a:endParaRPr lang="en-US" sz="1800" dirty="0">
+              <a:hlinkClick r:id="rId2"/>
+            </a:endParaRPr>
+          </a:p>
+          <a:p>
+            <a:endParaRPr lang="en-US" sz="1800" dirty="0">
+              <a:hlinkClick r:id="rId2"/>
+            </a:endParaRPr>
+          </a:p>
+          <a:p>
+            <a:endParaRPr lang="en-US" sz="1800" dirty="0">
+              <a:hlinkClick r:id="rId2"/>
+            </a:endParaRPr>
+          </a:p>
+          <a:p>
+            <a:endParaRPr lang="en-US" sz="1800" dirty="0">
+              <a:hlinkClick r:id="rId2"/>
+            </a:endParaRPr>
+          </a:p>
+          <a:p>
+            <a:endParaRPr lang="en-US" sz="1800" dirty="0">
+              <a:hlinkClick r:id="rId2"/>
+            </a:endParaRPr>
+          </a:p>
+          <a:p>
+            <a:endParaRPr lang="en-US" sz="1800" dirty="0">
+              <a:hlinkClick r:id="rId2"/>
+            </a:endParaRPr>
+          </a:p>
+          <a:p>
+            <a:endParaRPr lang="en-US" sz="1800" dirty="0">
+              <a:hlinkClick r:id="rId2"/>
+            </a:endParaRPr>
+          </a:p>
+          <a:p>
+            <a:endParaRPr lang="en-US" sz="1800" dirty="0">
+              <a:hlinkClick r:id="rId2"/>
+            </a:endParaRPr>
+          </a:p>
+          <a:p>
+            <a:endParaRPr lang="en-US" sz="1800" dirty="0">
+              <a:hlinkClick r:id="rId2"/>
+            </a:endParaRPr>
+          </a:p>
+          <a:p>
+            <a:endParaRPr lang="en-US" sz="1800" dirty="0">
+              <a:hlinkClick r:id="rId2"/>
+            </a:endParaRPr>
+          </a:p>
+          <a:p>
+            <a:pPr marL="0" indent="0">
+              <a:buNone/>
+            </a:pPr>
+            <a:r>
+              <a:rPr lang="en-US" sz="1800" dirty="0">
+                <a:hlinkClick r:id="rId2"/>
+              </a:rPr>
+              <a:t>https://zamgo.github.io/suffix-tree/website/visualizer/</a:t>
+            </a:r>
+            <a:endParaRPr lang="en-US" sz="1800" dirty="0"/>
+          </a:p>
+        </p:txBody>
+      </p:sp>
+      <p:pic>
+        <p:nvPicPr>
+          <p:cNvPr id="5" name="Picture 4">
+            <a:extLst>
+              <a:ext uri="{FF2B5EF4-FFF2-40B4-BE49-F238E27FC236}">
+                <a16:creationId xmlns:a16="http://schemas.microsoft.com/office/drawing/2014/main" id="{9F9A175F-E8B1-4E29-A738-95D7A264C9B7}"/>
+              </a:ext>
+            </a:extLst>
+          </p:cNvPr>
+          <p:cNvPicPr>
+            <a:picLocks noChangeAspect="1"/>
+          </p:cNvPicPr>
+          <p:nvPr/>
+        </p:nvPicPr>
+        <p:blipFill>
+          <a:blip r:embed="rId3">
+            <a:extLst>
+              <a:ext uri="{28A0092B-C50C-407E-A947-70E740481C1C}">
+                <a14:useLocalDpi xmlns:a14="http://schemas.microsoft.com/office/drawing/2010/main" val="0"/>
+              </a:ext>
+            </a:extLst>
+          </a:blip>
+          <a:stretch>
+            <a:fillRect/>
+          </a:stretch>
+        </p:blipFill>
+        <p:spPr>
+          <a:xfrm>
+            <a:off x="1036320" y="1015539"/>
+            <a:ext cx="9308823" cy="4373207"/>
+          </a:xfrm>
+          <a:prstGeom prst="rect">
+            <a:avLst/>
+          </a:prstGeom>
+        </p:spPr>
+      </p:pic>
+    </p:spTree>
+    <p:extLst>
+      <p:ext uri="{BB962C8B-B14F-4D97-AF65-F5344CB8AC3E}">
+        <p14:creationId xmlns:p14="http://schemas.microsoft.com/office/powerpoint/2010/main" val="2267840638"/>
+      </p:ext>
+    </p:extLst>
+  </p:cSld>
+  <p:clrMapOvr>
+    <a:masterClrMapping/>
+  </p:clrMapOvr>
+</p:sld>
+</file>
+
+<file path=ppt/slides/slide13.xml><?xml version="1.0" encoding="utf-8"?>
 <p:sld xmlns:a="http://schemas.openxmlformats.org/drawingml/2006/main" xmlns:r="http://schemas.openxmlformats.org/officeDocument/2006/relationships" xmlns:p="http://schemas.openxmlformats.org/presentationml/2006/main">
   <p:cSld>
     <p:spTree>
@@ -6063,2061 +6262,6 @@
   <p:clrMapOvr>
     <a:masterClrMapping/>
   </p:clrMapOvr>
-  <mc:AlternateContent xmlns:mc="http://schemas.openxmlformats.org/markup-compatibility/2006">
-    <mc:Choice xmlns:p14="http://schemas.microsoft.com/office/powerpoint/2010/main" Requires="p14">
-      <p:transition spd="med" p14:dur="700">
-        <p:fade/>
-      </p:transition>
-    </mc:Choice>
-    <mc:Fallback>
-      <p:transition spd="med">
-        <p:fade/>
-      </p:transition>
-    </mc:Fallback>
-  </mc:AlternateContent>
-</p:sld>
-</file>
-
-<file path=ppt/slides/slide13.xml><?xml version="1.0" encoding="utf-8"?>
-<p:sld xmlns:a="http://schemas.openxmlformats.org/drawingml/2006/main" xmlns:r="http://schemas.openxmlformats.org/officeDocument/2006/relationships" xmlns:p="http://schemas.openxmlformats.org/presentationml/2006/main">
-  <p:cSld>
-    <p:spTree>
-      <p:nvGrpSpPr>
-        <p:cNvPr id="1" name=""/>
-        <p:cNvGrpSpPr/>
-        <p:nvPr/>
-      </p:nvGrpSpPr>
-      <p:grpSpPr>
-        <a:xfrm>
-          <a:off x="0" y="0"/>
-          <a:ext cx="0" cy="0"/>
-          <a:chOff x="0" y="0"/>
-          <a:chExt cx="0" cy="0"/>
-        </a:xfrm>
-      </p:grpSpPr>
-      <p:sp>
-        <p:nvSpPr>
-          <p:cNvPr id="2" name="Title 1"/>
-          <p:cNvSpPr>
-            <a:spLocks noGrp="1"/>
-          </p:cNvSpPr>
-          <p:nvPr>
-            <p:ph type="title"/>
-          </p:nvPr>
-        </p:nvSpPr>
-        <p:spPr>
-          <a:xfrm>
-            <a:off x="6069598" y="679269"/>
-            <a:ext cx="5086082" cy="1058091"/>
-          </a:xfrm>
-        </p:spPr>
-        <p:txBody>
-          <a:bodyPr>
-            <a:normAutofit/>
-          </a:bodyPr>
-          <a:lstStyle/>
-          <a:p>
-            <a:pPr algn="r"/>
-            <a:r>
-              <a:rPr lang="fa-IR" dirty="0"/>
-              <a:t>کاربرد ها و مرتبه زمانی</a:t>
-            </a:r>
-            <a:endParaRPr lang="en-US" dirty="0"/>
-          </a:p>
-        </p:txBody>
-      </p:sp>
-      <p:sp>
-        <p:nvSpPr>
-          <p:cNvPr id="5" name="Rectangle 4"/>
-          <p:cNvSpPr/>
-          <p:nvPr/>
-        </p:nvSpPr>
-        <p:spPr>
-          <a:xfrm>
-            <a:off x="6315272" y="2255840"/>
-            <a:ext cx="4840408" cy="584775"/>
-          </a:xfrm>
-          <a:prstGeom prst="rect">
-            <a:avLst/>
-          </a:prstGeom>
-        </p:spPr>
-        <p:txBody>
-          <a:bodyPr wrap="square">
-            <a:spAutoFit/>
-          </a:bodyPr>
-          <a:lstStyle/>
-          <a:p>
-            <a:pPr algn="r"/>
-            <a:r>
-              <a:rPr lang="fa-IR" sz="3200" dirty="0"/>
-              <a:t>مسئله1: تطابق رشته کامل</a:t>
-            </a:r>
-            <a:endParaRPr lang="en-US" sz="3200" dirty="0"/>
-          </a:p>
-        </p:txBody>
-      </p:sp>
-      <p:sp>
-        <p:nvSpPr>
-          <p:cNvPr id="6" name="Oval 5"/>
-          <p:cNvSpPr/>
-          <p:nvPr/>
-        </p:nvSpPr>
-        <p:spPr>
-          <a:xfrm>
-            <a:off x="3200391" y="2211615"/>
-            <a:ext cx="339969" cy="298086"/>
-          </a:xfrm>
-          <a:prstGeom prst="ellipse">
-            <a:avLst/>
-          </a:prstGeom>
-          <a:solidFill>
-            <a:schemeClr val="accent1">
-              <a:lumMod val="50000"/>
-            </a:schemeClr>
-          </a:solidFill>
-        </p:spPr>
-        <p:style>
-          <a:lnRef idx="2">
-            <a:schemeClr val="accent1">
-              <a:shade val="50000"/>
-            </a:schemeClr>
-          </a:lnRef>
-          <a:fillRef idx="1">
-            <a:schemeClr val="accent1"/>
-          </a:fillRef>
-          <a:effectRef idx="0">
-            <a:schemeClr val="accent1"/>
-          </a:effectRef>
-          <a:fontRef idx="minor">
-            <a:schemeClr val="lt1"/>
-          </a:fontRef>
-        </p:style>
-        <p:txBody>
-          <a:bodyPr rtlCol="0" anchor="ctr"/>
-          <a:lstStyle/>
-          <a:p>
-            <a:pPr algn="ctr"/>
-            <a:endParaRPr lang="en-US"/>
-          </a:p>
-        </p:txBody>
-      </p:sp>
-      <p:sp>
-        <p:nvSpPr>
-          <p:cNvPr id="7" name="Oval 6"/>
-          <p:cNvSpPr/>
-          <p:nvPr/>
-        </p:nvSpPr>
-        <p:spPr>
-          <a:xfrm>
-            <a:off x="2127741" y="3016185"/>
-            <a:ext cx="339969" cy="298086"/>
-          </a:xfrm>
-          <a:prstGeom prst="ellipse">
-            <a:avLst/>
-          </a:prstGeom>
-          <a:solidFill>
-            <a:schemeClr val="accent1">
-              <a:lumMod val="50000"/>
-            </a:schemeClr>
-          </a:solidFill>
-        </p:spPr>
-        <p:style>
-          <a:lnRef idx="2">
-            <a:schemeClr val="accent1">
-              <a:shade val="50000"/>
-            </a:schemeClr>
-          </a:lnRef>
-          <a:fillRef idx="1">
-            <a:schemeClr val="accent1"/>
-          </a:fillRef>
-          <a:effectRef idx="0">
-            <a:schemeClr val="accent1"/>
-          </a:effectRef>
-          <a:fontRef idx="minor">
-            <a:schemeClr val="lt1"/>
-          </a:fontRef>
-        </p:style>
-        <p:txBody>
-          <a:bodyPr rtlCol="0" anchor="ctr"/>
-          <a:lstStyle/>
-          <a:p>
-            <a:pPr algn="ctr"/>
-            <a:endParaRPr lang="en-US"/>
-          </a:p>
-        </p:txBody>
-      </p:sp>
-      <p:sp>
-        <p:nvSpPr>
-          <p:cNvPr id="8" name="Oval 7"/>
-          <p:cNvSpPr/>
-          <p:nvPr/>
-        </p:nvSpPr>
-        <p:spPr>
-          <a:xfrm>
-            <a:off x="4513382" y="3016185"/>
-            <a:ext cx="339969" cy="298086"/>
-          </a:xfrm>
-          <a:prstGeom prst="ellipse">
-            <a:avLst/>
-          </a:prstGeom>
-          <a:solidFill>
-            <a:schemeClr val="accent1">
-              <a:lumMod val="50000"/>
-            </a:schemeClr>
-          </a:solidFill>
-        </p:spPr>
-        <p:style>
-          <a:lnRef idx="2">
-            <a:schemeClr val="accent1">
-              <a:shade val="50000"/>
-            </a:schemeClr>
-          </a:lnRef>
-          <a:fillRef idx="1">
-            <a:schemeClr val="accent1"/>
-          </a:fillRef>
-          <a:effectRef idx="0">
-            <a:schemeClr val="accent1"/>
-          </a:effectRef>
-          <a:fontRef idx="minor">
-            <a:schemeClr val="lt1"/>
-          </a:fontRef>
-        </p:style>
-        <p:txBody>
-          <a:bodyPr rtlCol="0" anchor="ctr"/>
-          <a:lstStyle/>
-          <a:p>
-            <a:pPr algn="ctr"/>
-            <a:endParaRPr lang="en-US"/>
-          </a:p>
-        </p:txBody>
-      </p:sp>
-      <p:sp>
-        <p:nvSpPr>
-          <p:cNvPr id="9" name="Oval 8"/>
-          <p:cNvSpPr/>
-          <p:nvPr/>
-        </p:nvSpPr>
-        <p:spPr>
-          <a:xfrm>
-            <a:off x="2861681" y="3850685"/>
-            <a:ext cx="339969" cy="298086"/>
-          </a:xfrm>
-          <a:prstGeom prst="ellipse">
-            <a:avLst/>
-          </a:prstGeom>
-          <a:solidFill>
-            <a:schemeClr val="accent1">
-              <a:lumMod val="50000"/>
-            </a:schemeClr>
-          </a:solidFill>
-        </p:spPr>
-        <p:style>
-          <a:lnRef idx="2">
-            <a:schemeClr val="accent1">
-              <a:shade val="50000"/>
-            </a:schemeClr>
-          </a:lnRef>
-          <a:fillRef idx="1">
-            <a:schemeClr val="accent1"/>
-          </a:fillRef>
-          <a:effectRef idx="0">
-            <a:schemeClr val="accent1"/>
-          </a:effectRef>
-          <a:fontRef idx="minor">
-            <a:schemeClr val="lt1"/>
-          </a:fontRef>
-        </p:style>
-        <p:txBody>
-          <a:bodyPr rtlCol="0" anchor="ctr"/>
-          <a:lstStyle/>
-          <a:p>
-            <a:pPr algn="ctr"/>
-            <a:endParaRPr lang="en-US"/>
-          </a:p>
-        </p:txBody>
-      </p:sp>
-      <p:sp>
-        <p:nvSpPr>
-          <p:cNvPr id="10" name="Oval 9"/>
-          <p:cNvSpPr/>
-          <p:nvPr/>
-        </p:nvSpPr>
-        <p:spPr>
-          <a:xfrm>
-            <a:off x="5854502" y="3749024"/>
-            <a:ext cx="339969" cy="298086"/>
-          </a:xfrm>
-          <a:prstGeom prst="ellipse">
-            <a:avLst/>
-          </a:prstGeom>
-          <a:solidFill>
-            <a:schemeClr val="accent1">
-              <a:lumMod val="50000"/>
-            </a:schemeClr>
-          </a:solidFill>
-          <a:ln>
-            <a:solidFill>
-              <a:schemeClr val="accent1">
-                <a:lumMod val="50000"/>
-              </a:schemeClr>
-            </a:solidFill>
-          </a:ln>
-        </p:spPr>
-        <p:style>
-          <a:lnRef idx="2">
-            <a:schemeClr val="accent1">
-              <a:shade val="50000"/>
-            </a:schemeClr>
-          </a:lnRef>
-          <a:fillRef idx="1">
-            <a:schemeClr val="accent1"/>
-          </a:fillRef>
-          <a:effectRef idx="0">
-            <a:schemeClr val="accent1"/>
-          </a:effectRef>
-          <a:fontRef idx="minor">
-            <a:schemeClr val="lt1"/>
-          </a:fontRef>
-        </p:style>
-        <p:txBody>
-          <a:bodyPr rtlCol="0" anchor="ctr"/>
-          <a:lstStyle/>
-          <a:p>
-            <a:pPr algn="ctr"/>
-            <a:endParaRPr lang="en-US"/>
-          </a:p>
-        </p:txBody>
-      </p:sp>
-      <p:sp>
-        <p:nvSpPr>
-          <p:cNvPr id="11" name="Oval 10"/>
-          <p:cNvSpPr/>
-          <p:nvPr/>
-        </p:nvSpPr>
-        <p:spPr>
-          <a:xfrm>
-            <a:off x="3519319" y="4777978"/>
-            <a:ext cx="339969" cy="298086"/>
-          </a:xfrm>
-          <a:prstGeom prst="ellipse">
-            <a:avLst/>
-          </a:prstGeom>
-          <a:solidFill>
-            <a:schemeClr val="accent1">
-              <a:lumMod val="50000"/>
-            </a:schemeClr>
-          </a:solidFill>
-        </p:spPr>
-        <p:style>
-          <a:lnRef idx="2">
-            <a:schemeClr val="accent1">
-              <a:shade val="50000"/>
-            </a:schemeClr>
-          </a:lnRef>
-          <a:fillRef idx="1">
-            <a:schemeClr val="accent1"/>
-          </a:fillRef>
-          <a:effectRef idx="0">
-            <a:schemeClr val="accent1"/>
-          </a:effectRef>
-          <a:fontRef idx="minor">
-            <a:schemeClr val="lt1"/>
-          </a:fontRef>
-        </p:style>
-        <p:txBody>
-          <a:bodyPr rtlCol="0" anchor="ctr"/>
-          <a:lstStyle/>
-          <a:p>
-            <a:pPr algn="ctr"/>
-            <a:endParaRPr lang="en-US"/>
-          </a:p>
-        </p:txBody>
-      </p:sp>
-      <p:sp>
-        <p:nvSpPr>
-          <p:cNvPr id="12" name="Oval 11"/>
-          <p:cNvSpPr/>
-          <p:nvPr/>
-        </p:nvSpPr>
-        <p:spPr>
-          <a:xfrm>
-            <a:off x="6969364" y="4617226"/>
-            <a:ext cx="339969" cy="298086"/>
-          </a:xfrm>
-          <a:prstGeom prst="ellipse">
-            <a:avLst/>
-          </a:prstGeom>
-          <a:solidFill>
-            <a:schemeClr val="accent1">
-              <a:lumMod val="50000"/>
-            </a:schemeClr>
-          </a:solidFill>
-        </p:spPr>
-        <p:style>
-          <a:lnRef idx="2">
-            <a:schemeClr val="accent1">
-              <a:shade val="50000"/>
-            </a:schemeClr>
-          </a:lnRef>
-          <a:fillRef idx="1">
-            <a:schemeClr val="accent1"/>
-          </a:fillRef>
-          <a:effectRef idx="0">
-            <a:schemeClr val="accent1"/>
-          </a:effectRef>
-          <a:fontRef idx="minor">
-            <a:schemeClr val="lt1"/>
-          </a:fontRef>
-        </p:style>
-        <p:txBody>
-          <a:bodyPr rtlCol="0" anchor="ctr"/>
-          <a:lstStyle/>
-          <a:p>
-            <a:pPr algn="ctr"/>
-            <a:endParaRPr lang="en-US"/>
-          </a:p>
-        </p:txBody>
-      </p:sp>
-      <p:sp>
-        <p:nvSpPr>
-          <p:cNvPr id="13" name="Rectangle 12"/>
-          <p:cNvSpPr/>
-          <p:nvPr/>
-        </p:nvSpPr>
-        <p:spPr>
-          <a:xfrm>
-            <a:off x="1230922" y="3767170"/>
-            <a:ext cx="339969" cy="378499"/>
-          </a:xfrm>
-          <a:prstGeom prst="rect">
-            <a:avLst/>
-          </a:prstGeom>
-          <a:solidFill>
-            <a:schemeClr val="accent1">
-              <a:lumMod val="50000"/>
-            </a:schemeClr>
-          </a:solidFill>
-          <a:ln>
-            <a:solidFill>
-              <a:schemeClr val="accent1">
-                <a:lumMod val="50000"/>
-              </a:schemeClr>
-            </a:solidFill>
-          </a:ln>
-        </p:spPr>
-        <p:style>
-          <a:lnRef idx="2">
-            <a:schemeClr val="accent1">
-              <a:shade val="50000"/>
-            </a:schemeClr>
-          </a:lnRef>
-          <a:fillRef idx="1">
-            <a:schemeClr val="accent1"/>
-          </a:fillRef>
-          <a:effectRef idx="0">
-            <a:schemeClr val="accent1"/>
-          </a:effectRef>
-          <a:fontRef idx="minor">
-            <a:schemeClr val="lt1"/>
-          </a:fontRef>
-        </p:style>
-        <p:txBody>
-          <a:bodyPr rtlCol="0" anchor="ctr"/>
-          <a:lstStyle/>
-          <a:p>
-            <a:pPr algn="ctr"/>
-            <a:endParaRPr lang="en-US"/>
-          </a:p>
-        </p:txBody>
-      </p:sp>
-      <p:sp>
-        <p:nvSpPr>
-          <p:cNvPr id="14" name="Rectangle 13"/>
-          <p:cNvSpPr/>
-          <p:nvPr/>
-        </p:nvSpPr>
-        <p:spPr>
-          <a:xfrm>
-            <a:off x="2268416" y="4726062"/>
-            <a:ext cx="339969" cy="378499"/>
-          </a:xfrm>
-          <a:prstGeom prst="rect">
-            <a:avLst/>
-          </a:prstGeom>
-          <a:solidFill>
-            <a:schemeClr val="accent1">
-              <a:lumMod val="50000"/>
-            </a:schemeClr>
-          </a:solidFill>
-          <a:ln>
-            <a:solidFill>
-              <a:schemeClr val="accent1">
-                <a:lumMod val="50000"/>
-              </a:schemeClr>
-            </a:solidFill>
-          </a:ln>
-        </p:spPr>
-        <p:style>
-          <a:lnRef idx="2">
-            <a:schemeClr val="accent1">
-              <a:shade val="50000"/>
-            </a:schemeClr>
-          </a:lnRef>
-          <a:fillRef idx="1">
-            <a:schemeClr val="accent1"/>
-          </a:fillRef>
-          <a:effectRef idx="0">
-            <a:schemeClr val="accent1"/>
-          </a:effectRef>
-          <a:fontRef idx="minor">
-            <a:schemeClr val="lt1"/>
-          </a:fontRef>
-        </p:style>
-        <p:txBody>
-          <a:bodyPr rtlCol="0" anchor="ctr"/>
-          <a:lstStyle/>
-          <a:p>
-            <a:pPr algn="ctr"/>
-            <a:endParaRPr lang="en-US"/>
-          </a:p>
-        </p:txBody>
-      </p:sp>
-      <p:sp>
-        <p:nvSpPr>
-          <p:cNvPr id="15" name="Rectangle 14"/>
-          <p:cNvSpPr/>
-          <p:nvPr/>
-        </p:nvSpPr>
-        <p:spPr>
-          <a:xfrm>
-            <a:off x="3859288" y="3776731"/>
-            <a:ext cx="339969" cy="378499"/>
-          </a:xfrm>
-          <a:prstGeom prst="rect">
-            <a:avLst/>
-          </a:prstGeom>
-          <a:solidFill>
-            <a:schemeClr val="accent1">
-              <a:lumMod val="50000"/>
-            </a:schemeClr>
-          </a:solidFill>
-          <a:ln>
-            <a:solidFill>
-              <a:schemeClr val="accent1">
-                <a:lumMod val="50000"/>
-              </a:schemeClr>
-            </a:solidFill>
-          </a:ln>
-        </p:spPr>
-        <p:style>
-          <a:lnRef idx="2">
-            <a:schemeClr val="accent1">
-              <a:shade val="50000"/>
-            </a:schemeClr>
-          </a:lnRef>
-          <a:fillRef idx="1">
-            <a:schemeClr val="accent1"/>
-          </a:fillRef>
-          <a:effectRef idx="0">
-            <a:schemeClr val="accent1"/>
-          </a:effectRef>
-          <a:fontRef idx="minor">
-            <a:schemeClr val="lt1"/>
-          </a:fontRef>
-        </p:style>
-        <p:txBody>
-          <a:bodyPr rtlCol="0" anchor="ctr"/>
-          <a:lstStyle/>
-          <a:p>
-            <a:pPr algn="ctr"/>
-            <a:endParaRPr lang="en-US"/>
-          </a:p>
-        </p:txBody>
-      </p:sp>
-      <p:sp>
-        <p:nvSpPr>
-          <p:cNvPr id="16" name="Rectangle 15"/>
-          <p:cNvSpPr/>
-          <p:nvPr/>
-        </p:nvSpPr>
-        <p:spPr>
-          <a:xfrm>
-            <a:off x="5234337" y="4548522"/>
-            <a:ext cx="339969" cy="378499"/>
-          </a:xfrm>
-          <a:prstGeom prst="rect">
-            <a:avLst/>
-          </a:prstGeom>
-          <a:solidFill>
-            <a:schemeClr val="accent1">
-              <a:lumMod val="50000"/>
-            </a:schemeClr>
-          </a:solidFill>
-          <a:ln>
-            <a:solidFill>
-              <a:schemeClr val="accent1">
-                <a:lumMod val="50000"/>
-              </a:schemeClr>
-            </a:solidFill>
-          </a:ln>
-        </p:spPr>
-        <p:style>
-          <a:lnRef idx="2">
-            <a:schemeClr val="accent1">
-              <a:shade val="50000"/>
-            </a:schemeClr>
-          </a:lnRef>
-          <a:fillRef idx="1">
-            <a:schemeClr val="accent1"/>
-          </a:fillRef>
-          <a:effectRef idx="0">
-            <a:schemeClr val="accent1"/>
-          </a:effectRef>
-          <a:fontRef idx="minor">
-            <a:schemeClr val="lt1"/>
-          </a:fontRef>
-        </p:style>
-        <p:txBody>
-          <a:bodyPr rtlCol="0" anchor="ctr"/>
-          <a:lstStyle/>
-          <a:p>
-            <a:pPr algn="ctr"/>
-            <a:endParaRPr lang="en-US"/>
-          </a:p>
-        </p:txBody>
-      </p:sp>
-      <p:sp>
-        <p:nvSpPr>
-          <p:cNvPr id="17" name="Rectangle 16"/>
-          <p:cNvSpPr/>
-          <p:nvPr/>
-        </p:nvSpPr>
-        <p:spPr>
-          <a:xfrm>
-            <a:off x="2825254" y="5588517"/>
-            <a:ext cx="339969" cy="378499"/>
-          </a:xfrm>
-          <a:prstGeom prst="rect">
-            <a:avLst/>
-          </a:prstGeom>
-          <a:solidFill>
-            <a:schemeClr val="accent1">
-              <a:lumMod val="50000"/>
-            </a:schemeClr>
-          </a:solidFill>
-          <a:ln>
-            <a:solidFill>
-              <a:schemeClr val="accent1">
-                <a:lumMod val="50000"/>
-              </a:schemeClr>
-            </a:solidFill>
-          </a:ln>
-        </p:spPr>
-        <p:style>
-          <a:lnRef idx="2">
-            <a:schemeClr val="accent1">
-              <a:shade val="50000"/>
-            </a:schemeClr>
-          </a:lnRef>
-          <a:fillRef idx="1">
-            <a:schemeClr val="accent1"/>
-          </a:fillRef>
-          <a:effectRef idx="0">
-            <a:schemeClr val="accent1"/>
-          </a:effectRef>
-          <a:fontRef idx="minor">
-            <a:schemeClr val="lt1"/>
-          </a:fontRef>
-        </p:style>
-        <p:txBody>
-          <a:bodyPr rtlCol="0" anchor="ctr"/>
-          <a:lstStyle/>
-          <a:p>
-            <a:pPr algn="ctr"/>
-            <a:endParaRPr lang="en-US"/>
-          </a:p>
-        </p:txBody>
-      </p:sp>
-      <p:sp>
-        <p:nvSpPr>
-          <p:cNvPr id="18" name="Rectangle 17"/>
-          <p:cNvSpPr/>
-          <p:nvPr/>
-        </p:nvSpPr>
-        <p:spPr>
-          <a:xfrm>
-            <a:off x="4411051" y="5583535"/>
-            <a:ext cx="339969" cy="378499"/>
-          </a:xfrm>
-          <a:prstGeom prst="rect">
-            <a:avLst/>
-          </a:prstGeom>
-          <a:solidFill>
-            <a:schemeClr val="accent1">
-              <a:lumMod val="50000"/>
-            </a:schemeClr>
-          </a:solidFill>
-          <a:ln>
-            <a:solidFill>
-              <a:schemeClr val="accent1">
-                <a:lumMod val="50000"/>
-              </a:schemeClr>
-            </a:solidFill>
-          </a:ln>
-        </p:spPr>
-        <p:style>
-          <a:lnRef idx="2">
-            <a:schemeClr val="accent1">
-              <a:shade val="50000"/>
-            </a:schemeClr>
-          </a:lnRef>
-          <a:fillRef idx="1">
-            <a:schemeClr val="accent1"/>
-          </a:fillRef>
-          <a:effectRef idx="0">
-            <a:schemeClr val="accent1"/>
-          </a:effectRef>
-          <a:fontRef idx="minor">
-            <a:schemeClr val="lt1"/>
-          </a:fontRef>
-        </p:style>
-        <p:txBody>
-          <a:bodyPr rtlCol="0" anchor="ctr"/>
-          <a:lstStyle/>
-          <a:p>
-            <a:pPr algn="ctr"/>
-            <a:endParaRPr lang="en-US"/>
-          </a:p>
-        </p:txBody>
-      </p:sp>
-      <p:sp>
-        <p:nvSpPr>
-          <p:cNvPr id="19" name="Rectangle 18"/>
-          <p:cNvSpPr/>
-          <p:nvPr/>
-        </p:nvSpPr>
-        <p:spPr>
-          <a:xfrm>
-            <a:off x="6301651" y="5454576"/>
-            <a:ext cx="339969" cy="378499"/>
-          </a:xfrm>
-          <a:prstGeom prst="rect">
-            <a:avLst/>
-          </a:prstGeom>
-          <a:solidFill>
-            <a:schemeClr val="accent1">
-              <a:lumMod val="50000"/>
-            </a:schemeClr>
-          </a:solidFill>
-          <a:ln>
-            <a:solidFill>
-              <a:schemeClr val="accent1">
-                <a:lumMod val="50000"/>
-              </a:schemeClr>
-            </a:solidFill>
-          </a:ln>
-        </p:spPr>
-        <p:style>
-          <a:lnRef idx="2">
-            <a:schemeClr val="accent1">
-              <a:shade val="50000"/>
-            </a:schemeClr>
-          </a:lnRef>
-          <a:fillRef idx="1">
-            <a:schemeClr val="accent1"/>
-          </a:fillRef>
-          <a:effectRef idx="0">
-            <a:schemeClr val="accent1"/>
-          </a:effectRef>
-          <a:fontRef idx="minor">
-            <a:schemeClr val="lt1"/>
-          </a:fontRef>
-        </p:style>
-        <p:txBody>
-          <a:bodyPr rtlCol="0" anchor="ctr"/>
-          <a:lstStyle/>
-          <a:p>
-            <a:pPr algn="ctr"/>
-            <a:endParaRPr lang="en-US"/>
-          </a:p>
-        </p:txBody>
-      </p:sp>
-      <p:sp>
-        <p:nvSpPr>
-          <p:cNvPr id="20" name="Rectangle 19"/>
-          <p:cNvSpPr/>
-          <p:nvPr/>
-        </p:nvSpPr>
-        <p:spPr>
-          <a:xfrm>
-            <a:off x="8077150" y="5489702"/>
-            <a:ext cx="339969" cy="378499"/>
-          </a:xfrm>
-          <a:prstGeom prst="rect">
-            <a:avLst/>
-          </a:prstGeom>
-          <a:solidFill>
-            <a:schemeClr val="accent1">
-              <a:lumMod val="50000"/>
-            </a:schemeClr>
-          </a:solidFill>
-          <a:ln>
-            <a:solidFill>
-              <a:schemeClr val="accent1">
-                <a:lumMod val="50000"/>
-              </a:schemeClr>
-            </a:solidFill>
-          </a:ln>
-        </p:spPr>
-        <p:style>
-          <a:lnRef idx="2">
-            <a:schemeClr val="accent1">
-              <a:shade val="50000"/>
-            </a:schemeClr>
-          </a:lnRef>
-          <a:fillRef idx="1">
-            <a:schemeClr val="accent1"/>
-          </a:fillRef>
-          <a:effectRef idx="0">
-            <a:schemeClr val="accent1"/>
-          </a:effectRef>
-          <a:fontRef idx="minor">
-            <a:schemeClr val="lt1"/>
-          </a:fontRef>
-        </p:style>
-        <p:txBody>
-          <a:bodyPr rtlCol="0" anchor="ctr"/>
-          <a:lstStyle/>
-          <a:p>
-            <a:pPr algn="ctr"/>
-            <a:endParaRPr lang="en-US"/>
-          </a:p>
-        </p:txBody>
-      </p:sp>
-      <p:cxnSp>
-        <p:nvCxnSpPr>
-          <p:cNvPr id="22" name="Straight Arrow Connector 21"/>
-          <p:cNvCxnSpPr/>
-          <p:nvPr/>
-        </p:nvCxnSpPr>
-        <p:spPr>
-          <a:xfrm flipH="1">
-            <a:off x="2467710" y="2509701"/>
-            <a:ext cx="641316" cy="506484"/>
-          </a:xfrm>
-          <a:prstGeom prst="straightConnector1">
-            <a:avLst/>
-          </a:prstGeom>
-          <a:ln>
-            <a:tailEnd type="triangle"/>
-          </a:ln>
-        </p:spPr>
-        <p:style>
-          <a:lnRef idx="1">
-            <a:schemeClr val="accent1"/>
-          </a:lnRef>
-          <a:fillRef idx="0">
-            <a:schemeClr val="accent1"/>
-          </a:fillRef>
-          <a:effectRef idx="0">
-            <a:schemeClr val="accent1"/>
-          </a:effectRef>
-          <a:fontRef idx="minor">
-            <a:schemeClr val="tx1"/>
-          </a:fontRef>
-        </p:style>
-      </p:cxnSp>
-      <p:cxnSp>
-        <p:nvCxnSpPr>
-          <p:cNvPr id="25" name="Straight Arrow Connector 24"/>
-          <p:cNvCxnSpPr/>
-          <p:nvPr/>
-        </p:nvCxnSpPr>
-        <p:spPr>
-          <a:xfrm flipH="1">
-            <a:off x="1735019" y="3314271"/>
-            <a:ext cx="392722" cy="343329"/>
-          </a:xfrm>
-          <a:prstGeom prst="straightConnector1">
-            <a:avLst/>
-          </a:prstGeom>
-          <a:ln>
-            <a:tailEnd type="triangle"/>
-          </a:ln>
-        </p:spPr>
-        <p:style>
-          <a:lnRef idx="1">
-            <a:schemeClr val="accent1"/>
-          </a:lnRef>
-          <a:fillRef idx="0">
-            <a:schemeClr val="accent1"/>
-          </a:fillRef>
-          <a:effectRef idx="0">
-            <a:schemeClr val="accent1"/>
-          </a:effectRef>
-          <a:fontRef idx="minor">
-            <a:schemeClr val="tx1"/>
-          </a:fontRef>
-        </p:style>
-      </p:cxnSp>
-      <p:cxnSp>
-        <p:nvCxnSpPr>
-          <p:cNvPr id="27" name="Straight Arrow Connector 26"/>
-          <p:cNvCxnSpPr/>
-          <p:nvPr/>
-        </p:nvCxnSpPr>
-        <p:spPr>
-          <a:xfrm>
-            <a:off x="7268308" y="-1125415"/>
-            <a:ext cx="0" cy="0"/>
-          </a:xfrm>
-          <a:prstGeom prst="straightConnector1">
-            <a:avLst/>
-          </a:prstGeom>
-          <a:ln>
-            <a:tailEnd type="triangle"/>
-          </a:ln>
-        </p:spPr>
-        <p:style>
-          <a:lnRef idx="1">
-            <a:schemeClr val="accent1"/>
-          </a:lnRef>
-          <a:fillRef idx="0">
-            <a:schemeClr val="accent1"/>
-          </a:fillRef>
-          <a:effectRef idx="0">
-            <a:schemeClr val="accent1"/>
-          </a:effectRef>
-          <a:fontRef idx="minor">
-            <a:schemeClr val="tx1"/>
-          </a:fontRef>
-        </p:style>
-      </p:cxnSp>
-      <p:cxnSp>
-        <p:nvCxnSpPr>
-          <p:cNvPr id="29" name="Straight Arrow Connector 28"/>
-          <p:cNvCxnSpPr/>
-          <p:nvPr/>
-        </p:nvCxnSpPr>
-        <p:spPr>
-          <a:xfrm>
-            <a:off x="3540360" y="2509701"/>
-            <a:ext cx="744417" cy="506484"/>
-          </a:xfrm>
-          <a:prstGeom prst="straightConnector1">
-            <a:avLst/>
-          </a:prstGeom>
-          <a:ln>
-            <a:tailEnd type="triangle"/>
-          </a:ln>
-        </p:spPr>
-        <p:style>
-          <a:lnRef idx="1">
-            <a:schemeClr val="accent1"/>
-          </a:lnRef>
-          <a:fillRef idx="0">
-            <a:schemeClr val="accent1"/>
-          </a:fillRef>
-          <a:effectRef idx="0">
-            <a:schemeClr val="accent1"/>
-          </a:effectRef>
-          <a:fontRef idx="minor">
-            <a:schemeClr val="tx1"/>
-          </a:fontRef>
-        </p:style>
-      </p:cxnSp>
-      <p:cxnSp>
-        <p:nvCxnSpPr>
-          <p:cNvPr id="30" name="Straight Arrow Connector 29"/>
-          <p:cNvCxnSpPr/>
-          <p:nvPr/>
-        </p:nvCxnSpPr>
-        <p:spPr>
-          <a:xfrm>
-            <a:off x="4970573" y="3295144"/>
-            <a:ext cx="744417" cy="506484"/>
-          </a:xfrm>
-          <a:prstGeom prst="straightConnector1">
-            <a:avLst/>
-          </a:prstGeom>
-          <a:ln>
-            <a:tailEnd type="triangle"/>
-          </a:ln>
-        </p:spPr>
-        <p:style>
-          <a:lnRef idx="1">
-            <a:schemeClr val="accent1"/>
-          </a:lnRef>
-          <a:fillRef idx="0">
-            <a:schemeClr val="accent1"/>
-          </a:fillRef>
-          <a:effectRef idx="0">
-            <a:schemeClr val="accent1"/>
-          </a:effectRef>
-          <a:fontRef idx="minor">
-            <a:schemeClr val="tx1"/>
-          </a:fontRef>
-        </p:style>
-      </p:cxnSp>
-      <p:cxnSp>
-        <p:nvCxnSpPr>
-          <p:cNvPr id="31" name="Straight Arrow Connector 30"/>
-          <p:cNvCxnSpPr/>
-          <p:nvPr/>
-        </p:nvCxnSpPr>
-        <p:spPr>
-          <a:xfrm>
-            <a:off x="6201494" y="4092309"/>
-            <a:ext cx="744417" cy="506484"/>
-          </a:xfrm>
-          <a:prstGeom prst="straightConnector1">
-            <a:avLst/>
-          </a:prstGeom>
-          <a:ln>
-            <a:tailEnd type="triangle"/>
-          </a:ln>
-        </p:spPr>
-        <p:style>
-          <a:lnRef idx="1">
-            <a:schemeClr val="accent1"/>
-          </a:lnRef>
-          <a:fillRef idx="0">
-            <a:schemeClr val="accent1"/>
-          </a:fillRef>
-          <a:effectRef idx="0">
-            <a:schemeClr val="accent1"/>
-          </a:effectRef>
-          <a:fontRef idx="minor">
-            <a:schemeClr val="tx1"/>
-          </a:fontRef>
-        </p:style>
-      </p:cxnSp>
-      <p:cxnSp>
-        <p:nvCxnSpPr>
-          <p:cNvPr id="32" name="Straight Arrow Connector 31"/>
-          <p:cNvCxnSpPr/>
-          <p:nvPr/>
-        </p:nvCxnSpPr>
-        <p:spPr>
-          <a:xfrm>
-            <a:off x="7268296" y="4948092"/>
-            <a:ext cx="744417" cy="506484"/>
-          </a:xfrm>
-          <a:prstGeom prst="straightConnector1">
-            <a:avLst/>
-          </a:prstGeom>
-          <a:ln>
-            <a:tailEnd type="triangle"/>
-          </a:ln>
-        </p:spPr>
-        <p:style>
-          <a:lnRef idx="1">
-            <a:schemeClr val="accent1"/>
-          </a:lnRef>
-          <a:fillRef idx="0">
-            <a:schemeClr val="accent1"/>
-          </a:fillRef>
-          <a:effectRef idx="0">
-            <a:schemeClr val="accent1"/>
-          </a:effectRef>
-          <a:fontRef idx="minor">
-            <a:schemeClr val="tx1"/>
-          </a:fontRef>
-        </p:style>
-      </p:cxnSp>
-      <p:cxnSp>
-        <p:nvCxnSpPr>
-          <p:cNvPr id="34" name="Straight Arrow Connector 33"/>
-          <p:cNvCxnSpPr/>
-          <p:nvPr/>
-        </p:nvCxnSpPr>
-        <p:spPr>
-          <a:xfrm>
-            <a:off x="2414949" y="3353759"/>
-            <a:ext cx="445473" cy="447869"/>
-          </a:xfrm>
-          <a:prstGeom prst="straightConnector1">
-            <a:avLst/>
-          </a:prstGeom>
-          <a:ln>
-            <a:tailEnd type="triangle"/>
-          </a:ln>
-        </p:spPr>
-        <p:style>
-          <a:lnRef idx="1">
-            <a:schemeClr val="accent1"/>
-          </a:lnRef>
-          <a:fillRef idx="0">
-            <a:schemeClr val="accent1"/>
-          </a:fillRef>
-          <a:effectRef idx="0">
-            <a:schemeClr val="accent1"/>
-          </a:effectRef>
-          <a:fontRef idx="minor">
-            <a:schemeClr val="tx1"/>
-          </a:fontRef>
-        </p:style>
-      </p:cxnSp>
-      <p:cxnSp>
-        <p:nvCxnSpPr>
-          <p:cNvPr id="39" name="Straight Arrow Connector 38"/>
-          <p:cNvCxnSpPr/>
-          <p:nvPr/>
-        </p:nvCxnSpPr>
-        <p:spPr>
-          <a:xfrm>
-            <a:off x="3165223" y="4244710"/>
-            <a:ext cx="445473" cy="447869"/>
-          </a:xfrm>
-          <a:prstGeom prst="straightConnector1">
-            <a:avLst/>
-          </a:prstGeom>
-          <a:ln>
-            <a:tailEnd type="triangle"/>
-          </a:ln>
-        </p:spPr>
-        <p:style>
-          <a:lnRef idx="1">
-            <a:schemeClr val="accent1"/>
-          </a:lnRef>
-          <a:fillRef idx="0">
-            <a:schemeClr val="accent1"/>
-          </a:fillRef>
-          <a:effectRef idx="0">
-            <a:schemeClr val="accent1"/>
-          </a:effectRef>
-          <a:fontRef idx="minor">
-            <a:schemeClr val="tx1"/>
-          </a:fontRef>
-        </p:style>
-      </p:cxnSp>
-      <p:cxnSp>
-        <p:nvCxnSpPr>
-          <p:cNvPr id="40" name="Straight Arrow Connector 39"/>
-          <p:cNvCxnSpPr/>
-          <p:nvPr/>
-        </p:nvCxnSpPr>
-        <p:spPr>
-          <a:xfrm>
-            <a:off x="3845163" y="5135666"/>
-            <a:ext cx="445473" cy="447869"/>
-          </a:xfrm>
-          <a:prstGeom prst="straightConnector1">
-            <a:avLst/>
-          </a:prstGeom>
-          <a:ln>
-            <a:tailEnd type="triangle"/>
-          </a:ln>
-        </p:spPr>
-        <p:style>
-          <a:lnRef idx="1">
-            <a:schemeClr val="accent1"/>
-          </a:lnRef>
-          <a:fillRef idx="0">
-            <a:schemeClr val="accent1"/>
-          </a:fillRef>
-          <a:effectRef idx="0">
-            <a:schemeClr val="accent1"/>
-          </a:effectRef>
-          <a:fontRef idx="minor">
-            <a:schemeClr val="tx1"/>
-          </a:fontRef>
-        </p:style>
-      </p:cxnSp>
-      <p:cxnSp>
-        <p:nvCxnSpPr>
-          <p:cNvPr id="42" name="Straight Arrow Connector 41"/>
-          <p:cNvCxnSpPr/>
-          <p:nvPr/>
-        </p:nvCxnSpPr>
-        <p:spPr>
-          <a:xfrm flipH="1">
-            <a:off x="4237892" y="3373873"/>
-            <a:ext cx="275490" cy="332905"/>
-          </a:xfrm>
-          <a:prstGeom prst="straightConnector1">
-            <a:avLst/>
-          </a:prstGeom>
-          <a:ln>
-            <a:tailEnd type="triangle"/>
-          </a:ln>
-        </p:spPr>
-        <p:style>
-          <a:lnRef idx="1">
-            <a:schemeClr val="accent1"/>
-          </a:lnRef>
-          <a:fillRef idx="0">
-            <a:schemeClr val="accent1"/>
-          </a:fillRef>
-          <a:effectRef idx="0">
-            <a:schemeClr val="accent1"/>
-          </a:effectRef>
-          <a:fontRef idx="minor">
-            <a:schemeClr val="tx1"/>
-          </a:fontRef>
-        </p:style>
-      </p:cxnSp>
-      <p:cxnSp>
-        <p:nvCxnSpPr>
-          <p:cNvPr id="46" name="Straight Arrow Connector 45"/>
-          <p:cNvCxnSpPr/>
-          <p:nvPr/>
-        </p:nvCxnSpPr>
-        <p:spPr>
-          <a:xfrm flipH="1">
-            <a:off x="5621214" y="4124147"/>
-            <a:ext cx="275490" cy="332905"/>
-          </a:xfrm>
-          <a:prstGeom prst="straightConnector1">
-            <a:avLst/>
-          </a:prstGeom>
-          <a:ln>
-            <a:tailEnd type="triangle"/>
-          </a:ln>
-        </p:spPr>
-        <p:style>
-          <a:lnRef idx="1">
-            <a:schemeClr val="accent1"/>
-          </a:lnRef>
-          <a:fillRef idx="0">
-            <a:schemeClr val="accent1"/>
-          </a:fillRef>
-          <a:effectRef idx="0">
-            <a:schemeClr val="accent1"/>
-          </a:effectRef>
-          <a:fontRef idx="minor">
-            <a:schemeClr val="tx1"/>
-          </a:fontRef>
-        </p:style>
-      </p:cxnSp>
-      <p:cxnSp>
-        <p:nvCxnSpPr>
-          <p:cNvPr id="47" name="Straight Arrow Connector 46"/>
-          <p:cNvCxnSpPr/>
-          <p:nvPr/>
-        </p:nvCxnSpPr>
-        <p:spPr>
-          <a:xfrm flipH="1">
-            <a:off x="6676286" y="4968206"/>
-            <a:ext cx="275490" cy="332905"/>
-          </a:xfrm>
-          <a:prstGeom prst="straightConnector1">
-            <a:avLst/>
-          </a:prstGeom>
-          <a:ln>
-            <a:tailEnd type="triangle"/>
-          </a:ln>
-        </p:spPr>
-        <p:style>
-          <a:lnRef idx="1">
-            <a:schemeClr val="accent1"/>
-          </a:lnRef>
-          <a:fillRef idx="0">
-            <a:schemeClr val="accent1"/>
-          </a:fillRef>
-          <a:effectRef idx="0">
-            <a:schemeClr val="accent1"/>
-          </a:effectRef>
-          <a:fontRef idx="minor">
-            <a:schemeClr val="tx1"/>
-          </a:fontRef>
-        </p:style>
-      </p:cxnSp>
-      <p:cxnSp>
-        <p:nvCxnSpPr>
-          <p:cNvPr id="48" name="Straight Arrow Connector 47"/>
-          <p:cNvCxnSpPr/>
-          <p:nvPr/>
-        </p:nvCxnSpPr>
-        <p:spPr>
-          <a:xfrm flipH="1">
-            <a:off x="2608389" y="4264823"/>
-            <a:ext cx="275490" cy="332905"/>
-          </a:xfrm>
-          <a:prstGeom prst="straightConnector1">
-            <a:avLst/>
-          </a:prstGeom>
-          <a:ln>
-            <a:tailEnd type="triangle"/>
-          </a:ln>
-        </p:spPr>
-        <p:style>
-          <a:lnRef idx="1">
-            <a:schemeClr val="accent1"/>
-          </a:lnRef>
-          <a:fillRef idx="0">
-            <a:schemeClr val="accent1"/>
-          </a:fillRef>
-          <a:effectRef idx="0">
-            <a:schemeClr val="accent1"/>
-          </a:effectRef>
-          <a:fontRef idx="minor">
-            <a:schemeClr val="tx1"/>
-          </a:fontRef>
-        </p:style>
-      </p:cxnSp>
-      <p:cxnSp>
-        <p:nvCxnSpPr>
-          <p:cNvPr id="49" name="Straight Arrow Connector 48"/>
-          <p:cNvCxnSpPr/>
-          <p:nvPr/>
-        </p:nvCxnSpPr>
-        <p:spPr>
-          <a:xfrm flipH="1">
-            <a:off x="3206264" y="5120610"/>
-            <a:ext cx="275490" cy="332905"/>
-          </a:xfrm>
-          <a:prstGeom prst="straightConnector1">
-            <a:avLst/>
-          </a:prstGeom>
-          <a:ln>
-            <a:tailEnd type="triangle"/>
-          </a:ln>
-        </p:spPr>
-        <p:style>
-          <a:lnRef idx="1">
-            <a:schemeClr val="accent1"/>
-          </a:lnRef>
-          <a:fillRef idx="0">
-            <a:schemeClr val="accent1"/>
-          </a:fillRef>
-          <a:effectRef idx="0">
-            <a:schemeClr val="accent1"/>
-          </a:effectRef>
-          <a:fontRef idx="minor">
-            <a:schemeClr val="tx1"/>
-          </a:fontRef>
-        </p:style>
-      </p:cxnSp>
-      <p:sp>
-        <p:nvSpPr>
-          <p:cNvPr id="50" name="TextBox 49"/>
-          <p:cNvSpPr txBox="1"/>
-          <p:nvPr/>
-        </p:nvSpPr>
-        <p:spPr>
-          <a:xfrm>
-            <a:off x="2520453" y="2410939"/>
-            <a:ext cx="339969" cy="369332"/>
-          </a:xfrm>
-          <a:prstGeom prst="rect">
-            <a:avLst/>
-          </a:prstGeom>
-          <a:noFill/>
-        </p:spPr>
-        <p:txBody>
-          <a:bodyPr wrap="square" rtlCol="0">
-            <a:spAutoFit/>
-          </a:bodyPr>
-          <a:lstStyle/>
-          <a:p>
-            <a:r>
-              <a:rPr lang="en-US" dirty="0"/>
-              <a:t>A</a:t>
-            </a:r>
-          </a:p>
-        </p:txBody>
-      </p:sp>
-      <p:sp>
-        <p:nvSpPr>
-          <p:cNvPr id="51" name="TextBox 50"/>
-          <p:cNvSpPr txBox="1"/>
-          <p:nvPr/>
-        </p:nvSpPr>
-        <p:spPr>
-          <a:xfrm>
-            <a:off x="3781907" y="2341837"/>
-            <a:ext cx="785434" cy="369332"/>
-          </a:xfrm>
-          <a:prstGeom prst="rect">
-            <a:avLst/>
-          </a:prstGeom>
-          <a:noFill/>
-        </p:spPr>
-        <p:txBody>
-          <a:bodyPr wrap="square" rtlCol="0">
-            <a:spAutoFit/>
-          </a:bodyPr>
-          <a:lstStyle/>
-          <a:p>
-            <a:r>
-              <a:rPr lang="en-US" dirty="0"/>
-              <a:t>B</a:t>
-            </a:r>
-          </a:p>
-        </p:txBody>
-      </p:sp>
-      <p:sp>
-        <p:nvSpPr>
-          <p:cNvPr id="52" name="TextBox 51"/>
-          <p:cNvSpPr txBox="1"/>
-          <p:nvPr/>
-        </p:nvSpPr>
-        <p:spPr>
-          <a:xfrm>
-            <a:off x="5233118" y="3208361"/>
-            <a:ext cx="339969" cy="369332"/>
-          </a:xfrm>
-          <a:prstGeom prst="rect">
-            <a:avLst/>
-          </a:prstGeom>
-          <a:noFill/>
-        </p:spPr>
-        <p:txBody>
-          <a:bodyPr wrap="square" rtlCol="0">
-            <a:spAutoFit/>
-          </a:bodyPr>
-          <a:lstStyle/>
-          <a:p>
-            <a:r>
-              <a:rPr lang="en-US" dirty="0"/>
-              <a:t>A</a:t>
-            </a:r>
-          </a:p>
-        </p:txBody>
-      </p:sp>
-      <p:sp>
-        <p:nvSpPr>
-          <p:cNvPr id="53" name="TextBox 52"/>
-          <p:cNvSpPr txBox="1"/>
-          <p:nvPr/>
-        </p:nvSpPr>
-        <p:spPr>
-          <a:xfrm>
-            <a:off x="3311769" y="4145669"/>
-            <a:ext cx="339969" cy="369332"/>
-          </a:xfrm>
-          <a:prstGeom prst="rect">
-            <a:avLst/>
-          </a:prstGeom>
-          <a:noFill/>
-        </p:spPr>
-        <p:txBody>
-          <a:bodyPr wrap="square" rtlCol="0">
-            <a:spAutoFit/>
-          </a:bodyPr>
-          <a:lstStyle/>
-          <a:p>
-            <a:r>
-              <a:rPr lang="en-US" dirty="0"/>
-              <a:t>A</a:t>
-            </a:r>
-          </a:p>
-        </p:txBody>
-      </p:sp>
-      <p:sp>
-        <p:nvSpPr>
-          <p:cNvPr id="54" name="TextBox 53"/>
-          <p:cNvSpPr txBox="1"/>
-          <p:nvPr/>
-        </p:nvSpPr>
-        <p:spPr>
-          <a:xfrm>
-            <a:off x="2520453" y="3231466"/>
-            <a:ext cx="785434" cy="369332"/>
-          </a:xfrm>
-          <a:prstGeom prst="rect">
-            <a:avLst/>
-          </a:prstGeom>
-          <a:noFill/>
-        </p:spPr>
-        <p:txBody>
-          <a:bodyPr wrap="square" rtlCol="0">
-            <a:spAutoFit/>
-          </a:bodyPr>
-          <a:lstStyle/>
-          <a:p>
-            <a:r>
-              <a:rPr lang="en-US" dirty="0"/>
-              <a:t>B</a:t>
-            </a:r>
-          </a:p>
-        </p:txBody>
-      </p:sp>
-      <p:sp>
-        <p:nvSpPr>
-          <p:cNvPr id="55" name="TextBox 54"/>
-          <p:cNvSpPr txBox="1"/>
-          <p:nvPr/>
-        </p:nvSpPr>
-        <p:spPr>
-          <a:xfrm>
-            <a:off x="6476981" y="4000851"/>
-            <a:ext cx="785434" cy="369332"/>
-          </a:xfrm>
-          <a:prstGeom prst="rect">
-            <a:avLst/>
-          </a:prstGeom>
-          <a:noFill/>
-        </p:spPr>
-        <p:txBody>
-          <a:bodyPr wrap="square" rtlCol="0">
-            <a:spAutoFit/>
-          </a:bodyPr>
-          <a:lstStyle/>
-          <a:p>
-            <a:r>
-              <a:rPr lang="en-US" dirty="0"/>
-              <a:t>B</a:t>
-            </a:r>
-          </a:p>
-        </p:txBody>
-      </p:sp>
-      <p:sp>
-        <p:nvSpPr>
-          <p:cNvPr id="56" name="TextBox 55"/>
-          <p:cNvSpPr txBox="1"/>
-          <p:nvPr/>
-        </p:nvSpPr>
-        <p:spPr>
-          <a:xfrm>
-            <a:off x="1164191" y="3747447"/>
-            <a:ext cx="896819" cy="369332"/>
-          </a:xfrm>
-          <a:prstGeom prst="rect">
-            <a:avLst/>
-          </a:prstGeom>
-          <a:noFill/>
-        </p:spPr>
-        <p:txBody>
-          <a:bodyPr wrap="square" rtlCol="0">
-            <a:spAutoFit/>
-          </a:bodyPr>
-          <a:lstStyle/>
-          <a:p>
-            <a:r>
-              <a:rPr lang="en-US" dirty="0">
-                <a:solidFill>
-                  <a:schemeClr val="bg1"/>
-                </a:solidFill>
-              </a:rPr>
-              <a:t>1:3</a:t>
-            </a:r>
-          </a:p>
-        </p:txBody>
-      </p:sp>
-      <p:sp>
-        <p:nvSpPr>
-          <p:cNvPr id="57" name="TextBox 56"/>
-          <p:cNvSpPr txBox="1"/>
-          <p:nvPr/>
-        </p:nvSpPr>
-        <p:spPr>
-          <a:xfrm>
-            <a:off x="3789482" y="3770725"/>
-            <a:ext cx="896819" cy="369332"/>
-          </a:xfrm>
-          <a:prstGeom prst="rect">
-            <a:avLst/>
-          </a:prstGeom>
-          <a:noFill/>
-        </p:spPr>
-        <p:txBody>
-          <a:bodyPr wrap="square" rtlCol="0">
-            <a:spAutoFit/>
-          </a:bodyPr>
-          <a:lstStyle/>
-          <a:p>
-            <a:r>
-              <a:rPr lang="en-US" dirty="0">
-                <a:solidFill>
-                  <a:schemeClr val="bg1"/>
-                </a:solidFill>
-              </a:rPr>
-              <a:t>0:3</a:t>
-            </a:r>
-          </a:p>
-        </p:txBody>
-      </p:sp>
-      <p:sp>
-        <p:nvSpPr>
-          <p:cNvPr id="58" name="TextBox 57"/>
-          <p:cNvSpPr txBox="1"/>
-          <p:nvPr/>
-        </p:nvSpPr>
-        <p:spPr>
-          <a:xfrm>
-            <a:off x="2212207" y="4743791"/>
-            <a:ext cx="896819" cy="369332"/>
-          </a:xfrm>
-          <a:prstGeom prst="rect">
-            <a:avLst/>
-          </a:prstGeom>
-          <a:noFill/>
-        </p:spPr>
-        <p:txBody>
-          <a:bodyPr wrap="square" rtlCol="0">
-            <a:spAutoFit/>
-          </a:bodyPr>
-          <a:lstStyle/>
-          <a:p>
-            <a:r>
-              <a:rPr lang="en-US" dirty="0">
-                <a:solidFill>
-                  <a:schemeClr val="bg1"/>
-                </a:solidFill>
-              </a:rPr>
-              <a:t>0:2</a:t>
-            </a:r>
-          </a:p>
-        </p:txBody>
-      </p:sp>
-      <p:sp>
-        <p:nvSpPr>
-          <p:cNvPr id="59" name="TextBox 58"/>
-          <p:cNvSpPr txBox="1"/>
-          <p:nvPr/>
-        </p:nvSpPr>
-        <p:spPr>
-          <a:xfrm>
-            <a:off x="2796467" y="5575189"/>
-            <a:ext cx="896819" cy="369332"/>
-          </a:xfrm>
-          <a:prstGeom prst="rect">
-            <a:avLst/>
-          </a:prstGeom>
-          <a:noFill/>
-        </p:spPr>
-        <p:txBody>
-          <a:bodyPr wrap="square" rtlCol="0">
-            <a:spAutoFit/>
-          </a:bodyPr>
-          <a:lstStyle/>
-          <a:p>
-            <a:r>
-              <a:rPr lang="en-US" dirty="0">
-                <a:solidFill>
-                  <a:schemeClr val="bg1"/>
-                </a:solidFill>
-              </a:rPr>
-              <a:t>1:1</a:t>
-            </a:r>
-          </a:p>
-        </p:txBody>
-      </p:sp>
-      <p:sp>
-        <p:nvSpPr>
-          <p:cNvPr id="60" name="TextBox 59"/>
-          <p:cNvSpPr txBox="1"/>
-          <p:nvPr/>
-        </p:nvSpPr>
-        <p:spPr>
-          <a:xfrm>
-            <a:off x="4347098" y="5575189"/>
-            <a:ext cx="896819" cy="369332"/>
-          </a:xfrm>
-          <a:prstGeom prst="rect">
-            <a:avLst/>
-          </a:prstGeom>
-          <a:noFill/>
-        </p:spPr>
-        <p:txBody>
-          <a:bodyPr wrap="square" rtlCol="0">
-            <a:spAutoFit/>
-          </a:bodyPr>
-          <a:lstStyle/>
-          <a:p>
-            <a:r>
-              <a:rPr lang="en-US" dirty="0">
-                <a:solidFill>
-                  <a:schemeClr val="bg1"/>
-                </a:solidFill>
-              </a:rPr>
-              <a:t>0:0</a:t>
-            </a:r>
-          </a:p>
-        </p:txBody>
-      </p:sp>
-      <p:sp>
-        <p:nvSpPr>
-          <p:cNvPr id="61" name="TextBox 60"/>
-          <p:cNvSpPr txBox="1"/>
-          <p:nvPr/>
-        </p:nvSpPr>
-        <p:spPr>
-          <a:xfrm>
-            <a:off x="6246712" y="5469748"/>
-            <a:ext cx="896819" cy="369332"/>
-          </a:xfrm>
-          <a:prstGeom prst="rect">
-            <a:avLst/>
-          </a:prstGeom>
-          <a:noFill/>
-        </p:spPr>
-        <p:txBody>
-          <a:bodyPr wrap="square" rtlCol="0">
-            <a:spAutoFit/>
-          </a:bodyPr>
-          <a:lstStyle/>
-          <a:p>
-            <a:r>
-              <a:rPr lang="en-US" dirty="0">
-                <a:solidFill>
-                  <a:schemeClr val="bg1"/>
-                </a:solidFill>
-              </a:rPr>
-              <a:t>0:1</a:t>
-            </a:r>
-          </a:p>
-        </p:txBody>
-      </p:sp>
-      <p:sp>
-        <p:nvSpPr>
-          <p:cNvPr id="62" name="TextBox 61"/>
-          <p:cNvSpPr txBox="1"/>
-          <p:nvPr/>
-        </p:nvSpPr>
-        <p:spPr>
-          <a:xfrm>
-            <a:off x="8012713" y="5470537"/>
-            <a:ext cx="896819" cy="369332"/>
-          </a:xfrm>
-          <a:prstGeom prst="rect">
-            <a:avLst/>
-          </a:prstGeom>
-          <a:noFill/>
-        </p:spPr>
-        <p:txBody>
-          <a:bodyPr wrap="square" rtlCol="0">
-            <a:spAutoFit/>
-          </a:bodyPr>
-          <a:lstStyle/>
-          <a:p>
-            <a:r>
-              <a:rPr lang="en-US" dirty="0">
-                <a:solidFill>
-                  <a:schemeClr val="bg1"/>
-                </a:solidFill>
-              </a:rPr>
-              <a:t>1:0</a:t>
-            </a:r>
-          </a:p>
-        </p:txBody>
-      </p:sp>
-      <p:sp>
-        <p:nvSpPr>
-          <p:cNvPr id="63" name="TextBox 62"/>
-          <p:cNvSpPr txBox="1"/>
-          <p:nvPr/>
-        </p:nvSpPr>
-        <p:spPr>
-          <a:xfrm>
-            <a:off x="5172779" y="4545979"/>
-            <a:ext cx="896819" cy="369332"/>
-          </a:xfrm>
-          <a:prstGeom prst="rect">
-            <a:avLst/>
-          </a:prstGeom>
-          <a:noFill/>
-        </p:spPr>
-        <p:txBody>
-          <a:bodyPr wrap="square" rtlCol="0">
-            <a:spAutoFit/>
-          </a:bodyPr>
-          <a:lstStyle/>
-          <a:p>
-            <a:r>
-              <a:rPr lang="en-US" dirty="0">
-                <a:solidFill>
-                  <a:schemeClr val="bg1"/>
-                </a:solidFill>
-              </a:rPr>
-              <a:t>1:2</a:t>
-            </a:r>
-          </a:p>
-        </p:txBody>
-      </p:sp>
-      <p:sp>
-        <p:nvSpPr>
-          <p:cNvPr id="64" name="TextBox 63"/>
-          <p:cNvSpPr txBox="1"/>
-          <p:nvPr/>
-        </p:nvSpPr>
-        <p:spPr>
-          <a:xfrm>
-            <a:off x="1652434" y="3177575"/>
-            <a:ext cx="1473494" cy="369332"/>
-          </a:xfrm>
-          <a:prstGeom prst="rect">
-            <a:avLst/>
-          </a:prstGeom>
-          <a:noFill/>
-        </p:spPr>
-        <p:txBody>
-          <a:bodyPr wrap="square" rtlCol="0">
-            <a:spAutoFit/>
-          </a:bodyPr>
-          <a:lstStyle/>
-          <a:p>
-            <a:r>
-              <a:rPr lang="en-US" dirty="0"/>
-              <a:t>$1</a:t>
-            </a:r>
-          </a:p>
-        </p:txBody>
-      </p:sp>
-      <p:sp>
-        <p:nvSpPr>
-          <p:cNvPr id="66" name="TextBox 65"/>
-          <p:cNvSpPr txBox="1"/>
-          <p:nvPr/>
-        </p:nvSpPr>
-        <p:spPr>
-          <a:xfrm>
-            <a:off x="4053867" y="3257346"/>
-            <a:ext cx="1473494" cy="369332"/>
-          </a:xfrm>
-          <a:prstGeom prst="rect">
-            <a:avLst/>
-          </a:prstGeom>
-          <a:noFill/>
-        </p:spPr>
-        <p:txBody>
-          <a:bodyPr wrap="square" rtlCol="0">
-            <a:spAutoFit/>
-          </a:bodyPr>
-          <a:lstStyle/>
-          <a:p>
-            <a:r>
-              <a:rPr lang="en-US" dirty="0"/>
-              <a:t>$0</a:t>
-            </a:r>
-          </a:p>
-        </p:txBody>
-      </p:sp>
-      <p:sp>
-        <p:nvSpPr>
-          <p:cNvPr id="67" name="TextBox 66"/>
-          <p:cNvSpPr txBox="1"/>
-          <p:nvPr/>
-        </p:nvSpPr>
-        <p:spPr>
-          <a:xfrm>
-            <a:off x="5464747" y="4000297"/>
-            <a:ext cx="1473494" cy="369332"/>
-          </a:xfrm>
-          <a:prstGeom prst="rect">
-            <a:avLst/>
-          </a:prstGeom>
-          <a:noFill/>
-        </p:spPr>
-        <p:txBody>
-          <a:bodyPr wrap="square" rtlCol="0">
-            <a:spAutoFit/>
-          </a:bodyPr>
-          <a:lstStyle/>
-          <a:p>
-            <a:r>
-              <a:rPr lang="en-US" dirty="0"/>
-              <a:t>$1</a:t>
-            </a:r>
-          </a:p>
-        </p:txBody>
-      </p:sp>
-      <p:sp>
-        <p:nvSpPr>
-          <p:cNvPr id="68" name="TextBox 67"/>
-          <p:cNvSpPr txBox="1"/>
-          <p:nvPr/>
-        </p:nvSpPr>
-        <p:spPr>
-          <a:xfrm>
-            <a:off x="3093847" y="4982782"/>
-            <a:ext cx="1473494" cy="369332"/>
-          </a:xfrm>
-          <a:prstGeom prst="rect">
-            <a:avLst/>
-          </a:prstGeom>
-          <a:noFill/>
-        </p:spPr>
-        <p:txBody>
-          <a:bodyPr wrap="square" rtlCol="0">
-            <a:spAutoFit/>
-          </a:bodyPr>
-          <a:lstStyle/>
-          <a:p>
-            <a:r>
-              <a:rPr lang="en-US" dirty="0"/>
-              <a:t>$1</a:t>
-            </a:r>
-          </a:p>
-        </p:txBody>
-      </p:sp>
-      <p:sp>
-        <p:nvSpPr>
-          <p:cNvPr id="69" name="TextBox 68"/>
-          <p:cNvSpPr txBox="1"/>
-          <p:nvPr/>
-        </p:nvSpPr>
-        <p:spPr>
-          <a:xfrm>
-            <a:off x="7510387" y="4889052"/>
-            <a:ext cx="1473494" cy="369332"/>
-          </a:xfrm>
-          <a:prstGeom prst="rect">
-            <a:avLst/>
-          </a:prstGeom>
-          <a:noFill/>
-        </p:spPr>
-        <p:txBody>
-          <a:bodyPr wrap="square" rtlCol="0">
-            <a:spAutoFit/>
-          </a:bodyPr>
-          <a:lstStyle/>
-          <a:p>
-            <a:r>
-              <a:rPr lang="en-US" dirty="0"/>
-              <a:t>$1</a:t>
-            </a:r>
-          </a:p>
-        </p:txBody>
-      </p:sp>
-      <p:sp>
-        <p:nvSpPr>
-          <p:cNvPr id="70" name="TextBox 69"/>
-          <p:cNvSpPr txBox="1"/>
-          <p:nvPr/>
-        </p:nvSpPr>
-        <p:spPr>
-          <a:xfrm>
-            <a:off x="2458373" y="4148282"/>
-            <a:ext cx="1473494" cy="369332"/>
-          </a:xfrm>
-          <a:prstGeom prst="rect">
-            <a:avLst/>
-          </a:prstGeom>
-          <a:noFill/>
-        </p:spPr>
-        <p:txBody>
-          <a:bodyPr wrap="square" rtlCol="0">
-            <a:spAutoFit/>
-          </a:bodyPr>
-          <a:lstStyle/>
-          <a:p>
-            <a:r>
-              <a:rPr lang="en-US" dirty="0"/>
-              <a:t>$0</a:t>
-            </a:r>
-          </a:p>
-        </p:txBody>
-      </p:sp>
-      <p:sp>
-        <p:nvSpPr>
-          <p:cNvPr id="71" name="TextBox 70"/>
-          <p:cNvSpPr txBox="1"/>
-          <p:nvPr/>
-        </p:nvSpPr>
-        <p:spPr>
-          <a:xfrm>
-            <a:off x="6503422" y="4873091"/>
-            <a:ext cx="1473494" cy="369332"/>
-          </a:xfrm>
-          <a:prstGeom prst="rect">
-            <a:avLst/>
-          </a:prstGeom>
-          <a:noFill/>
-        </p:spPr>
-        <p:txBody>
-          <a:bodyPr wrap="square" rtlCol="0">
-            <a:spAutoFit/>
-          </a:bodyPr>
-          <a:lstStyle/>
-          <a:p>
-            <a:r>
-              <a:rPr lang="en-US" dirty="0"/>
-              <a:t>$0</a:t>
-            </a:r>
-          </a:p>
-        </p:txBody>
-      </p:sp>
-      <p:pic>
-        <p:nvPicPr>
-          <p:cNvPr id="72" name="Picture 71"/>
-          <p:cNvPicPr>
-            <a:picLocks noChangeAspect="1"/>
-          </p:cNvPicPr>
-          <p:nvPr/>
-        </p:nvPicPr>
-        <p:blipFill>
-          <a:blip r:embed="rId2"/>
-          <a:stretch>
-            <a:fillRect/>
-          </a:stretch>
-        </p:blipFill>
-        <p:spPr>
-          <a:xfrm>
-            <a:off x="7096414" y="3164649"/>
-            <a:ext cx="1889984" cy="413043"/>
-          </a:xfrm>
-          <a:prstGeom prst="rect">
-            <a:avLst/>
-          </a:prstGeom>
-        </p:spPr>
-      </p:pic>
-      <p:sp>
-        <p:nvSpPr>
-          <p:cNvPr id="73" name="TextBox 72"/>
-          <p:cNvSpPr txBox="1"/>
-          <p:nvPr/>
-        </p:nvSpPr>
-        <p:spPr>
-          <a:xfrm>
-            <a:off x="9214338" y="3208361"/>
-            <a:ext cx="2015123" cy="369332"/>
-          </a:xfrm>
-          <a:prstGeom prst="rect">
-            <a:avLst/>
-          </a:prstGeom>
-          <a:noFill/>
-        </p:spPr>
-        <p:txBody>
-          <a:bodyPr wrap="square" rtlCol="0">
-            <a:spAutoFit/>
-          </a:bodyPr>
-          <a:lstStyle/>
-          <a:p>
-            <a:r>
-              <a:rPr lang="fa-IR" dirty="0"/>
-              <a:t>پیدا کردن همه جواب ها:</a:t>
-            </a:r>
-            <a:endParaRPr lang="en-US" dirty="0"/>
-          </a:p>
-        </p:txBody>
-      </p:sp>
-      <p:pic>
-        <p:nvPicPr>
-          <p:cNvPr id="74" name="Picture 73"/>
-          <p:cNvPicPr>
-            <a:picLocks noChangeAspect="1"/>
-          </p:cNvPicPr>
-          <p:nvPr/>
-        </p:nvPicPr>
-        <p:blipFill>
-          <a:blip r:embed="rId3"/>
-          <a:stretch>
-            <a:fillRect/>
-          </a:stretch>
-        </p:blipFill>
-        <p:spPr>
-          <a:xfrm>
-            <a:off x="8446460" y="4116779"/>
-            <a:ext cx="3220029" cy="464148"/>
-          </a:xfrm>
-          <a:prstGeom prst="rect">
-            <a:avLst/>
-          </a:prstGeom>
-        </p:spPr>
-      </p:pic>
-    </p:spTree>
-    <p:extLst>
-      <p:ext uri="{BB962C8B-B14F-4D97-AF65-F5344CB8AC3E}">
-        <p14:creationId xmlns:p14="http://schemas.microsoft.com/office/powerpoint/2010/main" val="2867097691"/>
-      </p:ext>
-    </p:extLst>
-  </p:cSld>
-  <p:clrMapOvr>
-    <a:masterClrMapping/>
-  </p:clrMapOvr>
   <mc:AlternateContent xmlns:mc="http://schemas.openxmlformats.org/markup-compatibility/2006" xmlns:p14="http://schemas.microsoft.com/office/powerpoint/2010/main">
     <mc:Choice Requires="p14">
       <p:transition spd="med" p14:dur="700">
@@ -8162,47 +6306,1298 @@
         </p:nvSpPr>
         <p:spPr>
           <a:xfrm>
-            <a:off x="1097280" y="227988"/>
-            <a:ext cx="10058400" cy="1450757"/>
-          </a:xfrm>
-        </p:spPr>
-        <p:txBody>
-          <a:bodyPr/>
+            <a:off x="6069598" y="679269"/>
+            <a:ext cx="5086082" cy="1058091"/>
+          </a:xfrm>
+        </p:spPr>
+        <p:txBody>
+          <a:bodyPr>
+            <a:normAutofit/>
+          </a:bodyPr>
           <a:lstStyle/>
           <a:p>
             <a:pPr algn="r"/>
             <a:r>
-              <a:rPr lang="fa-IR" dirty="0">
-                <a:solidFill>
-                  <a:schemeClr val="tx1">
-                    <a:lumMod val="95000"/>
-                    <a:lumOff val="5000"/>
-                  </a:schemeClr>
-                </a:solidFill>
-              </a:rPr>
-              <a:t>طولانی ترین زیر رشته مشترک</a:t>
-            </a:r>
-            <a:endParaRPr lang="en-US" dirty="0">
-              <a:solidFill>
-                <a:schemeClr val="tx1">
-                  <a:lumMod val="95000"/>
-                  <a:lumOff val="5000"/>
-                </a:schemeClr>
-              </a:solidFill>
-            </a:endParaRPr>
-          </a:p>
-        </p:txBody>
-      </p:sp>
-      <p:sp>
-        <p:nvSpPr>
-          <p:cNvPr id="3" name="TextBox 2"/>
+              <a:rPr lang="fa-IR" dirty="0"/>
+              <a:t>کاربرد ها و مرتبه زمانی</a:t>
+            </a:r>
+            <a:endParaRPr lang="en-US" dirty="0"/>
+          </a:p>
+        </p:txBody>
+      </p:sp>
+      <p:sp>
+        <p:nvSpPr>
+          <p:cNvPr id="5" name="Rectangle 4"/>
+          <p:cNvSpPr/>
+          <p:nvPr/>
+        </p:nvSpPr>
+        <p:spPr>
+          <a:xfrm>
+            <a:off x="6315272" y="2255840"/>
+            <a:ext cx="4840408" cy="584775"/>
+          </a:xfrm>
+          <a:prstGeom prst="rect">
+            <a:avLst/>
+          </a:prstGeom>
+        </p:spPr>
+        <p:txBody>
+          <a:bodyPr wrap="square">
+            <a:spAutoFit/>
+          </a:bodyPr>
+          <a:lstStyle/>
+          <a:p>
+            <a:pPr algn="r"/>
+            <a:r>
+              <a:rPr lang="fa-IR" sz="3200" dirty="0"/>
+              <a:t>مسئله1: تطابق رشته کامل</a:t>
+            </a:r>
+            <a:endParaRPr lang="en-US" sz="3200" dirty="0"/>
+          </a:p>
+        </p:txBody>
+      </p:sp>
+      <p:sp>
+        <p:nvSpPr>
+          <p:cNvPr id="6" name="Oval 5"/>
+          <p:cNvSpPr/>
+          <p:nvPr/>
+        </p:nvSpPr>
+        <p:spPr>
+          <a:xfrm>
+            <a:off x="3200391" y="2211615"/>
+            <a:ext cx="339969" cy="298086"/>
+          </a:xfrm>
+          <a:prstGeom prst="ellipse">
+            <a:avLst/>
+          </a:prstGeom>
+          <a:solidFill>
+            <a:schemeClr val="accent1">
+              <a:lumMod val="50000"/>
+            </a:schemeClr>
+          </a:solidFill>
+        </p:spPr>
+        <p:style>
+          <a:lnRef idx="2">
+            <a:schemeClr val="accent1">
+              <a:shade val="50000"/>
+            </a:schemeClr>
+          </a:lnRef>
+          <a:fillRef idx="1">
+            <a:schemeClr val="accent1"/>
+          </a:fillRef>
+          <a:effectRef idx="0">
+            <a:schemeClr val="accent1"/>
+          </a:effectRef>
+          <a:fontRef idx="minor">
+            <a:schemeClr val="lt1"/>
+          </a:fontRef>
+        </p:style>
+        <p:txBody>
+          <a:bodyPr rtlCol="0" anchor="ctr"/>
+          <a:lstStyle/>
+          <a:p>
+            <a:pPr algn="ctr"/>
+            <a:endParaRPr lang="en-US"/>
+          </a:p>
+        </p:txBody>
+      </p:sp>
+      <p:sp>
+        <p:nvSpPr>
+          <p:cNvPr id="7" name="Oval 6"/>
+          <p:cNvSpPr/>
+          <p:nvPr/>
+        </p:nvSpPr>
+        <p:spPr>
+          <a:xfrm>
+            <a:off x="2127741" y="3016185"/>
+            <a:ext cx="339969" cy="298086"/>
+          </a:xfrm>
+          <a:prstGeom prst="ellipse">
+            <a:avLst/>
+          </a:prstGeom>
+          <a:solidFill>
+            <a:schemeClr val="accent1">
+              <a:lumMod val="50000"/>
+            </a:schemeClr>
+          </a:solidFill>
+        </p:spPr>
+        <p:style>
+          <a:lnRef idx="2">
+            <a:schemeClr val="accent1">
+              <a:shade val="50000"/>
+            </a:schemeClr>
+          </a:lnRef>
+          <a:fillRef idx="1">
+            <a:schemeClr val="accent1"/>
+          </a:fillRef>
+          <a:effectRef idx="0">
+            <a:schemeClr val="accent1"/>
+          </a:effectRef>
+          <a:fontRef idx="minor">
+            <a:schemeClr val="lt1"/>
+          </a:fontRef>
+        </p:style>
+        <p:txBody>
+          <a:bodyPr rtlCol="0" anchor="ctr"/>
+          <a:lstStyle/>
+          <a:p>
+            <a:pPr algn="ctr"/>
+            <a:endParaRPr lang="en-US"/>
+          </a:p>
+        </p:txBody>
+      </p:sp>
+      <p:sp>
+        <p:nvSpPr>
+          <p:cNvPr id="8" name="Oval 7"/>
+          <p:cNvSpPr/>
+          <p:nvPr/>
+        </p:nvSpPr>
+        <p:spPr>
+          <a:xfrm>
+            <a:off x="4513382" y="3016185"/>
+            <a:ext cx="339969" cy="298086"/>
+          </a:xfrm>
+          <a:prstGeom prst="ellipse">
+            <a:avLst/>
+          </a:prstGeom>
+          <a:solidFill>
+            <a:schemeClr val="accent1">
+              <a:lumMod val="50000"/>
+            </a:schemeClr>
+          </a:solidFill>
+        </p:spPr>
+        <p:style>
+          <a:lnRef idx="2">
+            <a:schemeClr val="accent1">
+              <a:shade val="50000"/>
+            </a:schemeClr>
+          </a:lnRef>
+          <a:fillRef idx="1">
+            <a:schemeClr val="accent1"/>
+          </a:fillRef>
+          <a:effectRef idx="0">
+            <a:schemeClr val="accent1"/>
+          </a:effectRef>
+          <a:fontRef idx="minor">
+            <a:schemeClr val="lt1"/>
+          </a:fontRef>
+        </p:style>
+        <p:txBody>
+          <a:bodyPr rtlCol="0" anchor="ctr"/>
+          <a:lstStyle/>
+          <a:p>
+            <a:pPr algn="ctr"/>
+            <a:endParaRPr lang="en-US"/>
+          </a:p>
+        </p:txBody>
+      </p:sp>
+      <p:sp>
+        <p:nvSpPr>
+          <p:cNvPr id="9" name="Oval 8"/>
+          <p:cNvSpPr/>
+          <p:nvPr/>
+        </p:nvSpPr>
+        <p:spPr>
+          <a:xfrm>
+            <a:off x="2861681" y="3850685"/>
+            <a:ext cx="339969" cy="298086"/>
+          </a:xfrm>
+          <a:prstGeom prst="ellipse">
+            <a:avLst/>
+          </a:prstGeom>
+          <a:solidFill>
+            <a:schemeClr val="accent1">
+              <a:lumMod val="50000"/>
+            </a:schemeClr>
+          </a:solidFill>
+        </p:spPr>
+        <p:style>
+          <a:lnRef idx="2">
+            <a:schemeClr val="accent1">
+              <a:shade val="50000"/>
+            </a:schemeClr>
+          </a:lnRef>
+          <a:fillRef idx="1">
+            <a:schemeClr val="accent1"/>
+          </a:fillRef>
+          <a:effectRef idx="0">
+            <a:schemeClr val="accent1"/>
+          </a:effectRef>
+          <a:fontRef idx="minor">
+            <a:schemeClr val="lt1"/>
+          </a:fontRef>
+        </p:style>
+        <p:txBody>
+          <a:bodyPr rtlCol="0" anchor="ctr"/>
+          <a:lstStyle/>
+          <a:p>
+            <a:pPr algn="ctr"/>
+            <a:endParaRPr lang="en-US"/>
+          </a:p>
+        </p:txBody>
+      </p:sp>
+      <p:sp>
+        <p:nvSpPr>
+          <p:cNvPr id="10" name="Oval 9"/>
+          <p:cNvSpPr/>
+          <p:nvPr/>
+        </p:nvSpPr>
+        <p:spPr>
+          <a:xfrm>
+            <a:off x="5854502" y="3749024"/>
+            <a:ext cx="339969" cy="298086"/>
+          </a:xfrm>
+          <a:prstGeom prst="ellipse">
+            <a:avLst/>
+          </a:prstGeom>
+          <a:solidFill>
+            <a:schemeClr val="accent1">
+              <a:lumMod val="50000"/>
+            </a:schemeClr>
+          </a:solidFill>
+          <a:ln>
+            <a:solidFill>
+              <a:schemeClr val="accent1">
+                <a:lumMod val="50000"/>
+              </a:schemeClr>
+            </a:solidFill>
+          </a:ln>
+        </p:spPr>
+        <p:style>
+          <a:lnRef idx="2">
+            <a:schemeClr val="accent1">
+              <a:shade val="50000"/>
+            </a:schemeClr>
+          </a:lnRef>
+          <a:fillRef idx="1">
+            <a:schemeClr val="accent1"/>
+          </a:fillRef>
+          <a:effectRef idx="0">
+            <a:schemeClr val="accent1"/>
+          </a:effectRef>
+          <a:fontRef idx="minor">
+            <a:schemeClr val="lt1"/>
+          </a:fontRef>
+        </p:style>
+        <p:txBody>
+          <a:bodyPr rtlCol="0" anchor="ctr"/>
+          <a:lstStyle/>
+          <a:p>
+            <a:pPr algn="ctr"/>
+            <a:endParaRPr lang="en-US"/>
+          </a:p>
+        </p:txBody>
+      </p:sp>
+      <p:sp>
+        <p:nvSpPr>
+          <p:cNvPr id="11" name="Oval 10"/>
+          <p:cNvSpPr/>
+          <p:nvPr/>
+        </p:nvSpPr>
+        <p:spPr>
+          <a:xfrm>
+            <a:off x="3519319" y="4777978"/>
+            <a:ext cx="339969" cy="298086"/>
+          </a:xfrm>
+          <a:prstGeom prst="ellipse">
+            <a:avLst/>
+          </a:prstGeom>
+          <a:solidFill>
+            <a:schemeClr val="accent1">
+              <a:lumMod val="50000"/>
+            </a:schemeClr>
+          </a:solidFill>
+        </p:spPr>
+        <p:style>
+          <a:lnRef idx="2">
+            <a:schemeClr val="accent1">
+              <a:shade val="50000"/>
+            </a:schemeClr>
+          </a:lnRef>
+          <a:fillRef idx="1">
+            <a:schemeClr val="accent1"/>
+          </a:fillRef>
+          <a:effectRef idx="0">
+            <a:schemeClr val="accent1"/>
+          </a:effectRef>
+          <a:fontRef idx="minor">
+            <a:schemeClr val="lt1"/>
+          </a:fontRef>
+        </p:style>
+        <p:txBody>
+          <a:bodyPr rtlCol="0" anchor="ctr"/>
+          <a:lstStyle/>
+          <a:p>
+            <a:pPr algn="ctr"/>
+            <a:endParaRPr lang="en-US"/>
+          </a:p>
+        </p:txBody>
+      </p:sp>
+      <p:sp>
+        <p:nvSpPr>
+          <p:cNvPr id="12" name="Oval 11"/>
+          <p:cNvSpPr/>
+          <p:nvPr/>
+        </p:nvSpPr>
+        <p:spPr>
+          <a:xfrm>
+            <a:off x="6969364" y="4617226"/>
+            <a:ext cx="339969" cy="298086"/>
+          </a:xfrm>
+          <a:prstGeom prst="ellipse">
+            <a:avLst/>
+          </a:prstGeom>
+          <a:solidFill>
+            <a:schemeClr val="accent1">
+              <a:lumMod val="50000"/>
+            </a:schemeClr>
+          </a:solidFill>
+        </p:spPr>
+        <p:style>
+          <a:lnRef idx="2">
+            <a:schemeClr val="accent1">
+              <a:shade val="50000"/>
+            </a:schemeClr>
+          </a:lnRef>
+          <a:fillRef idx="1">
+            <a:schemeClr val="accent1"/>
+          </a:fillRef>
+          <a:effectRef idx="0">
+            <a:schemeClr val="accent1"/>
+          </a:effectRef>
+          <a:fontRef idx="minor">
+            <a:schemeClr val="lt1"/>
+          </a:fontRef>
+        </p:style>
+        <p:txBody>
+          <a:bodyPr rtlCol="0" anchor="ctr"/>
+          <a:lstStyle/>
+          <a:p>
+            <a:pPr algn="ctr"/>
+            <a:endParaRPr lang="en-US"/>
+          </a:p>
+        </p:txBody>
+      </p:sp>
+      <p:sp>
+        <p:nvSpPr>
+          <p:cNvPr id="13" name="Rectangle 12"/>
+          <p:cNvSpPr/>
+          <p:nvPr/>
+        </p:nvSpPr>
+        <p:spPr>
+          <a:xfrm>
+            <a:off x="1230922" y="3767170"/>
+            <a:ext cx="339969" cy="378499"/>
+          </a:xfrm>
+          <a:prstGeom prst="rect">
+            <a:avLst/>
+          </a:prstGeom>
+          <a:solidFill>
+            <a:schemeClr val="accent1">
+              <a:lumMod val="50000"/>
+            </a:schemeClr>
+          </a:solidFill>
+          <a:ln>
+            <a:solidFill>
+              <a:schemeClr val="accent1">
+                <a:lumMod val="50000"/>
+              </a:schemeClr>
+            </a:solidFill>
+          </a:ln>
+        </p:spPr>
+        <p:style>
+          <a:lnRef idx="2">
+            <a:schemeClr val="accent1">
+              <a:shade val="50000"/>
+            </a:schemeClr>
+          </a:lnRef>
+          <a:fillRef idx="1">
+            <a:schemeClr val="accent1"/>
+          </a:fillRef>
+          <a:effectRef idx="0">
+            <a:schemeClr val="accent1"/>
+          </a:effectRef>
+          <a:fontRef idx="minor">
+            <a:schemeClr val="lt1"/>
+          </a:fontRef>
+        </p:style>
+        <p:txBody>
+          <a:bodyPr rtlCol="0" anchor="ctr"/>
+          <a:lstStyle/>
+          <a:p>
+            <a:pPr algn="ctr"/>
+            <a:endParaRPr lang="en-US"/>
+          </a:p>
+        </p:txBody>
+      </p:sp>
+      <p:sp>
+        <p:nvSpPr>
+          <p:cNvPr id="14" name="Rectangle 13"/>
+          <p:cNvSpPr/>
+          <p:nvPr/>
+        </p:nvSpPr>
+        <p:spPr>
+          <a:xfrm>
+            <a:off x="2268416" y="4726062"/>
+            <a:ext cx="339969" cy="378499"/>
+          </a:xfrm>
+          <a:prstGeom prst="rect">
+            <a:avLst/>
+          </a:prstGeom>
+          <a:solidFill>
+            <a:schemeClr val="accent1">
+              <a:lumMod val="50000"/>
+            </a:schemeClr>
+          </a:solidFill>
+          <a:ln>
+            <a:solidFill>
+              <a:schemeClr val="accent1">
+                <a:lumMod val="50000"/>
+              </a:schemeClr>
+            </a:solidFill>
+          </a:ln>
+        </p:spPr>
+        <p:style>
+          <a:lnRef idx="2">
+            <a:schemeClr val="accent1">
+              <a:shade val="50000"/>
+            </a:schemeClr>
+          </a:lnRef>
+          <a:fillRef idx="1">
+            <a:schemeClr val="accent1"/>
+          </a:fillRef>
+          <a:effectRef idx="0">
+            <a:schemeClr val="accent1"/>
+          </a:effectRef>
+          <a:fontRef idx="minor">
+            <a:schemeClr val="lt1"/>
+          </a:fontRef>
+        </p:style>
+        <p:txBody>
+          <a:bodyPr rtlCol="0" anchor="ctr"/>
+          <a:lstStyle/>
+          <a:p>
+            <a:pPr algn="ctr"/>
+            <a:endParaRPr lang="en-US"/>
+          </a:p>
+        </p:txBody>
+      </p:sp>
+      <p:sp>
+        <p:nvSpPr>
+          <p:cNvPr id="15" name="Rectangle 14"/>
+          <p:cNvSpPr/>
+          <p:nvPr/>
+        </p:nvSpPr>
+        <p:spPr>
+          <a:xfrm>
+            <a:off x="3859288" y="3776731"/>
+            <a:ext cx="339969" cy="378499"/>
+          </a:xfrm>
+          <a:prstGeom prst="rect">
+            <a:avLst/>
+          </a:prstGeom>
+          <a:solidFill>
+            <a:schemeClr val="accent1">
+              <a:lumMod val="50000"/>
+            </a:schemeClr>
+          </a:solidFill>
+          <a:ln>
+            <a:solidFill>
+              <a:schemeClr val="accent1">
+                <a:lumMod val="50000"/>
+              </a:schemeClr>
+            </a:solidFill>
+          </a:ln>
+        </p:spPr>
+        <p:style>
+          <a:lnRef idx="2">
+            <a:schemeClr val="accent1">
+              <a:shade val="50000"/>
+            </a:schemeClr>
+          </a:lnRef>
+          <a:fillRef idx="1">
+            <a:schemeClr val="accent1"/>
+          </a:fillRef>
+          <a:effectRef idx="0">
+            <a:schemeClr val="accent1"/>
+          </a:effectRef>
+          <a:fontRef idx="minor">
+            <a:schemeClr val="lt1"/>
+          </a:fontRef>
+        </p:style>
+        <p:txBody>
+          <a:bodyPr rtlCol="0" anchor="ctr"/>
+          <a:lstStyle/>
+          <a:p>
+            <a:pPr algn="ctr"/>
+            <a:endParaRPr lang="en-US"/>
+          </a:p>
+        </p:txBody>
+      </p:sp>
+      <p:sp>
+        <p:nvSpPr>
+          <p:cNvPr id="16" name="Rectangle 15"/>
+          <p:cNvSpPr/>
+          <p:nvPr/>
+        </p:nvSpPr>
+        <p:spPr>
+          <a:xfrm>
+            <a:off x="5234337" y="4548522"/>
+            <a:ext cx="339969" cy="378499"/>
+          </a:xfrm>
+          <a:prstGeom prst="rect">
+            <a:avLst/>
+          </a:prstGeom>
+          <a:solidFill>
+            <a:schemeClr val="accent1">
+              <a:lumMod val="50000"/>
+            </a:schemeClr>
+          </a:solidFill>
+          <a:ln>
+            <a:solidFill>
+              <a:schemeClr val="accent1">
+                <a:lumMod val="50000"/>
+              </a:schemeClr>
+            </a:solidFill>
+          </a:ln>
+        </p:spPr>
+        <p:style>
+          <a:lnRef idx="2">
+            <a:schemeClr val="accent1">
+              <a:shade val="50000"/>
+            </a:schemeClr>
+          </a:lnRef>
+          <a:fillRef idx="1">
+            <a:schemeClr val="accent1"/>
+          </a:fillRef>
+          <a:effectRef idx="0">
+            <a:schemeClr val="accent1"/>
+          </a:effectRef>
+          <a:fontRef idx="minor">
+            <a:schemeClr val="lt1"/>
+          </a:fontRef>
+        </p:style>
+        <p:txBody>
+          <a:bodyPr rtlCol="0" anchor="ctr"/>
+          <a:lstStyle/>
+          <a:p>
+            <a:pPr algn="ctr"/>
+            <a:endParaRPr lang="en-US"/>
+          </a:p>
+        </p:txBody>
+      </p:sp>
+      <p:sp>
+        <p:nvSpPr>
+          <p:cNvPr id="17" name="Rectangle 16"/>
+          <p:cNvSpPr/>
+          <p:nvPr/>
+        </p:nvSpPr>
+        <p:spPr>
+          <a:xfrm>
+            <a:off x="2825254" y="5588517"/>
+            <a:ext cx="339969" cy="378499"/>
+          </a:xfrm>
+          <a:prstGeom prst="rect">
+            <a:avLst/>
+          </a:prstGeom>
+          <a:solidFill>
+            <a:schemeClr val="accent1">
+              <a:lumMod val="50000"/>
+            </a:schemeClr>
+          </a:solidFill>
+          <a:ln>
+            <a:solidFill>
+              <a:schemeClr val="accent1">
+                <a:lumMod val="50000"/>
+              </a:schemeClr>
+            </a:solidFill>
+          </a:ln>
+        </p:spPr>
+        <p:style>
+          <a:lnRef idx="2">
+            <a:schemeClr val="accent1">
+              <a:shade val="50000"/>
+            </a:schemeClr>
+          </a:lnRef>
+          <a:fillRef idx="1">
+            <a:schemeClr val="accent1"/>
+          </a:fillRef>
+          <a:effectRef idx="0">
+            <a:schemeClr val="accent1"/>
+          </a:effectRef>
+          <a:fontRef idx="minor">
+            <a:schemeClr val="lt1"/>
+          </a:fontRef>
+        </p:style>
+        <p:txBody>
+          <a:bodyPr rtlCol="0" anchor="ctr"/>
+          <a:lstStyle/>
+          <a:p>
+            <a:pPr algn="ctr"/>
+            <a:endParaRPr lang="en-US"/>
+          </a:p>
+        </p:txBody>
+      </p:sp>
+      <p:sp>
+        <p:nvSpPr>
+          <p:cNvPr id="18" name="Rectangle 17"/>
+          <p:cNvSpPr/>
+          <p:nvPr/>
+        </p:nvSpPr>
+        <p:spPr>
+          <a:xfrm>
+            <a:off x="4411051" y="5583535"/>
+            <a:ext cx="339969" cy="378499"/>
+          </a:xfrm>
+          <a:prstGeom prst="rect">
+            <a:avLst/>
+          </a:prstGeom>
+          <a:solidFill>
+            <a:schemeClr val="accent1">
+              <a:lumMod val="50000"/>
+            </a:schemeClr>
+          </a:solidFill>
+          <a:ln>
+            <a:solidFill>
+              <a:schemeClr val="accent1">
+                <a:lumMod val="50000"/>
+              </a:schemeClr>
+            </a:solidFill>
+          </a:ln>
+        </p:spPr>
+        <p:style>
+          <a:lnRef idx="2">
+            <a:schemeClr val="accent1">
+              <a:shade val="50000"/>
+            </a:schemeClr>
+          </a:lnRef>
+          <a:fillRef idx="1">
+            <a:schemeClr val="accent1"/>
+          </a:fillRef>
+          <a:effectRef idx="0">
+            <a:schemeClr val="accent1"/>
+          </a:effectRef>
+          <a:fontRef idx="minor">
+            <a:schemeClr val="lt1"/>
+          </a:fontRef>
+        </p:style>
+        <p:txBody>
+          <a:bodyPr rtlCol="0" anchor="ctr"/>
+          <a:lstStyle/>
+          <a:p>
+            <a:pPr algn="ctr"/>
+            <a:endParaRPr lang="en-US"/>
+          </a:p>
+        </p:txBody>
+      </p:sp>
+      <p:sp>
+        <p:nvSpPr>
+          <p:cNvPr id="19" name="Rectangle 18"/>
+          <p:cNvSpPr/>
+          <p:nvPr/>
+        </p:nvSpPr>
+        <p:spPr>
+          <a:xfrm>
+            <a:off x="6301651" y="5454576"/>
+            <a:ext cx="339969" cy="378499"/>
+          </a:xfrm>
+          <a:prstGeom prst="rect">
+            <a:avLst/>
+          </a:prstGeom>
+          <a:solidFill>
+            <a:schemeClr val="accent1">
+              <a:lumMod val="50000"/>
+            </a:schemeClr>
+          </a:solidFill>
+          <a:ln>
+            <a:solidFill>
+              <a:schemeClr val="accent1">
+                <a:lumMod val="50000"/>
+              </a:schemeClr>
+            </a:solidFill>
+          </a:ln>
+        </p:spPr>
+        <p:style>
+          <a:lnRef idx="2">
+            <a:schemeClr val="accent1">
+              <a:shade val="50000"/>
+            </a:schemeClr>
+          </a:lnRef>
+          <a:fillRef idx="1">
+            <a:schemeClr val="accent1"/>
+          </a:fillRef>
+          <a:effectRef idx="0">
+            <a:schemeClr val="accent1"/>
+          </a:effectRef>
+          <a:fontRef idx="minor">
+            <a:schemeClr val="lt1"/>
+          </a:fontRef>
+        </p:style>
+        <p:txBody>
+          <a:bodyPr rtlCol="0" anchor="ctr"/>
+          <a:lstStyle/>
+          <a:p>
+            <a:pPr algn="ctr"/>
+            <a:endParaRPr lang="en-US"/>
+          </a:p>
+        </p:txBody>
+      </p:sp>
+      <p:sp>
+        <p:nvSpPr>
+          <p:cNvPr id="20" name="Rectangle 19"/>
+          <p:cNvSpPr/>
+          <p:nvPr/>
+        </p:nvSpPr>
+        <p:spPr>
+          <a:xfrm>
+            <a:off x="8077150" y="5489702"/>
+            <a:ext cx="339969" cy="378499"/>
+          </a:xfrm>
+          <a:prstGeom prst="rect">
+            <a:avLst/>
+          </a:prstGeom>
+          <a:solidFill>
+            <a:schemeClr val="accent1">
+              <a:lumMod val="50000"/>
+            </a:schemeClr>
+          </a:solidFill>
+          <a:ln>
+            <a:solidFill>
+              <a:schemeClr val="accent1">
+                <a:lumMod val="50000"/>
+              </a:schemeClr>
+            </a:solidFill>
+          </a:ln>
+        </p:spPr>
+        <p:style>
+          <a:lnRef idx="2">
+            <a:schemeClr val="accent1">
+              <a:shade val="50000"/>
+            </a:schemeClr>
+          </a:lnRef>
+          <a:fillRef idx="1">
+            <a:schemeClr val="accent1"/>
+          </a:fillRef>
+          <a:effectRef idx="0">
+            <a:schemeClr val="accent1"/>
+          </a:effectRef>
+          <a:fontRef idx="minor">
+            <a:schemeClr val="lt1"/>
+          </a:fontRef>
+        </p:style>
+        <p:txBody>
+          <a:bodyPr rtlCol="0" anchor="ctr"/>
+          <a:lstStyle/>
+          <a:p>
+            <a:pPr algn="ctr"/>
+            <a:endParaRPr lang="en-US"/>
+          </a:p>
+        </p:txBody>
+      </p:sp>
+      <p:cxnSp>
+        <p:nvCxnSpPr>
+          <p:cNvPr id="22" name="Straight Arrow Connector 21"/>
+          <p:cNvCxnSpPr/>
+          <p:nvPr/>
+        </p:nvCxnSpPr>
+        <p:spPr>
+          <a:xfrm flipH="1">
+            <a:off x="2467710" y="2509701"/>
+            <a:ext cx="641316" cy="506484"/>
+          </a:xfrm>
+          <a:prstGeom prst="straightConnector1">
+            <a:avLst/>
+          </a:prstGeom>
+          <a:ln>
+            <a:tailEnd type="triangle"/>
+          </a:ln>
+        </p:spPr>
+        <p:style>
+          <a:lnRef idx="1">
+            <a:schemeClr val="accent1"/>
+          </a:lnRef>
+          <a:fillRef idx="0">
+            <a:schemeClr val="accent1"/>
+          </a:fillRef>
+          <a:effectRef idx="0">
+            <a:schemeClr val="accent1"/>
+          </a:effectRef>
+          <a:fontRef idx="minor">
+            <a:schemeClr val="tx1"/>
+          </a:fontRef>
+        </p:style>
+      </p:cxnSp>
+      <p:cxnSp>
+        <p:nvCxnSpPr>
+          <p:cNvPr id="25" name="Straight Arrow Connector 24"/>
+          <p:cNvCxnSpPr/>
+          <p:nvPr/>
+        </p:nvCxnSpPr>
+        <p:spPr>
+          <a:xfrm flipH="1">
+            <a:off x="1735019" y="3314271"/>
+            <a:ext cx="392722" cy="343329"/>
+          </a:xfrm>
+          <a:prstGeom prst="straightConnector1">
+            <a:avLst/>
+          </a:prstGeom>
+          <a:ln>
+            <a:tailEnd type="triangle"/>
+          </a:ln>
+        </p:spPr>
+        <p:style>
+          <a:lnRef idx="1">
+            <a:schemeClr val="accent1"/>
+          </a:lnRef>
+          <a:fillRef idx="0">
+            <a:schemeClr val="accent1"/>
+          </a:fillRef>
+          <a:effectRef idx="0">
+            <a:schemeClr val="accent1"/>
+          </a:effectRef>
+          <a:fontRef idx="minor">
+            <a:schemeClr val="tx1"/>
+          </a:fontRef>
+        </p:style>
+      </p:cxnSp>
+      <p:cxnSp>
+        <p:nvCxnSpPr>
+          <p:cNvPr id="27" name="Straight Arrow Connector 26"/>
+          <p:cNvCxnSpPr/>
+          <p:nvPr/>
+        </p:nvCxnSpPr>
+        <p:spPr>
+          <a:xfrm>
+            <a:off x="7268308" y="-1125415"/>
+            <a:ext cx="0" cy="0"/>
+          </a:xfrm>
+          <a:prstGeom prst="straightConnector1">
+            <a:avLst/>
+          </a:prstGeom>
+          <a:ln>
+            <a:tailEnd type="triangle"/>
+          </a:ln>
+        </p:spPr>
+        <p:style>
+          <a:lnRef idx="1">
+            <a:schemeClr val="accent1"/>
+          </a:lnRef>
+          <a:fillRef idx="0">
+            <a:schemeClr val="accent1"/>
+          </a:fillRef>
+          <a:effectRef idx="0">
+            <a:schemeClr val="accent1"/>
+          </a:effectRef>
+          <a:fontRef idx="minor">
+            <a:schemeClr val="tx1"/>
+          </a:fontRef>
+        </p:style>
+      </p:cxnSp>
+      <p:cxnSp>
+        <p:nvCxnSpPr>
+          <p:cNvPr id="29" name="Straight Arrow Connector 28"/>
+          <p:cNvCxnSpPr/>
+          <p:nvPr/>
+        </p:nvCxnSpPr>
+        <p:spPr>
+          <a:xfrm>
+            <a:off x="3540360" y="2509701"/>
+            <a:ext cx="744417" cy="506484"/>
+          </a:xfrm>
+          <a:prstGeom prst="straightConnector1">
+            <a:avLst/>
+          </a:prstGeom>
+          <a:ln>
+            <a:tailEnd type="triangle"/>
+          </a:ln>
+        </p:spPr>
+        <p:style>
+          <a:lnRef idx="1">
+            <a:schemeClr val="accent1"/>
+          </a:lnRef>
+          <a:fillRef idx="0">
+            <a:schemeClr val="accent1"/>
+          </a:fillRef>
+          <a:effectRef idx="0">
+            <a:schemeClr val="accent1"/>
+          </a:effectRef>
+          <a:fontRef idx="minor">
+            <a:schemeClr val="tx1"/>
+          </a:fontRef>
+        </p:style>
+      </p:cxnSp>
+      <p:cxnSp>
+        <p:nvCxnSpPr>
+          <p:cNvPr id="30" name="Straight Arrow Connector 29"/>
+          <p:cNvCxnSpPr/>
+          <p:nvPr/>
+        </p:nvCxnSpPr>
+        <p:spPr>
+          <a:xfrm>
+            <a:off x="4970573" y="3295144"/>
+            <a:ext cx="744417" cy="506484"/>
+          </a:xfrm>
+          <a:prstGeom prst="straightConnector1">
+            <a:avLst/>
+          </a:prstGeom>
+          <a:ln>
+            <a:tailEnd type="triangle"/>
+          </a:ln>
+        </p:spPr>
+        <p:style>
+          <a:lnRef idx="1">
+            <a:schemeClr val="accent1"/>
+          </a:lnRef>
+          <a:fillRef idx="0">
+            <a:schemeClr val="accent1"/>
+          </a:fillRef>
+          <a:effectRef idx="0">
+            <a:schemeClr val="accent1"/>
+          </a:effectRef>
+          <a:fontRef idx="minor">
+            <a:schemeClr val="tx1"/>
+          </a:fontRef>
+        </p:style>
+      </p:cxnSp>
+      <p:cxnSp>
+        <p:nvCxnSpPr>
+          <p:cNvPr id="31" name="Straight Arrow Connector 30"/>
+          <p:cNvCxnSpPr/>
+          <p:nvPr/>
+        </p:nvCxnSpPr>
+        <p:spPr>
+          <a:xfrm>
+            <a:off x="6201494" y="4092309"/>
+            <a:ext cx="744417" cy="506484"/>
+          </a:xfrm>
+          <a:prstGeom prst="straightConnector1">
+            <a:avLst/>
+          </a:prstGeom>
+          <a:ln>
+            <a:tailEnd type="triangle"/>
+          </a:ln>
+        </p:spPr>
+        <p:style>
+          <a:lnRef idx="1">
+            <a:schemeClr val="accent1"/>
+          </a:lnRef>
+          <a:fillRef idx="0">
+            <a:schemeClr val="accent1"/>
+          </a:fillRef>
+          <a:effectRef idx="0">
+            <a:schemeClr val="accent1"/>
+          </a:effectRef>
+          <a:fontRef idx="minor">
+            <a:schemeClr val="tx1"/>
+          </a:fontRef>
+        </p:style>
+      </p:cxnSp>
+      <p:cxnSp>
+        <p:nvCxnSpPr>
+          <p:cNvPr id="32" name="Straight Arrow Connector 31"/>
+          <p:cNvCxnSpPr/>
+          <p:nvPr/>
+        </p:nvCxnSpPr>
+        <p:spPr>
+          <a:xfrm>
+            <a:off x="7268296" y="4948092"/>
+            <a:ext cx="744417" cy="506484"/>
+          </a:xfrm>
+          <a:prstGeom prst="straightConnector1">
+            <a:avLst/>
+          </a:prstGeom>
+          <a:ln>
+            <a:tailEnd type="triangle"/>
+          </a:ln>
+        </p:spPr>
+        <p:style>
+          <a:lnRef idx="1">
+            <a:schemeClr val="accent1"/>
+          </a:lnRef>
+          <a:fillRef idx="0">
+            <a:schemeClr val="accent1"/>
+          </a:fillRef>
+          <a:effectRef idx="0">
+            <a:schemeClr val="accent1"/>
+          </a:effectRef>
+          <a:fontRef idx="minor">
+            <a:schemeClr val="tx1"/>
+          </a:fontRef>
+        </p:style>
+      </p:cxnSp>
+      <p:cxnSp>
+        <p:nvCxnSpPr>
+          <p:cNvPr id="34" name="Straight Arrow Connector 33"/>
+          <p:cNvCxnSpPr/>
+          <p:nvPr/>
+        </p:nvCxnSpPr>
+        <p:spPr>
+          <a:xfrm>
+            <a:off x="2414949" y="3353759"/>
+            <a:ext cx="445473" cy="447869"/>
+          </a:xfrm>
+          <a:prstGeom prst="straightConnector1">
+            <a:avLst/>
+          </a:prstGeom>
+          <a:ln>
+            <a:tailEnd type="triangle"/>
+          </a:ln>
+        </p:spPr>
+        <p:style>
+          <a:lnRef idx="1">
+            <a:schemeClr val="accent1"/>
+          </a:lnRef>
+          <a:fillRef idx="0">
+            <a:schemeClr val="accent1"/>
+          </a:fillRef>
+          <a:effectRef idx="0">
+            <a:schemeClr val="accent1"/>
+          </a:effectRef>
+          <a:fontRef idx="minor">
+            <a:schemeClr val="tx1"/>
+          </a:fontRef>
+        </p:style>
+      </p:cxnSp>
+      <p:cxnSp>
+        <p:nvCxnSpPr>
+          <p:cNvPr id="39" name="Straight Arrow Connector 38"/>
+          <p:cNvCxnSpPr/>
+          <p:nvPr/>
+        </p:nvCxnSpPr>
+        <p:spPr>
+          <a:xfrm>
+            <a:off x="3165223" y="4244710"/>
+            <a:ext cx="445473" cy="447869"/>
+          </a:xfrm>
+          <a:prstGeom prst="straightConnector1">
+            <a:avLst/>
+          </a:prstGeom>
+          <a:ln>
+            <a:tailEnd type="triangle"/>
+          </a:ln>
+        </p:spPr>
+        <p:style>
+          <a:lnRef idx="1">
+            <a:schemeClr val="accent1"/>
+          </a:lnRef>
+          <a:fillRef idx="0">
+            <a:schemeClr val="accent1"/>
+          </a:fillRef>
+          <a:effectRef idx="0">
+            <a:schemeClr val="accent1"/>
+          </a:effectRef>
+          <a:fontRef idx="minor">
+            <a:schemeClr val="tx1"/>
+          </a:fontRef>
+        </p:style>
+      </p:cxnSp>
+      <p:cxnSp>
+        <p:nvCxnSpPr>
+          <p:cNvPr id="40" name="Straight Arrow Connector 39"/>
+          <p:cNvCxnSpPr/>
+          <p:nvPr/>
+        </p:nvCxnSpPr>
+        <p:spPr>
+          <a:xfrm>
+            <a:off x="3845163" y="5135666"/>
+            <a:ext cx="445473" cy="447869"/>
+          </a:xfrm>
+          <a:prstGeom prst="straightConnector1">
+            <a:avLst/>
+          </a:prstGeom>
+          <a:ln>
+            <a:tailEnd type="triangle"/>
+          </a:ln>
+        </p:spPr>
+        <p:style>
+          <a:lnRef idx="1">
+            <a:schemeClr val="accent1"/>
+          </a:lnRef>
+          <a:fillRef idx="0">
+            <a:schemeClr val="accent1"/>
+          </a:fillRef>
+          <a:effectRef idx="0">
+            <a:schemeClr val="accent1"/>
+          </a:effectRef>
+          <a:fontRef idx="minor">
+            <a:schemeClr val="tx1"/>
+          </a:fontRef>
+        </p:style>
+      </p:cxnSp>
+      <p:cxnSp>
+        <p:nvCxnSpPr>
+          <p:cNvPr id="42" name="Straight Arrow Connector 41"/>
+          <p:cNvCxnSpPr/>
+          <p:nvPr/>
+        </p:nvCxnSpPr>
+        <p:spPr>
+          <a:xfrm flipH="1">
+            <a:off x="4237892" y="3373873"/>
+            <a:ext cx="275490" cy="332905"/>
+          </a:xfrm>
+          <a:prstGeom prst="straightConnector1">
+            <a:avLst/>
+          </a:prstGeom>
+          <a:ln>
+            <a:tailEnd type="triangle"/>
+          </a:ln>
+        </p:spPr>
+        <p:style>
+          <a:lnRef idx="1">
+            <a:schemeClr val="accent1"/>
+          </a:lnRef>
+          <a:fillRef idx="0">
+            <a:schemeClr val="accent1"/>
+          </a:fillRef>
+          <a:effectRef idx="0">
+            <a:schemeClr val="accent1"/>
+          </a:effectRef>
+          <a:fontRef idx="minor">
+            <a:schemeClr val="tx1"/>
+          </a:fontRef>
+        </p:style>
+      </p:cxnSp>
+      <p:cxnSp>
+        <p:nvCxnSpPr>
+          <p:cNvPr id="46" name="Straight Arrow Connector 45"/>
+          <p:cNvCxnSpPr/>
+          <p:nvPr/>
+        </p:nvCxnSpPr>
+        <p:spPr>
+          <a:xfrm flipH="1">
+            <a:off x="5621214" y="4124147"/>
+            <a:ext cx="275490" cy="332905"/>
+          </a:xfrm>
+          <a:prstGeom prst="straightConnector1">
+            <a:avLst/>
+          </a:prstGeom>
+          <a:ln>
+            <a:tailEnd type="triangle"/>
+          </a:ln>
+        </p:spPr>
+        <p:style>
+          <a:lnRef idx="1">
+            <a:schemeClr val="accent1"/>
+          </a:lnRef>
+          <a:fillRef idx="0">
+            <a:schemeClr val="accent1"/>
+          </a:fillRef>
+          <a:effectRef idx="0">
+            <a:schemeClr val="accent1"/>
+          </a:effectRef>
+          <a:fontRef idx="minor">
+            <a:schemeClr val="tx1"/>
+          </a:fontRef>
+        </p:style>
+      </p:cxnSp>
+      <p:cxnSp>
+        <p:nvCxnSpPr>
+          <p:cNvPr id="47" name="Straight Arrow Connector 46"/>
+          <p:cNvCxnSpPr/>
+          <p:nvPr/>
+        </p:nvCxnSpPr>
+        <p:spPr>
+          <a:xfrm flipH="1">
+            <a:off x="6676286" y="4968206"/>
+            <a:ext cx="275490" cy="332905"/>
+          </a:xfrm>
+          <a:prstGeom prst="straightConnector1">
+            <a:avLst/>
+          </a:prstGeom>
+          <a:ln>
+            <a:tailEnd type="triangle"/>
+          </a:ln>
+        </p:spPr>
+        <p:style>
+          <a:lnRef idx="1">
+            <a:schemeClr val="accent1"/>
+          </a:lnRef>
+          <a:fillRef idx="0">
+            <a:schemeClr val="accent1"/>
+          </a:fillRef>
+          <a:effectRef idx="0">
+            <a:schemeClr val="accent1"/>
+          </a:effectRef>
+          <a:fontRef idx="minor">
+            <a:schemeClr val="tx1"/>
+          </a:fontRef>
+        </p:style>
+      </p:cxnSp>
+      <p:cxnSp>
+        <p:nvCxnSpPr>
+          <p:cNvPr id="48" name="Straight Arrow Connector 47"/>
+          <p:cNvCxnSpPr/>
+          <p:nvPr/>
+        </p:nvCxnSpPr>
+        <p:spPr>
+          <a:xfrm flipH="1">
+            <a:off x="2608389" y="4264823"/>
+            <a:ext cx="275490" cy="332905"/>
+          </a:xfrm>
+          <a:prstGeom prst="straightConnector1">
+            <a:avLst/>
+          </a:prstGeom>
+          <a:ln>
+            <a:tailEnd type="triangle"/>
+          </a:ln>
+        </p:spPr>
+        <p:style>
+          <a:lnRef idx="1">
+            <a:schemeClr val="accent1"/>
+          </a:lnRef>
+          <a:fillRef idx="0">
+            <a:schemeClr val="accent1"/>
+          </a:fillRef>
+          <a:effectRef idx="0">
+            <a:schemeClr val="accent1"/>
+          </a:effectRef>
+          <a:fontRef idx="minor">
+            <a:schemeClr val="tx1"/>
+          </a:fontRef>
+        </p:style>
+      </p:cxnSp>
+      <p:cxnSp>
+        <p:nvCxnSpPr>
+          <p:cNvPr id="49" name="Straight Arrow Connector 48"/>
+          <p:cNvCxnSpPr/>
+          <p:nvPr/>
+        </p:nvCxnSpPr>
+        <p:spPr>
+          <a:xfrm flipH="1">
+            <a:off x="3206264" y="5120610"/>
+            <a:ext cx="275490" cy="332905"/>
+          </a:xfrm>
+          <a:prstGeom prst="straightConnector1">
+            <a:avLst/>
+          </a:prstGeom>
+          <a:ln>
+            <a:tailEnd type="triangle"/>
+          </a:ln>
+        </p:spPr>
+        <p:style>
+          <a:lnRef idx="1">
+            <a:schemeClr val="accent1"/>
+          </a:lnRef>
+          <a:fillRef idx="0">
+            <a:schemeClr val="accent1"/>
+          </a:fillRef>
+          <a:effectRef idx="0">
+            <a:schemeClr val="accent1"/>
+          </a:effectRef>
+          <a:fontRef idx="minor">
+            <a:schemeClr val="tx1"/>
+          </a:fontRef>
+        </p:style>
+      </p:cxnSp>
+      <p:sp>
+        <p:nvSpPr>
+          <p:cNvPr id="50" name="TextBox 49"/>
           <p:cNvSpPr txBox="1"/>
           <p:nvPr/>
         </p:nvSpPr>
         <p:spPr>
           <a:xfrm>
-            <a:off x="7104185" y="2600482"/>
-            <a:ext cx="3763107" cy="523220"/>
+            <a:off x="2520453" y="2410939"/>
+            <a:ext cx="339969" cy="369332"/>
           </a:xfrm>
           <a:prstGeom prst="rect">
             <a:avLst/>
@@ -8215,18 +7610,628 @@
           </a:bodyPr>
           <a:lstStyle/>
           <a:p>
-            <a:pPr algn="r"/>
-            <a:r>
-              <a:rPr lang="fa-IR" sz="2800" dirty="0"/>
-              <a:t>ساخت، رنگ و پیمایش: </a:t>
-            </a:r>
-            <a:endParaRPr lang="en-US" sz="2800" dirty="0"/>
+            <a:r>
+              <a:rPr lang="en-US" dirty="0"/>
+              <a:t>A</a:t>
+            </a:r>
+          </a:p>
+        </p:txBody>
+      </p:sp>
+      <p:sp>
+        <p:nvSpPr>
+          <p:cNvPr id="51" name="TextBox 50"/>
+          <p:cNvSpPr txBox="1"/>
+          <p:nvPr/>
+        </p:nvSpPr>
+        <p:spPr>
+          <a:xfrm>
+            <a:off x="3781907" y="2341837"/>
+            <a:ext cx="785434" cy="369332"/>
+          </a:xfrm>
+          <a:prstGeom prst="rect">
+            <a:avLst/>
+          </a:prstGeom>
+          <a:noFill/>
+        </p:spPr>
+        <p:txBody>
+          <a:bodyPr wrap="square" rtlCol="0">
+            <a:spAutoFit/>
+          </a:bodyPr>
+          <a:lstStyle/>
+          <a:p>
+            <a:r>
+              <a:rPr lang="en-US" dirty="0"/>
+              <a:t>B</a:t>
+            </a:r>
+          </a:p>
+        </p:txBody>
+      </p:sp>
+      <p:sp>
+        <p:nvSpPr>
+          <p:cNvPr id="52" name="TextBox 51"/>
+          <p:cNvSpPr txBox="1"/>
+          <p:nvPr/>
+        </p:nvSpPr>
+        <p:spPr>
+          <a:xfrm>
+            <a:off x="5233118" y="3208361"/>
+            <a:ext cx="339969" cy="369332"/>
+          </a:xfrm>
+          <a:prstGeom prst="rect">
+            <a:avLst/>
+          </a:prstGeom>
+          <a:noFill/>
+        </p:spPr>
+        <p:txBody>
+          <a:bodyPr wrap="square" rtlCol="0">
+            <a:spAutoFit/>
+          </a:bodyPr>
+          <a:lstStyle/>
+          <a:p>
+            <a:r>
+              <a:rPr lang="en-US" dirty="0"/>
+              <a:t>A</a:t>
+            </a:r>
+          </a:p>
+        </p:txBody>
+      </p:sp>
+      <p:sp>
+        <p:nvSpPr>
+          <p:cNvPr id="53" name="TextBox 52"/>
+          <p:cNvSpPr txBox="1"/>
+          <p:nvPr/>
+        </p:nvSpPr>
+        <p:spPr>
+          <a:xfrm>
+            <a:off x="3311769" y="4145669"/>
+            <a:ext cx="339969" cy="369332"/>
+          </a:xfrm>
+          <a:prstGeom prst="rect">
+            <a:avLst/>
+          </a:prstGeom>
+          <a:noFill/>
+        </p:spPr>
+        <p:txBody>
+          <a:bodyPr wrap="square" rtlCol="0">
+            <a:spAutoFit/>
+          </a:bodyPr>
+          <a:lstStyle/>
+          <a:p>
+            <a:r>
+              <a:rPr lang="en-US" dirty="0"/>
+              <a:t>A</a:t>
+            </a:r>
+          </a:p>
+        </p:txBody>
+      </p:sp>
+      <p:sp>
+        <p:nvSpPr>
+          <p:cNvPr id="54" name="TextBox 53"/>
+          <p:cNvSpPr txBox="1"/>
+          <p:nvPr/>
+        </p:nvSpPr>
+        <p:spPr>
+          <a:xfrm>
+            <a:off x="2520453" y="3231466"/>
+            <a:ext cx="785434" cy="369332"/>
+          </a:xfrm>
+          <a:prstGeom prst="rect">
+            <a:avLst/>
+          </a:prstGeom>
+          <a:noFill/>
+        </p:spPr>
+        <p:txBody>
+          <a:bodyPr wrap="square" rtlCol="0">
+            <a:spAutoFit/>
+          </a:bodyPr>
+          <a:lstStyle/>
+          <a:p>
+            <a:r>
+              <a:rPr lang="en-US" dirty="0"/>
+              <a:t>B</a:t>
+            </a:r>
+          </a:p>
+        </p:txBody>
+      </p:sp>
+      <p:sp>
+        <p:nvSpPr>
+          <p:cNvPr id="55" name="TextBox 54"/>
+          <p:cNvSpPr txBox="1"/>
+          <p:nvPr/>
+        </p:nvSpPr>
+        <p:spPr>
+          <a:xfrm>
+            <a:off x="6476981" y="4000851"/>
+            <a:ext cx="785434" cy="369332"/>
+          </a:xfrm>
+          <a:prstGeom prst="rect">
+            <a:avLst/>
+          </a:prstGeom>
+          <a:noFill/>
+        </p:spPr>
+        <p:txBody>
+          <a:bodyPr wrap="square" rtlCol="0">
+            <a:spAutoFit/>
+          </a:bodyPr>
+          <a:lstStyle/>
+          <a:p>
+            <a:r>
+              <a:rPr lang="en-US" dirty="0"/>
+              <a:t>B</a:t>
+            </a:r>
+          </a:p>
+        </p:txBody>
+      </p:sp>
+      <p:sp>
+        <p:nvSpPr>
+          <p:cNvPr id="56" name="TextBox 55"/>
+          <p:cNvSpPr txBox="1"/>
+          <p:nvPr/>
+        </p:nvSpPr>
+        <p:spPr>
+          <a:xfrm>
+            <a:off x="1164191" y="3747447"/>
+            <a:ext cx="896819" cy="369332"/>
+          </a:xfrm>
+          <a:prstGeom prst="rect">
+            <a:avLst/>
+          </a:prstGeom>
+          <a:noFill/>
+        </p:spPr>
+        <p:txBody>
+          <a:bodyPr wrap="square" rtlCol="0">
+            <a:spAutoFit/>
+          </a:bodyPr>
+          <a:lstStyle/>
+          <a:p>
+            <a:r>
+              <a:rPr lang="en-US" dirty="0">
+                <a:solidFill>
+                  <a:schemeClr val="bg1"/>
+                </a:solidFill>
+              </a:rPr>
+              <a:t>1:3</a:t>
+            </a:r>
+          </a:p>
+        </p:txBody>
+      </p:sp>
+      <p:sp>
+        <p:nvSpPr>
+          <p:cNvPr id="57" name="TextBox 56"/>
+          <p:cNvSpPr txBox="1"/>
+          <p:nvPr/>
+        </p:nvSpPr>
+        <p:spPr>
+          <a:xfrm>
+            <a:off x="3789482" y="3770725"/>
+            <a:ext cx="896819" cy="369332"/>
+          </a:xfrm>
+          <a:prstGeom prst="rect">
+            <a:avLst/>
+          </a:prstGeom>
+          <a:noFill/>
+        </p:spPr>
+        <p:txBody>
+          <a:bodyPr wrap="square" rtlCol="0">
+            <a:spAutoFit/>
+          </a:bodyPr>
+          <a:lstStyle/>
+          <a:p>
+            <a:r>
+              <a:rPr lang="en-US" dirty="0">
+                <a:solidFill>
+                  <a:schemeClr val="bg1"/>
+                </a:solidFill>
+              </a:rPr>
+              <a:t>0:3</a:t>
+            </a:r>
+          </a:p>
+        </p:txBody>
+      </p:sp>
+      <p:sp>
+        <p:nvSpPr>
+          <p:cNvPr id="58" name="TextBox 57"/>
+          <p:cNvSpPr txBox="1"/>
+          <p:nvPr/>
+        </p:nvSpPr>
+        <p:spPr>
+          <a:xfrm>
+            <a:off x="2212207" y="4743791"/>
+            <a:ext cx="896819" cy="369332"/>
+          </a:xfrm>
+          <a:prstGeom prst="rect">
+            <a:avLst/>
+          </a:prstGeom>
+          <a:noFill/>
+        </p:spPr>
+        <p:txBody>
+          <a:bodyPr wrap="square" rtlCol="0">
+            <a:spAutoFit/>
+          </a:bodyPr>
+          <a:lstStyle/>
+          <a:p>
+            <a:r>
+              <a:rPr lang="en-US" dirty="0">
+                <a:solidFill>
+                  <a:schemeClr val="bg1"/>
+                </a:solidFill>
+              </a:rPr>
+              <a:t>0:2</a:t>
+            </a:r>
+          </a:p>
+        </p:txBody>
+      </p:sp>
+      <p:sp>
+        <p:nvSpPr>
+          <p:cNvPr id="59" name="TextBox 58"/>
+          <p:cNvSpPr txBox="1"/>
+          <p:nvPr/>
+        </p:nvSpPr>
+        <p:spPr>
+          <a:xfrm>
+            <a:off x="2796467" y="5575189"/>
+            <a:ext cx="896819" cy="369332"/>
+          </a:xfrm>
+          <a:prstGeom prst="rect">
+            <a:avLst/>
+          </a:prstGeom>
+          <a:noFill/>
+        </p:spPr>
+        <p:txBody>
+          <a:bodyPr wrap="square" rtlCol="0">
+            <a:spAutoFit/>
+          </a:bodyPr>
+          <a:lstStyle/>
+          <a:p>
+            <a:r>
+              <a:rPr lang="en-US" dirty="0">
+                <a:solidFill>
+                  <a:schemeClr val="bg1"/>
+                </a:solidFill>
+              </a:rPr>
+              <a:t>1:1</a:t>
+            </a:r>
+          </a:p>
+        </p:txBody>
+      </p:sp>
+      <p:sp>
+        <p:nvSpPr>
+          <p:cNvPr id="60" name="TextBox 59"/>
+          <p:cNvSpPr txBox="1"/>
+          <p:nvPr/>
+        </p:nvSpPr>
+        <p:spPr>
+          <a:xfrm>
+            <a:off x="4347098" y="5575189"/>
+            <a:ext cx="896819" cy="369332"/>
+          </a:xfrm>
+          <a:prstGeom prst="rect">
+            <a:avLst/>
+          </a:prstGeom>
+          <a:noFill/>
+        </p:spPr>
+        <p:txBody>
+          <a:bodyPr wrap="square" rtlCol="0">
+            <a:spAutoFit/>
+          </a:bodyPr>
+          <a:lstStyle/>
+          <a:p>
+            <a:r>
+              <a:rPr lang="en-US" dirty="0">
+                <a:solidFill>
+                  <a:schemeClr val="bg1"/>
+                </a:solidFill>
+              </a:rPr>
+              <a:t>0:0</a:t>
+            </a:r>
+          </a:p>
+        </p:txBody>
+      </p:sp>
+      <p:sp>
+        <p:nvSpPr>
+          <p:cNvPr id="61" name="TextBox 60"/>
+          <p:cNvSpPr txBox="1"/>
+          <p:nvPr/>
+        </p:nvSpPr>
+        <p:spPr>
+          <a:xfrm>
+            <a:off x="6246712" y="5469748"/>
+            <a:ext cx="896819" cy="369332"/>
+          </a:xfrm>
+          <a:prstGeom prst="rect">
+            <a:avLst/>
+          </a:prstGeom>
+          <a:noFill/>
+        </p:spPr>
+        <p:txBody>
+          <a:bodyPr wrap="square" rtlCol="0">
+            <a:spAutoFit/>
+          </a:bodyPr>
+          <a:lstStyle/>
+          <a:p>
+            <a:r>
+              <a:rPr lang="en-US" dirty="0">
+                <a:solidFill>
+                  <a:schemeClr val="bg1"/>
+                </a:solidFill>
+              </a:rPr>
+              <a:t>0:1</a:t>
+            </a:r>
+          </a:p>
+        </p:txBody>
+      </p:sp>
+      <p:sp>
+        <p:nvSpPr>
+          <p:cNvPr id="62" name="TextBox 61"/>
+          <p:cNvSpPr txBox="1"/>
+          <p:nvPr/>
+        </p:nvSpPr>
+        <p:spPr>
+          <a:xfrm>
+            <a:off x="8012713" y="5470537"/>
+            <a:ext cx="896819" cy="369332"/>
+          </a:xfrm>
+          <a:prstGeom prst="rect">
+            <a:avLst/>
+          </a:prstGeom>
+          <a:noFill/>
+        </p:spPr>
+        <p:txBody>
+          <a:bodyPr wrap="square" rtlCol="0">
+            <a:spAutoFit/>
+          </a:bodyPr>
+          <a:lstStyle/>
+          <a:p>
+            <a:r>
+              <a:rPr lang="en-US" dirty="0">
+                <a:solidFill>
+                  <a:schemeClr val="bg1"/>
+                </a:solidFill>
+              </a:rPr>
+              <a:t>1:0</a:t>
+            </a:r>
+          </a:p>
+        </p:txBody>
+      </p:sp>
+      <p:sp>
+        <p:nvSpPr>
+          <p:cNvPr id="63" name="TextBox 62"/>
+          <p:cNvSpPr txBox="1"/>
+          <p:nvPr/>
+        </p:nvSpPr>
+        <p:spPr>
+          <a:xfrm>
+            <a:off x="5172779" y="4545979"/>
+            <a:ext cx="896819" cy="369332"/>
+          </a:xfrm>
+          <a:prstGeom prst="rect">
+            <a:avLst/>
+          </a:prstGeom>
+          <a:noFill/>
+        </p:spPr>
+        <p:txBody>
+          <a:bodyPr wrap="square" rtlCol="0">
+            <a:spAutoFit/>
+          </a:bodyPr>
+          <a:lstStyle/>
+          <a:p>
+            <a:r>
+              <a:rPr lang="en-US" dirty="0">
+                <a:solidFill>
+                  <a:schemeClr val="bg1"/>
+                </a:solidFill>
+              </a:rPr>
+              <a:t>1:2</a:t>
+            </a:r>
+          </a:p>
+        </p:txBody>
+      </p:sp>
+      <p:sp>
+        <p:nvSpPr>
+          <p:cNvPr id="64" name="TextBox 63"/>
+          <p:cNvSpPr txBox="1"/>
+          <p:nvPr/>
+        </p:nvSpPr>
+        <p:spPr>
+          <a:xfrm>
+            <a:off x="1652434" y="3177575"/>
+            <a:ext cx="1473494" cy="369332"/>
+          </a:xfrm>
+          <a:prstGeom prst="rect">
+            <a:avLst/>
+          </a:prstGeom>
+          <a:noFill/>
+        </p:spPr>
+        <p:txBody>
+          <a:bodyPr wrap="square" rtlCol="0">
+            <a:spAutoFit/>
+          </a:bodyPr>
+          <a:lstStyle/>
+          <a:p>
+            <a:r>
+              <a:rPr lang="en-US" dirty="0"/>
+              <a:t>$1</a:t>
+            </a:r>
+          </a:p>
+        </p:txBody>
+      </p:sp>
+      <p:sp>
+        <p:nvSpPr>
+          <p:cNvPr id="66" name="TextBox 65"/>
+          <p:cNvSpPr txBox="1"/>
+          <p:nvPr/>
+        </p:nvSpPr>
+        <p:spPr>
+          <a:xfrm>
+            <a:off x="4053867" y="3257346"/>
+            <a:ext cx="1473494" cy="369332"/>
+          </a:xfrm>
+          <a:prstGeom prst="rect">
+            <a:avLst/>
+          </a:prstGeom>
+          <a:noFill/>
+        </p:spPr>
+        <p:txBody>
+          <a:bodyPr wrap="square" rtlCol="0">
+            <a:spAutoFit/>
+          </a:bodyPr>
+          <a:lstStyle/>
+          <a:p>
+            <a:r>
+              <a:rPr lang="en-US" dirty="0"/>
+              <a:t>$0</a:t>
+            </a:r>
+          </a:p>
+        </p:txBody>
+      </p:sp>
+      <p:sp>
+        <p:nvSpPr>
+          <p:cNvPr id="67" name="TextBox 66"/>
+          <p:cNvSpPr txBox="1"/>
+          <p:nvPr/>
+        </p:nvSpPr>
+        <p:spPr>
+          <a:xfrm>
+            <a:off x="5464747" y="4000297"/>
+            <a:ext cx="1473494" cy="369332"/>
+          </a:xfrm>
+          <a:prstGeom prst="rect">
+            <a:avLst/>
+          </a:prstGeom>
+          <a:noFill/>
+        </p:spPr>
+        <p:txBody>
+          <a:bodyPr wrap="square" rtlCol="0">
+            <a:spAutoFit/>
+          </a:bodyPr>
+          <a:lstStyle/>
+          <a:p>
+            <a:r>
+              <a:rPr lang="en-US" dirty="0"/>
+              <a:t>$1</a:t>
+            </a:r>
+          </a:p>
+        </p:txBody>
+      </p:sp>
+      <p:sp>
+        <p:nvSpPr>
+          <p:cNvPr id="68" name="TextBox 67"/>
+          <p:cNvSpPr txBox="1"/>
+          <p:nvPr/>
+        </p:nvSpPr>
+        <p:spPr>
+          <a:xfrm>
+            <a:off x="3093847" y="4982782"/>
+            <a:ext cx="1473494" cy="369332"/>
+          </a:xfrm>
+          <a:prstGeom prst="rect">
+            <a:avLst/>
+          </a:prstGeom>
+          <a:noFill/>
+        </p:spPr>
+        <p:txBody>
+          <a:bodyPr wrap="square" rtlCol="0">
+            <a:spAutoFit/>
+          </a:bodyPr>
+          <a:lstStyle/>
+          <a:p>
+            <a:r>
+              <a:rPr lang="en-US" dirty="0"/>
+              <a:t>$1</a:t>
+            </a:r>
+          </a:p>
+        </p:txBody>
+      </p:sp>
+      <p:sp>
+        <p:nvSpPr>
+          <p:cNvPr id="69" name="TextBox 68"/>
+          <p:cNvSpPr txBox="1"/>
+          <p:nvPr/>
+        </p:nvSpPr>
+        <p:spPr>
+          <a:xfrm>
+            <a:off x="7510387" y="4889052"/>
+            <a:ext cx="1473494" cy="369332"/>
+          </a:xfrm>
+          <a:prstGeom prst="rect">
+            <a:avLst/>
+          </a:prstGeom>
+          <a:noFill/>
+        </p:spPr>
+        <p:txBody>
+          <a:bodyPr wrap="square" rtlCol="0">
+            <a:spAutoFit/>
+          </a:bodyPr>
+          <a:lstStyle/>
+          <a:p>
+            <a:r>
+              <a:rPr lang="en-US" dirty="0"/>
+              <a:t>$1</a:t>
+            </a:r>
+          </a:p>
+        </p:txBody>
+      </p:sp>
+      <p:sp>
+        <p:nvSpPr>
+          <p:cNvPr id="70" name="TextBox 69"/>
+          <p:cNvSpPr txBox="1"/>
+          <p:nvPr/>
+        </p:nvSpPr>
+        <p:spPr>
+          <a:xfrm>
+            <a:off x="2458373" y="4148282"/>
+            <a:ext cx="1473494" cy="369332"/>
+          </a:xfrm>
+          <a:prstGeom prst="rect">
+            <a:avLst/>
+          </a:prstGeom>
+          <a:noFill/>
+        </p:spPr>
+        <p:txBody>
+          <a:bodyPr wrap="square" rtlCol="0">
+            <a:spAutoFit/>
+          </a:bodyPr>
+          <a:lstStyle/>
+          <a:p>
+            <a:r>
+              <a:rPr lang="en-US" dirty="0"/>
+              <a:t>$0</a:t>
+            </a:r>
+          </a:p>
+        </p:txBody>
+      </p:sp>
+      <p:sp>
+        <p:nvSpPr>
+          <p:cNvPr id="71" name="TextBox 70"/>
+          <p:cNvSpPr txBox="1"/>
+          <p:nvPr/>
+        </p:nvSpPr>
+        <p:spPr>
+          <a:xfrm>
+            <a:off x="6503422" y="4873091"/>
+            <a:ext cx="1473494" cy="369332"/>
+          </a:xfrm>
+          <a:prstGeom prst="rect">
+            <a:avLst/>
+          </a:prstGeom>
+          <a:noFill/>
+        </p:spPr>
+        <p:txBody>
+          <a:bodyPr wrap="square" rtlCol="0">
+            <a:spAutoFit/>
+          </a:bodyPr>
+          <a:lstStyle/>
+          <a:p>
+            <a:r>
+              <a:rPr lang="en-US" dirty="0"/>
+              <a:t>$0</a:t>
+            </a:r>
           </a:p>
         </p:txBody>
       </p:sp>
       <p:pic>
         <p:nvPicPr>
-          <p:cNvPr id="4" name="Picture 3"/>
+          <p:cNvPr id="72" name="Picture 71"/>
           <p:cNvPicPr>
             <a:picLocks noChangeAspect="1"/>
           </p:cNvPicPr>
@@ -8240,8 +8245,62 @@
         </p:blipFill>
         <p:spPr>
           <a:xfrm>
-            <a:off x="5679492" y="2651623"/>
-            <a:ext cx="2153169" cy="502930"/>
+            <a:off x="7096414" y="3164649"/>
+            <a:ext cx="1889984" cy="413043"/>
+          </a:xfrm>
+          <a:prstGeom prst="rect">
+            <a:avLst/>
+          </a:prstGeom>
+        </p:spPr>
+      </p:pic>
+      <p:sp>
+        <p:nvSpPr>
+          <p:cNvPr id="73" name="TextBox 72"/>
+          <p:cNvSpPr txBox="1"/>
+          <p:nvPr/>
+        </p:nvSpPr>
+        <p:spPr>
+          <a:xfrm>
+            <a:off x="9214338" y="3208361"/>
+            <a:ext cx="2015123" cy="369332"/>
+          </a:xfrm>
+          <a:prstGeom prst="rect">
+            <a:avLst/>
+          </a:prstGeom>
+          <a:noFill/>
+        </p:spPr>
+        <p:txBody>
+          <a:bodyPr wrap="square" rtlCol="0">
+            <a:spAutoFit/>
+          </a:bodyPr>
+          <a:lstStyle/>
+          <a:p>
+            <a:r>
+              <a:rPr lang="fa-IR" dirty="0"/>
+              <a:t>پیدا کردن همه جواب ها:</a:t>
+            </a:r>
+            <a:endParaRPr lang="en-US" dirty="0"/>
+          </a:p>
+        </p:txBody>
+      </p:sp>
+      <p:pic>
+        <p:nvPicPr>
+          <p:cNvPr id="74" name="Picture 73"/>
+          <p:cNvPicPr>
+            <a:picLocks noChangeAspect="1"/>
+          </p:cNvPicPr>
+          <p:nvPr/>
+        </p:nvPicPr>
+        <p:blipFill>
+          <a:blip r:embed="rId3"/>
+          <a:stretch>
+            <a:fillRect/>
+          </a:stretch>
+        </p:blipFill>
+        <p:spPr>
+          <a:xfrm>
+            <a:off x="8446460" y="4116779"/>
+            <a:ext cx="3220029" cy="464148"/>
           </a:xfrm>
           <a:prstGeom prst="rect">
             <a:avLst/>
@@ -8251,7 +8310,7 @@
     </p:spTree>
     <p:extLst>
       <p:ext uri="{BB962C8B-B14F-4D97-AF65-F5344CB8AC3E}">
-        <p14:creationId xmlns:p14="http://schemas.microsoft.com/office/powerpoint/2010/main" val="2760506763"/>
+        <p14:creationId xmlns:p14="http://schemas.microsoft.com/office/powerpoint/2010/main" val="2867097691"/>
       </p:ext>
     </p:extLst>
   </p:cSld>
@@ -8292,6 +8351,146 @@
       </p:grpSpPr>
       <p:sp>
         <p:nvSpPr>
+          <p:cNvPr id="2" name="Title 1"/>
+          <p:cNvSpPr>
+            <a:spLocks noGrp="1"/>
+          </p:cNvSpPr>
+          <p:nvPr>
+            <p:ph type="title"/>
+          </p:nvPr>
+        </p:nvSpPr>
+        <p:spPr>
+          <a:xfrm>
+            <a:off x="1097280" y="227988"/>
+            <a:ext cx="10058400" cy="1450757"/>
+          </a:xfrm>
+        </p:spPr>
+        <p:txBody>
+          <a:bodyPr/>
+          <a:lstStyle/>
+          <a:p>
+            <a:pPr algn="r"/>
+            <a:r>
+              <a:rPr lang="fa-IR" dirty="0">
+                <a:solidFill>
+                  <a:schemeClr val="tx1">
+                    <a:lumMod val="95000"/>
+                    <a:lumOff val="5000"/>
+                  </a:schemeClr>
+                </a:solidFill>
+              </a:rPr>
+              <a:t>طولانی ترین زیر رشته مشترک</a:t>
+            </a:r>
+            <a:endParaRPr lang="en-US" dirty="0">
+              <a:solidFill>
+                <a:schemeClr val="tx1">
+                  <a:lumMod val="95000"/>
+                  <a:lumOff val="5000"/>
+                </a:schemeClr>
+              </a:solidFill>
+            </a:endParaRPr>
+          </a:p>
+        </p:txBody>
+      </p:sp>
+      <p:sp>
+        <p:nvSpPr>
+          <p:cNvPr id="3" name="TextBox 2"/>
+          <p:cNvSpPr txBox="1"/>
+          <p:nvPr/>
+        </p:nvSpPr>
+        <p:spPr>
+          <a:xfrm>
+            <a:off x="7104185" y="2600482"/>
+            <a:ext cx="3763107" cy="523220"/>
+          </a:xfrm>
+          <a:prstGeom prst="rect">
+            <a:avLst/>
+          </a:prstGeom>
+          <a:noFill/>
+        </p:spPr>
+        <p:txBody>
+          <a:bodyPr wrap="square" rtlCol="0">
+            <a:spAutoFit/>
+          </a:bodyPr>
+          <a:lstStyle/>
+          <a:p>
+            <a:pPr algn="r"/>
+            <a:r>
+              <a:rPr lang="fa-IR" sz="2800" dirty="0"/>
+              <a:t>ساخت، رنگ و پیمایش: </a:t>
+            </a:r>
+            <a:endParaRPr lang="en-US" sz="2800" dirty="0"/>
+          </a:p>
+        </p:txBody>
+      </p:sp>
+      <p:pic>
+        <p:nvPicPr>
+          <p:cNvPr id="4" name="Picture 3"/>
+          <p:cNvPicPr>
+            <a:picLocks noChangeAspect="1"/>
+          </p:cNvPicPr>
+          <p:nvPr/>
+        </p:nvPicPr>
+        <p:blipFill>
+          <a:blip r:embed="rId2"/>
+          <a:stretch>
+            <a:fillRect/>
+          </a:stretch>
+        </p:blipFill>
+        <p:spPr>
+          <a:xfrm>
+            <a:off x="5679492" y="2651623"/>
+            <a:ext cx="2153169" cy="502930"/>
+          </a:xfrm>
+          <a:prstGeom prst="rect">
+            <a:avLst/>
+          </a:prstGeom>
+        </p:spPr>
+      </p:pic>
+    </p:spTree>
+    <p:extLst>
+      <p:ext uri="{BB962C8B-B14F-4D97-AF65-F5344CB8AC3E}">
+        <p14:creationId xmlns:p14="http://schemas.microsoft.com/office/powerpoint/2010/main" val="2760506763"/>
+      </p:ext>
+    </p:extLst>
+  </p:cSld>
+  <p:clrMapOvr>
+    <a:masterClrMapping/>
+  </p:clrMapOvr>
+  <mc:AlternateContent xmlns:mc="http://schemas.openxmlformats.org/markup-compatibility/2006" xmlns:p14="http://schemas.microsoft.com/office/powerpoint/2010/main">
+    <mc:Choice Requires="p14">
+      <p:transition spd="med" p14:dur="700">
+        <p:fade/>
+      </p:transition>
+    </mc:Choice>
+    <mc:Fallback xmlns="">
+      <p:transition spd="med">
+        <p:fade/>
+      </p:transition>
+    </mc:Fallback>
+  </mc:AlternateContent>
+</p:sld>
+</file>
+
+<file path=ppt/slides/slide16.xml><?xml version="1.0" encoding="utf-8"?>
+<p:sld xmlns:a="http://schemas.openxmlformats.org/drawingml/2006/main" xmlns:r="http://schemas.openxmlformats.org/officeDocument/2006/relationships" xmlns:p="http://schemas.openxmlformats.org/presentationml/2006/main">
+  <p:cSld>
+    <p:spTree>
+      <p:nvGrpSpPr>
+        <p:cNvPr id="1" name=""/>
+        <p:cNvGrpSpPr/>
+        <p:nvPr/>
+      </p:nvGrpSpPr>
+      <p:grpSpPr>
+        <a:xfrm>
+          <a:off x="0" y="0"/>
+          <a:ext cx="0" cy="0"/>
+          <a:chOff x="0" y="0"/>
+          <a:chExt cx="0" cy="0"/>
+        </a:xfrm>
+      </p:grpSpPr>
+      <p:sp>
+        <p:nvSpPr>
           <p:cNvPr id="3" name="Title 1"/>
           <p:cNvSpPr txBox="1">
             <a:spLocks/>
@@ -8445,7 +8644,7 @@
 </p:sld>
 </file>
 
-<file path=ppt/slides/slide16.xml><?xml version="1.0" encoding="utf-8"?>
+<file path=ppt/slides/slide17.xml><?xml version="1.0" encoding="utf-8"?>
 <p:sld xmlns:a="http://schemas.openxmlformats.org/drawingml/2006/main" xmlns:r="http://schemas.openxmlformats.org/officeDocument/2006/relationships" xmlns:p="http://schemas.openxmlformats.org/presentationml/2006/main">
   <p:cSld>
     <p:spTree>
@@ -9150,7 +9349,7 @@
           <a:graphicData uri="http://schemas.openxmlformats.org/presentationml/2006/ole">
             <mc:AlternateContent xmlns:mc="http://schemas.openxmlformats.org/markup-compatibility/2006">
               <mc:Choice xmlns:v="urn:schemas-microsoft-com:vml" Requires="v">
-                <p:oleObj spid="_x0000_s1139" name="Equation" r:id="rId3" imgW="799920" imgH="1549080" progId="Equation.DSMT4">
+                <p:oleObj spid="_x0000_s1144" name="Equation" r:id="rId3" imgW="799920" imgH="1549080" progId="Equation.DSMT4">
                   <p:embed/>
                 </p:oleObj>
               </mc:Choice>
@@ -9402,7 +9601,7 @@
           <a:graphicData uri="http://schemas.openxmlformats.org/presentationml/2006/ole">
             <mc:AlternateContent xmlns:mc="http://schemas.openxmlformats.org/markup-compatibility/2006">
               <mc:Choice xmlns:v="urn:schemas-microsoft-com:vml" Requires="v">
-                <p:oleObj spid="_x0000_s2163" name="Equation" r:id="rId4" imgW="4241520" imgH="203040" progId="Equation.DSMT4">
+                <p:oleObj spid="_x0000_s2168" name="Equation" r:id="rId4" imgW="4241520" imgH="203040" progId="Equation.DSMT4">
                   <p:embed/>
                 </p:oleObj>
               </mc:Choice>
@@ -10237,7 +10436,7 @@
           <a:graphicData uri="http://schemas.openxmlformats.org/presentationml/2006/ole">
             <mc:AlternateContent xmlns:mc="http://schemas.openxmlformats.org/markup-compatibility/2006">
               <mc:Choice xmlns:v="urn:schemas-microsoft-com:vml" Requires="v">
-                <p:oleObj spid="_x0000_s4612" name="Equation" r:id="rId4" imgW="164880" imgH="177480" progId="Equation.DSMT4">
+                <p:oleObj spid="_x0000_s4652" name="Equation" r:id="rId4" imgW="164880" imgH="177480" progId="Equation.DSMT4">
                   <p:embed/>
                 </p:oleObj>
               </mc:Choice>
@@ -10300,7 +10499,7 @@
           <a:graphicData uri="http://schemas.openxmlformats.org/presentationml/2006/ole">
             <mc:AlternateContent xmlns:mc="http://schemas.openxmlformats.org/markup-compatibility/2006">
               <mc:Choice xmlns:v="urn:schemas-microsoft-com:vml" Requires="v">
-                <p:oleObj spid="_x0000_s4613" name="Equation" r:id="rId6" imgW="431640" imgH="177480" progId="Equation.DSMT4">
+                <p:oleObj spid="_x0000_s4653" name="Equation" r:id="rId6" imgW="431640" imgH="177480" progId="Equation.DSMT4">
                   <p:embed/>
                 </p:oleObj>
               </mc:Choice>
@@ -10363,7 +10562,7 @@
           <a:graphicData uri="http://schemas.openxmlformats.org/presentationml/2006/ole">
             <mc:AlternateContent xmlns:mc="http://schemas.openxmlformats.org/markup-compatibility/2006">
               <mc:Choice xmlns:v="urn:schemas-microsoft-com:vml" Requires="v">
-                <p:oleObj spid="_x0000_s4614" name="Equation" r:id="rId8" imgW="126720" imgH="139680" progId="Equation.DSMT4">
+                <p:oleObj spid="_x0000_s4654" name="Equation" r:id="rId8" imgW="126720" imgH="139680" progId="Equation.DSMT4">
                   <p:embed/>
                 </p:oleObj>
               </mc:Choice>
@@ -10426,7 +10625,7 @@
           <a:graphicData uri="http://schemas.openxmlformats.org/presentationml/2006/ole">
             <mc:AlternateContent xmlns:mc="http://schemas.openxmlformats.org/markup-compatibility/2006">
               <mc:Choice xmlns:v="urn:schemas-microsoft-com:vml" Requires="v">
-                <p:oleObj spid="_x0000_s4615" name="Equation" r:id="rId10" imgW="539750" imgH="343211" progId="Equation.DSMT4">
+                <p:oleObj spid="_x0000_s4655" name="Equation" r:id="rId10" imgW="539750" imgH="343211" progId="Equation.DSMT4">
                   <p:embed/>
                 </p:oleObj>
               </mc:Choice>
@@ -10489,7 +10688,7 @@
           <a:graphicData uri="http://schemas.openxmlformats.org/presentationml/2006/ole">
             <mc:AlternateContent xmlns:mc="http://schemas.openxmlformats.org/markup-compatibility/2006">
               <mc:Choice xmlns:v="urn:schemas-microsoft-com:vml" Requires="v">
-                <p:oleObj spid="_x0000_s4616" name="Equation" r:id="rId12" imgW="833734" imgH="343211" progId="Equation.DSMT4">
+                <p:oleObj spid="_x0000_s4656" name="Equation" r:id="rId12" imgW="833734" imgH="343211" progId="Equation.DSMT4">
                   <p:embed/>
                 </p:oleObj>
               </mc:Choice>
@@ -10552,7 +10751,7 @@
           <a:graphicData uri="http://schemas.openxmlformats.org/presentationml/2006/ole">
             <mc:AlternateContent xmlns:mc="http://schemas.openxmlformats.org/markup-compatibility/2006">
               <mc:Choice xmlns:v="urn:schemas-microsoft-com:vml" Requires="v">
-                <p:oleObj spid="_x0000_s4617" name="Equation" r:id="rId14" imgW="203040" imgH="139680" progId="Equation.DSMT4">
+                <p:oleObj spid="_x0000_s4657" name="Equation" r:id="rId14" imgW="203040" imgH="139680" progId="Equation.DSMT4">
                   <p:embed/>
                 </p:oleObj>
               </mc:Choice>
@@ -10615,7 +10814,7 @@
           <a:graphicData uri="http://schemas.openxmlformats.org/presentationml/2006/ole">
             <mc:AlternateContent xmlns:mc="http://schemas.openxmlformats.org/markup-compatibility/2006">
               <mc:Choice xmlns:v="urn:schemas-microsoft-com:vml" Requires="v">
-                <p:oleObj spid="_x0000_s4618" name="Equation" r:id="rId16" imgW="190440" imgH="177480" progId="Equation.DSMT4">
+                <p:oleObj spid="_x0000_s4658" name="Equation" r:id="rId16" imgW="190440" imgH="177480" progId="Equation.DSMT4">
                   <p:embed/>
                 </p:oleObj>
               </mc:Choice>
@@ -10678,7 +10877,7 @@
           <a:graphicData uri="http://schemas.openxmlformats.org/presentationml/2006/ole">
             <mc:AlternateContent xmlns:mc="http://schemas.openxmlformats.org/markup-compatibility/2006">
               <mc:Choice xmlns:v="urn:schemas-microsoft-com:vml" Requires="v">
-                <p:oleObj spid="_x0000_s4619" name="Equation" r:id="rId18" imgW="833734" imgH="343211" progId="Equation.DSMT4">
+                <p:oleObj spid="_x0000_s4659" name="Equation" r:id="rId18" imgW="833734" imgH="343211" progId="Equation.DSMT4">
                   <p:embed/>
                 </p:oleObj>
               </mc:Choice>

--- a/slides/persian/Suffix Tree.pptx
+++ b/slides/persian/Suffix Tree.pptx
@@ -17,11 +17,12 @@
     <p:sldId id="266" r:id="rId11"/>
     <p:sldId id="267" r:id="rId12"/>
     <p:sldId id="279" r:id="rId13"/>
-    <p:sldId id="278" r:id="rId14"/>
-    <p:sldId id="270" r:id="rId15"/>
-    <p:sldId id="274" r:id="rId16"/>
-    <p:sldId id="272" r:id="rId17"/>
-    <p:sldId id="276" r:id="rId18"/>
+    <p:sldId id="280" r:id="rId14"/>
+    <p:sldId id="278" r:id="rId15"/>
+    <p:sldId id="270" r:id="rId16"/>
+    <p:sldId id="274" r:id="rId17"/>
+    <p:sldId id="272" r:id="rId18"/>
+    <p:sldId id="276" r:id="rId19"/>
   </p:sldIdLst>
   <p:sldSz cx="12192000" cy="6858000"/>
   <p:notesSz cx="6858000" cy="9144000"/>
@@ -141,6 +142,7 @@
             <p14:sldId id="266"/>
             <p14:sldId id="267"/>
             <p14:sldId id="279"/>
+            <p14:sldId id="280"/>
             <p14:sldId id="278"/>
             <p14:sldId id="270"/>
             <p14:sldId id="274"/>
@@ -4649,7 +4651,7 @@
           <a:graphicData uri="http://schemas.openxmlformats.org/presentationml/2006/ole">
             <mc:AlternateContent xmlns:mc="http://schemas.openxmlformats.org/markup-compatibility/2006">
               <mc:Choice xmlns:v="urn:schemas-microsoft-com:vml" Requires="v">
-                <p:oleObj spid="_x0000_s5248" name="Equation" r:id="rId4" imgW="833734" imgH="343211" progId="Equation.DSMT4">
+                <p:oleObj spid="_x0000_s5266" name="Equation" r:id="rId4" imgW="833734" imgH="343211" progId="Equation.DSMT4">
                   <p:embed/>
                 </p:oleObj>
               </mc:Choice>
@@ -4712,7 +4714,7 @@
           <a:graphicData uri="http://schemas.openxmlformats.org/presentationml/2006/ole">
             <mc:AlternateContent xmlns:mc="http://schemas.openxmlformats.org/markup-compatibility/2006">
               <mc:Choice xmlns:v="urn:schemas-microsoft-com:vml" Requires="v">
-                <p:oleObj spid="_x0000_s5249" name="Equation" r:id="rId6" imgW="520560" imgH="177480" progId="Equation.DSMT4">
+                <p:oleObj spid="_x0000_s5267" name="Equation" r:id="rId6" imgW="520560" imgH="177480" progId="Equation.DSMT4">
                   <p:embed/>
                 </p:oleObj>
               </mc:Choice>
@@ -4775,7 +4777,7 @@
           <a:graphicData uri="http://schemas.openxmlformats.org/presentationml/2006/ole">
             <mc:AlternateContent xmlns:mc="http://schemas.openxmlformats.org/markup-compatibility/2006">
               <mc:Choice xmlns:v="urn:schemas-microsoft-com:vml" Requires="v">
-                <p:oleObj spid="_x0000_s5250" name="Equation" r:id="rId8" imgW="596880" imgH="177480" progId="Equation.DSMT4">
+                <p:oleObj spid="_x0000_s5268" name="Equation" r:id="rId8" imgW="596880" imgH="177480" progId="Equation.DSMT4">
                   <p:embed/>
                 </p:oleObj>
               </mc:Choice>
@@ -5117,7 +5119,7 @@
           <a:graphicData uri="http://schemas.openxmlformats.org/presentationml/2006/ole">
             <mc:AlternateContent xmlns:mc="http://schemas.openxmlformats.org/markup-compatibility/2006">
               <mc:Choice xmlns:v="urn:schemas-microsoft-com:vml" Requires="v">
-                <p:oleObj spid="_x0000_s6479" name="Equation" r:id="rId3" imgW="139680" imgH="228600" progId="Equation.DSMT4">
+                <p:oleObj spid="_x0000_s6539" name="Equation" r:id="rId3" imgW="139680" imgH="228600" progId="Equation.DSMT4">
                   <p:embed/>
                 </p:oleObj>
               </mc:Choice>
@@ -5180,7 +5182,7 @@
           <a:graphicData uri="http://schemas.openxmlformats.org/presentationml/2006/ole">
             <mc:AlternateContent xmlns:mc="http://schemas.openxmlformats.org/markup-compatibility/2006">
               <mc:Choice xmlns:v="urn:schemas-microsoft-com:vml" Requires="v">
-                <p:oleObj spid="_x0000_s6480" name="Equation" r:id="rId5" imgW="533160" imgH="203040" progId="Equation.DSMT4">
+                <p:oleObj spid="_x0000_s6540" name="Equation" r:id="rId5" imgW="533160" imgH="203040" progId="Equation.DSMT4">
                   <p:embed/>
                 </p:oleObj>
               </mc:Choice>
@@ -5243,7 +5245,7 @@
           <a:graphicData uri="http://schemas.openxmlformats.org/presentationml/2006/ole">
             <mc:AlternateContent xmlns:mc="http://schemas.openxmlformats.org/markup-compatibility/2006">
               <mc:Choice xmlns:v="urn:schemas-microsoft-com:vml" Requires="v">
-                <p:oleObj spid="_x0000_s6481" name="Equation" r:id="rId7" imgW="228600" imgH="228600" progId="Equation.DSMT4">
+                <p:oleObj spid="_x0000_s6541" name="Equation" r:id="rId7" imgW="228600" imgH="228600" progId="Equation.DSMT4">
                   <p:embed/>
                 </p:oleObj>
               </mc:Choice>
@@ -5306,7 +5308,7 @@
           <a:graphicData uri="http://schemas.openxmlformats.org/presentationml/2006/ole">
             <mc:AlternateContent xmlns:mc="http://schemas.openxmlformats.org/markup-compatibility/2006">
               <mc:Choice xmlns:v="urn:schemas-microsoft-com:vml" Requires="v">
-                <p:oleObj spid="_x0000_s6482" name="Equation" r:id="rId9" imgW="280670" imgH="457495" progId="Equation.DSMT4">
+                <p:oleObj spid="_x0000_s6542" name="Equation" r:id="rId9" imgW="280670" imgH="457495" progId="Equation.DSMT4">
                   <p:embed/>
                 </p:oleObj>
               </mc:Choice>
@@ -5369,7 +5371,7 @@
           <a:graphicData uri="http://schemas.openxmlformats.org/presentationml/2006/ole">
             <mc:AlternateContent xmlns:mc="http://schemas.openxmlformats.org/markup-compatibility/2006">
               <mc:Choice xmlns:v="urn:schemas-microsoft-com:vml" Requires="v">
-                <p:oleObj spid="_x0000_s6483" name="Equation" r:id="rId11" imgW="177480" imgH="228600" progId="Equation.DSMT4">
+                <p:oleObj spid="_x0000_s6543" name="Equation" r:id="rId11" imgW="177480" imgH="228600" progId="Equation.DSMT4">
                   <p:embed/>
                 </p:oleObj>
               </mc:Choice>
@@ -5432,7 +5434,7 @@
           <a:graphicData uri="http://schemas.openxmlformats.org/presentationml/2006/ole">
             <mc:AlternateContent xmlns:mc="http://schemas.openxmlformats.org/markup-compatibility/2006">
               <mc:Choice xmlns:v="urn:schemas-microsoft-com:vml" Requires="v">
-                <p:oleObj spid="_x0000_s6484" name="Equation" r:id="rId13" imgW="139680" imgH="177480" progId="Equation.DSMT4">
+                <p:oleObj spid="_x0000_s6544" name="Equation" r:id="rId13" imgW="139680" imgH="177480" progId="Equation.DSMT4">
                   <p:embed/>
                 </p:oleObj>
               </mc:Choice>
@@ -5495,7 +5497,7 @@
           <a:graphicData uri="http://schemas.openxmlformats.org/presentationml/2006/ole">
             <mc:AlternateContent xmlns:mc="http://schemas.openxmlformats.org/markup-compatibility/2006">
               <mc:Choice xmlns:v="urn:schemas-microsoft-com:vml" Requires="v">
-                <p:oleObj spid="_x0000_s6485" name="Equation" r:id="rId15" imgW="126720" imgH="190440" progId="Equation.DSMT4">
+                <p:oleObj spid="_x0000_s6545" name="Equation" r:id="rId15" imgW="126720" imgH="190440" progId="Equation.DSMT4">
                   <p:embed/>
                 </p:oleObj>
               </mc:Choice>
@@ -5558,7 +5560,7 @@
           <a:graphicData uri="http://schemas.openxmlformats.org/presentationml/2006/ole">
             <mc:AlternateContent xmlns:mc="http://schemas.openxmlformats.org/markup-compatibility/2006">
               <mc:Choice xmlns:v="urn:schemas-microsoft-com:vml" Requires="v">
-                <p:oleObj spid="_x0000_s6486" name="Equation" r:id="rId17" imgW="279360" imgH="177480" progId="Equation.DSMT4">
+                <p:oleObj spid="_x0000_s6546" name="Equation" r:id="rId17" imgW="279360" imgH="177480" progId="Equation.DSMT4">
                   <p:embed/>
                 </p:oleObj>
               </mc:Choice>
@@ -5621,7 +5623,7 @@
           <a:graphicData uri="http://schemas.openxmlformats.org/presentationml/2006/ole">
             <mc:AlternateContent xmlns:mc="http://schemas.openxmlformats.org/markup-compatibility/2006">
               <mc:Choice xmlns:v="urn:schemas-microsoft-com:vml" Requires="v">
-                <p:oleObj spid="_x0000_s6487" name="Equation" r:id="rId19" imgW="571320" imgH="203040" progId="Equation.DSMT4">
+                <p:oleObj spid="_x0000_s6547" name="Equation" r:id="rId19" imgW="571320" imgH="203040" progId="Equation.DSMT4">
                   <p:embed/>
                 </p:oleObj>
               </mc:Choice>
@@ -5684,7 +5686,7 @@
           <a:graphicData uri="http://schemas.openxmlformats.org/presentationml/2006/ole">
             <mc:AlternateContent xmlns:mc="http://schemas.openxmlformats.org/markup-compatibility/2006">
               <mc:Choice xmlns:v="urn:schemas-microsoft-com:vml" Requires="v">
-                <p:oleObj spid="_x0000_s6488" name="Equation" r:id="rId21" imgW="469800" imgH="203040" progId="Equation.DSMT4">
+                <p:oleObj spid="_x0000_s6548" name="Equation" r:id="rId21" imgW="469800" imgH="203040" progId="Equation.DSMT4">
                   <p:embed/>
                 </p:oleObj>
               </mc:Choice>
@@ -5974,10 +5976,257 @@
   <p:clrMapOvr>
     <a:masterClrMapping/>
   </p:clrMapOvr>
+  <p:transition spd="slow">
+    <p:push dir="u"/>
+  </p:transition>
 </p:sld>
 </file>
 
 <file path=ppt/slides/slide13.xml><?xml version="1.0" encoding="utf-8"?>
+<p:sld xmlns:a="http://schemas.openxmlformats.org/drawingml/2006/main" xmlns:r="http://schemas.openxmlformats.org/officeDocument/2006/relationships" xmlns:p="http://schemas.openxmlformats.org/presentationml/2006/main">
+  <p:cSld>
+    <p:spTree>
+      <p:nvGrpSpPr>
+        <p:cNvPr id="1" name=""/>
+        <p:cNvGrpSpPr/>
+        <p:nvPr/>
+      </p:nvGrpSpPr>
+      <p:grpSpPr>
+        <a:xfrm>
+          <a:off x="0" y="0"/>
+          <a:ext cx="0" cy="0"/>
+          <a:chOff x="0" y="0"/>
+          <a:chExt cx="0" cy="0"/>
+        </a:xfrm>
+      </p:grpSpPr>
+      <p:sp>
+        <p:nvSpPr>
+          <p:cNvPr id="2" name="Title 1">
+            <a:extLst>
+              <a:ext uri="{FF2B5EF4-FFF2-40B4-BE49-F238E27FC236}">
+                <a16:creationId xmlns:a16="http://schemas.microsoft.com/office/drawing/2014/main" id="{B43A600C-624A-4310-BF0C-8B4214273309}"/>
+              </a:ext>
+            </a:extLst>
+          </p:cNvPr>
+          <p:cNvSpPr>
+            <a:spLocks noGrp="1"/>
+          </p:cNvSpPr>
+          <p:nvPr>
+            <p:ph type="title"/>
+          </p:nvPr>
+        </p:nvSpPr>
+        <p:spPr/>
+        <p:txBody>
+          <a:bodyPr>
+            <a:normAutofit/>
+          </a:bodyPr>
+          <a:lstStyle/>
+          <a:p>
+            <a:pPr algn="r" rtl="1"/>
+            <a:r>
+              <a:rPr lang="fa-IR" sz="4000" dirty="0">
+                <a:cs typeface="B Nazanin" panose="00000400000000000000" pitchFamily="2" charset="-78"/>
+              </a:rPr>
+              <a:t>پیاده سازی درخت پسوندی در </a:t>
+            </a:r>
+            <a:r>
+              <a:rPr lang="en-US" sz="4000" dirty="0">
+                <a:cs typeface="B Nazanin" panose="00000400000000000000" pitchFamily="2" charset="-78"/>
+              </a:rPr>
+              <a:t>C++</a:t>
+            </a:r>
+          </a:p>
+        </p:txBody>
+      </p:sp>
+      <p:sp>
+        <p:nvSpPr>
+          <p:cNvPr id="3" name="Content Placeholder 2">
+            <a:extLst>
+              <a:ext uri="{FF2B5EF4-FFF2-40B4-BE49-F238E27FC236}">
+                <a16:creationId xmlns:a16="http://schemas.microsoft.com/office/drawing/2014/main" id="{1E27609B-F41C-440D-9BD5-A62E8126B2E1}"/>
+              </a:ext>
+            </a:extLst>
+          </p:cNvPr>
+          <p:cNvSpPr>
+            <a:spLocks noGrp="1"/>
+          </p:cNvSpPr>
+          <p:nvPr>
+            <p:ph idx="1"/>
+          </p:nvPr>
+        </p:nvSpPr>
+        <p:spPr/>
+        <p:txBody>
+          <a:bodyPr/>
+          <a:lstStyle/>
+          <a:p>
+            <a:endParaRPr lang="en-US" dirty="0"/>
+          </a:p>
+          <a:p>
+            <a:endParaRPr lang="en-US" dirty="0"/>
+          </a:p>
+        </p:txBody>
+      </p:sp>
+      <p:pic>
+        <p:nvPicPr>
+          <p:cNvPr id="5" name="Picture 4">
+            <a:extLst>
+              <a:ext uri="{FF2B5EF4-FFF2-40B4-BE49-F238E27FC236}">
+                <a16:creationId xmlns:a16="http://schemas.microsoft.com/office/drawing/2014/main" id="{C96B8302-301B-4960-BAFB-C41AEFB87C6C}"/>
+              </a:ext>
+            </a:extLst>
+          </p:cNvPr>
+          <p:cNvPicPr>
+            <a:picLocks noChangeAspect="1"/>
+          </p:cNvPicPr>
+          <p:nvPr/>
+        </p:nvPicPr>
+        <p:blipFill>
+          <a:blip r:embed="rId2">
+            <a:extLst>
+              <a:ext uri="{28A0092B-C50C-407E-A947-70E740481C1C}">
+                <a14:useLocalDpi xmlns:a14="http://schemas.microsoft.com/office/drawing/2010/main" val="0"/>
+              </a:ext>
+            </a:extLst>
+          </a:blip>
+          <a:stretch>
+            <a:fillRect/>
+          </a:stretch>
+        </p:blipFill>
+        <p:spPr>
+          <a:xfrm>
+            <a:off x="6999343" y="2493778"/>
+            <a:ext cx="4191171" cy="3215771"/>
+          </a:xfrm>
+          <a:prstGeom prst="rect">
+            <a:avLst/>
+          </a:prstGeom>
+        </p:spPr>
+      </p:pic>
+      <p:pic>
+        <p:nvPicPr>
+          <p:cNvPr id="7" name="Picture 6">
+            <a:extLst>
+              <a:ext uri="{FF2B5EF4-FFF2-40B4-BE49-F238E27FC236}">
+                <a16:creationId xmlns:a16="http://schemas.microsoft.com/office/drawing/2014/main" id="{F3B79774-9C55-4BC7-92A9-988D2CC67AAC}"/>
+              </a:ext>
+            </a:extLst>
+          </p:cNvPr>
+          <p:cNvPicPr>
+            <a:picLocks noChangeAspect="1"/>
+          </p:cNvPicPr>
+          <p:nvPr/>
+        </p:nvPicPr>
+        <p:blipFill>
+          <a:blip r:embed="rId3">
+            <a:extLst>
+              <a:ext uri="{28A0092B-C50C-407E-A947-70E740481C1C}">
+                <a14:useLocalDpi xmlns:a14="http://schemas.microsoft.com/office/drawing/2010/main" val="0"/>
+              </a:ext>
+            </a:extLst>
+          </a:blip>
+          <a:stretch>
+            <a:fillRect/>
+          </a:stretch>
+        </p:blipFill>
+        <p:spPr>
+          <a:xfrm>
+            <a:off x="1001486" y="2493779"/>
+            <a:ext cx="5738357" cy="3215771"/>
+          </a:xfrm>
+          <a:prstGeom prst="rect">
+            <a:avLst/>
+          </a:prstGeom>
+        </p:spPr>
+      </p:pic>
+      <p:sp>
+        <p:nvSpPr>
+          <p:cNvPr id="8" name="TextBox 7">
+            <a:extLst>
+              <a:ext uri="{FF2B5EF4-FFF2-40B4-BE49-F238E27FC236}">
+                <a16:creationId xmlns:a16="http://schemas.microsoft.com/office/drawing/2014/main" id="{B62D6355-1863-443F-BABE-81A85F7D545C}"/>
+              </a:ext>
+            </a:extLst>
+          </p:cNvPr>
+          <p:cNvSpPr txBox="1"/>
+          <p:nvPr/>
+        </p:nvSpPr>
+        <p:spPr>
+          <a:xfrm>
+            <a:off x="1097280" y="1979720"/>
+            <a:ext cx="3385943" cy="369332"/>
+          </a:xfrm>
+          <a:prstGeom prst="rect">
+            <a:avLst/>
+          </a:prstGeom>
+          <a:noFill/>
+        </p:spPr>
+        <p:txBody>
+          <a:bodyPr wrap="square" rtlCol="0">
+            <a:spAutoFit/>
+          </a:bodyPr>
+          <a:lstStyle/>
+          <a:p>
+            <a:r>
+              <a:rPr lang="fa-IR" dirty="0"/>
+              <a:t>بخشی از کد</a:t>
+            </a:r>
+            <a:endParaRPr lang="en-US" dirty="0"/>
+          </a:p>
+        </p:txBody>
+      </p:sp>
+      <p:sp>
+        <p:nvSpPr>
+          <p:cNvPr id="9" name="TextBox 8">
+            <a:extLst>
+              <a:ext uri="{FF2B5EF4-FFF2-40B4-BE49-F238E27FC236}">
+                <a16:creationId xmlns:a16="http://schemas.microsoft.com/office/drawing/2014/main" id="{ADF27ABD-6493-44DF-BC54-7BBF6B954FF2}"/>
+              </a:ext>
+            </a:extLst>
+          </p:cNvPr>
+          <p:cNvSpPr txBox="1"/>
+          <p:nvPr/>
+        </p:nvSpPr>
+        <p:spPr>
+          <a:xfrm>
+            <a:off x="7066625" y="2016072"/>
+            <a:ext cx="2787589" cy="369332"/>
+          </a:xfrm>
+          <a:prstGeom prst="rect">
+            <a:avLst/>
+          </a:prstGeom>
+          <a:noFill/>
+        </p:spPr>
+        <p:txBody>
+          <a:bodyPr wrap="square" rtlCol="0">
+            <a:spAutoFit/>
+          </a:bodyPr>
+          <a:lstStyle/>
+          <a:p>
+            <a:r>
+              <a:rPr lang="fa-IR" dirty="0"/>
+              <a:t>نمونه خروجی</a:t>
+            </a:r>
+            <a:endParaRPr lang="en-US" dirty="0"/>
+          </a:p>
+        </p:txBody>
+      </p:sp>
+    </p:spTree>
+    <p:extLst>
+      <p:ext uri="{BB962C8B-B14F-4D97-AF65-F5344CB8AC3E}">
+        <p14:creationId xmlns:p14="http://schemas.microsoft.com/office/powerpoint/2010/main" val="2556241817"/>
+      </p:ext>
+    </p:extLst>
+  </p:cSld>
+  <p:clrMapOvr>
+    <a:masterClrMapping/>
+  </p:clrMapOvr>
+  <p:transition spd="slow">
+    <p:wipe/>
+  </p:transition>
+</p:sld>
+</file>
+
+<file path=ppt/slides/slide14.xml><?xml version="1.0" encoding="utf-8"?>
 <p:sld xmlns:a="http://schemas.openxmlformats.org/drawingml/2006/main" xmlns:r="http://schemas.openxmlformats.org/officeDocument/2006/relationships" xmlns:p="http://schemas.openxmlformats.org/presentationml/2006/main">
   <p:cSld>
     <p:spTree>
@@ -6277,2061 +6526,6 @@
 </p:sld>
 </file>
 
-<file path=ppt/slides/slide14.xml><?xml version="1.0" encoding="utf-8"?>
-<p:sld xmlns:a="http://schemas.openxmlformats.org/drawingml/2006/main" xmlns:r="http://schemas.openxmlformats.org/officeDocument/2006/relationships" xmlns:p="http://schemas.openxmlformats.org/presentationml/2006/main">
-  <p:cSld>
-    <p:spTree>
-      <p:nvGrpSpPr>
-        <p:cNvPr id="1" name=""/>
-        <p:cNvGrpSpPr/>
-        <p:nvPr/>
-      </p:nvGrpSpPr>
-      <p:grpSpPr>
-        <a:xfrm>
-          <a:off x="0" y="0"/>
-          <a:ext cx="0" cy="0"/>
-          <a:chOff x="0" y="0"/>
-          <a:chExt cx="0" cy="0"/>
-        </a:xfrm>
-      </p:grpSpPr>
-      <p:sp>
-        <p:nvSpPr>
-          <p:cNvPr id="2" name="Title 1"/>
-          <p:cNvSpPr>
-            <a:spLocks noGrp="1"/>
-          </p:cNvSpPr>
-          <p:nvPr>
-            <p:ph type="title"/>
-          </p:nvPr>
-        </p:nvSpPr>
-        <p:spPr>
-          <a:xfrm>
-            <a:off x="6069598" y="679269"/>
-            <a:ext cx="5086082" cy="1058091"/>
-          </a:xfrm>
-        </p:spPr>
-        <p:txBody>
-          <a:bodyPr>
-            <a:normAutofit/>
-          </a:bodyPr>
-          <a:lstStyle/>
-          <a:p>
-            <a:pPr algn="r"/>
-            <a:r>
-              <a:rPr lang="fa-IR" dirty="0"/>
-              <a:t>کاربرد ها و مرتبه زمانی</a:t>
-            </a:r>
-            <a:endParaRPr lang="en-US" dirty="0"/>
-          </a:p>
-        </p:txBody>
-      </p:sp>
-      <p:sp>
-        <p:nvSpPr>
-          <p:cNvPr id="5" name="Rectangle 4"/>
-          <p:cNvSpPr/>
-          <p:nvPr/>
-        </p:nvSpPr>
-        <p:spPr>
-          <a:xfrm>
-            <a:off x="6315272" y="2255840"/>
-            <a:ext cx="4840408" cy="584775"/>
-          </a:xfrm>
-          <a:prstGeom prst="rect">
-            <a:avLst/>
-          </a:prstGeom>
-        </p:spPr>
-        <p:txBody>
-          <a:bodyPr wrap="square">
-            <a:spAutoFit/>
-          </a:bodyPr>
-          <a:lstStyle/>
-          <a:p>
-            <a:pPr algn="r"/>
-            <a:r>
-              <a:rPr lang="fa-IR" sz="3200" dirty="0"/>
-              <a:t>مسئله1: تطابق رشته کامل</a:t>
-            </a:r>
-            <a:endParaRPr lang="en-US" sz="3200" dirty="0"/>
-          </a:p>
-        </p:txBody>
-      </p:sp>
-      <p:sp>
-        <p:nvSpPr>
-          <p:cNvPr id="6" name="Oval 5"/>
-          <p:cNvSpPr/>
-          <p:nvPr/>
-        </p:nvSpPr>
-        <p:spPr>
-          <a:xfrm>
-            <a:off x="3200391" y="2211615"/>
-            <a:ext cx="339969" cy="298086"/>
-          </a:xfrm>
-          <a:prstGeom prst="ellipse">
-            <a:avLst/>
-          </a:prstGeom>
-          <a:solidFill>
-            <a:schemeClr val="accent1">
-              <a:lumMod val="50000"/>
-            </a:schemeClr>
-          </a:solidFill>
-        </p:spPr>
-        <p:style>
-          <a:lnRef idx="2">
-            <a:schemeClr val="accent1">
-              <a:shade val="50000"/>
-            </a:schemeClr>
-          </a:lnRef>
-          <a:fillRef idx="1">
-            <a:schemeClr val="accent1"/>
-          </a:fillRef>
-          <a:effectRef idx="0">
-            <a:schemeClr val="accent1"/>
-          </a:effectRef>
-          <a:fontRef idx="minor">
-            <a:schemeClr val="lt1"/>
-          </a:fontRef>
-        </p:style>
-        <p:txBody>
-          <a:bodyPr rtlCol="0" anchor="ctr"/>
-          <a:lstStyle/>
-          <a:p>
-            <a:pPr algn="ctr"/>
-            <a:endParaRPr lang="en-US"/>
-          </a:p>
-        </p:txBody>
-      </p:sp>
-      <p:sp>
-        <p:nvSpPr>
-          <p:cNvPr id="7" name="Oval 6"/>
-          <p:cNvSpPr/>
-          <p:nvPr/>
-        </p:nvSpPr>
-        <p:spPr>
-          <a:xfrm>
-            <a:off x="2127741" y="3016185"/>
-            <a:ext cx="339969" cy="298086"/>
-          </a:xfrm>
-          <a:prstGeom prst="ellipse">
-            <a:avLst/>
-          </a:prstGeom>
-          <a:solidFill>
-            <a:schemeClr val="accent1">
-              <a:lumMod val="50000"/>
-            </a:schemeClr>
-          </a:solidFill>
-        </p:spPr>
-        <p:style>
-          <a:lnRef idx="2">
-            <a:schemeClr val="accent1">
-              <a:shade val="50000"/>
-            </a:schemeClr>
-          </a:lnRef>
-          <a:fillRef idx="1">
-            <a:schemeClr val="accent1"/>
-          </a:fillRef>
-          <a:effectRef idx="0">
-            <a:schemeClr val="accent1"/>
-          </a:effectRef>
-          <a:fontRef idx="minor">
-            <a:schemeClr val="lt1"/>
-          </a:fontRef>
-        </p:style>
-        <p:txBody>
-          <a:bodyPr rtlCol="0" anchor="ctr"/>
-          <a:lstStyle/>
-          <a:p>
-            <a:pPr algn="ctr"/>
-            <a:endParaRPr lang="en-US"/>
-          </a:p>
-        </p:txBody>
-      </p:sp>
-      <p:sp>
-        <p:nvSpPr>
-          <p:cNvPr id="8" name="Oval 7"/>
-          <p:cNvSpPr/>
-          <p:nvPr/>
-        </p:nvSpPr>
-        <p:spPr>
-          <a:xfrm>
-            <a:off x="4513382" y="3016185"/>
-            <a:ext cx="339969" cy="298086"/>
-          </a:xfrm>
-          <a:prstGeom prst="ellipse">
-            <a:avLst/>
-          </a:prstGeom>
-          <a:solidFill>
-            <a:schemeClr val="accent1">
-              <a:lumMod val="50000"/>
-            </a:schemeClr>
-          </a:solidFill>
-        </p:spPr>
-        <p:style>
-          <a:lnRef idx="2">
-            <a:schemeClr val="accent1">
-              <a:shade val="50000"/>
-            </a:schemeClr>
-          </a:lnRef>
-          <a:fillRef idx="1">
-            <a:schemeClr val="accent1"/>
-          </a:fillRef>
-          <a:effectRef idx="0">
-            <a:schemeClr val="accent1"/>
-          </a:effectRef>
-          <a:fontRef idx="minor">
-            <a:schemeClr val="lt1"/>
-          </a:fontRef>
-        </p:style>
-        <p:txBody>
-          <a:bodyPr rtlCol="0" anchor="ctr"/>
-          <a:lstStyle/>
-          <a:p>
-            <a:pPr algn="ctr"/>
-            <a:endParaRPr lang="en-US"/>
-          </a:p>
-        </p:txBody>
-      </p:sp>
-      <p:sp>
-        <p:nvSpPr>
-          <p:cNvPr id="9" name="Oval 8"/>
-          <p:cNvSpPr/>
-          <p:nvPr/>
-        </p:nvSpPr>
-        <p:spPr>
-          <a:xfrm>
-            <a:off x="2861681" y="3850685"/>
-            <a:ext cx="339969" cy="298086"/>
-          </a:xfrm>
-          <a:prstGeom prst="ellipse">
-            <a:avLst/>
-          </a:prstGeom>
-          <a:solidFill>
-            <a:schemeClr val="accent1">
-              <a:lumMod val="50000"/>
-            </a:schemeClr>
-          </a:solidFill>
-        </p:spPr>
-        <p:style>
-          <a:lnRef idx="2">
-            <a:schemeClr val="accent1">
-              <a:shade val="50000"/>
-            </a:schemeClr>
-          </a:lnRef>
-          <a:fillRef idx="1">
-            <a:schemeClr val="accent1"/>
-          </a:fillRef>
-          <a:effectRef idx="0">
-            <a:schemeClr val="accent1"/>
-          </a:effectRef>
-          <a:fontRef idx="minor">
-            <a:schemeClr val="lt1"/>
-          </a:fontRef>
-        </p:style>
-        <p:txBody>
-          <a:bodyPr rtlCol="0" anchor="ctr"/>
-          <a:lstStyle/>
-          <a:p>
-            <a:pPr algn="ctr"/>
-            <a:endParaRPr lang="en-US"/>
-          </a:p>
-        </p:txBody>
-      </p:sp>
-      <p:sp>
-        <p:nvSpPr>
-          <p:cNvPr id="10" name="Oval 9"/>
-          <p:cNvSpPr/>
-          <p:nvPr/>
-        </p:nvSpPr>
-        <p:spPr>
-          <a:xfrm>
-            <a:off x="5854502" y="3749024"/>
-            <a:ext cx="339969" cy="298086"/>
-          </a:xfrm>
-          <a:prstGeom prst="ellipse">
-            <a:avLst/>
-          </a:prstGeom>
-          <a:solidFill>
-            <a:schemeClr val="accent1">
-              <a:lumMod val="50000"/>
-            </a:schemeClr>
-          </a:solidFill>
-          <a:ln>
-            <a:solidFill>
-              <a:schemeClr val="accent1">
-                <a:lumMod val="50000"/>
-              </a:schemeClr>
-            </a:solidFill>
-          </a:ln>
-        </p:spPr>
-        <p:style>
-          <a:lnRef idx="2">
-            <a:schemeClr val="accent1">
-              <a:shade val="50000"/>
-            </a:schemeClr>
-          </a:lnRef>
-          <a:fillRef idx="1">
-            <a:schemeClr val="accent1"/>
-          </a:fillRef>
-          <a:effectRef idx="0">
-            <a:schemeClr val="accent1"/>
-          </a:effectRef>
-          <a:fontRef idx="minor">
-            <a:schemeClr val="lt1"/>
-          </a:fontRef>
-        </p:style>
-        <p:txBody>
-          <a:bodyPr rtlCol="0" anchor="ctr"/>
-          <a:lstStyle/>
-          <a:p>
-            <a:pPr algn="ctr"/>
-            <a:endParaRPr lang="en-US"/>
-          </a:p>
-        </p:txBody>
-      </p:sp>
-      <p:sp>
-        <p:nvSpPr>
-          <p:cNvPr id="11" name="Oval 10"/>
-          <p:cNvSpPr/>
-          <p:nvPr/>
-        </p:nvSpPr>
-        <p:spPr>
-          <a:xfrm>
-            <a:off x="3519319" y="4777978"/>
-            <a:ext cx="339969" cy="298086"/>
-          </a:xfrm>
-          <a:prstGeom prst="ellipse">
-            <a:avLst/>
-          </a:prstGeom>
-          <a:solidFill>
-            <a:schemeClr val="accent1">
-              <a:lumMod val="50000"/>
-            </a:schemeClr>
-          </a:solidFill>
-        </p:spPr>
-        <p:style>
-          <a:lnRef idx="2">
-            <a:schemeClr val="accent1">
-              <a:shade val="50000"/>
-            </a:schemeClr>
-          </a:lnRef>
-          <a:fillRef idx="1">
-            <a:schemeClr val="accent1"/>
-          </a:fillRef>
-          <a:effectRef idx="0">
-            <a:schemeClr val="accent1"/>
-          </a:effectRef>
-          <a:fontRef idx="minor">
-            <a:schemeClr val="lt1"/>
-          </a:fontRef>
-        </p:style>
-        <p:txBody>
-          <a:bodyPr rtlCol="0" anchor="ctr"/>
-          <a:lstStyle/>
-          <a:p>
-            <a:pPr algn="ctr"/>
-            <a:endParaRPr lang="en-US"/>
-          </a:p>
-        </p:txBody>
-      </p:sp>
-      <p:sp>
-        <p:nvSpPr>
-          <p:cNvPr id="12" name="Oval 11"/>
-          <p:cNvSpPr/>
-          <p:nvPr/>
-        </p:nvSpPr>
-        <p:spPr>
-          <a:xfrm>
-            <a:off x="6969364" y="4617226"/>
-            <a:ext cx="339969" cy="298086"/>
-          </a:xfrm>
-          <a:prstGeom prst="ellipse">
-            <a:avLst/>
-          </a:prstGeom>
-          <a:solidFill>
-            <a:schemeClr val="accent1">
-              <a:lumMod val="50000"/>
-            </a:schemeClr>
-          </a:solidFill>
-        </p:spPr>
-        <p:style>
-          <a:lnRef idx="2">
-            <a:schemeClr val="accent1">
-              <a:shade val="50000"/>
-            </a:schemeClr>
-          </a:lnRef>
-          <a:fillRef idx="1">
-            <a:schemeClr val="accent1"/>
-          </a:fillRef>
-          <a:effectRef idx="0">
-            <a:schemeClr val="accent1"/>
-          </a:effectRef>
-          <a:fontRef idx="minor">
-            <a:schemeClr val="lt1"/>
-          </a:fontRef>
-        </p:style>
-        <p:txBody>
-          <a:bodyPr rtlCol="0" anchor="ctr"/>
-          <a:lstStyle/>
-          <a:p>
-            <a:pPr algn="ctr"/>
-            <a:endParaRPr lang="en-US"/>
-          </a:p>
-        </p:txBody>
-      </p:sp>
-      <p:sp>
-        <p:nvSpPr>
-          <p:cNvPr id="13" name="Rectangle 12"/>
-          <p:cNvSpPr/>
-          <p:nvPr/>
-        </p:nvSpPr>
-        <p:spPr>
-          <a:xfrm>
-            <a:off x="1230922" y="3767170"/>
-            <a:ext cx="339969" cy="378499"/>
-          </a:xfrm>
-          <a:prstGeom prst="rect">
-            <a:avLst/>
-          </a:prstGeom>
-          <a:solidFill>
-            <a:schemeClr val="accent1">
-              <a:lumMod val="50000"/>
-            </a:schemeClr>
-          </a:solidFill>
-          <a:ln>
-            <a:solidFill>
-              <a:schemeClr val="accent1">
-                <a:lumMod val="50000"/>
-              </a:schemeClr>
-            </a:solidFill>
-          </a:ln>
-        </p:spPr>
-        <p:style>
-          <a:lnRef idx="2">
-            <a:schemeClr val="accent1">
-              <a:shade val="50000"/>
-            </a:schemeClr>
-          </a:lnRef>
-          <a:fillRef idx="1">
-            <a:schemeClr val="accent1"/>
-          </a:fillRef>
-          <a:effectRef idx="0">
-            <a:schemeClr val="accent1"/>
-          </a:effectRef>
-          <a:fontRef idx="minor">
-            <a:schemeClr val="lt1"/>
-          </a:fontRef>
-        </p:style>
-        <p:txBody>
-          <a:bodyPr rtlCol="0" anchor="ctr"/>
-          <a:lstStyle/>
-          <a:p>
-            <a:pPr algn="ctr"/>
-            <a:endParaRPr lang="en-US"/>
-          </a:p>
-        </p:txBody>
-      </p:sp>
-      <p:sp>
-        <p:nvSpPr>
-          <p:cNvPr id="14" name="Rectangle 13"/>
-          <p:cNvSpPr/>
-          <p:nvPr/>
-        </p:nvSpPr>
-        <p:spPr>
-          <a:xfrm>
-            <a:off x="2268416" y="4726062"/>
-            <a:ext cx="339969" cy="378499"/>
-          </a:xfrm>
-          <a:prstGeom prst="rect">
-            <a:avLst/>
-          </a:prstGeom>
-          <a:solidFill>
-            <a:schemeClr val="accent1">
-              <a:lumMod val="50000"/>
-            </a:schemeClr>
-          </a:solidFill>
-          <a:ln>
-            <a:solidFill>
-              <a:schemeClr val="accent1">
-                <a:lumMod val="50000"/>
-              </a:schemeClr>
-            </a:solidFill>
-          </a:ln>
-        </p:spPr>
-        <p:style>
-          <a:lnRef idx="2">
-            <a:schemeClr val="accent1">
-              <a:shade val="50000"/>
-            </a:schemeClr>
-          </a:lnRef>
-          <a:fillRef idx="1">
-            <a:schemeClr val="accent1"/>
-          </a:fillRef>
-          <a:effectRef idx="0">
-            <a:schemeClr val="accent1"/>
-          </a:effectRef>
-          <a:fontRef idx="minor">
-            <a:schemeClr val="lt1"/>
-          </a:fontRef>
-        </p:style>
-        <p:txBody>
-          <a:bodyPr rtlCol="0" anchor="ctr"/>
-          <a:lstStyle/>
-          <a:p>
-            <a:pPr algn="ctr"/>
-            <a:endParaRPr lang="en-US"/>
-          </a:p>
-        </p:txBody>
-      </p:sp>
-      <p:sp>
-        <p:nvSpPr>
-          <p:cNvPr id="15" name="Rectangle 14"/>
-          <p:cNvSpPr/>
-          <p:nvPr/>
-        </p:nvSpPr>
-        <p:spPr>
-          <a:xfrm>
-            <a:off x="3859288" y="3776731"/>
-            <a:ext cx="339969" cy="378499"/>
-          </a:xfrm>
-          <a:prstGeom prst="rect">
-            <a:avLst/>
-          </a:prstGeom>
-          <a:solidFill>
-            <a:schemeClr val="accent1">
-              <a:lumMod val="50000"/>
-            </a:schemeClr>
-          </a:solidFill>
-          <a:ln>
-            <a:solidFill>
-              <a:schemeClr val="accent1">
-                <a:lumMod val="50000"/>
-              </a:schemeClr>
-            </a:solidFill>
-          </a:ln>
-        </p:spPr>
-        <p:style>
-          <a:lnRef idx="2">
-            <a:schemeClr val="accent1">
-              <a:shade val="50000"/>
-            </a:schemeClr>
-          </a:lnRef>
-          <a:fillRef idx="1">
-            <a:schemeClr val="accent1"/>
-          </a:fillRef>
-          <a:effectRef idx="0">
-            <a:schemeClr val="accent1"/>
-          </a:effectRef>
-          <a:fontRef idx="minor">
-            <a:schemeClr val="lt1"/>
-          </a:fontRef>
-        </p:style>
-        <p:txBody>
-          <a:bodyPr rtlCol="0" anchor="ctr"/>
-          <a:lstStyle/>
-          <a:p>
-            <a:pPr algn="ctr"/>
-            <a:endParaRPr lang="en-US"/>
-          </a:p>
-        </p:txBody>
-      </p:sp>
-      <p:sp>
-        <p:nvSpPr>
-          <p:cNvPr id="16" name="Rectangle 15"/>
-          <p:cNvSpPr/>
-          <p:nvPr/>
-        </p:nvSpPr>
-        <p:spPr>
-          <a:xfrm>
-            <a:off x="5234337" y="4548522"/>
-            <a:ext cx="339969" cy="378499"/>
-          </a:xfrm>
-          <a:prstGeom prst="rect">
-            <a:avLst/>
-          </a:prstGeom>
-          <a:solidFill>
-            <a:schemeClr val="accent1">
-              <a:lumMod val="50000"/>
-            </a:schemeClr>
-          </a:solidFill>
-          <a:ln>
-            <a:solidFill>
-              <a:schemeClr val="accent1">
-                <a:lumMod val="50000"/>
-              </a:schemeClr>
-            </a:solidFill>
-          </a:ln>
-        </p:spPr>
-        <p:style>
-          <a:lnRef idx="2">
-            <a:schemeClr val="accent1">
-              <a:shade val="50000"/>
-            </a:schemeClr>
-          </a:lnRef>
-          <a:fillRef idx="1">
-            <a:schemeClr val="accent1"/>
-          </a:fillRef>
-          <a:effectRef idx="0">
-            <a:schemeClr val="accent1"/>
-          </a:effectRef>
-          <a:fontRef idx="minor">
-            <a:schemeClr val="lt1"/>
-          </a:fontRef>
-        </p:style>
-        <p:txBody>
-          <a:bodyPr rtlCol="0" anchor="ctr"/>
-          <a:lstStyle/>
-          <a:p>
-            <a:pPr algn="ctr"/>
-            <a:endParaRPr lang="en-US"/>
-          </a:p>
-        </p:txBody>
-      </p:sp>
-      <p:sp>
-        <p:nvSpPr>
-          <p:cNvPr id="17" name="Rectangle 16"/>
-          <p:cNvSpPr/>
-          <p:nvPr/>
-        </p:nvSpPr>
-        <p:spPr>
-          <a:xfrm>
-            <a:off x="2825254" y="5588517"/>
-            <a:ext cx="339969" cy="378499"/>
-          </a:xfrm>
-          <a:prstGeom prst="rect">
-            <a:avLst/>
-          </a:prstGeom>
-          <a:solidFill>
-            <a:schemeClr val="accent1">
-              <a:lumMod val="50000"/>
-            </a:schemeClr>
-          </a:solidFill>
-          <a:ln>
-            <a:solidFill>
-              <a:schemeClr val="accent1">
-                <a:lumMod val="50000"/>
-              </a:schemeClr>
-            </a:solidFill>
-          </a:ln>
-        </p:spPr>
-        <p:style>
-          <a:lnRef idx="2">
-            <a:schemeClr val="accent1">
-              <a:shade val="50000"/>
-            </a:schemeClr>
-          </a:lnRef>
-          <a:fillRef idx="1">
-            <a:schemeClr val="accent1"/>
-          </a:fillRef>
-          <a:effectRef idx="0">
-            <a:schemeClr val="accent1"/>
-          </a:effectRef>
-          <a:fontRef idx="minor">
-            <a:schemeClr val="lt1"/>
-          </a:fontRef>
-        </p:style>
-        <p:txBody>
-          <a:bodyPr rtlCol="0" anchor="ctr"/>
-          <a:lstStyle/>
-          <a:p>
-            <a:pPr algn="ctr"/>
-            <a:endParaRPr lang="en-US"/>
-          </a:p>
-        </p:txBody>
-      </p:sp>
-      <p:sp>
-        <p:nvSpPr>
-          <p:cNvPr id="18" name="Rectangle 17"/>
-          <p:cNvSpPr/>
-          <p:nvPr/>
-        </p:nvSpPr>
-        <p:spPr>
-          <a:xfrm>
-            <a:off x="4411051" y="5583535"/>
-            <a:ext cx="339969" cy="378499"/>
-          </a:xfrm>
-          <a:prstGeom prst="rect">
-            <a:avLst/>
-          </a:prstGeom>
-          <a:solidFill>
-            <a:schemeClr val="accent1">
-              <a:lumMod val="50000"/>
-            </a:schemeClr>
-          </a:solidFill>
-          <a:ln>
-            <a:solidFill>
-              <a:schemeClr val="accent1">
-                <a:lumMod val="50000"/>
-              </a:schemeClr>
-            </a:solidFill>
-          </a:ln>
-        </p:spPr>
-        <p:style>
-          <a:lnRef idx="2">
-            <a:schemeClr val="accent1">
-              <a:shade val="50000"/>
-            </a:schemeClr>
-          </a:lnRef>
-          <a:fillRef idx="1">
-            <a:schemeClr val="accent1"/>
-          </a:fillRef>
-          <a:effectRef idx="0">
-            <a:schemeClr val="accent1"/>
-          </a:effectRef>
-          <a:fontRef idx="minor">
-            <a:schemeClr val="lt1"/>
-          </a:fontRef>
-        </p:style>
-        <p:txBody>
-          <a:bodyPr rtlCol="0" anchor="ctr"/>
-          <a:lstStyle/>
-          <a:p>
-            <a:pPr algn="ctr"/>
-            <a:endParaRPr lang="en-US"/>
-          </a:p>
-        </p:txBody>
-      </p:sp>
-      <p:sp>
-        <p:nvSpPr>
-          <p:cNvPr id="19" name="Rectangle 18"/>
-          <p:cNvSpPr/>
-          <p:nvPr/>
-        </p:nvSpPr>
-        <p:spPr>
-          <a:xfrm>
-            <a:off x="6301651" y="5454576"/>
-            <a:ext cx="339969" cy="378499"/>
-          </a:xfrm>
-          <a:prstGeom prst="rect">
-            <a:avLst/>
-          </a:prstGeom>
-          <a:solidFill>
-            <a:schemeClr val="accent1">
-              <a:lumMod val="50000"/>
-            </a:schemeClr>
-          </a:solidFill>
-          <a:ln>
-            <a:solidFill>
-              <a:schemeClr val="accent1">
-                <a:lumMod val="50000"/>
-              </a:schemeClr>
-            </a:solidFill>
-          </a:ln>
-        </p:spPr>
-        <p:style>
-          <a:lnRef idx="2">
-            <a:schemeClr val="accent1">
-              <a:shade val="50000"/>
-            </a:schemeClr>
-          </a:lnRef>
-          <a:fillRef idx="1">
-            <a:schemeClr val="accent1"/>
-          </a:fillRef>
-          <a:effectRef idx="0">
-            <a:schemeClr val="accent1"/>
-          </a:effectRef>
-          <a:fontRef idx="minor">
-            <a:schemeClr val="lt1"/>
-          </a:fontRef>
-        </p:style>
-        <p:txBody>
-          <a:bodyPr rtlCol="0" anchor="ctr"/>
-          <a:lstStyle/>
-          <a:p>
-            <a:pPr algn="ctr"/>
-            <a:endParaRPr lang="en-US"/>
-          </a:p>
-        </p:txBody>
-      </p:sp>
-      <p:sp>
-        <p:nvSpPr>
-          <p:cNvPr id="20" name="Rectangle 19"/>
-          <p:cNvSpPr/>
-          <p:nvPr/>
-        </p:nvSpPr>
-        <p:spPr>
-          <a:xfrm>
-            <a:off x="8077150" y="5489702"/>
-            <a:ext cx="339969" cy="378499"/>
-          </a:xfrm>
-          <a:prstGeom prst="rect">
-            <a:avLst/>
-          </a:prstGeom>
-          <a:solidFill>
-            <a:schemeClr val="accent1">
-              <a:lumMod val="50000"/>
-            </a:schemeClr>
-          </a:solidFill>
-          <a:ln>
-            <a:solidFill>
-              <a:schemeClr val="accent1">
-                <a:lumMod val="50000"/>
-              </a:schemeClr>
-            </a:solidFill>
-          </a:ln>
-        </p:spPr>
-        <p:style>
-          <a:lnRef idx="2">
-            <a:schemeClr val="accent1">
-              <a:shade val="50000"/>
-            </a:schemeClr>
-          </a:lnRef>
-          <a:fillRef idx="1">
-            <a:schemeClr val="accent1"/>
-          </a:fillRef>
-          <a:effectRef idx="0">
-            <a:schemeClr val="accent1"/>
-          </a:effectRef>
-          <a:fontRef idx="minor">
-            <a:schemeClr val="lt1"/>
-          </a:fontRef>
-        </p:style>
-        <p:txBody>
-          <a:bodyPr rtlCol="0" anchor="ctr"/>
-          <a:lstStyle/>
-          <a:p>
-            <a:pPr algn="ctr"/>
-            <a:endParaRPr lang="en-US"/>
-          </a:p>
-        </p:txBody>
-      </p:sp>
-      <p:cxnSp>
-        <p:nvCxnSpPr>
-          <p:cNvPr id="22" name="Straight Arrow Connector 21"/>
-          <p:cNvCxnSpPr/>
-          <p:nvPr/>
-        </p:nvCxnSpPr>
-        <p:spPr>
-          <a:xfrm flipH="1">
-            <a:off x="2467710" y="2509701"/>
-            <a:ext cx="641316" cy="506484"/>
-          </a:xfrm>
-          <a:prstGeom prst="straightConnector1">
-            <a:avLst/>
-          </a:prstGeom>
-          <a:ln>
-            <a:tailEnd type="triangle"/>
-          </a:ln>
-        </p:spPr>
-        <p:style>
-          <a:lnRef idx="1">
-            <a:schemeClr val="accent1"/>
-          </a:lnRef>
-          <a:fillRef idx="0">
-            <a:schemeClr val="accent1"/>
-          </a:fillRef>
-          <a:effectRef idx="0">
-            <a:schemeClr val="accent1"/>
-          </a:effectRef>
-          <a:fontRef idx="minor">
-            <a:schemeClr val="tx1"/>
-          </a:fontRef>
-        </p:style>
-      </p:cxnSp>
-      <p:cxnSp>
-        <p:nvCxnSpPr>
-          <p:cNvPr id="25" name="Straight Arrow Connector 24"/>
-          <p:cNvCxnSpPr/>
-          <p:nvPr/>
-        </p:nvCxnSpPr>
-        <p:spPr>
-          <a:xfrm flipH="1">
-            <a:off x="1735019" y="3314271"/>
-            <a:ext cx="392722" cy="343329"/>
-          </a:xfrm>
-          <a:prstGeom prst="straightConnector1">
-            <a:avLst/>
-          </a:prstGeom>
-          <a:ln>
-            <a:tailEnd type="triangle"/>
-          </a:ln>
-        </p:spPr>
-        <p:style>
-          <a:lnRef idx="1">
-            <a:schemeClr val="accent1"/>
-          </a:lnRef>
-          <a:fillRef idx="0">
-            <a:schemeClr val="accent1"/>
-          </a:fillRef>
-          <a:effectRef idx="0">
-            <a:schemeClr val="accent1"/>
-          </a:effectRef>
-          <a:fontRef idx="minor">
-            <a:schemeClr val="tx1"/>
-          </a:fontRef>
-        </p:style>
-      </p:cxnSp>
-      <p:cxnSp>
-        <p:nvCxnSpPr>
-          <p:cNvPr id="27" name="Straight Arrow Connector 26"/>
-          <p:cNvCxnSpPr/>
-          <p:nvPr/>
-        </p:nvCxnSpPr>
-        <p:spPr>
-          <a:xfrm>
-            <a:off x="7268308" y="-1125415"/>
-            <a:ext cx="0" cy="0"/>
-          </a:xfrm>
-          <a:prstGeom prst="straightConnector1">
-            <a:avLst/>
-          </a:prstGeom>
-          <a:ln>
-            <a:tailEnd type="triangle"/>
-          </a:ln>
-        </p:spPr>
-        <p:style>
-          <a:lnRef idx="1">
-            <a:schemeClr val="accent1"/>
-          </a:lnRef>
-          <a:fillRef idx="0">
-            <a:schemeClr val="accent1"/>
-          </a:fillRef>
-          <a:effectRef idx="0">
-            <a:schemeClr val="accent1"/>
-          </a:effectRef>
-          <a:fontRef idx="minor">
-            <a:schemeClr val="tx1"/>
-          </a:fontRef>
-        </p:style>
-      </p:cxnSp>
-      <p:cxnSp>
-        <p:nvCxnSpPr>
-          <p:cNvPr id="29" name="Straight Arrow Connector 28"/>
-          <p:cNvCxnSpPr/>
-          <p:nvPr/>
-        </p:nvCxnSpPr>
-        <p:spPr>
-          <a:xfrm>
-            <a:off x="3540360" y="2509701"/>
-            <a:ext cx="744417" cy="506484"/>
-          </a:xfrm>
-          <a:prstGeom prst="straightConnector1">
-            <a:avLst/>
-          </a:prstGeom>
-          <a:ln>
-            <a:tailEnd type="triangle"/>
-          </a:ln>
-        </p:spPr>
-        <p:style>
-          <a:lnRef idx="1">
-            <a:schemeClr val="accent1"/>
-          </a:lnRef>
-          <a:fillRef idx="0">
-            <a:schemeClr val="accent1"/>
-          </a:fillRef>
-          <a:effectRef idx="0">
-            <a:schemeClr val="accent1"/>
-          </a:effectRef>
-          <a:fontRef idx="minor">
-            <a:schemeClr val="tx1"/>
-          </a:fontRef>
-        </p:style>
-      </p:cxnSp>
-      <p:cxnSp>
-        <p:nvCxnSpPr>
-          <p:cNvPr id="30" name="Straight Arrow Connector 29"/>
-          <p:cNvCxnSpPr/>
-          <p:nvPr/>
-        </p:nvCxnSpPr>
-        <p:spPr>
-          <a:xfrm>
-            <a:off x="4970573" y="3295144"/>
-            <a:ext cx="744417" cy="506484"/>
-          </a:xfrm>
-          <a:prstGeom prst="straightConnector1">
-            <a:avLst/>
-          </a:prstGeom>
-          <a:ln>
-            <a:tailEnd type="triangle"/>
-          </a:ln>
-        </p:spPr>
-        <p:style>
-          <a:lnRef idx="1">
-            <a:schemeClr val="accent1"/>
-          </a:lnRef>
-          <a:fillRef idx="0">
-            <a:schemeClr val="accent1"/>
-          </a:fillRef>
-          <a:effectRef idx="0">
-            <a:schemeClr val="accent1"/>
-          </a:effectRef>
-          <a:fontRef idx="minor">
-            <a:schemeClr val="tx1"/>
-          </a:fontRef>
-        </p:style>
-      </p:cxnSp>
-      <p:cxnSp>
-        <p:nvCxnSpPr>
-          <p:cNvPr id="31" name="Straight Arrow Connector 30"/>
-          <p:cNvCxnSpPr/>
-          <p:nvPr/>
-        </p:nvCxnSpPr>
-        <p:spPr>
-          <a:xfrm>
-            <a:off x="6201494" y="4092309"/>
-            <a:ext cx="744417" cy="506484"/>
-          </a:xfrm>
-          <a:prstGeom prst="straightConnector1">
-            <a:avLst/>
-          </a:prstGeom>
-          <a:ln>
-            <a:tailEnd type="triangle"/>
-          </a:ln>
-        </p:spPr>
-        <p:style>
-          <a:lnRef idx="1">
-            <a:schemeClr val="accent1"/>
-          </a:lnRef>
-          <a:fillRef idx="0">
-            <a:schemeClr val="accent1"/>
-          </a:fillRef>
-          <a:effectRef idx="0">
-            <a:schemeClr val="accent1"/>
-          </a:effectRef>
-          <a:fontRef idx="minor">
-            <a:schemeClr val="tx1"/>
-          </a:fontRef>
-        </p:style>
-      </p:cxnSp>
-      <p:cxnSp>
-        <p:nvCxnSpPr>
-          <p:cNvPr id="32" name="Straight Arrow Connector 31"/>
-          <p:cNvCxnSpPr/>
-          <p:nvPr/>
-        </p:nvCxnSpPr>
-        <p:spPr>
-          <a:xfrm>
-            <a:off x="7268296" y="4948092"/>
-            <a:ext cx="744417" cy="506484"/>
-          </a:xfrm>
-          <a:prstGeom prst="straightConnector1">
-            <a:avLst/>
-          </a:prstGeom>
-          <a:ln>
-            <a:tailEnd type="triangle"/>
-          </a:ln>
-        </p:spPr>
-        <p:style>
-          <a:lnRef idx="1">
-            <a:schemeClr val="accent1"/>
-          </a:lnRef>
-          <a:fillRef idx="0">
-            <a:schemeClr val="accent1"/>
-          </a:fillRef>
-          <a:effectRef idx="0">
-            <a:schemeClr val="accent1"/>
-          </a:effectRef>
-          <a:fontRef idx="minor">
-            <a:schemeClr val="tx1"/>
-          </a:fontRef>
-        </p:style>
-      </p:cxnSp>
-      <p:cxnSp>
-        <p:nvCxnSpPr>
-          <p:cNvPr id="34" name="Straight Arrow Connector 33"/>
-          <p:cNvCxnSpPr/>
-          <p:nvPr/>
-        </p:nvCxnSpPr>
-        <p:spPr>
-          <a:xfrm>
-            <a:off x="2414949" y="3353759"/>
-            <a:ext cx="445473" cy="447869"/>
-          </a:xfrm>
-          <a:prstGeom prst="straightConnector1">
-            <a:avLst/>
-          </a:prstGeom>
-          <a:ln>
-            <a:tailEnd type="triangle"/>
-          </a:ln>
-        </p:spPr>
-        <p:style>
-          <a:lnRef idx="1">
-            <a:schemeClr val="accent1"/>
-          </a:lnRef>
-          <a:fillRef idx="0">
-            <a:schemeClr val="accent1"/>
-          </a:fillRef>
-          <a:effectRef idx="0">
-            <a:schemeClr val="accent1"/>
-          </a:effectRef>
-          <a:fontRef idx="minor">
-            <a:schemeClr val="tx1"/>
-          </a:fontRef>
-        </p:style>
-      </p:cxnSp>
-      <p:cxnSp>
-        <p:nvCxnSpPr>
-          <p:cNvPr id="39" name="Straight Arrow Connector 38"/>
-          <p:cNvCxnSpPr/>
-          <p:nvPr/>
-        </p:nvCxnSpPr>
-        <p:spPr>
-          <a:xfrm>
-            <a:off x="3165223" y="4244710"/>
-            <a:ext cx="445473" cy="447869"/>
-          </a:xfrm>
-          <a:prstGeom prst="straightConnector1">
-            <a:avLst/>
-          </a:prstGeom>
-          <a:ln>
-            <a:tailEnd type="triangle"/>
-          </a:ln>
-        </p:spPr>
-        <p:style>
-          <a:lnRef idx="1">
-            <a:schemeClr val="accent1"/>
-          </a:lnRef>
-          <a:fillRef idx="0">
-            <a:schemeClr val="accent1"/>
-          </a:fillRef>
-          <a:effectRef idx="0">
-            <a:schemeClr val="accent1"/>
-          </a:effectRef>
-          <a:fontRef idx="minor">
-            <a:schemeClr val="tx1"/>
-          </a:fontRef>
-        </p:style>
-      </p:cxnSp>
-      <p:cxnSp>
-        <p:nvCxnSpPr>
-          <p:cNvPr id="40" name="Straight Arrow Connector 39"/>
-          <p:cNvCxnSpPr/>
-          <p:nvPr/>
-        </p:nvCxnSpPr>
-        <p:spPr>
-          <a:xfrm>
-            <a:off x="3845163" y="5135666"/>
-            <a:ext cx="445473" cy="447869"/>
-          </a:xfrm>
-          <a:prstGeom prst="straightConnector1">
-            <a:avLst/>
-          </a:prstGeom>
-          <a:ln>
-            <a:tailEnd type="triangle"/>
-          </a:ln>
-        </p:spPr>
-        <p:style>
-          <a:lnRef idx="1">
-            <a:schemeClr val="accent1"/>
-          </a:lnRef>
-          <a:fillRef idx="0">
-            <a:schemeClr val="accent1"/>
-          </a:fillRef>
-          <a:effectRef idx="0">
-            <a:schemeClr val="accent1"/>
-          </a:effectRef>
-          <a:fontRef idx="minor">
-            <a:schemeClr val="tx1"/>
-          </a:fontRef>
-        </p:style>
-      </p:cxnSp>
-      <p:cxnSp>
-        <p:nvCxnSpPr>
-          <p:cNvPr id="42" name="Straight Arrow Connector 41"/>
-          <p:cNvCxnSpPr/>
-          <p:nvPr/>
-        </p:nvCxnSpPr>
-        <p:spPr>
-          <a:xfrm flipH="1">
-            <a:off x="4237892" y="3373873"/>
-            <a:ext cx="275490" cy="332905"/>
-          </a:xfrm>
-          <a:prstGeom prst="straightConnector1">
-            <a:avLst/>
-          </a:prstGeom>
-          <a:ln>
-            <a:tailEnd type="triangle"/>
-          </a:ln>
-        </p:spPr>
-        <p:style>
-          <a:lnRef idx="1">
-            <a:schemeClr val="accent1"/>
-          </a:lnRef>
-          <a:fillRef idx="0">
-            <a:schemeClr val="accent1"/>
-          </a:fillRef>
-          <a:effectRef idx="0">
-            <a:schemeClr val="accent1"/>
-          </a:effectRef>
-          <a:fontRef idx="minor">
-            <a:schemeClr val="tx1"/>
-          </a:fontRef>
-        </p:style>
-      </p:cxnSp>
-      <p:cxnSp>
-        <p:nvCxnSpPr>
-          <p:cNvPr id="46" name="Straight Arrow Connector 45"/>
-          <p:cNvCxnSpPr/>
-          <p:nvPr/>
-        </p:nvCxnSpPr>
-        <p:spPr>
-          <a:xfrm flipH="1">
-            <a:off x="5621214" y="4124147"/>
-            <a:ext cx="275490" cy="332905"/>
-          </a:xfrm>
-          <a:prstGeom prst="straightConnector1">
-            <a:avLst/>
-          </a:prstGeom>
-          <a:ln>
-            <a:tailEnd type="triangle"/>
-          </a:ln>
-        </p:spPr>
-        <p:style>
-          <a:lnRef idx="1">
-            <a:schemeClr val="accent1"/>
-          </a:lnRef>
-          <a:fillRef idx="0">
-            <a:schemeClr val="accent1"/>
-          </a:fillRef>
-          <a:effectRef idx="0">
-            <a:schemeClr val="accent1"/>
-          </a:effectRef>
-          <a:fontRef idx="minor">
-            <a:schemeClr val="tx1"/>
-          </a:fontRef>
-        </p:style>
-      </p:cxnSp>
-      <p:cxnSp>
-        <p:nvCxnSpPr>
-          <p:cNvPr id="47" name="Straight Arrow Connector 46"/>
-          <p:cNvCxnSpPr/>
-          <p:nvPr/>
-        </p:nvCxnSpPr>
-        <p:spPr>
-          <a:xfrm flipH="1">
-            <a:off x="6676286" y="4968206"/>
-            <a:ext cx="275490" cy="332905"/>
-          </a:xfrm>
-          <a:prstGeom prst="straightConnector1">
-            <a:avLst/>
-          </a:prstGeom>
-          <a:ln>
-            <a:tailEnd type="triangle"/>
-          </a:ln>
-        </p:spPr>
-        <p:style>
-          <a:lnRef idx="1">
-            <a:schemeClr val="accent1"/>
-          </a:lnRef>
-          <a:fillRef idx="0">
-            <a:schemeClr val="accent1"/>
-          </a:fillRef>
-          <a:effectRef idx="0">
-            <a:schemeClr val="accent1"/>
-          </a:effectRef>
-          <a:fontRef idx="minor">
-            <a:schemeClr val="tx1"/>
-          </a:fontRef>
-        </p:style>
-      </p:cxnSp>
-      <p:cxnSp>
-        <p:nvCxnSpPr>
-          <p:cNvPr id="48" name="Straight Arrow Connector 47"/>
-          <p:cNvCxnSpPr/>
-          <p:nvPr/>
-        </p:nvCxnSpPr>
-        <p:spPr>
-          <a:xfrm flipH="1">
-            <a:off x="2608389" y="4264823"/>
-            <a:ext cx="275490" cy="332905"/>
-          </a:xfrm>
-          <a:prstGeom prst="straightConnector1">
-            <a:avLst/>
-          </a:prstGeom>
-          <a:ln>
-            <a:tailEnd type="triangle"/>
-          </a:ln>
-        </p:spPr>
-        <p:style>
-          <a:lnRef idx="1">
-            <a:schemeClr val="accent1"/>
-          </a:lnRef>
-          <a:fillRef idx="0">
-            <a:schemeClr val="accent1"/>
-          </a:fillRef>
-          <a:effectRef idx="0">
-            <a:schemeClr val="accent1"/>
-          </a:effectRef>
-          <a:fontRef idx="minor">
-            <a:schemeClr val="tx1"/>
-          </a:fontRef>
-        </p:style>
-      </p:cxnSp>
-      <p:cxnSp>
-        <p:nvCxnSpPr>
-          <p:cNvPr id="49" name="Straight Arrow Connector 48"/>
-          <p:cNvCxnSpPr/>
-          <p:nvPr/>
-        </p:nvCxnSpPr>
-        <p:spPr>
-          <a:xfrm flipH="1">
-            <a:off x="3206264" y="5120610"/>
-            <a:ext cx="275490" cy="332905"/>
-          </a:xfrm>
-          <a:prstGeom prst="straightConnector1">
-            <a:avLst/>
-          </a:prstGeom>
-          <a:ln>
-            <a:tailEnd type="triangle"/>
-          </a:ln>
-        </p:spPr>
-        <p:style>
-          <a:lnRef idx="1">
-            <a:schemeClr val="accent1"/>
-          </a:lnRef>
-          <a:fillRef idx="0">
-            <a:schemeClr val="accent1"/>
-          </a:fillRef>
-          <a:effectRef idx="0">
-            <a:schemeClr val="accent1"/>
-          </a:effectRef>
-          <a:fontRef idx="minor">
-            <a:schemeClr val="tx1"/>
-          </a:fontRef>
-        </p:style>
-      </p:cxnSp>
-      <p:sp>
-        <p:nvSpPr>
-          <p:cNvPr id="50" name="TextBox 49"/>
-          <p:cNvSpPr txBox="1"/>
-          <p:nvPr/>
-        </p:nvSpPr>
-        <p:spPr>
-          <a:xfrm>
-            <a:off x="2520453" y="2410939"/>
-            <a:ext cx="339969" cy="369332"/>
-          </a:xfrm>
-          <a:prstGeom prst="rect">
-            <a:avLst/>
-          </a:prstGeom>
-          <a:noFill/>
-        </p:spPr>
-        <p:txBody>
-          <a:bodyPr wrap="square" rtlCol="0">
-            <a:spAutoFit/>
-          </a:bodyPr>
-          <a:lstStyle/>
-          <a:p>
-            <a:r>
-              <a:rPr lang="en-US" dirty="0"/>
-              <a:t>A</a:t>
-            </a:r>
-          </a:p>
-        </p:txBody>
-      </p:sp>
-      <p:sp>
-        <p:nvSpPr>
-          <p:cNvPr id="51" name="TextBox 50"/>
-          <p:cNvSpPr txBox="1"/>
-          <p:nvPr/>
-        </p:nvSpPr>
-        <p:spPr>
-          <a:xfrm>
-            <a:off x="3781907" y="2341837"/>
-            <a:ext cx="785434" cy="369332"/>
-          </a:xfrm>
-          <a:prstGeom prst="rect">
-            <a:avLst/>
-          </a:prstGeom>
-          <a:noFill/>
-        </p:spPr>
-        <p:txBody>
-          <a:bodyPr wrap="square" rtlCol="0">
-            <a:spAutoFit/>
-          </a:bodyPr>
-          <a:lstStyle/>
-          <a:p>
-            <a:r>
-              <a:rPr lang="en-US" dirty="0"/>
-              <a:t>B</a:t>
-            </a:r>
-          </a:p>
-        </p:txBody>
-      </p:sp>
-      <p:sp>
-        <p:nvSpPr>
-          <p:cNvPr id="52" name="TextBox 51"/>
-          <p:cNvSpPr txBox="1"/>
-          <p:nvPr/>
-        </p:nvSpPr>
-        <p:spPr>
-          <a:xfrm>
-            <a:off x="5233118" y="3208361"/>
-            <a:ext cx="339969" cy="369332"/>
-          </a:xfrm>
-          <a:prstGeom prst="rect">
-            <a:avLst/>
-          </a:prstGeom>
-          <a:noFill/>
-        </p:spPr>
-        <p:txBody>
-          <a:bodyPr wrap="square" rtlCol="0">
-            <a:spAutoFit/>
-          </a:bodyPr>
-          <a:lstStyle/>
-          <a:p>
-            <a:r>
-              <a:rPr lang="en-US" dirty="0"/>
-              <a:t>A</a:t>
-            </a:r>
-          </a:p>
-        </p:txBody>
-      </p:sp>
-      <p:sp>
-        <p:nvSpPr>
-          <p:cNvPr id="53" name="TextBox 52"/>
-          <p:cNvSpPr txBox="1"/>
-          <p:nvPr/>
-        </p:nvSpPr>
-        <p:spPr>
-          <a:xfrm>
-            <a:off x="3311769" y="4145669"/>
-            <a:ext cx="339969" cy="369332"/>
-          </a:xfrm>
-          <a:prstGeom prst="rect">
-            <a:avLst/>
-          </a:prstGeom>
-          <a:noFill/>
-        </p:spPr>
-        <p:txBody>
-          <a:bodyPr wrap="square" rtlCol="0">
-            <a:spAutoFit/>
-          </a:bodyPr>
-          <a:lstStyle/>
-          <a:p>
-            <a:r>
-              <a:rPr lang="en-US" dirty="0"/>
-              <a:t>A</a:t>
-            </a:r>
-          </a:p>
-        </p:txBody>
-      </p:sp>
-      <p:sp>
-        <p:nvSpPr>
-          <p:cNvPr id="54" name="TextBox 53"/>
-          <p:cNvSpPr txBox="1"/>
-          <p:nvPr/>
-        </p:nvSpPr>
-        <p:spPr>
-          <a:xfrm>
-            <a:off x="2520453" y="3231466"/>
-            <a:ext cx="785434" cy="369332"/>
-          </a:xfrm>
-          <a:prstGeom prst="rect">
-            <a:avLst/>
-          </a:prstGeom>
-          <a:noFill/>
-        </p:spPr>
-        <p:txBody>
-          <a:bodyPr wrap="square" rtlCol="0">
-            <a:spAutoFit/>
-          </a:bodyPr>
-          <a:lstStyle/>
-          <a:p>
-            <a:r>
-              <a:rPr lang="en-US" dirty="0"/>
-              <a:t>B</a:t>
-            </a:r>
-          </a:p>
-        </p:txBody>
-      </p:sp>
-      <p:sp>
-        <p:nvSpPr>
-          <p:cNvPr id="55" name="TextBox 54"/>
-          <p:cNvSpPr txBox="1"/>
-          <p:nvPr/>
-        </p:nvSpPr>
-        <p:spPr>
-          <a:xfrm>
-            <a:off x="6476981" y="4000851"/>
-            <a:ext cx="785434" cy="369332"/>
-          </a:xfrm>
-          <a:prstGeom prst="rect">
-            <a:avLst/>
-          </a:prstGeom>
-          <a:noFill/>
-        </p:spPr>
-        <p:txBody>
-          <a:bodyPr wrap="square" rtlCol="0">
-            <a:spAutoFit/>
-          </a:bodyPr>
-          <a:lstStyle/>
-          <a:p>
-            <a:r>
-              <a:rPr lang="en-US" dirty="0"/>
-              <a:t>B</a:t>
-            </a:r>
-          </a:p>
-        </p:txBody>
-      </p:sp>
-      <p:sp>
-        <p:nvSpPr>
-          <p:cNvPr id="56" name="TextBox 55"/>
-          <p:cNvSpPr txBox="1"/>
-          <p:nvPr/>
-        </p:nvSpPr>
-        <p:spPr>
-          <a:xfrm>
-            <a:off x="1164191" y="3747447"/>
-            <a:ext cx="896819" cy="369332"/>
-          </a:xfrm>
-          <a:prstGeom prst="rect">
-            <a:avLst/>
-          </a:prstGeom>
-          <a:noFill/>
-        </p:spPr>
-        <p:txBody>
-          <a:bodyPr wrap="square" rtlCol="0">
-            <a:spAutoFit/>
-          </a:bodyPr>
-          <a:lstStyle/>
-          <a:p>
-            <a:r>
-              <a:rPr lang="en-US" dirty="0">
-                <a:solidFill>
-                  <a:schemeClr val="bg1"/>
-                </a:solidFill>
-              </a:rPr>
-              <a:t>1:3</a:t>
-            </a:r>
-          </a:p>
-        </p:txBody>
-      </p:sp>
-      <p:sp>
-        <p:nvSpPr>
-          <p:cNvPr id="57" name="TextBox 56"/>
-          <p:cNvSpPr txBox="1"/>
-          <p:nvPr/>
-        </p:nvSpPr>
-        <p:spPr>
-          <a:xfrm>
-            <a:off x="3789482" y="3770725"/>
-            <a:ext cx="896819" cy="369332"/>
-          </a:xfrm>
-          <a:prstGeom prst="rect">
-            <a:avLst/>
-          </a:prstGeom>
-          <a:noFill/>
-        </p:spPr>
-        <p:txBody>
-          <a:bodyPr wrap="square" rtlCol="0">
-            <a:spAutoFit/>
-          </a:bodyPr>
-          <a:lstStyle/>
-          <a:p>
-            <a:r>
-              <a:rPr lang="en-US" dirty="0">
-                <a:solidFill>
-                  <a:schemeClr val="bg1"/>
-                </a:solidFill>
-              </a:rPr>
-              <a:t>0:3</a:t>
-            </a:r>
-          </a:p>
-        </p:txBody>
-      </p:sp>
-      <p:sp>
-        <p:nvSpPr>
-          <p:cNvPr id="58" name="TextBox 57"/>
-          <p:cNvSpPr txBox="1"/>
-          <p:nvPr/>
-        </p:nvSpPr>
-        <p:spPr>
-          <a:xfrm>
-            <a:off x="2212207" y="4743791"/>
-            <a:ext cx="896819" cy="369332"/>
-          </a:xfrm>
-          <a:prstGeom prst="rect">
-            <a:avLst/>
-          </a:prstGeom>
-          <a:noFill/>
-        </p:spPr>
-        <p:txBody>
-          <a:bodyPr wrap="square" rtlCol="0">
-            <a:spAutoFit/>
-          </a:bodyPr>
-          <a:lstStyle/>
-          <a:p>
-            <a:r>
-              <a:rPr lang="en-US" dirty="0">
-                <a:solidFill>
-                  <a:schemeClr val="bg1"/>
-                </a:solidFill>
-              </a:rPr>
-              <a:t>0:2</a:t>
-            </a:r>
-          </a:p>
-        </p:txBody>
-      </p:sp>
-      <p:sp>
-        <p:nvSpPr>
-          <p:cNvPr id="59" name="TextBox 58"/>
-          <p:cNvSpPr txBox="1"/>
-          <p:nvPr/>
-        </p:nvSpPr>
-        <p:spPr>
-          <a:xfrm>
-            <a:off x="2796467" y="5575189"/>
-            <a:ext cx="896819" cy="369332"/>
-          </a:xfrm>
-          <a:prstGeom prst="rect">
-            <a:avLst/>
-          </a:prstGeom>
-          <a:noFill/>
-        </p:spPr>
-        <p:txBody>
-          <a:bodyPr wrap="square" rtlCol="0">
-            <a:spAutoFit/>
-          </a:bodyPr>
-          <a:lstStyle/>
-          <a:p>
-            <a:r>
-              <a:rPr lang="en-US" dirty="0">
-                <a:solidFill>
-                  <a:schemeClr val="bg1"/>
-                </a:solidFill>
-              </a:rPr>
-              <a:t>1:1</a:t>
-            </a:r>
-          </a:p>
-        </p:txBody>
-      </p:sp>
-      <p:sp>
-        <p:nvSpPr>
-          <p:cNvPr id="60" name="TextBox 59"/>
-          <p:cNvSpPr txBox="1"/>
-          <p:nvPr/>
-        </p:nvSpPr>
-        <p:spPr>
-          <a:xfrm>
-            <a:off x="4347098" y="5575189"/>
-            <a:ext cx="896819" cy="369332"/>
-          </a:xfrm>
-          <a:prstGeom prst="rect">
-            <a:avLst/>
-          </a:prstGeom>
-          <a:noFill/>
-        </p:spPr>
-        <p:txBody>
-          <a:bodyPr wrap="square" rtlCol="0">
-            <a:spAutoFit/>
-          </a:bodyPr>
-          <a:lstStyle/>
-          <a:p>
-            <a:r>
-              <a:rPr lang="en-US" dirty="0">
-                <a:solidFill>
-                  <a:schemeClr val="bg1"/>
-                </a:solidFill>
-              </a:rPr>
-              <a:t>0:0</a:t>
-            </a:r>
-          </a:p>
-        </p:txBody>
-      </p:sp>
-      <p:sp>
-        <p:nvSpPr>
-          <p:cNvPr id="61" name="TextBox 60"/>
-          <p:cNvSpPr txBox="1"/>
-          <p:nvPr/>
-        </p:nvSpPr>
-        <p:spPr>
-          <a:xfrm>
-            <a:off x="6246712" y="5469748"/>
-            <a:ext cx="896819" cy="369332"/>
-          </a:xfrm>
-          <a:prstGeom prst="rect">
-            <a:avLst/>
-          </a:prstGeom>
-          <a:noFill/>
-        </p:spPr>
-        <p:txBody>
-          <a:bodyPr wrap="square" rtlCol="0">
-            <a:spAutoFit/>
-          </a:bodyPr>
-          <a:lstStyle/>
-          <a:p>
-            <a:r>
-              <a:rPr lang="en-US" dirty="0">
-                <a:solidFill>
-                  <a:schemeClr val="bg1"/>
-                </a:solidFill>
-              </a:rPr>
-              <a:t>0:1</a:t>
-            </a:r>
-          </a:p>
-        </p:txBody>
-      </p:sp>
-      <p:sp>
-        <p:nvSpPr>
-          <p:cNvPr id="62" name="TextBox 61"/>
-          <p:cNvSpPr txBox="1"/>
-          <p:nvPr/>
-        </p:nvSpPr>
-        <p:spPr>
-          <a:xfrm>
-            <a:off x="8012713" y="5470537"/>
-            <a:ext cx="896819" cy="369332"/>
-          </a:xfrm>
-          <a:prstGeom prst="rect">
-            <a:avLst/>
-          </a:prstGeom>
-          <a:noFill/>
-        </p:spPr>
-        <p:txBody>
-          <a:bodyPr wrap="square" rtlCol="0">
-            <a:spAutoFit/>
-          </a:bodyPr>
-          <a:lstStyle/>
-          <a:p>
-            <a:r>
-              <a:rPr lang="en-US" dirty="0">
-                <a:solidFill>
-                  <a:schemeClr val="bg1"/>
-                </a:solidFill>
-              </a:rPr>
-              <a:t>1:0</a:t>
-            </a:r>
-          </a:p>
-        </p:txBody>
-      </p:sp>
-      <p:sp>
-        <p:nvSpPr>
-          <p:cNvPr id="63" name="TextBox 62"/>
-          <p:cNvSpPr txBox="1"/>
-          <p:nvPr/>
-        </p:nvSpPr>
-        <p:spPr>
-          <a:xfrm>
-            <a:off x="5172779" y="4545979"/>
-            <a:ext cx="896819" cy="369332"/>
-          </a:xfrm>
-          <a:prstGeom prst="rect">
-            <a:avLst/>
-          </a:prstGeom>
-          <a:noFill/>
-        </p:spPr>
-        <p:txBody>
-          <a:bodyPr wrap="square" rtlCol="0">
-            <a:spAutoFit/>
-          </a:bodyPr>
-          <a:lstStyle/>
-          <a:p>
-            <a:r>
-              <a:rPr lang="en-US" dirty="0">
-                <a:solidFill>
-                  <a:schemeClr val="bg1"/>
-                </a:solidFill>
-              </a:rPr>
-              <a:t>1:2</a:t>
-            </a:r>
-          </a:p>
-        </p:txBody>
-      </p:sp>
-      <p:sp>
-        <p:nvSpPr>
-          <p:cNvPr id="64" name="TextBox 63"/>
-          <p:cNvSpPr txBox="1"/>
-          <p:nvPr/>
-        </p:nvSpPr>
-        <p:spPr>
-          <a:xfrm>
-            <a:off x="1652434" y="3177575"/>
-            <a:ext cx="1473494" cy="369332"/>
-          </a:xfrm>
-          <a:prstGeom prst="rect">
-            <a:avLst/>
-          </a:prstGeom>
-          <a:noFill/>
-        </p:spPr>
-        <p:txBody>
-          <a:bodyPr wrap="square" rtlCol="0">
-            <a:spAutoFit/>
-          </a:bodyPr>
-          <a:lstStyle/>
-          <a:p>
-            <a:r>
-              <a:rPr lang="en-US" dirty="0"/>
-              <a:t>$1</a:t>
-            </a:r>
-          </a:p>
-        </p:txBody>
-      </p:sp>
-      <p:sp>
-        <p:nvSpPr>
-          <p:cNvPr id="66" name="TextBox 65"/>
-          <p:cNvSpPr txBox="1"/>
-          <p:nvPr/>
-        </p:nvSpPr>
-        <p:spPr>
-          <a:xfrm>
-            <a:off x="4053867" y="3257346"/>
-            <a:ext cx="1473494" cy="369332"/>
-          </a:xfrm>
-          <a:prstGeom prst="rect">
-            <a:avLst/>
-          </a:prstGeom>
-          <a:noFill/>
-        </p:spPr>
-        <p:txBody>
-          <a:bodyPr wrap="square" rtlCol="0">
-            <a:spAutoFit/>
-          </a:bodyPr>
-          <a:lstStyle/>
-          <a:p>
-            <a:r>
-              <a:rPr lang="en-US" dirty="0"/>
-              <a:t>$0</a:t>
-            </a:r>
-          </a:p>
-        </p:txBody>
-      </p:sp>
-      <p:sp>
-        <p:nvSpPr>
-          <p:cNvPr id="67" name="TextBox 66"/>
-          <p:cNvSpPr txBox="1"/>
-          <p:nvPr/>
-        </p:nvSpPr>
-        <p:spPr>
-          <a:xfrm>
-            <a:off x="5464747" y="4000297"/>
-            <a:ext cx="1473494" cy="369332"/>
-          </a:xfrm>
-          <a:prstGeom prst="rect">
-            <a:avLst/>
-          </a:prstGeom>
-          <a:noFill/>
-        </p:spPr>
-        <p:txBody>
-          <a:bodyPr wrap="square" rtlCol="0">
-            <a:spAutoFit/>
-          </a:bodyPr>
-          <a:lstStyle/>
-          <a:p>
-            <a:r>
-              <a:rPr lang="en-US" dirty="0"/>
-              <a:t>$1</a:t>
-            </a:r>
-          </a:p>
-        </p:txBody>
-      </p:sp>
-      <p:sp>
-        <p:nvSpPr>
-          <p:cNvPr id="68" name="TextBox 67"/>
-          <p:cNvSpPr txBox="1"/>
-          <p:nvPr/>
-        </p:nvSpPr>
-        <p:spPr>
-          <a:xfrm>
-            <a:off x="3093847" y="4982782"/>
-            <a:ext cx="1473494" cy="369332"/>
-          </a:xfrm>
-          <a:prstGeom prst="rect">
-            <a:avLst/>
-          </a:prstGeom>
-          <a:noFill/>
-        </p:spPr>
-        <p:txBody>
-          <a:bodyPr wrap="square" rtlCol="0">
-            <a:spAutoFit/>
-          </a:bodyPr>
-          <a:lstStyle/>
-          <a:p>
-            <a:r>
-              <a:rPr lang="en-US" dirty="0"/>
-              <a:t>$1</a:t>
-            </a:r>
-          </a:p>
-        </p:txBody>
-      </p:sp>
-      <p:sp>
-        <p:nvSpPr>
-          <p:cNvPr id="69" name="TextBox 68"/>
-          <p:cNvSpPr txBox="1"/>
-          <p:nvPr/>
-        </p:nvSpPr>
-        <p:spPr>
-          <a:xfrm>
-            <a:off x="7510387" y="4889052"/>
-            <a:ext cx="1473494" cy="369332"/>
-          </a:xfrm>
-          <a:prstGeom prst="rect">
-            <a:avLst/>
-          </a:prstGeom>
-          <a:noFill/>
-        </p:spPr>
-        <p:txBody>
-          <a:bodyPr wrap="square" rtlCol="0">
-            <a:spAutoFit/>
-          </a:bodyPr>
-          <a:lstStyle/>
-          <a:p>
-            <a:r>
-              <a:rPr lang="en-US" dirty="0"/>
-              <a:t>$1</a:t>
-            </a:r>
-          </a:p>
-        </p:txBody>
-      </p:sp>
-      <p:sp>
-        <p:nvSpPr>
-          <p:cNvPr id="70" name="TextBox 69"/>
-          <p:cNvSpPr txBox="1"/>
-          <p:nvPr/>
-        </p:nvSpPr>
-        <p:spPr>
-          <a:xfrm>
-            <a:off x="2458373" y="4148282"/>
-            <a:ext cx="1473494" cy="369332"/>
-          </a:xfrm>
-          <a:prstGeom prst="rect">
-            <a:avLst/>
-          </a:prstGeom>
-          <a:noFill/>
-        </p:spPr>
-        <p:txBody>
-          <a:bodyPr wrap="square" rtlCol="0">
-            <a:spAutoFit/>
-          </a:bodyPr>
-          <a:lstStyle/>
-          <a:p>
-            <a:r>
-              <a:rPr lang="en-US" dirty="0"/>
-              <a:t>$0</a:t>
-            </a:r>
-          </a:p>
-        </p:txBody>
-      </p:sp>
-      <p:sp>
-        <p:nvSpPr>
-          <p:cNvPr id="71" name="TextBox 70"/>
-          <p:cNvSpPr txBox="1"/>
-          <p:nvPr/>
-        </p:nvSpPr>
-        <p:spPr>
-          <a:xfrm>
-            <a:off x="6503422" y="4873091"/>
-            <a:ext cx="1473494" cy="369332"/>
-          </a:xfrm>
-          <a:prstGeom prst="rect">
-            <a:avLst/>
-          </a:prstGeom>
-          <a:noFill/>
-        </p:spPr>
-        <p:txBody>
-          <a:bodyPr wrap="square" rtlCol="0">
-            <a:spAutoFit/>
-          </a:bodyPr>
-          <a:lstStyle/>
-          <a:p>
-            <a:r>
-              <a:rPr lang="en-US" dirty="0"/>
-              <a:t>$0</a:t>
-            </a:r>
-          </a:p>
-        </p:txBody>
-      </p:sp>
-      <p:pic>
-        <p:nvPicPr>
-          <p:cNvPr id="72" name="Picture 71"/>
-          <p:cNvPicPr>
-            <a:picLocks noChangeAspect="1"/>
-          </p:cNvPicPr>
-          <p:nvPr/>
-        </p:nvPicPr>
-        <p:blipFill>
-          <a:blip r:embed="rId2"/>
-          <a:stretch>
-            <a:fillRect/>
-          </a:stretch>
-        </p:blipFill>
-        <p:spPr>
-          <a:xfrm>
-            <a:off x="7096414" y="3164649"/>
-            <a:ext cx="1889984" cy="413043"/>
-          </a:xfrm>
-          <a:prstGeom prst="rect">
-            <a:avLst/>
-          </a:prstGeom>
-        </p:spPr>
-      </p:pic>
-      <p:sp>
-        <p:nvSpPr>
-          <p:cNvPr id="73" name="TextBox 72"/>
-          <p:cNvSpPr txBox="1"/>
-          <p:nvPr/>
-        </p:nvSpPr>
-        <p:spPr>
-          <a:xfrm>
-            <a:off x="9214338" y="3208361"/>
-            <a:ext cx="2015123" cy="369332"/>
-          </a:xfrm>
-          <a:prstGeom prst="rect">
-            <a:avLst/>
-          </a:prstGeom>
-          <a:noFill/>
-        </p:spPr>
-        <p:txBody>
-          <a:bodyPr wrap="square" rtlCol="0">
-            <a:spAutoFit/>
-          </a:bodyPr>
-          <a:lstStyle/>
-          <a:p>
-            <a:r>
-              <a:rPr lang="fa-IR" dirty="0"/>
-              <a:t>پیدا کردن همه جواب ها:</a:t>
-            </a:r>
-            <a:endParaRPr lang="en-US" dirty="0"/>
-          </a:p>
-        </p:txBody>
-      </p:sp>
-      <p:pic>
-        <p:nvPicPr>
-          <p:cNvPr id="74" name="Picture 73"/>
-          <p:cNvPicPr>
-            <a:picLocks noChangeAspect="1"/>
-          </p:cNvPicPr>
-          <p:nvPr/>
-        </p:nvPicPr>
-        <p:blipFill>
-          <a:blip r:embed="rId3"/>
-          <a:stretch>
-            <a:fillRect/>
-          </a:stretch>
-        </p:blipFill>
-        <p:spPr>
-          <a:xfrm>
-            <a:off x="8446460" y="4116779"/>
-            <a:ext cx="3220029" cy="464148"/>
-          </a:xfrm>
-          <a:prstGeom prst="rect">
-            <a:avLst/>
-          </a:prstGeom>
-        </p:spPr>
-      </p:pic>
-    </p:spTree>
-    <p:extLst>
-      <p:ext uri="{BB962C8B-B14F-4D97-AF65-F5344CB8AC3E}">
-        <p14:creationId xmlns:p14="http://schemas.microsoft.com/office/powerpoint/2010/main" val="2867097691"/>
-      </p:ext>
-    </p:extLst>
-  </p:cSld>
-  <p:clrMapOvr>
-    <a:masterClrMapping/>
-  </p:clrMapOvr>
-  <mc:AlternateContent xmlns:mc="http://schemas.openxmlformats.org/markup-compatibility/2006" xmlns:p14="http://schemas.microsoft.com/office/powerpoint/2010/main">
-    <mc:Choice Requires="p14">
-      <p:transition spd="med" p14:dur="700">
-        <p:fade/>
-      </p:transition>
-    </mc:Choice>
-    <mc:Fallback xmlns="">
-      <p:transition spd="med">
-        <p:fade/>
-      </p:transition>
-    </mc:Fallback>
-  </mc:AlternateContent>
-</p:sld>
-</file>
-
 <file path=ppt/slides/slide15.xml><?xml version="1.0" encoding="utf-8"?>
 <p:sld xmlns:a="http://schemas.openxmlformats.org/drawingml/2006/main" xmlns:r="http://schemas.openxmlformats.org/officeDocument/2006/relationships" xmlns:p="http://schemas.openxmlformats.org/presentationml/2006/main">
   <p:cSld>
@@ -8361,47 +6555,1298 @@
         </p:nvSpPr>
         <p:spPr>
           <a:xfrm>
-            <a:off x="1097280" y="227988"/>
-            <a:ext cx="10058400" cy="1450757"/>
-          </a:xfrm>
-        </p:spPr>
-        <p:txBody>
-          <a:bodyPr/>
+            <a:off x="6069598" y="679269"/>
+            <a:ext cx="5086082" cy="1058091"/>
+          </a:xfrm>
+        </p:spPr>
+        <p:txBody>
+          <a:bodyPr>
+            <a:normAutofit/>
+          </a:bodyPr>
           <a:lstStyle/>
           <a:p>
             <a:pPr algn="r"/>
             <a:r>
-              <a:rPr lang="fa-IR" dirty="0">
-                <a:solidFill>
-                  <a:schemeClr val="tx1">
-                    <a:lumMod val="95000"/>
-                    <a:lumOff val="5000"/>
-                  </a:schemeClr>
-                </a:solidFill>
-              </a:rPr>
-              <a:t>طولانی ترین زیر رشته مشترک</a:t>
-            </a:r>
-            <a:endParaRPr lang="en-US" dirty="0">
-              <a:solidFill>
-                <a:schemeClr val="tx1">
-                  <a:lumMod val="95000"/>
-                  <a:lumOff val="5000"/>
-                </a:schemeClr>
-              </a:solidFill>
-            </a:endParaRPr>
-          </a:p>
-        </p:txBody>
-      </p:sp>
-      <p:sp>
-        <p:nvSpPr>
-          <p:cNvPr id="3" name="TextBox 2"/>
+              <a:rPr lang="fa-IR" dirty="0"/>
+              <a:t>کاربرد ها و مرتبه زمانی</a:t>
+            </a:r>
+            <a:endParaRPr lang="en-US" dirty="0"/>
+          </a:p>
+        </p:txBody>
+      </p:sp>
+      <p:sp>
+        <p:nvSpPr>
+          <p:cNvPr id="5" name="Rectangle 4"/>
+          <p:cNvSpPr/>
+          <p:nvPr/>
+        </p:nvSpPr>
+        <p:spPr>
+          <a:xfrm>
+            <a:off x="6315272" y="2255840"/>
+            <a:ext cx="4840408" cy="584775"/>
+          </a:xfrm>
+          <a:prstGeom prst="rect">
+            <a:avLst/>
+          </a:prstGeom>
+        </p:spPr>
+        <p:txBody>
+          <a:bodyPr wrap="square">
+            <a:spAutoFit/>
+          </a:bodyPr>
+          <a:lstStyle/>
+          <a:p>
+            <a:pPr algn="r"/>
+            <a:r>
+              <a:rPr lang="fa-IR" sz="3200" dirty="0"/>
+              <a:t>مسئله1: تطابق رشته کامل</a:t>
+            </a:r>
+            <a:endParaRPr lang="en-US" sz="3200" dirty="0"/>
+          </a:p>
+        </p:txBody>
+      </p:sp>
+      <p:sp>
+        <p:nvSpPr>
+          <p:cNvPr id="6" name="Oval 5"/>
+          <p:cNvSpPr/>
+          <p:nvPr/>
+        </p:nvSpPr>
+        <p:spPr>
+          <a:xfrm>
+            <a:off x="3200391" y="2211615"/>
+            <a:ext cx="339969" cy="298086"/>
+          </a:xfrm>
+          <a:prstGeom prst="ellipse">
+            <a:avLst/>
+          </a:prstGeom>
+          <a:solidFill>
+            <a:schemeClr val="accent1">
+              <a:lumMod val="50000"/>
+            </a:schemeClr>
+          </a:solidFill>
+        </p:spPr>
+        <p:style>
+          <a:lnRef idx="2">
+            <a:schemeClr val="accent1">
+              <a:shade val="50000"/>
+            </a:schemeClr>
+          </a:lnRef>
+          <a:fillRef idx="1">
+            <a:schemeClr val="accent1"/>
+          </a:fillRef>
+          <a:effectRef idx="0">
+            <a:schemeClr val="accent1"/>
+          </a:effectRef>
+          <a:fontRef idx="minor">
+            <a:schemeClr val="lt1"/>
+          </a:fontRef>
+        </p:style>
+        <p:txBody>
+          <a:bodyPr rtlCol="0" anchor="ctr"/>
+          <a:lstStyle/>
+          <a:p>
+            <a:pPr algn="ctr"/>
+            <a:endParaRPr lang="en-US"/>
+          </a:p>
+        </p:txBody>
+      </p:sp>
+      <p:sp>
+        <p:nvSpPr>
+          <p:cNvPr id="7" name="Oval 6"/>
+          <p:cNvSpPr/>
+          <p:nvPr/>
+        </p:nvSpPr>
+        <p:spPr>
+          <a:xfrm>
+            <a:off x="2127741" y="3016185"/>
+            <a:ext cx="339969" cy="298086"/>
+          </a:xfrm>
+          <a:prstGeom prst="ellipse">
+            <a:avLst/>
+          </a:prstGeom>
+          <a:solidFill>
+            <a:schemeClr val="accent1">
+              <a:lumMod val="50000"/>
+            </a:schemeClr>
+          </a:solidFill>
+        </p:spPr>
+        <p:style>
+          <a:lnRef idx="2">
+            <a:schemeClr val="accent1">
+              <a:shade val="50000"/>
+            </a:schemeClr>
+          </a:lnRef>
+          <a:fillRef idx="1">
+            <a:schemeClr val="accent1"/>
+          </a:fillRef>
+          <a:effectRef idx="0">
+            <a:schemeClr val="accent1"/>
+          </a:effectRef>
+          <a:fontRef idx="minor">
+            <a:schemeClr val="lt1"/>
+          </a:fontRef>
+        </p:style>
+        <p:txBody>
+          <a:bodyPr rtlCol="0" anchor="ctr"/>
+          <a:lstStyle/>
+          <a:p>
+            <a:pPr algn="ctr"/>
+            <a:endParaRPr lang="en-US"/>
+          </a:p>
+        </p:txBody>
+      </p:sp>
+      <p:sp>
+        <p:nvSpPr>
+          <p:cNvPr id="8" name="Oval 7"/>
+          <p:cNvSpPr/>
+          <p:nvPr/>
+        </p:nvSpPr>
+        <p:spPr>
+          <a:xfrm>
+            <a:off x="4513382" y="3016185"/>
+            <a:ext cx="339969" cy="298086"/>
+          </a:xfrm>
+          <a:prstGeom prst="ellipse">
+            <a:avLst/>
+          </a:prstGeom>
+          <a:solidFill>
+            <a:schemeClr val="accent1">
+              <a:lumMod val="50000"/>
+            </a:schemeClr>
+          </a:solidFill>
+        </p:spPr>
+        <p:style>
+          <a:lnRef idx="2">
+            <a:schemeClr val="accent1">
+              <a:shade val="50000"/>
+            </a:schemeClr>
+          </a:lnRef>
+          <a:fillRef idx="1">
+            <a:schemeClr val="accent1"/>
+          </a:fillRef>
+          <a:effectRef idx="0">
+            <a:schemeClr val="accent1"/>
+          </a:effectRef>
+          <a:fontRef idx="minor">
+            <a:schemeClr val="lt1"/>
+          </a:fontRef>
+        </p:style>
+        <p:txBody>
+          <a:bodyPr rtlCol="0" anchor="ctr"/>
+          <a:lstStyle/>
+          <a:p>
+            <a:pPr algn="ctr"/>
+            <a:endParaRPr lang="en-US"/>
+          </a:p>
+        </p:txBody>
+      </p:sp>
+      <p:sp>
+        <p:nvSpPr>
+          <p:cNvPr id="9" name="Oval 8"/>
+          <p:cNvSpPr/>
+          <p:nvPr/>
+        </p:nvSpPr>
+        <p:spPr>
+          <a:xfrm>
+            <a:off x="2861681" y="3850685"/>
+            <a:ext cx="339969" cy="298086"/>
+          </a:xfrm>
+          <a:prstGeom prst="ellipse">
+            <a:avLst/>
+          </a:prstGeom>
+          <a:solidFill>
+            <a:schemeClr val="accent1">
+              <a:lumMod val="50000"/>
+            </a:schemeClr>
+          </a:solidFill>
+        </p:spPr>
+        <p:style>
+          <a:lnRef idx="2">
+            <a:schemeClr val="accent1">
+              <a:shade val="50000"/>
+            </a:schemeClr>
+          </a:lnRef>
+          <a:fillRef idx="1">
+            <a:schemeClr val="accent1"/>
+          </a:fillRef>
+          <a:effectRef idx="0">
+            <a:schemeClr val="accent1"/>
+          </a:effectRef>
+          <a:fontRef idx="minor">
+            <a:schemeClr val="lt1"/>
+          </a:fontRef>
+        </p:style>
+        <p:txBody>
+          <a:bodyPr rtlCol="0" anchor="ctr"/>
+          <a:lstStyle/>
+          <a:p>
+            <a:pPr algn="ctr"/>
+            <a:endParaRPr lang="en-US"/>
+          </a:p>
+        </p:txBody>
+      </p:sp>
+      <p:sp>
+        <p:nvSpPr>
+          <p:cNvPr id="10" name="Oval 9"/>
+          <p:cNvSpPr/>
+          <p:nvPr/>
+        </p:nvSpPr>
+        <p:spPr>
+          <a:xfrm>
+            <a:off x="5854502" y="3749024"/>
+            <a:ext cx="339969" cy="298086"/>
+          </a:xfrm>
+          <a:prstGeom prst="ellipse">
+            <a:avLst/>
+          </a:prstGeom>
+          <a:solidFill>
+            <a:schemeClr val="accent1">
+              <a:lumMod val="50000"/>
+            </a:schemeClr>
+          </a:solidFill>
+          <a:ln>
+            <a:solidFill>
+              <a:schemeClr val="accent1">
+                <a:lumMod val="50000"/>
+              </a:schemeClr>
+            </a:solidFill>
+          </a:ln>
+        </p:spPr>
+        <p:style>
+          <a:lnRef idx="2">
+            <a:schemeClr val="accent1">
+              <a:shade val="50000"/>
+            </a:schemeClr>
+          </a:lnRef>
+          <a:fillRef idx="1">
+            <a:schemeClr val="accent1"/>
+          </a:fillRef>
+          <a:effectRef idx="0">
+            <a:schemeClr val="accent1"/>
+          </a:effectRef>
+          <a:fontRef idx="minor">
+            <a:schemeClr val="lt1"/>
+          </a:fontRef>
+        </p:style>
+        <p:txBody>
+          <a:bodyPr rtlCol="0" anchor="ctr"/>
+          <a:lstStyle/>
+          <a:p>
+            <a:pPr algn="ctr"/>
+            <a:endParaRPr lang="en-US"/>
+          </a:p>
+        </p:txBody>
+      </p:sp>
+      <p:sp>
+        <p:nvSpPr>
+          <p:cNvPr id="11" name="Oval 10"/>
+          <p:cNvSpPr/>
+          <p:nvPr/>
+        </p:nvSpPr>
+        <p:spPr>
+          <a:xfrm>
+            <a:off x="3519319" y="4777978"/>
+            <a:ext cx="339969" cy="298086"/>
+          </a:xfrm>
+          <a:prstGeom prst="ellipse">
+            <a:avLst/>
+          </a:prstGeom>
+          <a:solidFill>
+            <a:schemeClr val="accent1">
+              <a:lumMod val="50000"/>
+            </a:schemeClr>
+          </a:solidFill>
+        </p:spPr>
+        <p:style>
+          <a:lnRef idx="2">
+            <a:schemeClr val="accent1">
+              <a:shade val="50000"/>
+            </a:schemeClr>
+          </a:lnRef>
+          <a:fillRef idx="1">
+            <a:schemeClr val="accent1"/>
+          </a:fillRef>
+          <a:effectRef idx="0">
+            <a:schemeClr val="accent1"/>
+          </a:effectRef>
+          <a:fontRef idx="minor">
+            <a:schemeClr val="lt1"/>
+          </a:fontRef>
+        </p:style>
+        <p:txBody>
+          <a:bodyPr rtlCol="0" anchor="ctr"/>
+          <a:lstStyle/>
+          <a:p>
+            <a:pPr algn="ctr"/>
+            <a:endParaRPr lang="en-US"/>
+          </a:p>
+        </p:txBody>
+      </p:sp>
+      <p:sp>
+        <p:nvSpPr>
+          <p:cNvPr id="12" name="Oval 11"/>
+          <p:cNvSpPr/>
+          <p:nvPr/>
+        </p:nvSpPr>
+        <p:spPr>
+          <a:xfrm>
+            <a:off x="6969364" y="4617226"/>
+            <a:ext cx="339969" cy="298086"/>
+          </a:xfrm>
+          <a:prstGeom prst="ellipse">
+            <a:avLst/>
+          </a:prstGeom>
+          <a:solidFill>
+            <a:schemeClr val="accent1">
+              <a:lumMod val="50000"/>
+            </a:schemeClr>
+          </a:solidFill>
+        </p:spPr>
+        <p:style>
+          <a:lnRef idx="2">
+            <a:schemeClr val="accent1">
+              <a:shade val="50000"/>
+            </a:schemeClr>
+          </a:lnRef>
+          <a:fillRef idx="1">
+            <a:schemeClr val="accent1"/>
+          </a:fillRef>
+          <a:effectRef idx="0">
+            <a:schemeClr val="accent1"/>
+          </a:effectRef>
+          <a:fontRef idx="minor">
+            <a:schemeClr val="lt1"/>
+          </a:fontRef>
+        </p:style>
+        <p:txBody>
+          <a:bodyPr rtlCol="0" anchor="ctr"/>
+          <a:lstStyle/>
+          <a:p>
+            <a:pPr algn="ctr"/>
+            <a:endParaRPr lang="en-US"/>
+          </a:p>
+        </p:txBody>
+      </p:sp>
+      <p:sp>
+        <p:nvSpPr>
+          <p:cNvPr id="13" name="Rectangle 12"/>
+          <p:cNvSpPr/>
+          <p:nvPr/>
+        </p:nvSpPr>
+        <p:spPr>
+          <a:xfrm>
+            <a:off x="1230922" y="3767170"/>
+            <a:ext cx="339969" cy="378499"/>
+          </a:xfrm>
+          <a:prstGeom prst="rect">
+            <a:avLst/>
+          </a:prstGeom>
+          <a:solidFill>
+            <a:schemeClr val="accent1">
+              <a:lumMod val="50000"/>
+            </a:schemeClr>
+          </a:solidFill>
+          <a:ln>
+            <a:solidFill>
+              <a:schemeClr val="accent1">
+                <a:lumMod val="50000"/>
+              </a:schemeClr>
+            </a:solidFill>
+          </a:ln>
+        </p:spPr>
+        <p:style>
+          <a:lnRef idx="2">
+            <a:schemeClr val="accent1">
+              <a:shade val="50000"/>
+            </a:schemeClr>
+          </a:lnRef>
+          <a:fillRef idx="1">
+            <a:schemeClr val="accent1"/>
+          </a:fillRef>
+          <a:effectRef idx="0">
+            <a:schemeClr val="accent1"/>
+          </a:effectRef>
+          <a:fontRef idx="minor">
+            <a:schemeClr val="lt1"/>
+          </a:fontRef>
+        </p:style>
+        <p:txBody>
+          <a:bodyPr rtlCol="0" anchor="ctr"/>
+          <a:lstStyle/>
+          <a:p>
+            <a:pPr algn="ctr"/>
+            <a:endParaRPr lang="en-US"/>
+          </a:p>
+        </p:txBody>
+      </p:sp>
+      <p:sp>
+        <p:nvSpPr>
+          <p:cNvPr id="14" name="Rectangle 13"/>
+          <p:cNvSpPr/>
+          <p:nvPr/>
+        </p:nvSpPr>
+        <p:spPr>
+          <a:xfrm>
+            <a:off x="2268416" y="4726062"/>
+            <a:ext cx="339969" cy="378499"/>
+          </a:xfrm>
+          <a:prstGeom prst="rect">
+            <a:avLst/>
+          </a:prstGeom>
+          <a:solidFill>
+            <a:schemeClr val="accent1">
+              <a:lumMod val="50000"/>
+            </a:schemeClr>
+          </a:solidFill>
+          <a:ln>
+            <a:solidFill>
+              <a:schemeClr val="accent1">
+                <a:lumMod val="50000"/>
+              </a:schemeClr>
+            </a:solidFill>
+          </a:ln>
+        </p:spPr>
+        <p:style>
+          <a:lnRef idx="2">
+            <a:schemeClr val="accent1">
+              <a:shade val="50000"/>
+            </a:schemeClr>
+          </a:lnRef>
+          <a:fillRef idx="1">
+            <a:schemeClr val="accent1"/>
+          </a:fillRef>
+          <a:effectRef idx="0">
+            <a:schemeClr val="accent1"/>
+          </a:effectRef>
+          <a:fontRef idx="minor">
+            <a:schemeClr val="lt1"/>
+          </a:fontRef>
+        </p:style>
+        <p:txBody>
+          <a:bodyPr rtlCol="0" anchor="ctr"/>
+          <a:lstStyle/>
+          <a:p>
+            <a:pPr algn="ctr"/>
+            <a:endParaRPr lang="en-US"/>
+          </a:p>
+        </p:txBody>
+      </p:sp>
+      <p:sp>
+        <p:nvSpPr>
+          <p:cNvPr id="15" name="Rectangle 14"/>
+          <p:cNvSpPr/>
+          <p:nvPr/>
+        </p:nvSpPr>
+        <p:spPr>
+          <a:xfrm>
+            <a:off x="3859288" y="3776731"/>
+            <a:ext cx="339969" cy="378499"/>
+          </a:xfrm>
+          <a:prstGeom prst="rect">
+            <a:avLst/>
+          </a:prstGeom>
+          <a:solidFill>
+            <a:schemeClr val="accent1">
+              <a:lumMod val="50000"/>
+            </a:schemeClr>
+          </a:solidFill>
+          <a:ln>
+            <a:solidFill>
+              <a:schemeClr val="accent1">
+                <a:lumMod val="50000"/>
+              </a:schemeClr>
+            </a:solidFill>
+          </a:ln>
+        </p:spPr>
+        <p:style>
+          <a:lnRef idx="2">
+            <a:schemeClr val="accent1">
+              <a:shade val="50000"/>
+            </a:schemeClr>
+          </a:lnRef>
+          <a:fillRef idx="1">
+            <a:schemeClr val="accent1"/>
+          </a:fillRef>
+          <a:effectRef idx="0">
+            <a:schemeClr val="accent1"/>
+          </a:effectRef>
+          <a:fontRef idx="minor">
+            <a:schemeClr val="lt1"/>
+          </a:fontRef>
+        </p:style>
+        <p:txBody>
+          <a:bodyPr rtlCol="0" anchor="ctr"/>
+          <a:lstStyle/>
+          <a:p>
+            <a:pPr algn="ctr"/>
+            <a:endParaRPr lang="en-US"/>
+          </a:p>
+        </p:txBody>
+      </p:sp>
+      <p:sp>
+        <p:nvSpPr>
+          <p:cNvPr id="16" name="Rectangle 15"/>
+          <p:cNvSpPr/>
+          <p:nvPr/>
+        </p:nvSpPr>
+        <p:spPr>
+          <a:xfrm>
+            <a:off x="5234337" y="4548522"/>
+            <a:ext cx="339969" cy="378499"/>
+          </a:xfrm>
+          <a:prstGeom prst="rect">
+            <a:avLst/>
+          </a:prstGeom>
+          <a:solidFill>
+            <a:schemeClr val="accent1">
+              <a:lumMod val="50000"/>
+            </a:schemeClr>
+          </a:solidFill>
+          <a:ln>
+            <a:solidFill>
+              <a:schemeClr val="accent1">
+                <a:lumMod val="50000"/>
+              </a:schemeClr>
+            </a:solidFill>
+          </a:ln>
+        </p:spPr>
+        <p:style>
+          <a:lnRef idx="2">
+            <a:schemeClr val="accent1">
+              <a:shade val="50000"/>
+            </a:schemeClr>
+          </a:lnRef>
+          <a:fillRef idx="1">
+            <a:schemeClr val="accent1"/>
+          </a:fillRef>
+          <a:effectRef idx="0">
+            <a:schemeClr val="accent1"/>
+          </a:effectRef>
+          <a:fontRef idx="minor">
+            <a:schemeClr val="lt1"/>
+          </a:fontRef>
+        </p:style>
+        <p:txBody>
+          <a:bodyPr rtlCol="0" anchor="ctr"/>
+          <a:lstStyle/>
+          <a:p>
+            <a:pPr algn="ctr"/>
+            <a:endParaRPr lang="en-US"/>
+          </a:p>
+        </p:txBody>
+      </p:sp>
+      <p:sp>
+        <p:nvSpPr>
+          <p:cNvPr id="17" name="Rectangle 16"/>
+          <p:cNvSpPr/>
+          <p:nvPr/>
+        </p:nvSpPr>
+        <p:spPr>
+          <a:xfrm>
+            <a:off x="2825254" y="5588517"/>
+            <a:ext cx="339969" cy="378499"/>
+          </a:xfrm>
+          <a:prstGeom prst="rect">
+            <a:avLst/>
+          </a:prstGeom>
+          <a:solidFill>
+            <a:schemeClr val="accent1">
+              <a:lumMod val="50000"/>
+            </a:schemeClr>
+          </a:solidFill>
+          <a:ln>
+            <a:solidFill>
+              <a:schemeClr val="accent1">
+                <a:lumMod val="50000"/>
+              </a:schemeClr>
+            </a:solidFill>
+          </a:ln>
+        </p:spPr>
+        <p:style>
+          <a:lnRef idx="2">
+            <a:schemeClr val="accent1">
+              <a:shade val="50000"/>
+            </a:schemeClr>
+          </a:lnRef>
+          <a:fillRef idx="1">
+            <a:schemeClr val="accent1"/>
+          </a:fillRef>
+          <a:effectRef idx="0">
+            <a:schemeClr val="accent1"/>
+          </a:effectRef>
+          <a:fontRef idx="minor">
+            <a:schemeClr val="lt1"/>
+          </a:fontRef>
+        </p:style>
+        <p:txBody>
+          <a:bodyPr rtlCol="0" anchor="ctr"/>
+          <a:lstStyle/>
+          <a:p>
+            <a:pPr algn="ctr"/>
+            <a:endParaRPr lang="en-US"/>
+          </a:p>
+        </p:txBody>
+      </p:sp>
+      <p:sp>
+        <p:nvSpPr>
+          <p:cNvPr id="18" name="Rectangle 17"/>
+          <p:cNvSpPr/>
+          <p:nvPr/>
+        </p:nvSpPr>
+        <p:spPr>
+          <a:xfrm>
+            <a:off x="4411051" y="5583535"/>
+            <a:ext cx="339969" cy="378499"/>
+          </a:xfrm>
+          <a:prstGeom prst="rect">
+            <a:avLst/>
+          </a:prstGeom>
+          <a:solidFill>
+            <a:schemeClr val="accent1">
+              <a:lumMod val="50000"/>
+            </a:schemeClr>
+          </a:solidFill>
+          <a:ln>
+            <a:solidFill>
+              <a:schemeClr val="accent1">
+                <a:lumMod val="50000"/>
+              </a:schemeClr>
+            </a:solidFill>
+          </a:ln>
+        </p:spPr>
+        <p:style>
+          <a:lnRef idx="2">
+            <a:schemeClr val="accent1">
+              <a:shade val="50000"/>
+            </a:schemeClr>
+          </a:lnRef>
+          <a:fillRef idx="1">
+            <a:schemeClr val="accent1"/>
+          </a:fillRef>
+          <a:effectRef idx="0">
+            <a:schemeClr val="accent1"/>
+          </a:effectRef>
+          <a:fontRef idx="minor">
+            <a:schemeClr val="lt1"/>
+          </a:fontRef>
+        </p:style>
+        <p:txBody>
+          <a:bodyPr rtlCol="0" anchor="ctr"/>
+          <a:lstStyle/>
+          <a:p>
+            <a:pPr algn="ctr"/>
+            <a:endParaRPr lang="en-US"/>
+          </a:p>
+        </p:txBody>
+      </p:sp>
+      <p:sp>
+        <p:nvSpPr>
+          <p:cNvPr id="19" name="Rectangle 18"/>
+          <p:cNvSpPr/>
+          <p:nvPr/>
+        </p:nvSpPr>
+        <p:spPr>
+          <a:xfrm>
+            <a:off x="6301651" y="5454576"/>
+            <a:ext cx="339969" cy="378499"/>
+          </a:xfrm>
+          <a:prstGeom prst="rect">
+            <a:avLst/>
+          </a:prstGeom>
+          <a:solidFill>
+            <a:schemeClr val="accent1">
+              <a:lumMod val="50000"/>
+            </a:schemeClr>
+          </a:solidFill>
+          <a:ln>
+            <a:solidFill>
+              <a:schemeClr val="accent1">
+                <a:lumMod val="50000"/>
+              </a:schemeClr>
+            </a:solidFill>
+          </a:ln>
+        </p:spPr>
+        <p:style>
+          <a:lnRef idx="2">
+            <a:schemeClr val="accent1">
+              <a:shade val="50000"/>
+            </a:schemeClr>
+          </a:lnRef>
+          <a:fillRef idx="1">
+            <a:schemeClr val="accent1"/>
+          </a:fillRef>
+          <a:effectRef idx="0">
+            <a:schemeClr val="accent1"/>
+          </a:effectRef>
+          <a:fontRef idx="minor">
+            <a:schemeClr val="lt1"/>
+          </a:fontRef>
+        </p:style>
+        <p:txBody>
+          <a:bodyPr rtlCol="0" anchor="ctr"/>
+          <a:lstStyle/>
+          <a:p>
+            <a:pPr algn="ctr"/>
+            <a:endParaRPr lang="en-US"/>
+          </a:p>
+        </p:txBody>
+      </p:sp>
+      <p:sp>
+        <p:nvSpPr>
+          <p:cNvPr id="20" name="Rectangle 19"/>
+          <p:cNvSpPr/>
+          <p:nvPr/>
+        </p:nvSpPr>
+        <p:spPr>
+          <a:xfrm>
+            <a:off x="8077150" y="5489702"/>
+            <a:ext cx="339969" cy="378499"/>
+          </a:xfrm>
+          <a:prstGeom prst="rect">
+            <a:avLst/>
+          </a:prstGeom>
+          <a:solidFill>
+            <a:schemeClr val="accent1">
+              <a:lumMod val="50000"/>
+            </a:schemeClr>
+          </a:solidFill>
+          <a:ln>
+            <a:solidFill>
+              <a:schemeClr val="accent1">
+                <a:lumMod val="50000"/>
+              </a:schemeClr>
+            </a:solidFill>
+          </a:ln>
+        </p:spPr>
+        <p:style>
+          <a:lnRef idx="2">
+            <a:schemeClr val="accent1">
+              <a:shade val="50000"/>
+            </a:schemeClr>
+          </a:lnRef>
+          <a:fillRef idx="1">
+            <a:schemeClr val="accent1"/>
+          </a:fillRef>
+          <a:effectRef idx="0">
+            <a:schemeClr val="accent1"/>
+          </a:effectRef>
+          <a:fontRef idx="minor">
+            <a:schemeClr val="lt1"/>
+          </a:fontRef>
+        </p:style>
+        <p:txBody>
+          <a:bodyPr rtlCol="0" anchor="ctr"/>
+          <a:lstStyle/>
+          <a:p>
+            <a:pPr algn="ctr"/>
+            <a:endParaRPr lang="en-US"/>
+          </a:p>
+        </p:txBody>
+      </p:sp>
+      <p:cxnSp>
+        <p:nvCxnSpPr>
+          <p:cNvPr id="22" name="Straight Arrow Connector 21"/>
+          <p:cNvCxnSpPr/>
+          <p:nvPr/>
+        </p:nvCxnSpPr>
+        <p:spPr>
+          <a:xfrm flipH="1">
+            <a:off x="2467710" y="2509701"/>
+            <a:ext cx="641316" cy="506484"/>
+          </a:xfrm>
+          <a:prstGeom prst="straightConnector1">
+            <a:avLst/>
+          </a:prstGeom>
+          <a:ln>
+            <a:tailEnd type="triangle"/>
+          </a:ln>
+        </p:spPr>
+        <p:style>
+          <a:lnRef idx="1">
+            <a:schemeClr val="accent1"/>
+          </a:lnRef>
+          <a:fillRef idx="0">
+            <a:schemeClr val="accent1"/>
+          </a:fillRef>
+          <a:effectRef idx="0">
+            <a:schemeClr val="accent1"/>
+          </a:effectRef>
+          <a:fontRef idx="minor">
+            <a:schemeClr val="tx1"/>
+          </a:fontRef>
+        </p:style>
+      </p:cxnSp>
+      <p:cxnSp>
+        <p:nvCxnSpPr>
+          <p:cNvPr id="25" name="Straight Arrow Connector 24"/>
+          <p:cNvCxnSpPr/>
+          <p:nvPr/>
+        </p:nvCxnSpPr>
+        <p:spPr>
+          <a:xfrm flipH="1">
+            <a:off x="1735019" y="3314271"/>
+            <a:ext cx="392722" cy="343329"/>
+          </a:xfrm>
+          <a:prstGeom prst="straightConnector1">
+            <a:avLst/>
+          </a:prstGeom>
+          <a:ln>
+            <a:tailEnd type="triangle"/>
+          </a:ln>
+        </p:spPr>
+        <p:style>
+          <a:lnRef idx="1">
+            <a:schemeClr val="accent1"/>
+          </a:lnRef>
+          <a:fillRef idx="0">
+            <a:schemeClr val="accent1"/>
+          </a:fillRef>
+          <a:effectRef idx="0">
+            <a:schemeClr val="accent1"/>
+          </a:effectRef>
+          <a:fontRef idx="minor">
+            <a:schemeClr val="tx1"/>
+          </a:fontRef>
+        </p:style>
+      </p:cxnSp>
+      <p:cxnSp>
+        <p:nvCxnSpPr>
+          <p:cNvPr id="27" name="Straight Arrow Connector 26"/>
+          <p:cNvCxnSpPr/>
+          <p:nvPr/>
+        </p:nvCxnSpPr>
+        <p:spPr>
+          <a:xfrm>
+            <a:off x="7268308" y="-1125415"/>
+            <a:ext cx="0" cy="0"/>
+          </a:xfrm>
+          <a:prstGeom prst="straightConnector1">
+            <a:avLst/>
+          </a:prstGeom>
+          <a:ln>
+            <a:tailEnd type="triangle"/>
+          </a:ln>
+        </p:spPr>
+        <p:style>
+          <a:lnRef idx="1">
+            <a:schemeClr val="accent1"/>
+          </a:lnRef>
+          <a:fillRef idx="0">
+            <a:schemeClr val="accent1"/>
+          </a:fillRef>
+          <a:effectRef idx="0">
+            <a:schemeClr val="accent1"/>
+          </a:effectRef>
+          <a:fontRef idx="minor">
+            <a:schemeClr val="tx1"/>
+          </a:fontRef>
+        </p:style>
+      </p:cxnSp>
+      <p:cxnSp>
+        <p:nvCxnSpPr>
+          <p:cNvPr id="29" name="Straight Arrow Connector 28"/>
+          <p:cNvCxnSpPr/>
+          <p:nvPr/>
+        </p:nvCxnSpPr>
+        <p:spPr>
+          <a:xfrm>
+            <a:off x="3540360" y="2509701"/>
+            <a:ext cx="744417" cy="506484"/>
+          </a:xfrm>
+          <a:prstGeom prst="straightConnector1">
+            <a:avLst/>
+          </a:prstGeom>
+          <a:ln>
+            <a:tailEnd type="triangle"/>
+          </a:ln>
+        </p:spPr>
+        <p:style>
+          <a:lnRef idx="1">
+            <a:schemeClr val="accent1"/>
+          </a:lnRef>
+          <a:fillRef idx="0">
+            <a:schemeClr val="accent1"/>
+          </a:fillRef>
+          <a:effectRef idx="0">
+            <a:schemeClr val="accent1"/>
+          </a:effectRef>
+          <a:fontRef idx="minor">
+            <a:schemeClr val="tx1"/>
+          </a:fontRef>
+        </p:style>
+      </p:cxnSp>
+      <p:cxnSp>
+        <p:nvCxnSpPr>
+          <p:cNvPr id="30" name="Straight Arrow Connector 29"/>
+          <p:cNvCxnSpPr/>
+          <p:nvPr/>
+        </p:nvCxnSpPr>
+        <p:spPr>
+          <a:xfrm>
+            <a:off x="4970573" y="3295144"/>
+            <a:ext cx="744417" cy="506484"/>
+          </a:xfrm>
+          <a:prstGeom prst="straightConnector1">
+            <a:avLst/>
+          </a:prstGeom>
+          <a:ln>
+            <a:tailEnd type="triangle"/>
+          </a:ln>
+        </p:spPr>
+        <p:style>
+          <a:lnRef idx="1">
+            <a:schemeClr val="accent1"/>
+          </a:lnRef>
+          <a:fillRef idx="0">
+            <a:schemeClr val="accent1"/>
+          </a:fillRef>
+          <a:effectRef idx="0">
+            <a:schemeClr val="accent1"/>
+          </a:effectRef>
+          <a:fontRef idx="minor">
+            <a:schemeClr val="tx1"/>
+          </a:fontRef>
+        </p:style>
+      </p:cxnSp>
+      <p:cxnSp>
+        <p:nvCxnSpPr>
+          <p:cNvPr id="31" name="Straight Arrow Connector 30"/>
+          <p:cNvCxnSpPr/>
+          <p:nvPr/>
+        </p:nvCxnSpPr>
+        <p:spPr>
+          <a:xfrm>
+            <a:off x="6201494" y="4092309"/>
+            <a:ext cx="744417" cy="506484"/>
+          </a:xfrm>
+          <a:prstGeom prst="straightConnector1">
+            <a:avLst/>
+          </a:prstGeom>
+          <a:ln>
+            <a:tailEnd type="triangle"/>
+          </a:ln>
+        </p:spPr>
+        <p:style>
+          <a:lnRef idx="1">
+            <a:schemeClr val="accent1"/>
+          </a:lnRef>
+          <a:fillRef idx="0">
+            <a:schemeClr val="accent1"/>
+          </a:fillRef>
+          <a:effectRef idx="0">
+            <a:schemeClr val="accent1"/>
+          </a:effectRef>
+          <a:fontRef idx="minor">
+            <a:schemeClr val="tx1"/>
+          </a:fontRef>
+        </p:style>
+      </p:cxnSp>
+      <p:cxnSp>
+        <p:nvCxnSpPr>
+          <p:cNvPr id="32" name="Straight Arrow Connector 31"/>
+          <p:cNvCxnSpPr/>
+          <p:nvPr/>
+        </p:nvCxnSpPr>
+        <p:spPr>
+          <a:xfrm>
+            <a:off x="7268296" y="4948092"/>
+            <a:ext cx="744417" cy="506484"/>
+          </a:xfrm>
+          <a:prstGeom prst="straightConnector1">
+            <a:avLst/>
+          </a:prstGeom>
+          <a:ln>
+            <a:tailEnd type="triangle"/>
+          </a:ln>
+        </p:spPr>
+        <p:style>
+          <a:lnRef idx="1">
+            <a:schemeClr val="accent1"/>
+          </a:lnRef>
+          <a:fillRef idx="0">
+            <a:schemeClr val="accent1"/>
+          </a:fillRef>
+          <a:effectRef idx="0">
+            <a:schemeClr val="accent1"/>
+          </a:effectRef>
+          <a:fontRef idx="minor">
+            <a:schemeClr val="tx1"/>
+          </a:fontRef>
+        </p:style>
+      </p:cxnSp>
+      <p:cxnSp>
+        <p:nvCxnSpPr>
+          <p:cNvPr id="34" name="Straight Arrow Connector 33"/>
+          <p:cNvCxnSpPr/>
+          <p:nvPr/>
+        </p:nvCxnSpPr>
+        <p:spPr>
+          <a:xfrm>
+            <a:off x="2414949" y="3353759"/>
+            <a:ext cx="445473" cy="447869"/>
+          </a:xfrm>
+          <a:prstGeom prst="straightConnector1">
+            <a:avLst/>
+          </a:prstGeom>
+          <a:ln>
+            <a:tailEnd type="triangle"/>
+          </a:ln>
+        </p:spPr>
+        <p:style>
+          <a:lnRef idx="1">
+            <a:schemeClr val="accent1"/>
+          </a:lnRef>
+          <a:fillRef idx="0">
+            <a:schemeClr val="accent1"/>
+          </a:fillRef>
+          <a:effectRef idx="0">
+            <a:schemeClr val="accent1"/>
+          </a:effectRef>
+          <a:fontRef idx="minor">
+            <a:schemeClr val="tx1"/>
+          </a:fontRef>
+        </p:style>
+      </p:cxnSp>
+      <p:cxnSp>
+        <p:nvCxnSpPr>
+          <p:cNvPr id="39" name="Straight Arrow Connector 38"/>
+          <p:cNvCxnSpPr/>
+          <p:nvPr/>
+        </p:nvCxnSpPr>
+        <p:spPr>
+          <a:xfrm>
+            <a:off x="3165223" y="4244710"/>
+            <a:ext cx="445473" cy="447869"/>
+          </a:xfrm>
+          <a:prstGeom prst="straightConnector1">
+            <a:avLst/>
+          </a:prstGeom>
+          <a:ln>
+            <a:tailEnd type="triangle"/>
+          </a:ln>
+        </p:spPr>
+        <p:style>
+          <a:lnRef idx="1">
+            <a:schemeClr val="accent1"/>
+          </a:lnRef>
+          <a:fillRef idx="0">
+            <a:schemeClr val="accent1"/>
+          </a:fillRef>
+          <a:effectRef idx="0">
+            <a:schemeClr val="accent1"/>
+          </a:effectRef>
+          <a:fontRef idx="minor">
+            <a:schemeClr val="tx1"/>
+          </a:fontRef>
+        </p:style>
+      </p:cxnSp>
+      <p:cxnSp>
+        <p:nvCxnSpPr>
+          <p:cNvPr id="40" name="Straight Arrow Connector 39"/>
+          <p:cNvCxnSpPr/>
+          <p:nvPr/>
+        </p:nvCxnSpPr>
+        <p:spPr>
+          <a:xfrm>
+            <a:off x="3845163" y="5135666"/>
+            <a:ext cx="445473" cy="447869"/>
+          </a:xfrm>
+          <a:prstGeom prst="straightConnector1">
+            <a:avLst/>
+          </a:prstGeom>
+          <a:ln>
+            <a:tailEnd type="triangle"/>
+          </a:ln>
+        </p:spPr>
+        <p:style>
+          <a:lnRef idx="1">
+            <a:schemeClr val="accent1"/>
+          </a:lnRef>
+          <a:fillRef idx="0">
+            <a:schemeClr val="accent1"/>
+          </a:fillRef>
+          <a:effectRef idx="0">
+            <a:schemeClr val="accent1"/>
+          </a:effectRef>
+          <a:fontRef idx="minor">
+            <a:schemeClr val="tx1"/>
+          </a:fontRef>
+        </p:style>
+      </p:cxnSp>
+      <p:cxnSp>
+        <p:nvCxnSpPr>
+          <p:cNvPr id="42" name="Straight Arrow Connector 41"/>
+          <p:cNvCxnSpPr/>
+          <p:nvPr/>
+        </p:nvCxnSpPr>
+        <p:spPr>
+          <a:xfrm flipH="1">
+            <a:off x="4237892" y="3373873"/>
+            <a:ext cx="275490" cy="332905"/>
+          </a:xfrm>
+          <a:prstGeom prst="straightConnector1">
+            <a:avLst/>
+          </a:prstGeom>
+          <a:ln>
+            <a:tailEnd type="triangle"/>
+          </a:ln>
+        </p:spPr>
+        <p:style>
+          <a:lnRef idx="1">
+            <a:schemeClr val="accent1"/>
+          </a:lnRef>
+          <a:fillRef idx="0">
+            <a:schemeClr val="accent1"/>
+          </a:fillRef>
+          <a:effectRef idx="0">
+            <a:schemeClr val="accent1"/>
+          </a:effectRef>
+          <a:fontRef idx="minor">
+            <a:schemeClr val="tx1"/>
+          </a:fontRef>
+        </p:style>
+      </p:cxnSp>
+      <p:cxnSp>
+        <p:nvCxnSpPr>
+          <p:cNvPr id="46" name="Straight Arrow Connector 45"/>
+          <p:cNvCxnSpPr/>
+          <p:nvPr/>
+        </p:nvCxnSpPr>
+        <p:spPr>
+          <a:xfrm flipH="1">
+            <a:off x="5621214" y="4124147"/>
+            <a:ext cx="275490" cy="332905"/>
+          </a:xfrm>
+          <a:prstGeom prst="straightConnector1">
+            <a:avLst/>
+          </a:prstGeom>
+          <a:ln>
+            <a:tailEnd type="triangle"/>
+          </a:ln>
+        </p:spPr>
+        <p:style>
+          <a:lnRef idx="1">
+            <a:schemeClr val="accent1"/>
+          </a:lnRef>
+          <a:fillRef idx="0">
+            <a:schemeClr val="accent1"/>
+          </a:fillRef>
+          <a:effectRef idx="0">
+            <a:schemeClr val="accent1"/>
+          </a:effectRef>
+          <a:fontRef idx="minor">
+            <a:schemeClr val="tx1"/>
+          </a:fontRef>
+        </p:style>
+      </p:cxnSp>
+      <p:cxnSp>
+        <p:nvCxnSpPr>
+          <p:cNvPr id="47" name="Straight Arrow Connector 46"/>
+          <p:cNvCxnSpPr/>
+          <p:nvPr/>
+        </p:nvCxnSpPr>
+        <p:spPr>
+          <a:xfrm flipH="1">
+            <a:off x="6676286" y="4968206"/>
+            <a:ext cx="275490" cy="332905"/>
+          </a:xfrm>
+          <a:prstGeom prst="straightConnector1">
+            <a:avLst/>
+          </a:prstGeom>
+          <a:ln>
+            <a:tailEnd type="triangle"/>
+          </a:ln>
+        </p:spPr>
+        <p:style>
+          <a:lnRef idx="1">
+            <a:schemeClr val="accent1"/>
+          </a:lnRef>
+          <a:fillRef idx="0">
+            <a:schemeClr val="accent1"/>
+          </a:fillRef>
+          <a:effectRef idx="0">
+            <a:schemeClr val="accent1"/>
+          </a:effectRef>
+          <a:fontRef idx="minor">
+            <a:schemeClr val="tx1"/>
+          </a:fontRef>
+        </p:style>
+      </p:cxnSp>
+      <p:cxnSp>
+        <p:nvCxnSpPr>
+          <p:cNvPr id="48" name="Straight Arrow Connector 47"/>
+          <p:cNvCxnSpPr/>
+          <p:nvPr/>
+        </p:nvCxnSpPr>
+        <p:spPr>
+          <a:xfrm flipH="1">
+            <a:off x="2608389" y="4264823"/>
+            <a:ext cx="275490" cy="332905"/>
+          </a:xfrm>
+          <a:prstGeom prst="straightConnector1">
+            <a:avLst/>
+          </a:prstGeom>
+          <a:ln>
+            <a:tailEnd type="triangle"/>
+          </a:ln>
+        </p:spPr>
+        <p:style>
+          <a:lnRef idx="1">
+            <a:schemeClr val="accent1"/>
+          </a:lnRef>
+          <a:fillRef idx="0">
+            <a:schemeClr val="accent1"/>
+          </a:fillRef>
+          <a:effectRef idx="0">
+            <a:schemeClr val="accent1"/>
+          </a:effectRef>
+          <a:fontRef idx="minor">
+            <a:schemeClr val="tx1"/>
+          </a:fontRef>
+        </p:style>
+      </p:cxnSp>
+      <p:cxnSp>
+        <p:nvCxnSpPr>
+          <p:cNvPr id="49" name="Straight Arrow Connector 48"/>
+          <p:cNvCxnSpPr/>
+          <p:nvPr/>
+        </p:nvCxnSpPr>
+        <p:spPr>
+          <a:xfrm flipH="1">
+            <a:off x="3206264" y="5120610"/>
+            <a:ext cx="275490" cy="332905"/>
+          </a:xfrm>
+          <a:prstGeom prst="straightConnector1">
+            <a:avLst/>
+          </a:prstGeom>
+          <a:ln>
+            <a:tailEnd type="triangle"/>
+          </a:ln>
+        </p:spPr>
+        <p:style>
+          <a:lnRef idx="1">
+            <a:schemeClr val="accent1"/>
+          </a:lnRef>
+          <a:fillRef idx="0">
+            <a:schemeClr val="accent1"/>
+          </a:fillRef>
+          <a:effectRef idx="0">
+            <a:schemeClr val="accent1"/>
+          </a:effectRef>
+          <a:fontRef idx="minor">
+            <a:schemeClr val="tx1"/>
+          </a:fontRef>
+        </p:style>
+      </p:cxnSp>
+      <p:sp>
+        <p:nvSpPr>
+          <p:cNvPr id="50" name="TextBox 49"/>
           <p:cNvSpPr txBox="1"/>
           <p:nvPr/>
         </p:nvSpPr>
         <p:spPr>
           <a:xfrm>
-            <a:off x="7104185" y="2600482"/>
-            <a:ext cx="3763107" cy="523220"/>
+            <a:off x="2520453" y="2410939"/>
+            <a:ext cx="339969" cy="369332"/>
           </a:xfrm>
           <a:prstGeom prst="rect">
             <a:avLst/>
@@ -8414,18 +7859,628 @@
           </a:bodyPr>
           <a:lstStyle/>
           <a:p>
-            <a:pPr algn="r"/>
-            <a:r>
-              <a:rPr lang="fa-IR" sz="2800" dirty="0"/>
-              <a:t>ساخت، رنگ و پیمایش: </a:t>
-            </a:r>
-            <a:endParaRPr lang="en-US" sz="2800" dirty="0"/>
+            <a:r>
+              <a:rPr lang="en-US" dirty="0"/>
+              <a:t>A</a:t>
+            </a:r>
+          </a:p>
+        </p:txBody>
+      </p:sp>
+      <p:sp>
+        <p:nvSpPr>
+          <p:cNvPr id="51" name="TextBox 50"/>
+          <p:cNvSpPr txBox="1"/>
+          <p:nvPr/>
+        </p:nvSpPr>
+        <p:spPr>
+          <a:xfrm>
+            <a:off x="3781907" y="2341837"/>
+            <a:ext cx="785434" cy="369332"/>
+          </a:xfrm>
+          <a:prstGeom prst="rect">
+            <a:avLst/>
+          </a:prstGeom>
+          <a:noFill/>
+        </p:spPr>
+        <p:txBody>
+          <a:bodyPr wrap="square" rtlCol="0">
+            <a:spAutoFit/>
+          </a:bodyPr>
+          <a:lstStyle/>
+          <a:p>
+            <a:r>
+              <a:rPr lang="en-US" dirty="0"/>
+              <a:t>B</a:t>
+            </a:r>
+          </a:p>
+        </p:txBody>
+      </p:sp>
+      <p:sp>
+        <p:nvSpPr>
+          <p:cNvPr id="52" name="TextBox 51"/>
+          <p:cNvSpPr txBox="1"/>
+          <p:nvPr/>
+        </p:nvSpPr>
+        <p:spPr>
+          <a:xfrm>
+            <a:off x="5233118" y="3208361"/>
+            <a:ext cx="339969" cy="369332"/>
+          </a:xfrm>
+          <a:prstGeom prst="rect">
+            <a:avLst/>
+          </a:prstGeom>
+          <a:noFill/>
+        </p:spPr>
+        <p:txBody>
+          <a:bodyPr wrap="square" rtlCol="0">
+            <a:spAutoFit/>
+          </a:bodyPr>
+          <a:lstStyle/>
+          <a:p>
+            <a:r>
+              <a:rPr lang="en-US" dirty="0"/>
+              <a:t>A</a:t>
+            </a:r>
+          </a:p>
+        </p:txBody>
+      </p:sp>
+      <p:sp>
+        <p:nvSpPr>
+          <p:cNvPr id="53" name="TextBox 52"/>
+          <p:cNvSpPr txBox="1"/>
+          <p:nvPr/>
+        </p:nvSpPr>
+        <p:spPr>
+          <a:xfrm>
+            <a:off x="3311769" y="4145669"/>
+            <a:ext cx="339969" cy="369332"/>
+          </a:xfrm>
+          <a:prstGeom prst="rect">
+            <a:avLst/>
+          </a:prstGeom>
+          <a:noFill/>
+        </p:spPr>
+        <p:txBody>
+          <a:bodyPr wrap="square" rtlCol="0">
+            <a:spAutoFit/>
+          </a:bodyPr>
+          <a:lstStyle/>
+          <a:p>
+            <a:r>
+              <a:rPr lang="en-US" dirty="0"/>
+              <a:t>A</a:t>
+            </a:r>
+          </a:p>
+        </p:txBody>
+      </p:sp>
+      <p:sp>
+        <p:nvSpPr>
+          <p:cNvPr id="54" name="TextBox 53"/>
+          <p:cNvSpPr txBox="1"/>
+          <p:nvPr/>
+        </p:nvSpPr>
+        <p:spPr>
+          <a:xfrm>
+            <a:off x="2520453" y="3231466"/>
+            <a:ext cx="785434" cy="369332"/>
+          </a:xfrm>
+          <a:prstGeom prst="rect">
+            <a:avLst/>
+          </a:prstGeom>
+          <a:noFill/>
+        </p:spPr>
+        <p:txBody>
+          <a:bodyPr wrap="square" rtlCol="0">
+            <a:spAutoFit/>
+          </a:bodyPr>
+          <a:lstStyle/>
+          <a:p>
+            <a:r>
+              <a:rPr lang="en-US" dirty="0"/>
+              <a:t>B</a:t>
+            </a:r>
+          </a:p>
+        </p:txBody>
+      </p:sp>
+      <p:sp>
+        <p:nvSpPr>
+          <p:cNvPr id="55" name="TextBox 54"/>
+          <p:cNvSpPr txBox="1"/>
+          <p:nvPr/>
+        </p:nvSpPr>
+        <p:spPr>
+          <a:xfrm>
+            <a:off x="6476981" y="4000851"/>
+            <a:ext cx="785434" cy="369332"/>
+          </a:xfrm>
+          <a:prstGeom prst="rect">
+            <a:avLst/>
+          </a:prstGeom>
+          <a:noFill/>
+        </p:spPr>
+        <p:txBody>
+          <a:bodyPr wrap="square" rtlCol="0">
+            <a:spAutoFit/>
+          </a:bodyPr>
+          <a:lstStyle/>
+          <a:p>
+            <a:r>
+              <a:rPr lang="en-US" dirty="0"/>
+              <a:t>B</a:t>
+            </a:r>
+          </a:p>
+        </p:txBody>
+      </p:sp>
+      <p:sp>
+        <p:nvSpPr>
+          <p:cNvPr id="56" name="TextBox 55"/>
+          <p:cNvSpPr txBox="1"/>
+          <p:nvPr/>
+        </p:nvSpPr>
+        <p:spPr>
+          <a:xfrm>
+            <a:off x="1164191" y="3747447"/>
+            <a:ext cx="896819" cy="369332"/>
+          </a:xfrm>
+          <a:prstGeom prst="rect">
+            <a:avLst/>
+          </a:prstGeom>
+          <a:noFill/>
+        </p:spPr>
+        <p:txBody>
+          <a:bodyPr wrap="square" rtlCol="0">
+            <a:spAutoFit/>
+          </a:bodyPr>
+          <a:lstStyle/>
+          <a:p>
+            <a:r>
+              <a:rPr lang="en-US" dirty="0">
+                <a:solidFill>
+                  <a:schemeClr val="bg1"/>
+                </a:solidFill>
+              </a:rPr>
+              <a:t>1:3</a:t>
+            </a:r>
+          </a:p>
+        </p:txBody>
+      </p:sp>
+      <p:sp>
+        <p:nvSpPr>
+          <p:cNvPr id="57" name="TextBox 56"/>
+          <p:cNvSpPr txBox="1"/>
+          <p:nvPr/>
+        </p:nvSpPr>
+        <p:spPr>
+          <a:xfrm>
+            <a:off x="3789482" y="3770725"/>
+            <a:ext cx="896819" cy="369332"/>
+          </a:xfrm>
+          <a:prstGeom prst="rect">
+            <a:avLst/>
+          </a:prstGeom>
+          <a:noFill/>
+        </p:spPr>
+        <p:txBody>
+          <a:bodyPr wrap="square" rtlCol="0">
+            <a:spAutoFit/>
+          </a:bodyPr>
+          <a:lstStyle/>
+          <a:p>
+            <a:r>
+              <a:rPr lang="en-US" dirty="0">
+                <a:solidFill>
+                  <a:schemeClr val="bg1"/>
+                </a:solidFill>
+              </a:rPr>
+              <a:t>0:3</a:t>
+            </a:r>
+          </a:p>
+        </p:txBody>
+      </p:sp>
+      <p:sp>
+        <p:nvSpPr>
+          <p:cNvPr id="58" name="TextBox 57"/>
+          <p:cNvSpPr txBox="1"/>
+          <p:nvPr/>
+        </p:nvSpPr>
+        <p:spPr>
+          <a:xfrm>
+            <a:off x="2212207" y="4743791"/>
+            <a:ext cx="896819" cy="369332"/>
+          </a:xfrm>
+          <a:prstGeom prst="rect">
+            <a:avLst/>
+          </a:prstGeom>
+          <a:noFill/>
+        </p:spPr>
+        <p:txBody>
+          <a:bodyPr wrap="square" rtlCol="0">
+            <a:spAutoFit/>
+          </a:bodyPr>
+          <a:lstStyle/>
+          <a:p>
+            <a:r>
+              <a:rPr lang="en-US" dirty="0">
+                <a:solidFill>
+                  <a:schemeClr val="bg1"/>
+                </a:solidFill>
+              </a:rPr>
+              <a:t>0:2</a:t>
+            </a:r>
+          </a:p>
+        </p:txBody>
+      </p:sp>
+      <p:sp>
+        <p:nvSpPr>
+          <p:cNvPr id="59" name="TextBox 58"/>
+          <p:cNvSpPr txBox="1"/>
+          <p:nvPr/>
+        </p:nvSpPr>
+        <p:spPr>
+          <a:xfrm>
+            <a:off x="2796467" y="5575189"/>
+            <a:ext cx="896819" cy="369332"/>
+          </a:xfrm>
+          <a:prstGeom prst="rect">
+            <a:avLst/>
+          </a:prstGeom>
+          <a:noFill/>
+        </p:spPr>
+        <p:txBody>
+          <a:bodyPr wrap="square" rtlCol="0">
+            <a:spAutoFit/>
+          </a:bodyPr>
+          <a:lstStyle/>
+          <a:p>
+            <a:r>
+              <a:rPr lang="en-US" dirty="0">
+                <a:solidFill>
+                  <a:schemeClr val="bg1"/>
+                </a:solidFill>
+              </a:rPr>
+              <a:t>1:1</a:t>
+            </a:r>
+          </a:p>
+        </p:txBody>
+      </p:sp>
+      <p:sp>
+        <p:nvSpPr>
+          <p:cNvPr id="60" name="TextBox 59"/>
+          <p:cNvSpPr txBox="1"/>
+          <p:nvPr/>
+        </p:nvSpPr>
+        <p:spPr>
+          <a:xfrm>
+            <a:off x="4347098" y="5575189"/>
+            <a:ext cx="896819" cy="369332"/>
+          </a:xfrm>
+          <a:prstGeom prst="rect">
+            <a:avLst/>
+          </a:prstGeom>
+          <a:noFill/>
+        </p:spPr>
+        <p:txBody>
+          <a:bodyPr wrap="square" rtlCol="0">
+            <a:spAutoFit/>
+          </a:bodyPr>
+          <a:lstStyle/>
+          <a:p>
+            <a:r>
+              <a:rPr lang="en-US" dirty="0">
+                <a:solidFill>
+                  <a:schemeClr val="bg1"/>
+                </a:solidFill>
+              </a:rPr>
+              <a:t>0:0</a:t>
+            </a:r>
+          </a:p>
+        </p:txBody>
+      </p:sp>
+      <p:sp>
+        <p:nvSpPr>
+          <p:cNvPr id="61" name="TextBox 60"/>
+          <p:cNvSpPr txBox="1"/>
+          <p:nvPr/>
+        </p:nvSpPr>
+        <p:spPr>
+          <a:xfrm>
+            <a:off x="6246712" y="5469748"/>
+            <a:ext cx="896819" cy="369332"/>
+          </a:xfrm>
+          <a:prstGeom prst="rect">
+            <a:avLst/>
+          </a:prstGeom>
+          <a:noFill/>
+        </p:spPr>
+        <p:txBody>
+          <a:bodyPr wrap="square" rtlCol="0">
+            <a:spAutoFit/>
+          </a:bodyPr>
+          <a:lstStyle/>
+          <a:p>
+            <a:r>
+              <a:rPr lang="en-US" dirty="0">
+                <a:solidFill>
+                  <a:schemeClr val="bg1"/>
+                </a:solidFill>
+              </a:rPr>
+              <a:t>0:1</a:t>
+            </a:r>
+          </a:p>
+        </p:txBody>
+      </p:sp>
+      <p:sp>
+        <p:nvSpPr>
+          <p:cNvPr id="62" name="TextBox 61"/>
+          <p:cNvSpPr txBox="1"/>
+          <p:nvPr/>
+        </p:nvSpPr>
+        <p:spPr>
+          <a:xfrm>
+            <a:off x="8012713" y="5470537"/>
+            <a:ext cx="896819" cy="369332"/>
+          </a:xfrm>
+          <a:prstGeom prst="rect">
+            <a:avLst/>
+          </a:prstGeom>
+          <a:noFill/>
+        </p:spPr>
+        <p:txBody>
+          <a:bodyPr wrap="square" rtlCol="0">
+            <a:spAutoFit/>
+          </a:bodyPr>
+          <a:lstStyle/>
+          <a:p>
+            <a:r>
+              <a:rPr lang="en-US" dirty="0">
+                <a:solidFill>
+                  <a:schemeClr val="bg1"/>
+                </a:solidFill>
+              </a:rPr>
+              <a:t>1:0</a:t>
+            </a:r>
+          </a:p>
+        </p:txBody>
+      </p:sp>
+      <p:sp>
+        <p:nvSpPr>
+          <p:cNvPr id="63" name="TextBox 62"/>
+          <p:cNvSpPr txBox="1"/>
+          <p:nvPr/>
+        </p:nvSpPr>
+        <p:spPr>
+          <a:xfrm>
+            <a:off x="5172779" y="4545979"/>
+            <a:ext cx="896819" cy="369332"/>
+          </a:xfrm>
+          <a:prstGeom prst="rect">
+            <a:avLst/>
+          </a:prstGeom>
+          <a:noFill/>
+        </p:spPr>
+        <p:txBody>
+          <a:bodyPr wrap="square" rtlCol="0">
+            <a:spAutoFit/>
+          </a:bodyPr>
+          <a:lstStyle/>
+          <a:p>
+            <a:r>
+              <a:rPr lang="en-US" dirty="0">
+                <a:solidFill>
+                  <a:schemeClr val="bg1"/>
+                </a:solidFill>
+              </a:rPr>
+              <a:t>1:2</a:t>
+            </a:r>
+          </a:p>
+        </p:txBody>
+      </p:sp>
+      <p:sp>
+        <p:nvSpPr>
+          <p:cNvPr id="64" name="TextBox 63"/>
+          <p:cNvSpPr txBox="1"/>
+          <p:nvPr/>
+        </p:nvSpPr>
+        <p:spPr>
+          <a:xfrm>
+            <a:off x="1652434" y="3177575"/>
+            <a:ext cx="1473494" cy="369332"/>
+          </a:xfrm>
+          <a:prstGeom prst="rect">
+            <a:avLst/>
+          </a:prstGeom>
+          <a:noFill/>
+        </p:spPr>
+        <p:txBody>
+          <a:bodyPr wrap="square" rtlCol="0">
+            <a:spAutoFit/>
+          </a:bodyPr>
+          <a:lstStyle/>
+          <a:p>
+            <a:r>
+              <a:rPr lang="en-US" dirty="0"/>
+              <a:t>$1</a:t>
+            </a:r>
+          </a:p>
+        </p:txBody>
+      </p:sp>
+      <p:sp>
+        <p:nvSpPr>
+          <p:cNvPr id="66" name="TextBox 65"/>
+          <p:cNvSpPr txBox="1"/>
+          <p:nvPr/>
+        </p:nvSpPr>
+        <p:spPr>
+          <a:xfrm>
+            <a:off x="4053867" y="3257346"/>
+            <a:ext cx="1473494" cy="369332"/>
+          </a:xfrm>
+          <a:prstGeom prst="rect">
+            <a:avLst/>
+          </a:prstGeom>
+          <a:noFill/>
+        </p:spPr>
+        <p:txBody>
+          <a:bodyPr wrap="square" rtlCol="0">
+            <a:spAutoFit/>
+          </a:bodyPr>
+          <a:lstStyle/>
+          <a:p>
+            <a:r>
+              <a:rPr lang="en-US" dirty="0"/>
+              <a:t>$0</a:t>
+            </a:r>
+          </a:p>
+        </p:txBody>
+      </p:sp>
+      <p:sp>
+        <p:nvSpPr>
+          <p:cNvPr id="67" name="TextBox 66"/>
+          <p:cNvSpPr txBox="1"/>
+          <p:nvPr/>
+        </p:nvSpPr>
+        <p:spPr>
+          <a:xfrm>
+            <a:off x="5464747" y="4000297"/>
+            <a:ext cx="1473494" cy="369332"/>
+          </a:xfrm>
+          <a:prstGeom prst="rect">
+            <a:avLst/>
+          </a:prstGeom>
+          <a:noFill/>
+        </p:spPr>
+        <p:txBody>
+          <a:bodyPr wrap="square" rtlCol="0">
+            <a:spAutoFit/>
+          </a:bodyPr>
+          <a:lstStyle/>
+          <a:p>
+            <a:r>
+              <a:rPr lang="en-US" dirty="0"/>
+              <a:t>$1</a:t>
+            </a:r>
+          </a:p>
+        </p:txBody>
+      </p:sp>
+      <p:sp>
+        <p:nvSpPr>
+          <p:cNvPr id="68" name="TextBox 67"/>
+          <p:cNvSpPr txBox="1"/>
+          <p:nvPr/>
+        </p:nvSpPr>
+        <p:spPr>
+          <a:xfrm>
+            <a:off x="3093847" y="4982782"/>
+            <a:ext cx="1473494" cy="369332"/>
+          </a:xfrm>
+          <a:prstGeom prst="rect">
+            <a:avLst/>
+          </a:prstGeom>
+          <a:noFill/>
+        </p:spPr>
+        <p:txBody>
+          <a:bodyPr wrap="square" rtlCol="0">
+            <a:spAutoFit/>
+          </a:bodyPr>
+          <a:lstStyle/>
+          <a:p>
+            <a:r>
+              <a:rPr lang="en-US" dirty="0"/>
+              <a:t>$1</a:t>
+            </a:r>
+          </a:p>
+        </p:txBody>
+      </p:sp>
+      <p:sp>
+        <p:nvSpPr>
+          <p:cNvPr id="69" name="TextBox 68"/>
+          <p:cNvSpPr txBox="1"/>
+          <p:nvPr/>
+        </p:nvSpPr>
+        <p:spPr>
+          <a:xfrm>
+            <a:off x="7510387" y="4889052"/>
+            <a:ext cx="1473494" cy="369332"/>
+          </a:xfrm>
+          <a:prstGeom prst="rect">
+            <a:avLst/>
+          </a:prstGeom>
+          <a:noFill/>
+        </p:spPr>
+        <p:txBody>
+          <a:bodyPr wrap="square" rtlCol="0">
+            <a:spAutoFit/>
+          </a:bodyPr>
+          <a:lstStyle/>
+          <a:p>
+            <a:r>
+              <a:rPr lang="en-US" dirty="0"/>
+              <a:t>$1</a:t>
+            </a:r>
+          </a:p>
+        </p:txBody>
+      </p:sp>
+      <p:sp>
+        <p:nvSpPr>
+          <p:cNvPr id="70" name="TextBox 69"/>
+          <p:cNvSpPr txBox="1"/>
+          <p:nvPr/>
+        </p:nvSpPr>
+        <p:spPr>
+          <a:xfrm>
+            <a:off x="2458373" y="4148282"/>
+            <a:ext cx="1473494" cy="369332"/>
+          </a:xfrm>
+          <a:prstGeom prst="rect">
+            <a:avLst/>
+          </a:prstGeom>
+          <a:noFill/>
+        </p:spPr>
+        <p:txBody>
+          <a:bodyPr wrap="square" rtlCol="0">
+            <a:spAutoFit/>
+          </a:bodyPr>
+          <a:lstStyle/>
+          <a:p>
+            <a:r>
+              <a:rPr lang="en-US" dirty="0"/>
+              <a:t>$0</a:t>
+            </a:r>
+          </a:p>
+        </p:txBody>
+      </p:sp>
+      <p:sp>
+        <p:nvSpPr>
+          <p:cNvPr id="71" name="TextBox 70"/>
+          <p:cNvSpPr txBox="1"/>
+          <p:nvPr/>
+        </p:nvSpPr>
+        <p:spPr>
+          <a:xfrm>
+            <a:off x="6503422" y="4873091"/>
+            <a:ext cx="1473494" cy="369332"/>
+          </a:xfrm>
+          <a:prstGeom prst="rect">
+            <a:avLst/>
+          </a:prstGeom>
+          <a:noFill/>
+        </p:spPr>
+        <p:txBody>
+          <a:bodyPr wrap="square" rtlCol="0">
+            <a:spAutoFit/>
+          </a:bodyPr>
+          <a:lstStyle/>
+          <a:p>
+            <a:r>
+              <a:rPr lang="en-US" dirty="0"/>
+              <a:t>$0</a:t>
+            </a:r>
           </a:p>
         </p:txBody>
       </p:sp>
       <p:pic>
         <p:nvPicPr>
-          <p:cNvPr id="4" name="Picture 3"/>
+          <p:cNvPr id="72" name="Picture 71"/>
           <p:cNvPicPr>
             <a:picLocks noChangeAspect="1"/>
           </p:cNvPicPr>
@@ -8439,8 +8494,62 @@
         </p:blipFill>
         <p:spPr>
           <a:xfrm>
-            <a:off x="5679492" y="2651623"/>
-            <a:ext cx="2153169" cy="502930"/>
+            <a:off x="7096414" y="3164649"/>
+            <a:ext cx="1889984" cy="413043"/>
+          </a:xfrm>
+          <a:prstGeom prst="rect">
+            <a:avLst/>
+          </a:prstGeom>
+        </p:spPr>
+      </p:pic>
+      <p:sp>
+        <p:nvSpPr>
+          <p:cNvPr id="73" name="TextBox 72"/>
+          <p:cNvSpPr txBox="1"/>
+          <p:nvPr/>
+        </p:nvSpPr>
+        <p:spPr>
+          <a:xfrm>
+            <a:off x="9214338" y="3208361"/>
+            <a:ext cx="2015123" cy="369332"/>
+          </a:xfrm>
+          <a:prstGeom prst="rect">
+            <a:avLst/>
+          </a:prstGeom>
+          <a:noFill/>
+        </p:spPr>
+        <p:txBody>
+          <a:bodyPr wrap="square" rtlCol="0">
+            <a:spAutoFit/>
+          </a:bodyPr>
+          <a:lstStyle/>
+          <a:p>
+            <a:r>
+              <a:rPr lang="fa-IR" dirty="0"/>
+              <a:t>پیدا کردن همه جواب ها:</a:t>
+            </a:r>
+            <a:endParaRPr lang="en-US" dirty="0"/>
+          </a:p>
+        </p:txBody>
+      </p:sp>
+      <p:pic>
+        <p:nvPicPr>
+          <p:cNvPr id="74" name="Picture 73"/>
+          <p:cNvPicPr>
+            <a:picLocks noChangeAspect="1"/>
+          </p:cNvPicPr>
+          <p:nvPr/>
+        </p:nvPicPr>
+        <p:blipFill>
+          <a:blip r:embed="rId3"/>
+          <a:stretch>
+            <a:fillRect/>
+          </a:stretch>
+        </p:blipFill>
+        <p:spPr>
+          <a:xfrm>
+            <a:off x="8446460" y="4116779"/>
+            <a:ext cx="3220029" cy="464148"/>
           </a:xfrm>
           <a:prstGeom prst="rect">
             <a:avLst/>
@@ -8450,7 +8559,7 @@
     </p:spTree>
     <p:extLst>
       <p:ext uri="{BB962C8B-B14F-4D97-AF65-F5344CB8AC3E}">
-        <p14:creationId xmlns:p14="http://schemas.microsoft.com/office/powerpoint/2010/main" val="2760506763"/>
+        <p14:creationId xmlns:p14="http://schemas.microsoft.com/office/powerpoint/2010/main" val="2867097691"/>
       </p:ext>
     </p:extLst>
   </p:cSld>
@@ -8491,6 +8600,146 @@
       </p:grpSpPr>
       <p:sp>
         <p:nvSpPr>
+          <p:cNvPr id="2" name="Title 1"/>
+          <p:cNvSpPr>
+            <a:spLocks noGrp="1"/>
+          </p:cNvSpPr>
+          <p:nvPr>
+            <p:ph type="title"/>
+          </p:nvPr>
+        </p:nvSpPr>
+        <p:spPr>
+          <a:xfrm>
+            <a:off x="1097280" y="227988"/>
+            <a:ext cx="10058400" cy="1450757"/>
+          </a:xfrm>
+        </p:spPr>
+        <p:txBody>
+          <a:bodyPr/>
+          <a:lstStyle/>
+          <a:p>
+            <a:pPr algn="r"/>
+            <a:r>
+              <a:rPr lang="fa-IR" dirty="0">
+                <a:solidFill>
+                  <a:schemeClr val="tx1">
+                    <a:lumMod val="95000"/>
+                    <a:lumOff val="5000"/>
+                  </a:schemeClr>
+                </a:solidFill>
+              </a:rPr>
+              <a:t>طولانی ترین زیر رشته مشترک</a:t>
+            </a:r>
+            <a:endParaRPr lang="en-US" dirty="0">
+              <a:solidFill>
+                <a:schemeClr val="tx1">
+                  <a:lumMod val="95000"/>
+                  <a:lumOff val="5000"/>
+                </a:schemeClr>
+              </a:solidFill>
+            </a:endParaRPr>
+          </a:p>
+        </p:txBody>
+      </p:sp>
+      <p:sp>
+        <p:nvSpPr>
+          <p:cNvPr id="3" name="TextBox 2"/>
+          <p:cNvSpPr txBox="1"/>
+          <p:nvPr/>
+        </p:nvSpPr>
+        <p:spPr>
+          <a:xfrm>
+            <a:off x="7104185" y="2600482"/>
+            <a:ext cx="3763107" cy="523220"/>
+          </a:xfrm>
+          <a:prstGeom prst="rect">
+            <a:avLst/>
+          </a:prstGeom>
+          <a:noFill/>
+        </p:spPr>
+        <p:txBody>
+          <a:bodyPr wrap="square" rtlCol="0">
+            <a:spAutoFit/>
+          </a:bodyPr>
+          <a:lstStyle/>
+          <a:p>
+            <a:pPr algn="r"/>
+            <a:r>
+              <a:rPr lang="fa-IR" sz="2800" dirty="0"/>
+              <a:t>ساخت، رنگ و پیمایش: </a:t>
+            </a:r>
+            <a:endParaRPr lang="en-US" sz="2800" dirty="0"/>
+          </a:p>
+        </p:txBody>
+      </p:sp>
+      <p:pic>
+        <p:nvPicPr>
+          <p:cNvPr id="4" name="Picture 3"/>
+          <p:cNvPicPr>
+            <a:picLocks noChangeAspect="1"/>
+          </p:cNvPicPr>
+          <p:nvPr/>
+        </p:nvPicPr>
+        <p:blipFill>
+          <a:blip r:embed="rId2"/>
+          <a:stretch>
+            <a:fillRect/>
+          </a:stretch>
+        </p:blipFill>
+        <p:spPr>
+          <a:xfrm>
+            <a:off x="5679492" y="2651623"/>
+            <a:ext cx="2153169" cy="502930"/>
+          </a:xfrm>
+          <a:prstGeom prst="rect">
+            <a:avLst/>
+          </a:prstGeom>
+        </p:spPr>
+      </p:pic>
+    </p:spTree>
+    <p:extLst>
+      <p:ext uri="{BB962C8B-B14F-4D97-AF65-F5344CB8AC3E}">
+        <p14:creationId xmlns:p14="http://schemas.microsoft.com/office/powerpoint/2010/main" val="2760506763"/>
+      </p:ext>
+    </p:extLst>
+  </p:cSld>
+  <p:clrMapOvr>
+    <a:masterClrMapping/>
+  </p:clrMapOvr>
+  <mc:AlternateContent xmlns:mc="http://schemas.openxmlformats.org/markup-compatibility/2006" xmlns:p14="http://schemas.microsoft.com/office/powerpoint/2010/main">
+    <mc:Choice Requires="p14">
+      <p:transition spd="med" p14:dur="700">
+        <p:fade/>
+      </p:transition>
+    </mc:Choice>
+    <mc:Fallback xmlns="">
+      <p:transition spd="med">
+        <p:fade/>
+      </p:transition>
+    </mc:Fallback>
+  </mc:AlternateContent>
+</p:sld>
+</file>
+
+<file path=ppt/slides/slide17.xml><?xml version="1.0" encoding="utf-8"?>
+<p:sld xmlns:a="http://schemas.openxmlformats.org/drawingml/2006/main" xmlns:r="http://schemas.openxmlformats.org/officeDocument/2006/relationships" xmlns:p="http://schemas.openxmlformats.org/presentationml/2006/main">
+  <p:cSld>
+    <p:spTree>
+      <p:nvGrpSpPr>
+        <p:cNvPr id="1" name=""/>
+        <p:cNvGrpSpPr/>
+        <p:nvPr/>
+      </p:nvGrpSpPr>
+      <p:grpSpPr>
+        <a:xfrm>
+          <a:off x="0" y="0"/>
+          <a:ext cx="0" cy="0"/>
+          <a:chOff x="0" y="0"/>
+          <a:chExt cx="0" cy="0"/>
+        </a:xfrm>
+      </p:grpSpPr>
+      <p:sp>
+        <p:nvSpPr>
           <p:cNvPr id="3" name="Title 1"/>
           <p:cNvSpPr txBox="1">
             <a:spLocks/>
@@ -8644,7 +8893,7 @@
 </p:sld>
 </file>
 
-<file path=ppt/slides/slide17.xml><?xml version="1.0" encoding="utf-8"?>
+<file path=ppt/slides/slide18.xml><?xml version="1.0" encoding="utf-8"?>
 <p:sld xmlns:a="http://schemas.openxmlformats.org/drawingml/2006/main" xmlns:r="http://schemas.openxmlformats.org/officeDocument/2006/relationships" xmlns:p="http://schemas.openxmlformats.org/presentationml/2006/main">
   <p:cSld>
     <p:spTree>
@@ -9349,7 +9598,7 @@
           <a:graphicData uri="http://schemas.openxmlformats.org/presentationml/2006/ole">
             <mc:AlternateContent xmlns:mc="http://schemas.openxmlformats.org/markup-compatibility/2006">
               <mc:Choice xmlns:v="urn:schemas-microsoft-com:vml" Requires="v">
-                <p:oleObj spid="_x0000_s1144" name="Equation" r:id="rId3" imgW="799920" imgH="1549080" progId="Equation.DSMT4">
+                <p:oleObj spid="_x0000_s1150" name="Equation" r:id="rId3" imgW="799920" imgH="1549080" progId="Equation.DSMT4">
                   <p:embed/>
                 </p:oleObj>
               </mc:Choice>
@@ -9601,7 +9850,7 @@
           <a:graphicData uri="http://schemas.openxmlformats.org/presentationml/2006/ole">
             <mc:AlternateContent xmlns:mc="http://schemas.openxmlformats.org/markup-compatibility/2006">
               <mc:Choice xmlns:v="urn:schemas-microsoft-com:vml" Requires="v">
-                <p:oleObj spid="_x0000_s2168" name="Equation" r:id="rId4" imgW="4241520" imgH="203040" progId="Equation.DSMT4">
+                <p:oleObj spid="_x0000_s2174" name="Equation" r:id="rId4" imgW="4241520" imgH="203040" progId="Equation.DSMT4">
                   <p:embed/>
                 </p:oleObj>
               </mc:Choice>
@@ -10436,7 +10685,7 @@
           <a:graphicData uri="http://schemas.openxmlformats.org/presentationml/2006/ole">
             <mc:AlternateContent xmlns:mc="http://schemas.openxmlformats.org/markup-compatibility/2006">
               <mc:Choice xmlns:v="urn:schemas-microsoft-com:vml" Requires="v">
-                <p:oleObj spid="_x0000_s4652" name="Equation" r:id="rId4" imgW="164880" imgH="177480" progId="Equation.DSMT4">
+                <p:oleObj spid="_x0000_s4700" name="Equation" r:id="rId4" imgW="164880" imgH="177480" progId="Equation.DSMT4">
                   <p:embed/>
                 </p:oleObj>
               </mc:Choice>
@@ -10499,7 +10748,7 @@
           <a:graphicData uri="http://schemas.openxmlformats.org/presentationml/2006/ole">
             <mc:AlternateContent xmlns:mc="http://schemas.openxmlformats.org/markup-compatibility/2006">
               <mc:Choice xmlns:v="urn:schemas-microsoft-com:vml" Requires="v">
-                <p:oleObj spid="_x0000_s4653" name="Equation" r:id="rId6" imgW="431640" imgH="177480" progId="Equation.DSMT4">
+                <p:oleObj spid="_x0000_s4701" name="Equation" r:id="rId6" imgW="431640" imgH="177480" progId="Equation.DSMT4">
                   <p:embed/>
                 </p:oleObj>
               </mc:Choice>
@@ -10562,7 +10811,7 @@
           <a:graphicData uri="http://schemas.openxmlformats.org/presentationml/2006/ole">
             <mc:AlternateContent xmlns:mc="http://schemas.openxmlformats.org/markup-compatibility/2006">
               <mc:Choice xmlns:v="urn:schemas-microsoft-com:vml" Requires="v">
-                <p:oleObj spid="_x0000_s4654" name="Equation" r:id="rId8" imgW="126720" imgH="139680" progId="Equation.DSMT4">
+                <p:oleObj spid="_x0000_s4702" name="Equation" r:id="rId8" imgW="126720" imgH="139680" progId="Equation.DSMT4">
                   <p:embed/>
                 </p:oleObj>
               </mc:Choice>
@@ -10625,7 +10874,7 @@
           <a:graphicData uri="http://schemas.openxmlformats.org/presentationml/2006/ole">
             <mc:AlternateContent xmlns:mc="http://schemas.openxmlformats.org/markup-compatibility/2006">
               <mc:Choice xmlns:v="urn:schemas-microsoft-com:vml" Requires="v">
-                <p:oleObj spid="_x0000_s4655" name="Equation" r:id="rId10" imgW="539750" imgH="343211" progId="Equation.DSMT4">
+                <p:oleObj spid="_x0000_s4703" name="Equation" r:id="rId10" imgW="539750" imgH="343211" progId="Equation.DSMT4">
                   <p:embed/>
                 </p:oleObj>
               </mc:Choice>
@@ -10688,7 +10937,7 @@
           <a:graphicData uri="http://schemas.openxmlformats.org/presentationml/2006/ole">
             <mc:AlternateContent xmlns:mc="http://schemas.openxmlformats.org/markup-compatibility/2006">
               <mc:Choice xmlns:v="urn:schemas-microsoft-com:vml" Requires="v">
-                <p:oleObj spid="_x0000_s4656" name="Equation" r:id="rId12" imgW="833734" imgH="343211" progId="Equation.DSMT4">
+                <p:oleObj spid="_x0000_s4704" name="Equation" r:id="rId12" imgW="833734" imgH="343211" progId="Equation.DSMT4">
                   <p:embed/>
                 </p:oleObj>
               </mc:Choice>
@@ -10751,7 +11000,7 @@
           <a:graphicData uri="http://schemas.openxmlformats.org/presentationml/2006/ole">
             <mc:AlternateContent xmlns:mc="http://schemas.openxmlformats.org/markup-compatibility/2006">
               <mc:Choice xmlns:v="urn:schemas-microsoft-com:vml" Requires="v">
-                <p:oleObj spid="_x0000_s4657" name="Equation" r:id="rId14" imgW="203040" imgH="139680" progId="Equation.DSMT4">
+                <p:oleObj spid="_x0000_s4705" name="Equation" r:id="rId14" imgW="203040" imgH="139680" progId="Equation.DSMT4">
                   <p:embed/>
                 </p:oleObj>
               </mc:Choice>
@@ -10814,7 +11063,7 @@
           <a:graphicData uri="http://schemas.openxmlformats.org/presentationml/2006/ole">
             <mc:AlternateContent xmlns:mc="http://schemas.openxmlformats.org/markup-compatibility/2006">
               <mc:Choice xmlns:v="urn:schemas-microsoft-com:vml" Requires="v">
-                <p:oleObj spid="_x0000_s4658" name="Equation" r:id="rId16" imgW="190440" imgH="177480" progId="Equation.DSMT4">
+                <p:oleObj spid="_x0000_s4706" name="Equation" r:id="rId16" imgW="190440" imgH="177480" progId="Equation.DSMT4">
                   <p:embed/>
                 </p:oleObj>
               </mc:Choice>
@@ -10877,7 +11126,7 @@
           <a:graphicData uri="http://schemas.openxmlformats.org/presentationml/2006/ole">
             <mc:AlternateContent xmlns:mc="http://schemas.openxmlformats.org/markup-compatibility/2006">
               <mc:Choice xmlns:v="urn:schemas-microsoft-com:vml" Requires="v">
-                <p:oleObj spid="_x0000_s4659" name="Equation" r:id="rId18" imgW="833734" imgH="343211" progId="Equation.DSMT4">
+                <p:oleObj spid="_x0000_s4707" name="Equation" r:id="rId18" imgW="833734" imgH="343211" progId="Equation.DSMT4">
                   <p:embed/>
                 </p:oleObj>
               </mc:Choice>
